--- a/Lecture/Lecture 14/Lecture 14.pptx
+++ b/Lecture/Lecture 14/Lecture 14.pptx
@@ -6,10 +6,10 @@
     <p:sldMasterId id="2147483676" r:id="rId2"/>
   </p:sldMasterIdLst>
   <p:notesMasterIdLst>
-    <p:notesMasterId r:id="rId11"/>
+    <p:notesMasterId r:id="rId31"/>
   </p:notesMasterIdLst>
   <p:handoutMasterIdLst>
-    <p:handoutMasterId r:id="rId12"/>
+    <p:handoutMasterId r:id="rId32"/>
   </p:handoutMasterIdLst>
   <p:sldIdLst>
     <p:sldId id="320" r:id="rId3"/>
@@ -17,14 +17,34 @@
     <p:sldId id="391" r:id="rId5"/>
     <p:sldId id="392" r:id="rId6"/>
     <p:sldId id="393" r:id="rId7"/>
-    <p:sldId id="394" r:id="rId8"/>
-    <p:sldId id="395" r:id="rId9"/>
-    <p:sldId id="329" r:id="rId10"/>
+    <p:sldId id="395" r:id="rId8"/>
+    <p:sldId id="396" r:id="rId9"/>
+    <p:sldId id="397" r:id="rId10"/>
+    <p:sldId id="398" r:id="rId11"/>
+    <p:sldId id="399" r:id="rId12"/>
+    <p:sldId id="400" r:id="rId13"/>
+    <p:sldId id="401" r:id="rId14"/>
+    <p:sldId id="402" r:id="rId15"/>
+    <p:sldId id="403" r:id="rId16"/>
+    <p:sldId id="404" r:id="rId17"/>
+    <p:sldId id="405" r:id="rId18"/>
+    <p:sldId id="406" r:id="rId19"/>
+    <p:sldId id="407" r:id="rId20"/>
+    <p:sldId id="408" r:id="rId21"/>
+    <p:sldId id="409" r:id="rId22"/>
+    <p:sldId id="410" r:id="rId23"/>
+    <p:sldId id="411" r:id="rId24"/>
+    <p:sldId id="412" r:id="rId25"/>
+    <p:sldId id="413" r:id="rId26"/>
+    <p:sldId id="414" r:id="rId27"/>
+    <p:sldId id="415" r:id="rId28"/>
+    <p:sldId id="416" r:id="rId29"/>
+    <p:sldId id="329" r:id="rId30"/>
   </p:sldIdLst>
   <p:sldSz cx="9144000" cy="6858000" type="screen4x3"/>
   <p:notesSz cx="6858000" cy="9144000"/>
   <p:custDataLst>
-    <p:tags r:id="rId13"/>
+    <p:tags r:id="rId33"/>
   </p:custDataLst>
   <p:defaultTextStyle>
     <a:defPPr>
@@ -295,7 +315,7 @@
               <a:pPr>
                 <a:defRPr/>
               </a:pPr>
-              <a:t>9/27/2018</a:t>
+              <a:t>9/29/2018</a:t>
             </a:fld>
             <a:endParaRPr lang="en-US" dirty="0"/>
           </a:p>
@@ -507,7 +527,7 @@
               <a:pPr>
                 <a:defRPr/>
               </a:pPr>
-              <a:t>9/27/2018</a:t>
+              <a:t>9/29/2018</a:t>
             </a:fld>
             <a:endParaRPr lang="en-US" dirty="0"/>
           </a:p>
@@ -1026,7 +1046,7 @@
               <a:pPr>
                 <a:defRPr/>
               </a:pPr>
-              <a:t>9/27/2018</a:t>
+              <a:t>9/29/2018</a:t>
             </a:fld>
             <a:endParaRPr lang="en-US" dirty="0"/>
           </a:p>
@@ -1216,7 +1236,7 @@
               <a:pPr>
                 <a:defRPr/>
               </a:pPr>
-              <a:t>9/27/2018</a:t>
+              <a:t>9/29/2018</a:t>
             </a:fld>
             <a:endParaRPr lang="en-US" dirty="0"/>
           </a:p>
@@ -1416,7 +1436,7 @@
               <a:pPr>
                 <a:defRPr/>
               </a:pPr>
-              <a:t>9/27/2018</a:t>
+              <a:t>9/29/2018</a:t>
             </a:fld>
             <a:endParaRPr lang="en-US" dirty="0"/>
           </a:p>
@@ -1684,7 +1704,7 @@
               <a:pPr>
                 <a:defRPr/>
               </a:pPr>
-              <a:t>9/27/2018</a:t>
+              <a:t>9/29/2018</a:t>
             </a:fld>
             <a:endParaRPr lang="en-US" dirty="0">
               <a:solidFill>
@@ -1898,7 +1918,7 @@
               <a:pPr>
                 <a:defRPr/>
               </a:pPr>
-              <a:t>9/27/2018</a:t>
+              <a:t>9/29/2018</a:t>
             </a:fld>
             <a:endParaRPr lang="en-US" dirty="0">
               <a:solidFill>
@@ -2189,7 +2209,7 @@
               <a:pPr>
                 <a:defRPr/>
               </a:pPr>
-              <a:t>9/27/2018</a:t>
+              <a:t>9/29/2018</a:t>
             </a:fld>
             <a:endParaRPr lang="en-US" dirty="0">
               <a:solidFill>
@@ -2520,7 +2540,7 @@
               <a:pPr>
                 <a:defRPr/>
               </a:pPr>
-              <a:t>9/27/2018</a:t>
+              <a:t>9/29/2018</a:t>
             </a:fld>
             <a:endParaRPr lang="en-US" dirty="0">
               <a:solidFill>
@@ -2985,7 +3005,7 @@
               <a:pPr>
                 <a:defRPr/>
               </a:pPr>
-              <a:t>9/27/2018</a:t>
+              <a:t>9/29/2018</a:t>
             </a:fld>
             <a:endParaRPr lang="en-US" dirty="0">
               <a:solidFill>
@@ -3148,7 +3168,7 @@
               <a:pPr>
                 <a:defRPr/>
               </a:pPr>
-              <a:t>9/27/2018</a:t>
+              <a:t>9/29/2018</a:t>
             </a:fld>
             <a:endParaRPr lang="en-US" dirty="0">
               <a:solidFill>
@@ -3289,7 +3309,7 @@
               <a:pPr>
                 <a:defRPr/>
               </a:pPr>
-              <a:t>9/27/2018</a:t>
+              <a:t>9/29/2018</a:t>
             </a:fld>
             <a:endParaRPr lang="en-US" dirty="0">
               <a:solidFill>
@@ -3610,7 +3630,7 @@
               <a:pPr>
                 <a:defRPr/>
               </a:pPr>
-              <a:t>9/27/2018</a:t>
+              <a:t>9/29/2018</a:t>
             </a:fld>
             <a:endParaRPr lang="en-US" dirty="0">
               <a:solidFill>
@@ -3818,7 +3838,7 @@
               <a:pPr>
                 <a:defRPr/>
               </a:pPr>
-              <a:t>9/27/2018</a:t>
+              <a:t>9/29/2018</a:t>
             </a:fld>
             <a:endParaRPr lang="en-US" dirty="0"/>
           </a:p>
@@ -4101,7 +4121,7 @@
               <a:pPr>
                 <a:defRPr/>
               </a:pPr>
-              <a:t>9/27/2018</a:t>
+              <a:t>9/29/2018</a:t>
             </a:fld>
             <a:endParaRPr lang="en-US" dirty="0">
               <a:solidFill>
@@ -4315,7 +4335,7 @@
               <a:pPr>
                 <a:defRPr/>
               </a:pPr>
-              <a:t>9/27/2018</a:t>
+              <a:t>9/29/2018</a:t>
             </a:fld>
             <a:endParaRPr lang="en-US" dirty="0">
               <a:solidFill>
@@ -4539,7 +4559,7 @@
               <a:pPr>
                 <a:defRPr/>
               </a:pPr>
-              <a:t>9/27/2018</a:t>
+              <a:t>9/29/2018</a:t>
             </a:fld>
             <a:endParaRPr lang="en-US" dirty="0">
               <a:solidFill>
@@ -4749,7 +4769,7 @@
               <a:pPr>
                 <a:defRPr/>
               </a:pPr>
-              <a:t>9/27/2018</a:t>
+              <a:t>9/29/2018</a:t>
             </a:fld>
             <a:endParaRPr lang="en-US" dirty="0">
               <a:solidFill>
@@ -5026,7 +5046,7 @@
               <a:pPr>
                 <a:defRPr/>
               </a:pPr>
-              <a:t>9/27/2018</a:t>
+              <a:t>9/29/2018</a:t>
             </a:fld>
             <a:endParaRPr lang="en-US" dirty="0"/>
           </a:p>
@@ -5333,7 +5353,7 @@
               <a:pPr>
                 <a:defRPr/>
               </a:pPr>
-              <a:t>9/27/2018</a:t>
+              <a:t>9/29/2018</a:t>
             </a:fld>
             <a:endParaRPr lang="en-US" dirty="0"/>
           </a:p>
@@ -5774,7 +5794,7 @@
               <a:pPr>
                 <a:defRPr/>
               </a:pPr>
-              <a:t>9/27/2018</a:t>
+              <a:t>9/29/2018</a:t>
             </a:fld>
             <a:endParaRPr lang="en-US" dirty="0"/>
           </a:p>
@@ -5913,7 +5933,7 @@
               <a:pPr>
                 <a:defRPr/>
               </a:pPr>
-              <a:t>9/27/2018</a:t>
+              <a:t>9/29/2018</a:t>
             </a:fld>
             <a:endParaRPr lang="en-US" dirty="0"/>
           </a:p>
@@ -6030,7 +6050,7 @@
               <a:pPr>
                 <a:defRPr/>
               </a:pPr>
-              <a:t>9/27/2018</a:t>
+              <a:t>9/29/2018</a:t>
             </a:fld>
             <a:endParaRPr lang="en-US" dirty="0"/>
           </a:p>
@@ -6327,7 +6347,7 @@
               <a:pPr>
                 <a:defRPr/>
               </a:pPr>
-              <a:t>9/27/2018</a:t>
+              <a:t>9/29/2018</a:t>
             </a:fld>
             <a:endParaRPr lang="en-US" dirty="0"/>
           </a:p>
@@ -6604,7 +6624,7 @@
               <a:pPr>
                 <a:defRPr/>
               </a:pPr>
-              <a:t>9/27/2018</a:t>
+              <a:t>9/29/2018</a:t>
             </a:fld>
             <a:endParaRPr lang="en-US" dirty="0"/>
           </a:p>
@@ -6861,7 +6881,7 @@
               <a:pPr>
                 <a:defRPr/>
               </a:pPr>
-              <a:t>9/27/2018</a:t>
+              <a:t>9/29/2018</a:t>
             </a:fld>
             <a:endParaRPr lang="en-US" dirty="0"/>
           </a:p>
@@ -7571,7 +7591,7 @@
               <a:pPr>
                 <a:defRPr/>
               </a:pPr>
-              <a:t>9/27/2018</a:t>
+              <a:t>9/29/2018</a:t>
             </a:fld>
             <a:endParaRPr lang="en-US" dirty="0">
               <a:solidFill>
@@ -8152,7 +8172,7 @@
         </p:nvSpPr>
         <p:spPr>
           <a:xfrm>
-            <a:off x="3836894" y="3200400"/>
+            <a:off x="3836894" y="2133600"/>
             <a:ext cx="5334000" cy="1625073"/>
           </a:xfrm>
         </p:spPr>
@@ -8172,7 +8192,7 @@
                 <a:ea typeface="+mj-ea"/>
                 <a:cs typeface="+mj-cs"/>
               </a:rPr>
-              <a:t>Tidy Data II</a:t>
+              <a:t>Joins I</a:t>
             </a:r>
           </a:p>
         </p:txBody>
@@ -8455,7 +8475,7 @@
 </p:sld>
 </file>
 
-<file path=ppt/slides/slide2.xml><?xml version="1.0" encoding="utf-8"?>
+<file path=ppt/slides/slide10.xml><?xml version="1.0" encoding="utf-8"?>
 <p:sld xmlns:a="http://schemas.openxmlformats.org/drawingml/2006/main" xmlns:r="http://schemas.openxmlformats.org/officeDocument/2006/relationships" xmlns:p="http://schemas.openxmlformats.org/presentationml/2006/main">
   <p:cSld>
     <p:bg>
@@ -8617,7 +8637,7 @@
                 <a:ea typeface="+mj-ea"/>
                 <a:cs typeface="+mj-cs"/>
               </a:rPr>
-              <a:t>Missing Values</a:t>
+              <a:t>Mutating Joins</a:t>
             </a:r>
           </a:p>
         </p:txBody>
@@ -8654,6 +8674,3780 @@
       </p:pic>
       <p:sp>
         <p:nvSpPr>
+          <p:cNvPr id="9" name="TextBox 8">
+            <a:extLst>
+              <a:ext uri="{FF2B5EF4-FFF2-40B4-BE49-F238E27FC236}">
+                <a16:creationId xmlns:a16="http://schemas.microsoft.com/office/drawing/2014/main" id="{DE41F36B-9E04-47A2-B821-C1CCDC8248E9}"/>
+              </a:ext>
+            </a:extLst>
+          </p:cNvPr>
+          <p:cNvSpPr txBox="1"/>
+          <p:nvPr/>
+        </p:nvSpPr>
+        <p:spPr>
+          <a:xfrm>
+            <a:off x="3810000" y="621916"/>
+            <a:ext cx="5257800" cy="3046988"/>
+          </a:xfrm>
+          <a:prstGeom prst="rect">
+            <a:avLst/>
+          </a:prstGeom>
+          <a:noFill/>
+        </p:spPr>
+        <p:txBody>
+          <a:bodyPr wrap="square" rtlCol="0">
+            <a:spAutoFit/>
+          </a:bodyPr>
+          <a:lstStyle/>
+          <a:p>
+            <a:pPr marL="342900" indent="-342900">
+              <a:buFont typeface="Arial" panose="020B0604020202020204" pitchFamily="34" charset="0"/>
+              <a:buChar char="•"/>
+            </a:pPr>
+            <a:r>
+              <a:rPr lang="en-US" dirty="0">
+                <a:solidFill>
+                  <a:srgbClr val="404040"/>
+                </a:solidFill>
+              </a:rPr>
+              <a:t>Inner Joins</a:t>
+            </a:r>
+          </a:p>
+          <a:p>
+            <a:pPr marL="800100" lvl="1" indent="-342900">
+              <a:buFont typeface="Arial" panose="020B0604020202020204" pitchFamily="34" charset="0"/>
+              <a:buChar char="•"/>
+            </a:pPr>
+            <a:endParaRPr lang="en-US" dirty="0">
+              <a:solidFill>
+                <a:srgbClr val="404040"/>
+              </a:solidFill>
+            </a:endParaRPr>
+          </a:p>
+          <a:p>
+            <a:pPr marL="800100" lvl="1" indent="-342900">
+              <a:buFont typeface="Arial" panose="020B0604020202020204" pitchFamily="34" charset="0"/>
+              <a:buChar char="•"/>
+            </a:pPr>
+            <a:r>
+              <a:rPr lang="en-US" dirty="0">
+                <a:solidFill>
+                  <a:srgbClr val="404040"/>
+                </a:solidFill>
+              </a:rPr>
+              <a:t>Matches Observations When Their Keys are Equal</a:t>
+            </a:r>
+          </a:p>
+          <a:p>
+            <a:pPr marL="800100" lvl="1" indent="-342900">
+              <a:buFont typeface="Arial" panose="020B0604020202020204" pitchFamily="34" charset="0"/>
+              <a:buChar char="•"/>
+            </a:pPr>
+            <a:endParaRPr lang="en-US" dirty="0">
+              <a:solidFill>
+                <a:srgbClr val="404040"/>
+              </a:solidFill>
+            </a:endParaRPr>
+          </a:p>
+          <a:p>
+            <a:pPr marL="800100" lvl="1" indent="-342900">
+              <a:buFont typeface="Arial" panose="020B0604020202020204" pitchFamily="34" charset="0"/>
+              <a:buChar char="•"/>
+            </a:pPr>
+            <a:r>
+              <a:rPr lang="en-US" dirty="0">
+                <a:solidFill>
+                  <a:srgbClr val="404040"/>
+                </a:solidFill>
+              </a:rPr>
+              <a:t>Equivalent to</a:t>
+            </a:r>
+          </a:p>
+          <a:p>
+            <a:pPr marL="800100" lvl="1" indent="-342900">
+              <a:buFont typeface="Arial" panose="020B0604020202020204" pitchFamily="34" charset="0"/>
+              <a:buChar char="•"/>
+            </a:pPr>
+            <a:endParaRPr lang="en-US" dirty="0">
+              <a:solidFill>
+                <a:srgbClr val="404040"/>
+              </a:solidFill>
+            </a:endParaRPr>
+          </a:p>
+          <a:p>
+            <a:pPr marL="800100" lvl="1" indent="-342900">
+              <a:buFont typeface="Arial" panose="020B0604020202020204" pitchFamily="34" charset="0"/>
+              <a:buChar char="•"/>
+            </a:pPr>
+            <a:r>
+              <a:rPr lang="en-US" dirty="0">
+                <a:solidFill>
+                  <a:srgbClr val="404040"/>
+                </a:solidFill>
+              </a:rPr>
+              <a:t>Example: Survey + Transaction</a:t>
+            </a:r>
+          </a:p>
+        </p:txBody>
+      </p:sp>
+      <p:sp>
+        <p:nvSpPr>
+          <p:cNvPr id="3" name="TextBox 2">
+            <a:extLst>
+              <a:ext uri="{FF2B5EF4-FFF2-40B4-BE49-F238E27FC236}">
+                <a16:creationId xmlns:a16="http://schemas.microsoft.com/office/drawing/2014/main" id="{AD6D00FA-EECA-43B4-BC92-FA50BCFB433D}"/>
+              </a:ext>
+            </a:extLst>
+          </p:cNvPr>
+          <p:cNvSpPr txBox="1"/>
+          <p:nvPr/>
+        </p:nvSpPr>
+        <p:spPr>
+          <a:xfrm>
+            <a:off x="6553200" y="2452533"/>
+            <a:ext cx="1966722" cy="461665"/>
+          </a:xfrm>
+          <a:prstGeom prst="rect">
+            <a:avLst/>
+          </a:prstGeom>
+          <a:solidFill>
+            <a:srgbClr val="404040"/>
+          </a:solidFill>
+        </p:spPr>
+        <p:txBody>
+          <a:bodyPr wrap="square" rtlCol="0">
+            <a:spAutoFit/>
+          </a:bodyPr>
+          <a:lstStyle/>
+          <a:p>
+            <a:r>
+              <a:rPr lang="en-US" dirty="0">
+                <a:solidFill>
+                  <a:schemeClr val="bg1"/>
+                </a:solidFill>
+              </a:rPr>
+              <a:t>&gt; merge(</a:t>
+            </a:r>
+            <a:r>
+              <a:rPr lang="en-US" dirty="0" err="1">
+                <a:solidFill>
+                  <a:schemeClr val="bg1"/>
+                </a:solidFill>
+              </a:rPr>
+              <a:t>x,y</a:t>
+            </a:r>
+            <a:r>
+              <a:rPr lang="en-US" dirty="0">
+                <a:solidFill>
+                  <a:schemeClr val="bg1"/>
+                </a:solidFill>
+              </a:rPr>
+              <a:t>)</a:t>
+            </a:r>
+          </a:p>
+        </p:txBody>
+      </p:sp>
+      <p:pic>
+        <p:nvPicPr>
+          <p:cNvPr id="4" name="Picture 3">
+            <a:extLst>
+              <a:ext uri="{FF2B5EF4-FFF2-40B4-BE49-F238E27FC236}">
+                <a16:creationId xmlns:a16="http://schemas.microsoft.com/office/drawing/2014/main" id="{F27BDD14-5E89-408E-8545-E124F47A9151}"/>
+              </a:ext>
+            </a:extLst>
+          </p:cNvPr>
+          <p:cNvPicPr>
+            <a:picLocks noChangeAspect="1"/>
+          </p:cNvPicPr>
+          <p:nvPr/>
+        </p:nvPicPr>
+        <p:blipFill>
+          <a:blip r:embed="rId4"/>
+          <a:stretch>
+            <a:fillRect/>
+          </a:stretch>
+        </p:blipFill>
+        <p:spPr>
+          <a:xfrm>
+            <a:off x="3616662" y="3810000"/>
+            <a:ext cx="5431085" cy="2590800"/>
+          </a:xfrm>
+          <a:prstGeom prst="rect">
+            <a:avLst/>
+          </a:prstGeom>
+          <a:ln>
+            <a:solidFill>
+              <a:srgbClr val="404040"/>
+            </a:solidFill>
+          </a:ln>
+        </p:spPr>
+        <p:style>
+          <a:lnRef idx="2">
+            <a:schemeClr val="dk1"/>
+          </a:lnRef>
+          <a:fillRef idx="1">
+            <a:schemeClr val="lt1"/>
+          </a:fillRef>
+          <a:effectRef idx="0">
+            <a:schemeClr val="dk1"/>
+          </a:effectRef>
+          <a:fontRef idx="minor">
+            <a:schemeClr val="dk1"/>
+          </a:fontRef>
+        </p:style>
+      </p:pic>
+    </p:spTree>
+    <p:custDataLst>
+      <p:tags r:id="rId1"/>
+    </p:custDataLst>
+    <p:extLst>
+      <p:ext uri="{BB962C8B-B14F-4D97-AF65-F5344CB8AC3E}">
+        <p14:creationId xmlns:p14="http://schemas.microsoft.com/office/powerpoint/2010/main" val="3659162156"/>
+      </p:ext>
+    </p:extLst>
+  </p:cSld>
+  <p:clrMapOvr>
+    <a:masterClrMapping/>
+  </p:clrMapOvr>
+</p:sld>
+</file>
+
+<file path=ppt/slides/slide11.xml><?xml version="1.0" encoding="utf-8"?>
+<p:sld xmlns:a="http://schemas.openxmlformats.org/drawingml/2006/main" xmlns:r="http://schemas.openxmlformats.org/officeDocument/2006/relationships" xmlns:p="http://schemas.openxmlformats.org/presentationml/2006/main">
+  <p:cSld>
+    <p:bg>
+      <p:bgPr>
+        <a:solidFill>
+          <a:schemeClr val="bg1">
+            <a:lumMod val="85000"/>
+          </a:schemeClr>
+        </a:solidFill>
+        <a:effectLst/>
+      </p:bgPr>
+    </p:bg>
+    <p:spTree>
+      <p:nvGrpSpPr>
+        <p:cNvPr id="1" name=""/>
+        <p:cNvGrpSpPr/>
+        <p:nvPr/>
+      </p:nvGrpSpPr>
+      <p:grpSpPr>
+        <a:xfrm>
+          <a:off x="0" y="0"/>
+          <a:ext cx="0" cy="0"/>
+          <a:chOff x="0" y="0"/>
+          <a:chExt cx="0" cy="0"/>
+        </a:xfrm>
+      </p:grpSpPr>
+      <p:sp>
+        <p:nvSpPr>
+          <p:cNvPr id="15" name="Rectangle 12">
+            <a:extLst>
+              <a:ext uri="{FF2B5EF4-FFF2-40B4-BE49-F238E27FC236}">
+                <a16:creationId xmlns:a16="http://schemas.microsoft.com/office/drawing/2014/main" id="{867D4867-5BA7-4462-B2F6-A23F4A622AA7}"/>
+              </a:ext>
+              <a:ext uri="{C183D7F6-B498-43B3-948B-1728B52AA6E4}">
+                <adec:decorative xmlns:adec="http://schemas.microsoft.com/office/drawing/2017/decorative" val="1"/>
+              </a:ext>
+            </a:extLst>
+          </p:cNvPr>
+          <p:cNvSpPr>
+            <a:spLocks noGrp="1" noRot="1" noChangeAspect="1" noMove="1" noResize="1" noEditPoints="1" noAdjustHandles="1" noChangeArrowheads="1" noChangeShapeType="1" noTextEdit="1"/>
+          </p:cNvSpPr>
+          <p:nvPr>
+            <p:extLst>
+              <p:ext uri="{386F3935-93C4-4BCD-93E2-E3B085C9AB24}">
+                <p16:designElem xmlns:p16="http://schemas.microsoft.com/office/powerpoint/2015/main" val="1"/>
+              </p:ext>
+            </p:extLst>
+          </p:nvPr>
+        </p:nvSpPr>
+        <p:spPr>
+          <a:xfrm>
+            <a:off x="0" y="0"/>
+            <a:ext cx="3490722" cy="6858000"/>
+          </a:xfrm>
+          <a:prstGeom prst="rect">
+            <a:avLst/>
+          </a:prstGeom>
+          <a:solidFill>
+            <a:schemeClr val="tx1">
+              <a:lumMod val="75000"/>
+              <a:lumOff val="25000"/>
+            </a:schemeClr>
+          </a:solidFill>
+          <a:ln>
+            <a:noFill/>
+          </a:ln>
+        </p:spPr>
+        <p:style>
+          <a:lnRef idx="0">
+            <a:scrgbClr r="0" g="0" b="0"/>
+          </a:lnRef>
+          <a:fillRef idx="0">
+            <a:scrgbClr r="0" g="0" b="0"/>
+          </a:fillRef>
+          <a:effectRef idx="0">
+            <a:scrgbClr r="0" g="0" b="0"/>
+          </a:effectRef>
+          <a:fontRef idx="minor">
+            <a:schemeClr val="lt1"/>
+          </a:fontRef>
+        </p:style>
+        <p:txBody>
+          <a:bodyPr rtlCol="0" anchor="ctr"/>
+          <a:lstStyle/>
+          <a:p>
+            <a:pPr marL="0" marR="0" lvl="0" indent="0" algn="ctr" defTabSz="457200" rtl="0" eaLnBrk="1" fontAlgn="base" latinLnBrk="0" hangingPunct="1">
+              <a:lnSpc>
+                <a:spcPct val="100000"/>
+              </a:lnSpc>
+              <a:spcBef>
+                <a:spcPct val="0"/>
+              </a:spcBef>
+              <a:spcAft>
+                <a:spcPct val="0"/>
+              </a:spcAft>
+              <a:buClrTx/>
+              <a:buSzTx/>
+              <a:buFontTx/>
+              <a:buNone/>
+              <a:tabLst/>
+              <a:defRPr/>
+            </a:pPr>
+            <a:endParaRPr kumimoji="0" lang="en-US" sz="2400" b="0" i="0" u="none" strike="noStrike" kern="1200" cap="none" spc="0" normalizeH="0" baseline="0" noProof="0">
+              <a:ln>
+                <a:noFill/>
+              </a:ln>
+              <a:solidFill>
+                <a:prstClr val="white"/>
+              </a:solidFill>
+              <a:effectLst/>
+              <a:uLnTx/>
+              <a:uFillTx/>
+              <a:latin typeface="Calibri"/>
+              <a:ea typeface="+mn-ea"/>
+              <a:cs typeface="+mn-cs"/>
+            </a:endParaRPr>
+          </a:p>
+        </p:txBody>
+      </p:sp>
+      <p:sp>
+        <p:nvSpPr>
+          <p:cNvPr id="2" name="Title 1"/>
+          <p:cNvSpPr>
+            <a:spLocks noGrp="1"/>
+          </p:cNvSpPr>
+          <p:nvPr>
+            <p:ph type="title"/>
+          </p:nvPr>
+        </p:nvSpPr>
+        <p:spPr>
+          <a:xfrm>
+            <a:off x="482600" y="643467"/>
+            <a:ext cx="2522980" cy="1597315"/>
+          </a:xfrm>
+          <a:noFill/>
+          <a:ln w="19050">
+            <a:solidFill>
+              <a:schemeClr val="bg1"/>
+            </a:solidFill>
+          </a:ln>
+        </p:spPr>
+        <p:txBody>
+          <a:bodyPr vert="horz" wrap="square" lIns="91440" tIns="45720" rIns="91440" bIns="45720" rtlCol="0" anchor="ctr">
+            <a:normAutofit/>
+          </a:bodyPr>
+          <a:lstStyle/>
+          <a:p>
+            <a:pPr defTabSz="914400" eaLnBrk="1" hangingPunct="1">
+              <a:lnSpc>
+                <a:spcPct val="90000"/>
+              </a:lnSpc>
+            </a:pPr>
+            <a:r>
+              <a:rPr lang="en-US" sz="2400" kern="1200" dirty="0">
+                <a:solidFill>
+                  <a:schemeClr val="bg1"/>
+                </a:solidFill>
+                <a:latin typeface="+mj-lt"/>
+                <a:ea typeface="+mj-ea"/>
+                <a:cs typeface="+mj-cs"/>
+              </a:rPr>
+              <a:t>Mutating Joins</a:t>
+            </a:r>
+          </a:p>
+        </p:txBody>
+      </p:sp>
+      <p:pic>
+        <p:nvPicPr>
+          <p:cNvPr id="8" name="Picture 7">
+            <a:extLst>
+              <a:ext uri="{FF2B5EF4-FFF2-40B4-BE49-F238E27FC236}">
+                <a16:creationId xmlns:a16="http://schemas.microsoft.com/office/drawing/2014/main" id="{521D4292-9ECC-4DA5-8CC0-C561A0DA118E}"/>
+              </a:ext>
+            </a:extLst>
+          </p:cNvPr>
+          <p:cNvPicPr>
+            <a:picLocks noChangeAspect="1"/>
+          </p:cNvPicPr>
+          <p:nvPr/>
+        </p:nvPicPr>
+        <p:blipFill rotWithShape="1">
+          <a:blip r:embed="rId3"/>
+          <a:srcRect l="8000" r="9400"/>
+          <a:stretch/>
+        </p:blipFill>
+        <p:spPr>
+          <a:xfrm>
+            <a:off x="660103" y="3048000"/>
+            <a:ext cx="2167974" cy="2624666"/>
+          </a:xfrm>
+          <a:prstGeom prst="rect">
+            <a:avLst/>
+          </a:prstGeom>
+          <a:noFill/>
+        </p:spPr>
+      </p:pic>
+      <p:sp>
+        <p:nvSpPr>
+          <p:cNvPr id="9" name="TextBox 8">
+            <a:extLst>
+              <a:ext uri="{FF2B5EF4-FFF2-40B4-BE49-F238E27FC236}">
+                <a16:creationId xmlns:a16="http://schemas.microsoft.com/office/drawing/2014/main" id="{DE41F36B-9E04-47A2-B821-C1CCDC8248E9}"/>
+              </a:ext>
+            </a:extLst>
+          </p:cNvPr>
+          <p:cNvSpPr txBox="1"/>
+          <p:nvPr/>
+        </p:nvSpPr>
+        <p:spPr>
+          <a:xfrm>
+            <a:off x="3810000" y="621916"/>
+            <a:ext cx="5257800" cy="1200329"/>
+          </a:xfrm>
+          <a:prstGeom prst="rect">
+            <a:avLst/>
+          </a:prstGeom>
+          <a:noFill/>
+        </p:spPr>
+        <p:txBody>
+          <a:bodyPr wrap="square" rtlCol="0">
+            <a:spAutoFit/>
+          </a:bodyPr>
+          <a:lstStyle/>
+          <a:p>
+            <a:pPr marL="342900" indent="-342900">
+              <a:buFont typeface="Arial" panose="020B0604020202020204" pitchFamily="34" charset="0"/>
+              <a:buChar char="•"/>
+            </a:pPr>
+            <a:r>
+              <a:rPr lang="en-US" dirty="0">
+                <a:solidFill>
+                  <a:srgbClr val="404040"/>
+                </a:solidFill>
+              </a:rPr>
+              <a:t>Inner Joins</a:t>
+            </a:r>
+          </a:p>
+          <a:p>
+            <a:pPr lvl="1"/>
+            <a:endParaRPr lang="en-US" dirty="0">
+              <a:solidFill>
+                <a:srgbClr val="404040"/>
+              </a:solidFill>
+            </a:endParaRPr>
+          </a:p>
+          <a:p>
+            <a:pPr marL="800100" lvl="1" indent="-342900">
+              <a:buFont typeface="Arial" panose="020B0604020202020204" pitchFamily="34" charset="0"/>
+              <a:buChar char="•"/>
+            </a:pPr>
+            <a:r>
+              <a:rPr lang="en-US" dirty="0">
+                <a:solidFill>
+                  <a:srgbClr val="404040"/>
+                </a:solidFill>
+              </a:rPr>
+              <a:t>Example: Survey + Transaction</a:t>
+            </a:r>
+          </a:p>
+        </p:txBody>
+      </p:sp>
+      <p:pic>
+        <p:nvPicPr>
+          <p:cNvPr id="5" name="Picture 4">
+            <a:extLst>
+              <a:ext uri="{FF2B5EF4-FFF2-40B4-BE49-F238E27FC236}">
+                <a16:creationId xmlns:a16="http://schemas.microsoft.com/office/drawing/2014/main" id="{1E34AFC0-1873-4C4D-927E-59462D2B3626}"/>
+              </a:ext>
+            </a:extLst>
+          </p:cNvPr>
+          <p:cNvPicPr>
+            <a:picLocks noChangeAspect="1"/>
+          </p:cNvPicPr>
+          <p:nvPr/>
+        </p:nvPicPr>
+        <p:blipFill>
+          <a:blip r:embed="rId4"/>
+          <a:stretch>
+            <a:fillRect/>
+          </a:stretch>
+        </p:blipFill>
+        <p:spPr>
+          <a:xfrm>
+            <a:off x="4724400" y="1822245"/>
+            <a:ext cx="4164371" cy="4752975"/>
+          </a:xfrm>
+          <a:prstGeom prst="rect">
+            <a:avLst/>
+          </a:prstGeom>
+          <a:ln>
+            <a:solidFill>
+              <a:srgbClr val="404040"/>
+            </a:solidFill>
+          </a:ln>
+        </p:spPr>
+        <p:style>
+          <a:lnRef idx="2">
+            <a:schemeClr val="dk1"/>
+          </a:lnRef>
+          <a:fillRef idx="1">
+            <a:schemeClr val="lt1"/>
+          </a:fillRef>
+          <a:effectRef idx="0">
+            <a:schemeClr val="dk1"/>
+          </a:effectRef>
+          <a:fontRef idx="minor">
+            <a:schemeClr val="dk1"/>
+          </a:fontRef>
+        </p:style>
+      </p:pic>
+    </p:spTree>
+    <p:custDataLst>
+      <p:tags r:id="rId1"/>
+    </p:custDataLst>
+    <p:extLst>
+      <p:ext uri="{BB962C8B-B14F-4D97-AF65-F5344CB8AC3E}">
+        <p14:creationId xmlns:p14="http://schemas.microsoft.com/office/powerpoint/2010/main" val="3782162441"/>
+      </p:ext>
+    </p:extLst>
+  </p:cSld>
+  <p:clrMapOvr>
+    <a:masterClrMapping/>
+  </p:clrMapOvr>
+</p:sld>
+</file>
+
+<file path=ppt/slides/slide12.xml><?xml version="1.0" encoding="utf-8"?>
+<p:sld xmlns:a="http://schemas.openxmlformats.org/drawingml/2006/main" xmlns:r="http://schemas.openxmlformats.org/officeDocument/2006/relationships" xmlns:p="http://schemas.openxmlformats.org/presentationml/2006/main">
+  <p:cSld>
+    <p:bg>
+      <p:bgPr>
+        <a:solidFill>
+          <a:schemeClr val="bg1">
+            <a:lumMod val="85000"/>
+          </a:schemeClr>
+        </a:solidFill>
+        <a:effectLst/>
+      </p:bgPr>
+    </p:bg>
+    <p:spTree>
+      <p:nvGrpSpPr>
+        <p:cNvPr id="1" name=""/>
+        <p:cNvGrpSpPr/>
+        <p:nvPr/>
+      </p:nvGrpSpPr>
+      <p:grpSpPr>
+        <a:xfrm>
+          <a:off x="0" y="0"/>
+          <a:ext cx="0" cy="0"/>
+          <a:chOff x="0" y="0"/>
+          <a:chExt cx="0" cy="0"/>
+        </a:xfrm>
+      </p:grpSpPr>
+      <p:sp>
+        <p:nvSpPr>
+          <p:cNvPr id="15" name="Rectangle 12">
+            <a:extLst>
+              <a:ext uri="{FF2B5EF4-FFF2-40B4-BE49-F238E27FC236}">
+                <a16:creationId xmlns:a16="http://schemas.microsoft.com/office/drawing/2014/main" id="{867D4867-5BA7-4462-B2F6-A23F4A622AA7}"/>
+              </a:ext>
+              <a:ext uri="{C183D7F6-B498-43B3-948B-1728B52AA6E4}">
+                <adec:decorative xmlns:adec="http://schemas.microsoft.com/office/drawing/2017/decorative" val="1"/>
+              </a:ext>
+            </a:extLst>
+          </p:cNvPr>
+          <p:cNvSpPr>
+            <a:spLocks noGrp="1" noRot="1" noChangeAspect="1" noMove="1" noResize="1" noEditPoints="1" noAdjustHandles="1" noChangeArrowheads="1" noChangeShapeType="1" noTextEdit="1"/>
+          </p:cNvSpPr>
+          <p:nvPr>
+            <p:extLst>
+              <p:ext uri="{386F3935-93C4-4BCD-93E2-E3B085C9AB24}">
+                <p16:designElem xmlns:p16="http://schemas.microsoft.com/office/powerpoint/2015/main" val="1"/>
+              </p:ext>
+            </p:extLst>
+          </p:nvPr>
+        </p:nvSpPr>
+        <p:spPr>
+          <a:xfrm>
+            <a:off x="0" y="0"/>
+            <a:ext cx="3490722" cy="6858000"/>
+          </a:xfrm>
+          <a:prstGeom prst="rect">
+            <a:avLst/>
+          </a:prstGeom>
+          <a:solidFill>
+            <a:schemeClr val="tx1">
+              <a:lumMod val="75000"/>
+              <a:lumOff val="25000"/>
+            </a:schemeClr>
+          </a:solidFill>
+          <a:ln>
+            <a:noFill/>
+          </a:ln>
+        </p:spPr>
+        <p:style>
+          <a:lnRef idx="0">
+            <a:scrgbClr r="0" g="0" b="0"/>
+          </a:lnRef>
+          <a:fillRef idx="0">
+            <a:scrgbClr r="0" g="0" b="0"/>
+          </a:fillRef>
+          <a:effectRef idx="0">
+            <a:scrgbClr r="0" g="0" b="0"/>
+          </a:effectRef>
+          <a:fontRef idx="minor">
+            <a:schemeClr val="lt1"/>
+          </a:fontRef>
+        </p:style>
+        <p:txBody>
+          <a:bodyPr rtlCol="0" anchor="ctr"/>
+          <a:lstStyle/>
+          <a:p>
+            <a:pPr marL="0" marR="0" lvl="0" indent="0" algn="ctr" defTabSz="457200" rtl="0" eaLnBrk="1" fontAlgn="base" latinLnBrk="0" hangingPunct="1">
+              <a:lnSpc>
+                <a:spcPct val="100000"/>
+              </a:lnSpc>
+              <a:spcBef>
+                <a:spcPct val="0"/>
+              </a:spcBef>
+              <a:spcAft>
+                <a:spcPct val="0"/>
+              </a:spcAft>
+              <a:buClrTx/>
+              <a:buSzTx/>
+              <a:buFontTx/>
+              <a:buNone/>
+              <a:tabLst/>
+              <a:defRPr/>
+            </a:pPr>
+            <a:endParaRPr kumimoji="0" lang="en-US" sz="2400" b="0" i="0" u="none" strike="noStrike" kern="1200" cap="none" spc="0" normalizeH="0" baseline="0" noProof="0">
+              <a:ln>
+                <a:noFill/>
+              </a:ln>
+              <a:solidFill>
+                <a:prstClr val="white"/>
+              </a:solidFill>
+              <a:effectLst/>
+              <a:uLnTx/>
+              <a:uFillTx/>
+              <a:latin typeface="Calibri"/>
+              <a:ea typeface="+mn-ea"/>
+              <a:cs typeface="+mn-cs"/>
+            </a:endParaRPr>
+          </a:p>
+        </p:txBody>
+      </p:sp>
+      <p:sp>
+        <p:nvSpPr>
+          <p:cNvPr id="2" name="Title 1"/>
+          <p:cNvSpPr>
+            <a:spLocks noGrp="1"/>
+          </p:cNvSpPr>
+          <p:nvPr>
+            <p:ph type="title"/>
+          </p:nvPr>
+        </p:nvSpPr>
+        <p:spPr>
+          <a:xfrm>
+            <a:off x="482600" y="643467"/>
+            <a:ext cx="2522980" cy="1597315"/>
+          </a:xfrm>
+          <a:noFill/>
+          <a:ln w="19050">
+            <a:solidFill>
+              <a:schemeClr val="bg1"/>
+            </a:solidFill>
+          </a:ln>
+        </p:spPr>
+        <p:txBody>
+          <a:bodyPr vert="horz" wrap="square" lIns="91440" tIns="45720" rIns="91440" bIns="45720" rtlCol="0" anchor="ctr">
+            <a:normAutofit/>
+          </a:bodyPr>
+          <a:lstStyle/>
+          <a:p>
+            <a:pPr defTabSz="914400" eaLnBrk="1" hangingPunct="1">
+              <a:lnSpc>
+                <a:spcPct val="90000"/>
+              </a:lnSpc>
+            </a:pPr>
+            <a:r>
+              <a:rPr lang="en-US" sz="2400" kern="1200" dirty="0">
+                <a:solidFill>
+                  <a:schemeClr val="bg1"/>
+                </a:solidFill>
+                <a:latin typeface="+mj-lt"/>
+                <a:ea typeface="+mj-ea"/>
+                <a:cs typeface="+mj-cs"/>
+              </a:rPr>
+              <a:t>Mutating Joins</a:t>
+            </a:r>
+          </a:p>
+        </p:txBody>
+      </p:sp>
+      <p:pic>
+        <p:nvPicPr>
+          <p:cNvPr id="8" name="Picture 7">
+            <a:extLst>
+              <a:ext uri="{FF2B5EF4-FFF2-40B4-BE49-F238E27FC236}">
+                <a16:creationId xmlns:a16="http://schemas.microsoft.com/office/drawing/2014/main" id="{521D4292-9ECC-4DA5-8CC0-C561A0DA118E}"/>
+              </a:ext>
+            </a:extLst>
+          </p:cNvPr>
+          <p:cNvPicPr>
+            <a:picLocks noChangeAspect="1"/>
+          </p:cNvPicPr>
+          <p:nvPr/>
+        </p:nvPicPr>
+        <p:blipFill rotWithShape="1">
+          <a:blip r:embed="rId3"/>
+          <a:srcRect l="8000" r="9400"/>
+          <a:stretch/>
+        </p:blipFill>
+        <p:spPr>
+          <a:xfrm>
+            <a:off x="660103" y="3048000"/>
+            <a:ext cx="2167974" cy="2624666"/>
+          </a:xfrm>
+          <a:prstGeom prst="rect">
+            <a:avLst/>
+          </a:prstGeom>
+          <a:noFill/>
+        </p:spPr>
+      </p:pic>
+      <p:sp>
+        <p:nvSpPr>
+          <p:cNvPr id="9" name="TextBox 8">
+            <a:extLst>
+              <a:ext uri="{FF2B5EF4-FFF2-40B4-BE49-F238E27FC236}">
+                <a16:creationId xmlns:a16="http://schemas.microsoft.com/office/drawing/2014/main" id="{DE41F36B-9E04-47A2-B821-C1CCDC8248E9}"/>
+              </a:ext>
+            </a:extLst>
+          </p:cNvPr>
+          <p:cNvSpPr txBox="1"/>
+          <p:nvPr/>
+        </p:nvSpPr>
+        <p:spPr>
+          <a:xfrm>
+            <a:off x="3810000" y="621916"/>
+            <a:ext cx="5257800" cy="1200329"/>
+          </a:xfrm>
+          <a:prstGeom prst="rect">
+            <a:avLst/>
+          </a:prstGeom>
+          <a:noFill/>
+        </p:spPr>
+        <p:txBody>
+          <a:bodyPr wrap="square" rtlCol="0">
+            <a:spAutoFit/>
+          </a:bodyPr>
+          <a:lstStyle/>
+          <a:p>
+            <a:pPr marL="342900" indent="-342900">
+              <a:buFont typeface="Arial" panose="020B0604020202020204" pitchFamily="34" charset="0"/>
+              <a:buChar char="•"/>
+            </a:pPr>
+            <a:r>
+              <a:rPr lang="en-US" dirty="0">
+                <a:solidFill>
+                  <a:srgbClr val="404040"/>
+                </a:solidFill>
+              </a:rPr>
+              <a:t>Inner Joins</a:t>
+            </a:r>
+          </a:p>
+          <a:p>
+            <a:pPr lvl="1"/>
+            <a:endParaRPr lang="en-US" dirty="0">
+              <a:solidFill>
+                <a:srgbClr val="404040"/>
+              </a:solidFill>
+            </a:endParaRPr>
+          </a:p>
+          <a:p>
+            <a:pPr marL="800100" lvl="1" indent="-342900">
+              <a:buFont typeface="Arial" panose="020B0604020202020204" pitchFamily="34" charset="0"/>
+              <a:buChar char="•"/>
+            </a:pPr>
+            <a:r>
+              <a:rPr lang="en-US" dirty="0">
+                <a:solidFill>
+                  <a:srgbClr val="404040"/>
+                </a:solidFill>
+              </a:rPr>
+              <a:t>Example: Survey + Transaction</a:t>
+            </a:r>
+          </a:p>
+        </p:txBody>
+      </p:sp>
+      <p:pic>
+        <p:nvPicPr>
+          <p:cNvPr id="4" name="Picture 3">
+            <a:extLst>
+              <a:ext uri="{FF2B5EF4-FFF2-40B4-BE49-F238E27FC236}">
+                <a16:creationId xmlns:a16="http://schemas.microsoft.com/office/drawing/2014/main" id="{199C0EE1-3BC1-4842-B10E-B8C2FC5232C4}"/>
+              </a:ext>
+            </a:extLst>
+          </p:cNvPr>
+          <p:cNvPicPr>
+            <a:picLocks noChangeAspect="1"/>
+          </p:cNvPicPr>
+          <p:nvPr/>
+        </p:nvPicPr>
+        <p:blipFill>
+          <a:blip r:embed="rId4"/>
+          <a:stretch>
+            <a:fillRect/>
+          </a:stretch>
+        </p:blipFill>
+        <p:spPr>
+          <a:xfrm>
+            <a:off x="3581400" y="1921041"/>
+            <a:ext cx="5486400" cy="3197465"/>
+          </a:xfrm>
+          <a:prstGeom prst="rect">
+            <a:avLst/>
+          </a:prstGeom>
+          <a:ln>
+            <a:solidFill>
+              <a:srgbClr val="404040"/>
+            </a:solidFill>
+          </a:ln>
+        </p:spPr>
+        <p:style>
+          <a:lnRef idx="2">
+            <a:schemeClr val="dk1"/>
+          </a:lnRef>
+          <a:fillRef idx="1">
+            <a:schemeClr val="lt1"/>
+          </a:fillRef>
+          <a:effectRef idx="0">
+            <a:schemeClr val="dk1"/>
+          </a:effectRef>
+          <a:fontRef idx="minor">
+            <a:schemeClr val="dk1"/>
+          </a:fontRef>
+        </p:style>
+      </p:pic>
+    </p:spTree>
+    <p:custDataLst>
+      <p:tags r:id="rId1"/>
+    </p:custDataLst>
+    <p:extLst>
+      <p:ext uri="{BB962C8B-B14F-4D97-AF65-F5344CB8AC3E}">
+        <p14:creationId xmlns:p14="http://schemas.microsoft.com/office/powerpoint/2010/main" val="3469681352"/>
+      </p:ext>
+    </p:extLst>
+  </p:cSld>
+  <p:clrMapOvr>
+    <a:masterClrMapping/>
+  </p:clrMapOvr>
+</p:sld>
+</file>
+
+<file path=ppt/slides/slide13.xml><?xml version="1.0" encoding="utf-8"?>
+<p:sld xmlns:a="http://schemas.openxmlformats.org/drawingml/2006/main" xmlns:r="http://schemas.openxmlformats.org/officeDocument/2006/relationships" xmlns:p="http://schemas.openxmlformats.org/presentationml/2006/main">
+  <p:cSld>
+    <p:bg>
+      <p:bgPr>
+        <a:solidFill>
+          <a:schemeClr val="bg1">
+            <a:lumMod val="85000"/>
+          </a:schemeClr>
+        </a:solidFill>
+        <a:effectLst/>
+      </p:bgPr>
+    </p:bg>
+    <p:spTree>
+      <p:nvGrpSpPr>
+        <p:cNvPr id="1" name=""/>
+        <p:cNvGrpSpPr/>
+        <p:nvPr/>
+      </p:nvGrpSpPr>
+      <p:grpSpPr>
+        <a:xfrm>
+          <a:off x="0" y="0"/>
+          <a:ext cx="0" cy="0"/>
+          <a:chOff x="0" y="0"/>
+          <a:chExt cx="0" cy="0"/>
+        </a:xfrm>
+      </p:grpSpPr>
+      <p:sp>
+        <p:nvSpPr>
+          <p:cNvPr id="15" name="Rectangle 12">
+            <a:extLst>
+              <a:ext uri="{FF2B5EF4-FFF2-40B4-BE49-F238E27FC236}">
+                <a16:creationId xmlns:a16="http://schemas.microsoft.com/office/drawing/2014/main" id="{867D4867-5BA7-4462-B2F6-A23F4A622AA7}"/>
+              </a:ext>
+              <a:ext uri="{C183D7F6-B498-43B3-948B-1728B52AA6E4}">
+                <adec:decorative xmlns:adec="http://schemas.microsoft.com/office/drawing/2017/decorative" val="1"/>
+              </a:ext>
+            </a:extLst>
+          </p:cNvPr>
+          <p:cNvSpPr>
+            <a:spLocks noGrp="1" noRot="1" noChangeAspect="1" noMove="1" noResize="1" noEditPoints="1" noAdjustHandles="1" noChangeArrowheads="1" noChangeShapeType="1" noTextEdit="1"/>
+          </p:cNvSpPr>
+          <p:nvPr>
+            <p:extLst>
+              <p:ext uri="{386F3935-93C4-4BCD-93E2-E3B085C9AB24}">
+                <p16:designElem xmlns:p16="http://schemas.microsoft.com/office/powerpoint/2015/main" val="1"/>
+              </p:ext>
+            </p:extLst>
+          </p:nvPr>
+        </p:nvSpPr>
+        <p:spPr>
+          <a:xfrm>
+            <a:off x="0" y="0"/>
+            <a:ext cx="3490722" cy="6858000"/>
+          </a:xfrm>
+          <a:prstGeom prst="rect">
+            <a:avLst/>
+          </a:prstGeom>
+          <a:solidFill>
+            <a:schemeClr val="tx1">
+              <a:lumMod val="75000"/>
+              <a:lumOff val="25000"/>
+            </a:schemeClr>
+          </a:solidFill>
+          <a:ln>
+            <a:noFill/>
+          </a:ln>
+        </p:spPr>
+        <p:style>
+          <a:lnRef idx="0">
+            <a:scrgbClr r="0" g="0" b="0"/>
+          </a:lnRef>
+          <a:fillRef idx="0">
+            <a:scrgbClr r="0" g="0" b="0"/>
+          </a:fillRef>
+          <a:effectRef idx="0">
+            <a:scrgbClr r="0" g="0" b="0"/>
+          </a:effectRef>
+          <a:fontRef idx="minor">
+            <a:schemeClr val="lt1"/>
+          </a:fontRef>
+        </p:style>
+        <p:txBody>
+          <a:bodyPr rtlCol="0" anchor="ctr"/>
+          <a:lstStyle/>
+          <a:p>
+            <a:pPr marL="0" marR="0" lvl="0" indent="0" algn="ctr" defTabSz="457200" rtl="0" eaLnBrk="1" fontAlgn="base" latinLnBrk="0" hangingPunct="1">
+              <a:lnSpc>
+                <a:spcPct val="100000"/>
+              </a:lnSpc>
+              <a:spcBef>
+                <a:spcPct val="0"/>
+              </a:spcBef>
+              <a:spcAft>
+                <a:spcPct val="0"/>
+              </a:spcAft>
+              <a:buClrTx/>
+              <a:buSzTx/>
+              <a:buFontTx/>
+              <a:buNone/>
+              <a:tabLst/>
+              <a:defRPr/>
+            </a:pPr>
+            <a:endParaRPr kumimoji="0" lang="en-US" sz="2400" b="0" i="0" u="none" strike="noStrike" kern="1200" cap="none" spc="0" normalizeH="0" baseline="0" noProof="0">
+              <a:ln>
+                <a:noFill/>
+              </a:ln>
+              <a:solidFill>
+                <a:prstClr val="white"/>
+              </a:solidFill>
+              <a:effectLst/>
+              <a:uLnTx/>
+              <a:uFillTx/>
+              <a:latin typeface="Calibri"/>
+              <a:ea typeface="+mn-ea"/>
+              <a:cs typeface="+mn-cs"/>
+            </a:endParaRPr>
+          </a:p>
+        </p:txBody>
+      </p:sp>
+      <p:sp>
+        <p:nvSpPr>
+          <p:cNvPr id="2" name="Title 1"/>
+          <p:cNvSpPr>
+            <a:spLocks noGrp="1"/>
+          </p:cNvSpPr>
+          <p:nvPr>
+            <p:ph type="title"/>
+          </p:nvPr>
+        </p:nvSpPr>
+        <p:spPr>
+          <a:xfrm>
+            <a:off x="482600" y="643467"/>
+            <a:ext cx="2522980" cy="1597315"/>
+          </a:xfrm>
+          <a:noFill/>
+          <a:ln w="19050">
+            <a:solidFill>
+              <a:schemeClr val="bg1"/>
+            </a:solidFill>
+          </a:ln>
+        </p:spPr>
+        <p:txBody>
+          <a:bodyPr vert="horz" wrap="square" lIns="91440" tIns="45720" rIns="91440" bIns="45720" rtlCol="0" anchor="ctr">
+            <a:normAutofit/>
+          </a:bodyPr>
+          <a:lstStyle/>
+          <a:p>
+            <a:pPr defTabSz="914400" eaLnBrk="1" hangingPunct="1">
+              <a:lnSpc>
+                <a:spcPct val="90000"/>
+              </a:lnSpc>
+            </a:pPr>
+            <a:r>
+              <a:rPr lang="en-US" sz="2400" kern="1200" dirty="0">
+                <a:solidFill>
+                  <a:schemeClr val="bg1"/>
+                </a:solidFill>
+                <a:latin typeface="+mj-lt"/>
+                <a:ea typeface="+mj-ea"/>
+                <a:cs typeface="+mj-cs"/>
+              </a:rPr>
+              <a:t>Mutating Joins</a:t>
+            </a:r>
+          </a:p>
+        </p:txBody>
+      </p:sp>
+      <p:pic>
+        <p:nvPicPr>
+          <p:cNvPr id="8" name="Picture 7">
+            <a:extLst>
+              <a:ext uri="{FF2B5EF4-FFF2-40B4-BE49-F238E27FC236}">
+                <a16:creationId xmlns:a16="http://schemas.microsoft.com/office/drawing/2014/main" id="{521D4292-9ECC-4DA5-8CC0-C561A0DA118E}"/>
+              </a:ext>
+            </a:extLst>
+          </p:cNvPr>
+          <p:cNvPicPr>
+            <a:picLocks noChangeAspect="1"/>
+          </p:cNvPicPr>
+          <p:nvPr/>
+        </p:nvPicPr>
+        <p:blipFill rotWithShape="1">
+          <a:blip r:embed="rId3"/>
+          <a:srcRect l="8000" r="9400"/>
+          <a:stretch/>
+        </p:blipFill>
+        <p:spPr>
+          <a:xfrm>
+            <a:off x="660103" y="3048000"/>
+            <a:ext cx="2167974" cy="2624666"/>
+          </a:xfrm>
+          <a:prstGeom prst="rect">
+            <a:avLst/>
+          </a:prstGeom>
+          <a:noFill/>
+        </p:spPr>
+      </p:pic>
+      <p:sp>
+        <p:nvSpPr>
+          <p:cNvPr id="7" name="TextBox 6">
+            <a:extLst>
+              <a:ext uri="{FF2B5EF4-FFF2-40B4-BE49-F238E27FC236}">
+                <a16:creationId xmlns:a16="http://schemas.microsoft.com/office/drawing/2014/main" id="{5F596D90-2468-41D4-8D7F-433E8FCCF737}"/>
+              </a:ext>
+            </a:extLst>
+          </p:cNvPr>
+          <p:cNvSpPr txBox="1"/>
+          <p:nvPr/>
+        </p:nvSpPr>
+        <p:spPr>
+          <a:xfrm>
+            <a:off x="3810000" y="621916"/>
+            <a:ext cx="5257800" cy="3785652"/>
+          </a:xfrm>
+          <a:prstGeom prst="rect">
+            <a:avLst/>
+          </a:prstGeom>
+          <a:noFill/>
+        </p:spPr>
+        <p:txBody>
+          <a:bodyPr wrap="square" rtlCol="0">
+            <a:spAutoFit/>
+          </a:bodyPr>
+          <a:lstStyle/>
+          <a:p>
+            <a:pPr marL="342900" indent="-342900">
+              <a:buFont typeface="Arial" panose="020B0604020202020204" pitchFamily="34" charset="0"/>
+              <a:buChar char="•"/>
+            </a:pPr>
+            <a:r>
+              <a:rPr lang="en-US" dirty="0">
+                <a:solidFill>
+                  <a:srgbClr val="404040"/>
+                </a:solidFill>
+              </a:rPr>
+              <a:t>Outer Joins</a:t>
+            </a:r>
+          </a:p>
+          <a:p>
+            <a:pPr marL="800100" lvl="1" indent="-342900">
+              <a:buFont typeface="Arial" panose="020B0604020202020204" pitchFamily="34" charset="0"/>
+              <a:buChar char="•"/>
+            </a:pPr>
+            <a:endParaRPr lang="en-US" dirty="0">
+              <a:solidFill>
+                <a:srgbClr val="404040"/>
+              </a:solidFill>
+            </a:endParaRPr>
+          </a:p>
+          <a:p>
+            <a:pPr marL="800100" lvl="1" indent="-342900">
+              <a:buFont typeface="Arial" panose="020B0604020202020204" pitchFamily="34" charset="0"/>
+              <a:buChar char="•"/>
+            </a:pPr>
+            <a:r>
+              <a:rPr lang="en-US" dirty="0">
+                <a:solidFill>
+                  <a:srgbClr val="404040"/>
+                </a:solidFill>
+              </a:rPr>
+              <a:t>Left-Join</a:t>
+            </a:r>
+          </a:p>
+          <a:p>
+            <a:pPr lvl="1"/>
+            <a:endParaRPr lang="en-US" dirty="0">
+              <a:solidFill>
+                <a:srgbClr val="404040"/>
+              </a:solidFill>
+            </a:endParaRPr>
+          </a:p>
+          <a:p>
+            <a:pPr marL="1257300" lvl="2" indent="-342900">
+              <a:buFont typeface="Arial" panose="020B0604020202020204" pitchFamily="34" charset="0"/>
+              <a:buChar char="•"/>
+            </a:pPr>
+            <a:r>
+              <a:rPr lang="en-US" dirty="0">
+                <a:solidFill>
+                  <a:srgbClr val="404040"/>
+                </a:solidFill>
+              </a:rPr>
+              <a:t>Keeps All Observations in Left Dataset</a:t>
+            </a:r>
+          </a:p>
+          <a:p>
+            <a:pPr marL="800100" lvl="1" indent="-342900">
+              <a:buFont typeface="Arial" panose="020B0604020202020204" pitchFamily="34" charset="0"/>
+              <a:buChar char="•"/>
+            </a:pPr>
+            <a:endParaRPr lang="en-US" dirty="0">
+              <a:solidFill>
+                <a:srgbClr val="404040"/>
+              </a:solidFill>
+            </a:endParaRPr>
+          </a:p>
+          <a:p>
+            <a:pPr marL="1257300" lvl="2" indent="-342900">
+              <a:buFont typeface="Arial" panose="020B0604020202020204" pitchFamily="34" charset="0"/>
+              <a:buChar char="•"/>
+            </a:pPr>
+            <a:r>
+              <a:rPr lang="en-US" dirty="0">
+                <a:solidFill>
+                  <a:srgbClr val="404040"/>
+                </a:solidFill>
+              </a:rPr>
+              <a:t>Equivalent to</a:t>
+            </a:r>
+          </a:p>
+          <a:p>
+            <a:pPr marL="800100" lvl="1" indent="-342900">
+              <a:buFont typeface="Arial" panose="020B0604020202020204" pitchFamily="34" charset="0"/>
+              <a:buChar char="•"/>
+            </a:pPr>
+            <a:endParaRPr lang="en-US" dirty="0">
+              <a:solidFill>
+                <a:srgbClr val="404040"/>
+              </a:solidFill>
+            </a:endParaRPr>
+          </a:p>
+          <a:p>
+            <a:pPr lvl="1"/>
+            <a:endParaRPr lang="en-US" dirty="0">
+              <a:solidFill>
+                <a:srgbClr val="404040"/>
+              </a:solidFill>
+            </a:endParaRPr>
+          </a:p>
+        </p:txBody>
+      </p:sp>
+      <p:sp>
+        <p:nvSpPr>
+          <p:cNvPr id="10" name="TextBox 9">
+            <a:extLst>
+              <a:ext uri="{FF2B5EF4-FFF2-40B4-BE49-F238E27FC236}">
+                <a16:creationId xmlns:a16="http://schemas.microsoft.com/office/drawing/2014/main" id="{331524A6-1A4A-4889-BACF-DE4855BA5F43}"/>
+              </a:ext>
+            </a:extLst>
+          </p:cNvPr>
+          <p:cNvSpPr txBox="1"/>
+          <p:nvPr/>
+        </p:nvSpPr>
+        <p:spPr>
+          <a:xfrm>
+            <a:off x="5181600" y="3657600"/>
+            <a:ext cx="3719322" cy="461665"/>
+          </a:xfrm>
+          <a:prstGeom prst="rect">
+            <a:avLst/>
+          </a:prstGeom>
+          <a:solidFill>
+            <a:srgbClr val="404040"/>
+          </a:solidFill>
+        </p:spPr>
+        <p:txBody>
+          <a:bodyPr wrap="square" rtlCol="0">
+            <a:spAutoFit/>
+          </a:bodyPr>
+          <a:lstStyle/>
+          <a:p>
+            <a:r>
+              <a:rPr lang="en-US" dirty="0">
+                <a:solidFill>
+                  <a:schemeClr val="bg1"/>
+                </a:solidFill>
+              </a:rPr>
+              <a:t>&gt; merge(</a:t>
+            </a:r>
+            <a:r>
+              <a:rPr lang="en-US" dirty="0" err="1">
+                <a:solidFill>
+                  <a:schemeClr val="bg1"/>
+                </a:solidFill>
+              </a:rPr>
+              <a:t>x,y,all.x</a:t>
+            </a:r>
+            <a:r>
+              <a:rPr lang="en-US" dirty="0">
+                <a:solidFill>
+                  <a:schemeClr val="bg1"/>
+                </a:solidFill>
+              </a:rPr>
+              <a:t>=TRUE)</a:t>
+            </a:r>
+          </a:p>
+        </p:txBody>
+      </p:sp>
+    </p:spTree>
+    <p:custDataLst>
+      <p:tags r:id="rId1"/>
+    </p:custDataLst>
+    <p:extLst>
+      <p:ext uri="{BB962C8B-B14F-4D97-AF65-F5344CB8AC3E}">
+        <p14:creationId xmlns:p14="http://schemas.microsoft.com/office/powerpoint/2010/main" val="960280021"/>
+      </p:ext>
+    </p:extLst>
+  </p:cSld>
+  <p:clrMapOvr>
+    <a:masterClrMapping/>
+  </p:clrMapOvr>
+</p:sld>
+</file>
+
+<file path=ppt/slides/slide14.xml><?xml version="1.0" encoding="utf-8"?>
+<p:sld xmlns:a="http://schemas.openxmlformats.org/drawingml/2006/main" xmlns:r="http://schemas.openxmlformats.org/officeDocument/2006/relationships" xmlns:p="http://schemas.openxmlformats.org/presentationml/2006/main">
+  <p:cSld>
+    <p:bg>
+      <p:bgPr>
+        <a:solidFill>
+          <a:schemeClr val="bg1">
+            <a:lumMod val="85000"/>
+          </a:schemeClr>
+        </a:solidFill>
+        <a:effectLst/>
+      </p:bgPr>
+    </p:bg>
+    <p:spTree>
+      <p:nvGrpSpPr>
+        <p:cNvPr id="1" name=""/>
+        <p:cNvGrpSpPr/>
+        <p:nvPr/>
+      </p:nvGrpSpPr>
+      <p:grpSpPr>
+        <a:xfrm>
+          <a:off x="0" y="0"/>
+          <a:ext cx="0" cy="0"/>
+          <a:chOff x="0" y="0"/>
+          <a:chExt cx="0" cy="0"/>
+        </a:xfrm>
+      </p:grpSpPr>
+      <p:sp>
+        <p:nvSpPr>
+          <p:cNvPr id="15" name="Rectangle 12">
+            <a:extLst>
+              <a:ext uri="{FF2B5EF4-FFF2-40B4-BE49-F238E27FC236}">
+                <a16:creationId xmlns:a16="http://schemas.microsoft.com/office/drawing/2014/main" id="{867D4867-5BA7-4462-B2F6-A23F4A622AA7}"/>
+              </a:ext>
+              <a:ext uri="{C183D7F6-B498-43B3-948B-1728B52AA6E4}">
+                <adec:decorative xmlns:adec="http://schemas.microsoft.com/office/drawing/2017/decorative" val="1"/>
+              </a:ext>
+            </a:extLst>
+          </p:cNvPr>
+          <p:cNvSpPr>
+            <a:spLocks noGrp="1" noRot="1" noChangeAspect="1" noMove="1" noResize="1" noEditPoints="1" noAdjustHandles="1" noChangeArrowheads="1" noChangeShapeType="1" noTextEdit="1"/>
+          </p:cNvSpPr>
+          <p:nvPr>
+            <p:extLst>
+              <p:ext uri="{386F3935-93C4-4BCD-93E2-E3B085C9AB24}">
+                <p16:designElem xmlns:p16="http://schemas.microsoft.com/office/powerpoint/2015/main" val="1"/>
+              </p:ext>
+            </p:extLst>
+          </p:nvPr>
+        </p:nvSpPr>
+        <p:spPr>
+          <a:xfrm>
+            <a:off x="0" y="0"/>
+            <a:ext cx="3490722" cy="6858000"/>
+          </a:xfrm>
+          <a:prstGeom prst="rect">
+            <a:avLst/>
+          </a:prstGeom>
+          <a:solidFill>
+            <a:schemeClr val="tx1">
+              <a:lumMod val="75000"/>
+              <a:lumOff val="25000"/>
+            </a:schemeClr>
+          </a:solidFill>
+          <a:ln>
+            <a:noFill/>
+          </a:ln>
+        </p:spPr>
+        <p:style>
+          <a:lnRef idx="0">
+            <a:scrgbClr r="0" g="0" b="0"/>
+          </a:lnRef>
+          <a:fillRef idx="0">
+            <a:scrgbClr r="0" g="0" b="0"/>
+          </a:fillRef>
+          <a:effectRef idx="0">
+            <a:scrgbClr r="0" g="0" b="0"/>
+          </a:effectRef>
+          <a:fontRef idx="minor">
+            <a:schemeClr val="lt1"/>
+          </a:fontRef>
+        </p:style>
+        <p:txBody>
+          <a:bodyPr rtlCol="0" anchor="ctr"/>
+          <a:lstStyle/>
+          <a:p>
+            <a:pPr marL="0" marR="0" lvl="0" indent="0" algn="ctr" defTabSz="457200" rtl="0" eaLnBrk="1" fontAlgn="base" latinLnBrk="0" hangingPunct="1">
+              <a:lnSpc>
+                <a:spcPct val="100000"/>
+              </a:lnSpc>
+              <a:spcBef>
+                <a:spcPct val="0"/>
+              </a:spcBef>
+              <a:spcAft>
+                <a:spcPct val="0"/>
+              </a:spcAft>
+              <a:buClrTx/>
+              <a:buSzTx/>
+              <a:buFontTx/>
+              <a:buNone/>
+              <a:tabLst/>
+              <a:defRPr/>
+            </a:pPr>
+            <a:endParaRPr kumimoji="0" lang="en-US" sz="2400" b="0" i="0" u="none" strike="noStrike" kern="1200" cap="none" spc="0" normalizeH="0" baseline="0" noProof="0">
+              <a:ln>
+                <a:noFill/>
+              </a:ln>
+              <a:solidFill>
+                <a:prstClr val="white"/>
+              </a:solidFill>
+              <a:effectLst/>
+              <a:uLnTx/>
+              <a:uFillTx/>
+              <a:latin typeface="Calibri"/>
+              <a:ea typeface="+mn-ea"/>
+              <a:cs typeface="+mn-cs"/>
+            </a:endParaRPr>
+          </a:p>
+        </p:txBody>
+      </p:sp>
+      <p:sp>
+        <p:nvSpPr>
+          <p:cNvPr id="2" name="Title 1"/>
+          <p:cNvSpPr>
+            <a:spLocks noGrp="1"/>
+          </p:cNvSpPr>
+          <p:nvPr>
+            <p:ph type="title"/>
+          </p:nvPr>
+        </p:nvSpPr>
+        <p:spPr>
+          <a:xfrm>
+            <a:off x="482600" y="643467"/>
+            <a:ext cx="2522980" cy="1597315"/>
+          </a:xfrm>
+          <a:noFill/>
+          <a:ln w="19050">
+            <a:solidFill>
+              <a:schemeClr val="bg1"/>
+            </a:solidFill>
+          </a:ln>
+        </p:spPr>
+        <p:txBody>
+          <a:bodyPr vert="horz" wrap="square" lIns="91440" tIns="45720" rIns="91440" bIns="45720" rtlCol="0" anchor="ctr">
+            <a:normAutofit/>
+          </a:bodyPr>
+          <a:lstStyle/>
+          <a:p>
+            <a:pPr defTabSz="914400" eaLnBrk="1" hangingPunct="1">
+              <a:lnSpc>
+                <a:spcPct val="90000"/>
+              </a:lnSpc>
+            </a:pPr>
+            <a:r>
+              <a:rPr lang="en-US" sz="2400" kern="1200" dirty="0">
+                <a:solidFill>
+                  <a:schemeClr val="bg1"/>
+                </a:solidFill>
+                <a:latin typeface="+mj-lt"/>
+                <a:ea typeface="+mj-ea"/>
+                <a:cs typeface="+mj-cs"/>
+              </a:rPr>
+              <a:t>Mutating Joins</a:t>
+            </a:r>
+          </a:p>
+        </p:txBody>
+      </p:sp>
+      <p:pic>
+        <p:nvPicPr>
+          <p:cNvPr id="8" name="Picture 7">
+            <a:extLst>
+              <a:ext uri="{FF2B5EF4-FFF2-40B4-BE49-F238E27FC236}">
+                <a16:creationId xmlns:a16="http://schemas.microsoft.com/office/drawing/2014/main" id="{521D4292-9ECC-4DA5-8CC0-C561A0DA118E}"/>
+              </a:ext>
+            </a:extLst>
+          </p:cNvPr>
+          <p:cNvPicPr>
+            <a:picLocks noChangeAspect="1"/>
+          </p:cNvPicPr>
+          <p:nvPr/>
+        </p:nvPicPr>
+        <p:blipFill rotWithShape="1">
+          <a:blip r:embed="rId3"/>
+          <a:srcRect l="8000" r="9400"/>
+          <a:stretch/>
+        </p:blipFill>
+        <p:spPr>
+          <a:xfrm>
+            <a:off x="660103" y="3048000"/>
+            <a:ext cx="2167974" cy="2624666"/>
+          </a:xfrm>
+          <a:prstGeom prst="rect">
+            <a:avLst/>
+          </a:prstGeom>
+          <a:noFill/>
+        </p:spPr>
+      </p:pic>
+      <p:sp>
+        <p:nvSpPr>
+          <p:cNvPr id="7" name="TextBox 6">
+            <a:extLst>
+              <a:ext uri="{FF2B5EF4-FFF2-40B4-BE49-F238E27FC236}">
+                <a16:creationId xmlns:a16="http://schemas.microsoft.com/office/drawing/2014/main" id="{5F596D90-2468-41D4-8D7F-433E8FCCF737}"/>
+              </a:ext>
+            </a:extLst>
+          </p:cNvPr>
+          <p:cNvSpPr txBox="1"/>
+          <p:nvPr/>
+        </p:nvSpPr>
+        <p:spPr>
+          <a:xfrm>
+            <a:off x="3810000" y="621916"/>
+            <a:ext cx="5257800" cy="1938992"/>
+          </a:xfrm>
+          <a:prstGeom prst="rect">
+            <a:avLst/>
+          </a:prstGeom>
+          <a:noFill/>
+        </p:spPr>
+        <p:txBody>
+          <a:bodyPr wrap="square" rtlCol="0">
+            <a:spAutoFit/>
+          </a:bodyPr>
+          <a:lstStyle/>
+          <a:p>
+            <a:pPr marL="342900" indent="-342900">
+              <a:buFont typeface="Arial" panose="020B0604020202020204" pitchFamily="34" charset="0"/>
+              <a:buChar char="•"/>
+            </a:pPr>
+            <a:r>
+              <a:rPr lang="en-US" dirty="0">
+                <a:solidFill>
+                  <a:srgbClr val="404040"/>
+                </a:solidFill>
+              </a:rPr>
+              <a:t>Outer Joins</a:t>
+            </a:r>
+          </a:p>
+          <a:p>
+            <a:pPr marL="800100" lvl="1" indent="-342900">
+              <a:buFont typeface="Arial" panose="020B0604020202020204" pitchFamily="34" charset="0"/>
+              <a:buChar char="•"/>
+            </a:pPr>
+            <a:endParaRPr lang="en-US" dirty="0">
+              <a:solidFill>
+                <a:srgbClr val="404040"/>
+              </a:solidFill>
+            </a:endParaRPr>
+          </a:p>
+          <a:p>
+            <a:pPr marL="800100" lvl="1" indent="-342900">
+              <a:buFont typeface="Arial" panose="020B0604020202020204" pitchFamily="34" charset="0"/>
+              <a:buChar char="•"/>
+            </a:pPr>
+            <a:r>
+              <a:rPr lang="en-US" dirty="0">
+                <a:solidFill>
+                  <a:srgbClr val="404040"/>
+                </a:solidFill>
+              </a:rPr>
+              <a:t>Left-Join</a:t>
+            </a:r>
+          </a:p>
+          <a:p>
+            <a:pPr lvl="1"/>
+            <a:endParaRPr lang="en-US" dirty="0">
+              <a:solidFill>
+                <a:srgbClr val="404040"/>
+              </a:solidFill>
+            </a:endParaRPr>
+          </a:p>
+          <a:p>
+            <a:pPr marL="1257300" lvl="2" indent="-342900">
+              <a:buFont typeface="Arial" panose="020B0604020202020204" pitchFamily="34" charset="0"/>
+              <a:buChar char="•"/>
+            </a:pPr>
+            <a:r>
+              <a:rPr lang="en-US" dirty="0">
+                <a:solidFill>
+                  <a:srgbClr val="404040"/>
+                </a:solidFill>
+              </a:rPr>
+              <a:t>Example: Survey + Trans.</a:t>
+            </a:r>
+          </a:p>
+        </p:txBody>
+      </p:sp>
+      <p:pic>
+        <p:nvPicPr>
+          <p:cNvPr id="4" name="Picture 3">
+            <a:extLst>
+              <a:ext uri="{FF2B5EF4-FFF2-40B4-BE49-F238E27FC236}">
+                <a16:creationId xmlns:a16="http://schemas.microsoft.com/office/drawing/2014/main" id="{386032B1-77EA-419F-A185-34B153FC0A12}"/>
+              </a:ext>
+            </a:extLst>
+          </p:cNvPr>
+          <p:cNvPicPr>
+            <a:picLocks noChangeAspect="1"/>
+          </p:cNvPicPr>
+          <p:nvPr/>
+        </p:nvPicPr>
+        <p:blipFill>
+          <a:blip r:embed="rId4"/>
+          <a:stretch>
+            <a:fillRect/>
+          </a:stretch>
+        </p:blipFill>
+        <p:spPr>
+          <a:xfrm>
+            <a:off x="3588530" y="2598943"/>
+            <a:ext cx="5479270" cy="3396300"/>
+          </a:xfrm>
+          <a:prstGeom prst="rect">
+            <a:avLst/>
+          </a:prstGeom>
+          <a:ln>
+            <a:solidFill>
+              <a:srgbClr val="404040"/>
+            </a:solidFill>
+          </a:ln>
+        </p:spPr>
+        <p:style>
+          <a:lnRef idx="2">
+            <a:schemeClr val="dk1"/>
+          </a:lnRef>
+          <a:fillRef idx="1">
+            <a:schemeClr val="lt1"/>
+          </a:fillRef>
+          <a:effectRef idx="0">
+            <a:schemeClr val="dk1"/>
+          </a:effectRef>
+          <a:fontRef idx="minor">
+            <a:schemeClr val="dk1"/>
+          </a:fontRef>
+        </p:style>
+      </p:pic>
+    </p:spTree>
+    <p:custDataLst>
+      <p:tags r:id="rId1"/>
+    </p:custDataLst>
+    <p:extLst>
+      <p:ext uri="{BB962C8B-B14F-4D97-AF65-F5344CB8AC3E}">
+        <p14:creationId xmlns:p14="http://schemas.microsoft.com/office/powerpoint/2010/main" val="728565249"/>
+      </p:ext>
+    </p:extLst>
+  </p:cSld>
+  <p:clrMapOvr>
+    <a:masterClrMapping/>
+  </p:clrMapOvr>
+</p:sld>
+</file>
+
+<file path=ppt/slides/slide15.xml><?xml version="1.0" encoding="utf-8"?>
+<p:sld xmlns:a="http://schemas.openxmlformats.org/drawingml/2006/main" xmlns:r="http://schemas.openxmlformats.org/officeDocument/2006/relationships" xmlns:p="http://schemas.openxmlformats.org/presentationml/2006/main">
+  <p:cSld>
+    <p:bg>
+      <p:bgPr>
+        <a:solidFill>
+          <a:schemeClr val="bg1">
+            <a:lumMod val="85000"/>
+          </a:schemeClr>
+        </a:solidFill>
+        <a:effectLst/>
+      </p:bgPr>
+    </p:bg>
+    <p:spTree>
+      <p:nvGrpSpPr>
+        <p:cNvPr id="1" name=""/>
+        <p:cNvGrpSpPr/>
+        <p:nvPr/>
+      </p:nvGrpSpPr>
+      <p:grpSpPr>
+        <a:xfrm>
+          <a:off x="0" y="0"/>
+          <a:ext cx="0" cy="0"/>
+          <a:chOff x="0" y="0"/>
+          <a:chExt cx="0" cy="0"/>
+        </a:xfrm>
+      </p:grpSpPr>
+      <p:sp>
+        <p:nvSpPr>
+          <p:cNvPr id="15" name="Rectangle 12">
+            <a:extLst>
+              <a:ext uri="{FF2B5EF4-FFF2-40B4-BE49-F238E27FC236}">
+                <a16:creationId xmlns:a16="http://schemas.microsoft.com/office/drawing/2014/main" id="{867D4867-5BA7-4462-B2F6-A23F4A622AA7}"/>
+              </a:ext>
+              <a:ext uri="{C183D7F6-B498-43B3-948B-1728B52AA6E4}">
+                <adec:decorative xmlns:adec="http://schemas.microsoft.com/office/drawing/2017/decorative" val="1"/>
+              </a:ext>
+            </a:extLst>
+          </p:cNvPr>
+          <p:cNvSpPr>
+            <a:spLocks noGrp="1" noRot="1" noChangeAspect="1" noMove="1" noResize="1" noEditPoints="1" noAdjustHandles="1" noChangeArrowheads="1" noChangeShapeType="1" noTextEdit="1"/>
+          </p:cNvSpPr>
+          <p:nvPr>
+            <p:extLst>
+              <p:ext uri="{386F3935-93C4-4BCD-93E2-E3B085C9AB24}">
+                <p16:designElem xmlns:p16="http://schemas.microsoft.com/office/powerpoint/2015/main" val="1"/>
+              </p:ext>
+            </p:extLst>
+          </p:nvPr>
+        </p:nvSpPr>
+        <p:spPr>
+          <a:xfrm>
+            <a:off x="0" y="0"/>
+            <a:ext cx="3490722" cy="6858000"/>
+          </a:xfrm>
+          <a:prstGeom prst="rect">
+            <a:avLst/>
+          </a:prstGeom>
+          <a:solidFill>
+            <a:schemeClr val="tx1">
+              <a:lumMod val="75000"/>
+              <a:lumOff val="25000"/>
+            </a:schemeClr>
+          </a:solidFill>
+          <a:ln>
+            <a:noFill/>
+          </a:ln>
+        </p:spPr>
+        <p:style>
+          <a:lnRef idx="0">
+            <a:scrgbClr r="0" g="0" b="0"/>
+          </a:lnRef>
+          <a:fillRef idx="0">
+            <a:scrgbClr r="0" g="0" b="0"/>
+          </a:fillRef>
+          <a:effectRef idx="0">
+            <a:scrgbClr r="0" g="0" b="0"/>
+          </a:effectRef>
+          <a:fontRef idx="minor">
+            <a:schemeClr val="lt1"/>
+          </a:fontRef>
+        </p:style>
+        <p:txBody>
+          <a:bodyPr rtlCol="0" anchor="ctr"/>
+          <a:lstStyle/>
+          <a:p>
+            <a:pPr marL="0" marR="0" lvl="0" indent="0" algn="ctr" defTabSz="457200" rtl="0" eaLnBrk="1" fontAlgn="base" latinLnBrk="0" hangingPunct="1">
+              <a:lnSpc>
+                <a:spcPct val="100000"/>
+              </a:lnSpc>
+              <a:spcBef>
+                <a:spcPct val="0"/>
+              </a:spcBef>
+              <a:spcAft>
+                <a:spcPct val="0"/>
+              </a:spcAft>
+              <a:buClrTx/>
+              <a:buSzTx/>
+              <a:buFontTx/>
+              <a:buNone/>
+              <a:tabLst/>
+              <a:defRPr/>
+            </a:pPr>
+            <a:endParaRPr kumimoji="0" lang="en-US" sz="2400" b="0" i="0" u="none" strike="noStrike" kern="1200" cap="none" spc="0" normalizeH="0" baseline="0" noProof="0">
+              <a:ln>
+                <a:noFill/>
+              </a:ln>
+              <a:solidFill>
+                <a:prstClr val="white"/>
+              </a:solidFill>
+              <a:effectLst/>
+              <a:uLnTx/>
+              <a:uFillTx/>
+              <a:latin typeface="Calibri"/>
+              <a:ea typeface="+mn-ea"/>
+              <a:cs typeface="+mn-cs"/>
+            </a:endParaRPr>
+          </a:p>
+        </p:txBody>
+      </p:sp>
+      <p:sp>
+        <p:nvSpPr>
+          <p:cNvPr id="2" name="Title 1"/>
+          <p:cNvSpPr>
+            <a:spLocks noGrp="1"/>
+          </p:cNvSpPr>
+          <p:nvPr>
+            <p:ph type="title"/>
+          </p:nvPr>
+        </p:nvSpPr>
+        <p:spPr>
+          <a:xfrm>
+            <a:off x="482600" y="643467"/>
+            <a:ext cx="2522980" cy="1597315"/>
+          </a:xfrm>
+          <a:noFill/>
+          <a:ln w="19050">
+            <a:solidFill>
+              <a:schemeClr val="bg1"/>
+            </a:solidFill>
+          </a:ln>
+        </p:spPr>
+        <p:txBody>
+          <a:bodyPr vert="horz" wrap="square" lIns="91440" tIns="45720" rIns="91440" bIns="45720" rtlCol="0" anchor="ctr">
+            <a:normAutofit/>
+          </a:bodyPr>
+          <a:lstStyle/>
+          <a:p>
+            <a:pPr defTabSz="914400" eaLnBrk="1" hangingPunct="1">
+              <a:lnSpc>
+                <a:spcPct val="90000"/>
+              </a:lnSpc>
+            </a:pPr>
+            <a:r>
+              <a:rPr lang="en-US" sz="2400" kern="1200" dirty="0">
+                <a:solidFill>
+                  <a:schemeClr val="bg1"/>
+                </a:solidFill>
+                <a:latin typeface="+mj-lt"/>
+                <a:ea typeface="+mj-ea"/>
+                <a:cs typeface="+mj-cs"/>
+              </a:rPr>
+              <a:t>Mutating Joins</a:t>
+            </a:r>
+          </a:p>
+        </p:txBody>
+      </p:sp>
+      <p:pic>
+        <p:nvPicPr>
+          <p:cNvPr id="8" name="Picture 7">
+            <a:extLst>
+              <a:ext uri="{FF2B5EF4-FFF2-40B4-BE49-F238E27FC236}">
+                <a16:creationId xmlns:a16="http://schemas.microsoft.com/office/drawing/2014/main" id="{521D4292-9ECC-4DA5-8CC0-C561A0DA118E}"/>
+              </a:ext>
+            </a:extLst>
+          </p:cNvPr>
+          <p:cNvPicPr>
+            <a:picLocks noChangeAspect="1"/>
+          </p:cNvPicPr>
+          <p:nvPr/>
+        </p:nvPicPr>
+        <p:blipFill rotWithShape="1">
+          <a:blip r:embed="rId3"/>
+          <a:srcRect l="8000" r="9400"/>
+          <a:stretch/>
+        </p:blipFill>
+        <p:spPr>
+          <a:xfrm>
+            <a:off x="660103" y="3048000"/>
+            <a:ext cx="2167974" cy="2624666"/>
+          </a:xfrm>
+          <a:prstGeom prst="rect">
+            <a:avLst/>
+          </a:prstGeom>
+          <a:noFill/>
+        </p:spPr>
+      </p:pic>
+      <p:sp>
+        <p:nvSpPr>
+          <p:cNvPr id="7" name="TextBox 6">
+            <a:extLst>
+              <a:ext uri="{FF2B5EF4-FFF2-40B4-BE49-F238E27FC236}">
+                <a16:creationId xmlns:a16="http://schemas.microsoft.com/office/drawing/2014/main" id="{5F596D90-2468-41D4-8D7F-433E8FCCF737}"/>
+              </a:ext>
+            </a:extLst>
+          </p:cNvPr>
+          <p:cNvSpPr txBox="1"/>
+          <p:nvPr/>
+        </p:nvSpPr>
+        <p:spPr>
+          <a:xfrm>
+            <a:off x="3810000" y="621916"/>
+            <a:ext cx="5257800" cy="3785652"/>
+          </a:xfrm>
+          <a:prstGeom prst="rect">
+            <a:avLst/>
+          </a:prstGeom>
+          <a:noFill/>
+        </p:spPr>
+        <p:txBody>
+          <a:bodyPr wrap="square" rtlCol="0">
+            <a:spAutoFit/>
+          </a:bodyPr>
+          <a:lstStyle/>
+          <a:p>
+            <a:pPr marL="342900" indent="-342900">
+              <a:buFont typeface="Arial" panose="020B0604020202020204" pitchFamily="34" charset="0"/>
+              <a:buChar char="•"/>
+            </a:pPr>
+            <a:r>
+              <a:rPr lang="en-US" dirty="0">
+                <a:solidFill>
+                  <a:srgbClr val="404040"/>
+                </a:solidFill>
+              </a:rPr>
+              <a:t>Outer Joins</a:t>
+            </a:r>
+          </a:p>
+          <a:p>
+            <a:pPr marL="800100" lvl="1" indent="-342900">
+              <a:buFont typeface="Arial" panose="020B0604020202020204" pitchFamily="34" charset="0"/>
+              <a:buChar char="•"/>
+            </a:pPr>
+            <a:endParaRPr lang="en-US" dirty="0">
+              <a:solidFill>
+                <a:srgbClr val="404040"/>
+              </a:solidFill>
+            </a:endParaRPr>
+          </a:p>
+          <a:p>
+            <a:pPr marL="800100" lvl="1" indent="-342900">
+              <a:buFont typeface="Arial" panose="020B0604020202020204" pitchFamily="34" charset="0"/>
+              <a:buChar char="•"/>
+            </a:pPr>
+            <a:r>
+              <a:rPr lang="en-US" dirty="0">
+                <a:solidFill>
+                  <a:srgbClr val="404040"/>
+                </a:solidFill>
+              </a:rPr>
+              <a:t>Right-Join</a:t>
+            </a:r>
+          </a:p>
+          <a:p>
+            <a:pPr lvl="1"/>
+            <a:endParaRPr lang="en-US" dirty="0">
+              <a:solidFill>
+                <a:srgbClr val="404040"/>
+              </a:solidFill>
+            </a:endParaRPr>
+          </a:p>
+          <a:p>
+            <a:pPr marL="1257300" lvl="2" indent="-342900">
+              <a:buFont typeface="Arial" panose="020B0604020202020204" pitchFamily="34" charset="0"/>
+              <a:buChar char="•"/>
+            </a:pPr>
+            <a:r>
+              <a:rPr lang="en-US" dirty="0">
+                <a:solidFill>
+                  <a:srgbClr val="404040"/>
+                </a:solidFill>
+              </a:rPr>
+              <a:t>Keeps All Observations in Right Dataset</a:t>
+            </a:r>
+          </a:p>
+          <a:p>
+            <a:pPr marL="800100" lvl="1" indent="-342900">
+              <a:buFont typeface="Arial" panose="020B0604020202020204" pitchFamily="34" charset="0"/>
+              <a:buChar char="•"/>
+            </a:pPr>
+            <a:endParaRPr lang="en-US" dirty="0">
+              <a:solidFill>
+                <a:srgbClr val="404040"/>
+              </a:solidFill>
+            </a:endParaRPr>
+          </a:p>
+          <a:p>
+            <a:pPr marL="1257300" lvl="2" indent="-342900">
+              <a:buFont typeface="Arial" panose="020B0604020202020204" pitchFamily="34" charset="0"/>
+              <a:buChar char="•"/>
+            </a:pPr>
+            <a:r>
+              <a:rPr lang="en-US" dirty="0">
+                <a:solidFill>
+                  <a:srgbClr val="404040"/>
+                </a:solidFill>
+              </a:rPr>
+              <a:t>Equivalent to</a:t>
+            </a:r>
+          </a:p>
+          <a:p>
+            <a:pPr marL="800100" lvl="1" indent="-342900">
+              <a:buFont typeface="Arial" panose="020B0604020202020204" pitchFamily="34" charset="0"/>
+              <a:buChar char="•"/>
+            </a:pPr>
+            <a:endParaRPr lang="en-US" dirty="0">
+              <a:solidFill>
+                <a:srgbClr val="404040"/>
+              </a:solidFill>
+            </a:endParaRPr>
+          </a:p>
+          <a:p>
+            <a:pPr lvl="1"/>
+            <a:endParaRPr lang="en-US" dirty="0">
+              <a:solidFill>
+                <a:srgbClr val="404040"/>
+              </a:solidFill>
+            </a:endParaRPr>
+          </a:p>
+        </p:txBody>
+      </p:sp>
+      <p:sp>
+        <p:nvSpPr>
+          <p:cNvPr id="10" name="TextBox 9">
+            <a:extLst>
+              <a:ext uri="{FF2B5EF4-FFF2-40B4-BE49-F238E27FC236}">
+                <a16:creationId xmlns:a16="http://schemas.microsoft.com/office/drawing/2014/main" id="{331524A6-1A4A-4889-BACF-DE4855BA5F43}"/>
+              </a:ext>
+            </a:extLst>
+          </p:cNvPr>
+          <p:cNvSpPr txBox="1"/>
+          <p:nvPr/>
+        </p:nvSpPr>
+        <p:spPr>
+          <a:xfrm>
+            <a:off x="5181600" y="3657600"/>
+            <a:ext cx="3719322" cy="461665"/>
+          </a:xfrm>
+          <a:prstGeom prst="rect">
+            <a:avLst/>
+          </a:prstGeom>
+          <a:solidFill>
+            <a:srgbClr val="404040"/>
+          </a:solidFill>
+        </p:spPr>
+        <p:txBody>
+          <a:bodyPr wrap="square" rtlCol="0">
+            <a:spAutoFit/>
+          </a:bodyPr>
+          <a:lstStyle/>
+          <a:p>
+            <a:r>
+              <a:rPr lang="en-US" dirty="0">
+                <a:solidFill>
+                  <a:schemeClr val="bg1"/>
+                </a:solidFill>
+              </a:rPr>
+              <a:t>&gt; merge(</a:t>
+            </a:r>
+            <a:r>
+              <a:rPr lang="en-US" dirty="0" err="1">
+                <a:solidFill>
+                  <a:schemeClr val="bg1"/>
+                </a:solidFill>
+              </a:rPr>
+              <a:t>x,y,all.y</a:t>
+            </a:r>
+            <a:r>
+              <a:rPr lang="en-US" dirty="0">
+                <a:solidFill>
+                  <a:schemeClr val="bg1"/>
+                </a:solidFill>
+              </a:rPr>
+              <a:t>=TRUE)</a:t>
+            </a:r>
+          </a:p>
+        </p:txBody>
+      </p:sp>
+    </p:spTree>
+    <p:custDataLst>
+      <p:tags r:id="rId1"/>
+    </p:custDataLst>
+    <p:extLst>
+      <p:ext uri="{BB962C8B-B14F-4D97-AF65-F5344CB8AC3E}">
+        <p14:creationId xmlns:p14="http://schemas.microsoft.com/office/powerpoint/2010/main" val="1862582736"/>
+      </p:ext>
+    </p:extLst>
+  </p:cSld>
+  <p:clrMapOvr>
+    <a:masterClrMapping/>
+  </p:clrMapOvr>
+</p:sld>
+</file>
+
+<file path=ppt/slides/slide16.xml><?xml version="1.0" encoding="utf-8"?>
+<p:sld xmlns:a="http://schemas.openxmlformats.org/drawingml/2006/main" xmlns:r="http://schemas.openxmlformats.org/officeDocument/2006/relationships" xmlns:p="http://schemas.openxmlformats.org/presentationml/2006/main">
+  <p:cSld>
+    <p:bg>
+      <p:bgPr>
+        <a:solidFill>
+          <a:schemeClr val="bg1">
+            <a:lumMod val="85000"/>
+          </a:schemeClr>
+        </a:solidFill>
+        <a:effectLst/>
+      </p:bgPr>
+    </p:bg>
+    <p:spTree>
+      <p:nvGrpSpPr>
+        <p:cNvPr id="1" name=""/>
+        <p:cNvGrpSpPr/>
+        <p:nvPr/>
+      </p:nvGrpSpPr>
+      <p:grpSpPr>
+        <a:xfrm>
+          <a:off x="0" y="0"/>
+          <a:ext cx="0" cy="0"/>
+          <a:chOff x="0" y="0"/>
+          <a:chExt cx="0" cy="0"/>
+        </a:xfrm>
+      </p:grpSpPr>
+      <p:sp>
+        <p:nvSpPr>
+          <p:cNvPr id="15" name="Rectangle 12">
+            <a:extLst>
+              <a:ext uri="{FF2B5EF4-FFF2-40B4-BE49-F238E27FC236}">
+                <a16:creationId xmlns:a16="http://schemas.microsoft.com/office/drawing/2014/main" id="{867D4867-5BA7-4462-B2F6-A23F4A622AA7}"/>
+              </a:ext>
+              <a:ext uri="{C183D7F6-B498-43B3-948B-1728B52AA6E4}">
+                <adec:decorative xmlns:adec="http://schemas.microsoft.com/office/drawing/2017/decorative" val="1"/>
+              </a:ext>
+            </a:extLst>
+          </p:cNvPr>
+          <p:cNvSpPr>
+            <a:spLocks noGrp="1" noRot="1" noChangeAspect="1" noMove="1" noResize="1" noEditPoints="1" noAdjustHandles="1" noChangeArrowheads="1" noChangeShapeType="1" noTextEdit="1"/>
+          </p:cNvSpPr>
+          <p:nvPr>
+            <p:extLst>
+              <p:ext uri="{386F3935-93C4-4BCD-93E2-E3B085C9AB24}">
+                <p16:designElem xmlns:p16="http://schemas.microsoft.com/office/powerpoint/2015/main" val="1"/>
+              </p:ext>
+            </p:extLst>
+          </p:nvPr>
+        </p:nvSpPr>
+        <p:spPr>
+          <a:xfrm>
+            <a:off x="0" y="0"/>
+            <a:ext cx="3490722" cy="6858000"/>
+          </a:xfrm>
+          <a:prstGeom prst="rect">
+            <a:avLst/>
+          </a:prstGeom>
+          <a:solidFill>
+            <a:schemeClr val="tx1">
+              <a:lumMod val="75000"/>
+              <a:lumOff val="25000"/>
+            </a:schemeClr>
+          </a:solidFill>
+          <a:ln>
+            <a:noFill/>
+          </a:ln>
+        </p:spPr>
+        <p:style>
+          <a:lnRef idx="0">
+            <a:scrgbClr r="0" g="0" b="0"/>
+          </a:lnRef>
+          <a:fillRef idx="0">
+            <a:scrgbClr r="0" g="0" b="0"/>
+          </a:fillRef>
+          <a:effectRef idx="0">
+            <a:scrgbClr r="0" g="0" b="0"/>
+          </a:effectRef>
+          <a:fontRef idx="minor">
+            <a:schemeClr val="lt1"/>
+          </a:fontRef>
+        </p:style>
+        <p:txBody>
+          <a:bodyPr rtlCol="0" anchor="ctr"/>
+          <a:lstStyle/>
+          <a:p>
+            <a:pPr marL="0" marR="0" lvl="0" indent="0" algn="ctr" defTabSz="457200" rtl="0" eaLnBrk="1" fontAlgn="base" latinLnBrk="0" hangingPunct="1">
+              <a:lnSpc>
+                <a:spcPct val="100000"/>
+              </a:lnSpc>
+              <a:spcBef>
+                <a:spcPct val="0"/>
+              </a:spcBef>
+              <a:spcAft>
+                <a:spcPct val="0"/>
+              </a:spcAft>
+              <a:buClrTx/>
+              <a:buSzTx/>
+              <a:buFontTx/>
+              <a:buNone/>
+              <a:tabLst/>
+              <a:defRPr/>
+            </a:pPr>
+            <a:endParaRPr kumimoji="0" lang="en-US" sz="2400" b="0" i="0" u="none" strike="noStrike" kern="1200" cap="none" spc="0" normalizeH="0" baseline="0" noProof="0">
+              <a:ln>
+                <a:noFill/>
+              </a:ln>
+              <a:solidFill>
+                <a:prstClr val="white"/>
+              </a:solidFill>
+              <a:effectLst/>
+              <a:uLnTx/>
+              <a:uFillTx/>
+              <a:latin typeface="Calibri"/>
+              <a:ea typeface="+mn-ea"/>
+              <a:cs typeface="+mn-cs"/>
+            </a:endParaRPr>
+          </a:p>
+        </p:txBody>
+      </p:sp>
+      <p:sp>
+        <p:nvSpPr>
+          <p:cNvPr id="2" name="Title 1"/>
+          <p:cNvSpPr>
+            <a:spLocks noGrp="1"/>
+          </p:cNvSpPr>
+          <p:nvPr>
+            <p:ph type="title"/>
+          </p:nvPr>
+        </p:nvSpPr>
+        <p:spPr>
+          <a:xfrm>
+            <a:off x="482600" y="643467"/>
+            <a:ext cx="2522980" cy="1597315"/>
+          </a:xfrm>
+          <a:noFill/>
+          <a:ln w="19050">
+            <a:solidFill>
+              <a:schemeClr val="bg1"/>
+            </a:solidFill>
+          </a:ln>
+        </p:spPr>
+        <p:txBody>
+          <a:bodyPr vert="horz" wrap="square" lIns="91440" tIns="45720" rIns="91440" bIns="45720" rtlCol="0" anchor="ctr">
+            <a:normAutofit/>
+          </a:bodyPr>
+          <a:lstStyle/>
+          <a:p>
+            <a:pPr defTabSz="914400" eaLnBrk="1" hangingPunct="1">
+              <a:lnSpc>
+                <a:spcPct val="90000"/>
+              </a:lnSpc>
+            </a:pPr>
+            <a:r>
+              <a:rPr lang="en-US" sz="2400" kern="1200" dirty="0">
+                <a:solidFill>
+                  <a:schemeClr val="bg1"/>
+                </a:solidFill>
+                <a:latin typeface="+mj-lt"/>
+                <a:ea typeface="+mj-ea"/>
+                <a:cs typeface="+mj-cs"/>
+              </a:rPr>
+              <a:t>Mutating Joins</a:t>
+            </a:r>
+          </a:p>
+        </p:txBody>
+      </p:sp>
+      <p:pic>
+        <p:nvPicPr>
+          <p:cNvPr id="8" name="Picture 7">
+            <a:extLst>
+              <a:ext uri="{FF2B5EF4-FFF2-40B4-BE49-F238E27FC236}">
+                <a16:creationId xmlns:a16="http://schemas.microsoft.com/office/drawing/2014/main" id="{521D4292-9ECC-4DA5-8CC0-C561A0DA118E}"/>
+              </a:ext>
+            </a:extLst>
+          </p:cNvPr>
+          <p:cNvPicPr>
+            <a:picLocks noChangeAspect="1"/>
+          </p:cNvPicPr>
+          <p:nvPr/>
+        </p:nvPicPr>
+        <p:blipFill rotWithShape="1">
+          <a:blip r:embed="rId3"/>
+          <a:srcRect l="8000" r="9400"/>
+          <a:stretch/>
+        </p:blipFill>
+        <p:spPr>
+          <a:xfrm>
+            <a:off x="660103" y="3048000"/>
+            <a:ext cx="2167974" cy="2624666"/>
+          </a:xfrm>
+          <a:prstGeom prst="rect">
+            <a:avLst/>
+          </a:prstGeom>
+          <a:noFill/>
+        </p:spPr>
+      </p:pic>
+      <p:sp>
+        <p:nvSpPr>
+          <p:cNvPr id="7" name="TextBox 6">
+            <a:extLst>
+              <a:ext uri="{FF2B5EF4-FFF2-40B4-BE49-F238E27FC236}">
+                <a16:creationId xmlns:a16="http://schemas.microsoft.com/office/drawing/2014/main" id="{5F596D90-2468-41D4-8D7F-433E8FCCF737}"/>
+              </a:ext>
+            </a:extLst>
+          </p:cNvPr>
+          <p:cNvSpPr txBox="1"/>
+          <p:nvPr/>
+        </p:nvSpPr>
+        <p:spPr>
+          <a:xfrm>
+            <a:off x="3810000" y="621916"/>
+            <a:ext cx="5257800" cy="1938992"/>
+          </a:xfrm>
+          <a:prstGeom prst="rect">
+            <a:avLst/>
+          </a:prstGeom>
+          <a:noFill/>
+        </p:spPr>
+        <p:txBody>
+          <a:bodyPr wrap="square" rtlCol="0">
+            <a:spAutoFit/>
+          </a:bodyPr>
+          <a:lstStyle/>
+          <a:p>
+            <a:pPr marL="342900" indent="-342900">
+              <a:buFont typeface="Arial" panose="020B0604020202020204" pitchFamily="34" charset="0"/>
+              <a:buChar char="•"/>
+            </a:pPr>
+            <a:r>
+              <a:rPr lang="en-US" dirty="0">
+                <a:solidFill>
+                  <a:srgbClr val="404040"/>
+                </a:solidFill>
+              </a:rPr>
+              <a:t>Outer Joins</a:t>
+            </a:r>
+          </a:p>
+          <a:p>
+            <a:pPr marL="800100" lvl="1" indent="-342900">
+              <a:buFont typeface="Arial" panose="020B0604020202020204" pitchFamily="34" charset="0"/>
+              <a:buChar char="•"/>
+            </a:pPr>
+            <a:endParaRPr lang="en-US" dirty="0">
+              <a:solidFill>
+                <a:srgbClr val="404040"/>
+              </a:solidFill>
+            </a:endParaRPr>
+          </a:p>
+          <a:p>
+            <a:pPr marL="800100" lvl="1" indent="-342900">
+              <a:buFont typeface="Arial" panose="020B0604020202020204" pitchFamily="34" charset="0"/>
+              <a:buChar char="•"/>
+            </a:pPr>
+            <a:r>
+              <a:rPr lang="en-US" dirty="0">
+                <a:solidFill>
+                  <a:srgbClr val="404040"/>
+                </a:solidFill>
+              </a:rPr>
+              <a:t>Right-Join</a:t>
+            </a:r>
+          </a:p>
+          <a:p>
+            <a:pPr lvl="1"/>
+            <a:endParaRPr lang="en-US" dirty="0">
+              <a:solidFill>
+                <a:srgbClr val="404040"/>
+              </a:solidFill>
+            </a:endParaRPr>
+          </a:p>
+          <a:p>
+            <a:pPr marL="1257300" lvl="2" indent="-342900">
+              <a:buFont typeface="Arial" panose="020B0604020202020204" pitchFamily="34" charset="0"/>
+              <a:buChar char="•"/>
+            </a:pPr>
+            <a:r>
+              <a:rPr lang="en-US" dirty="0">
+                <a:solidFill>
+                  <a:srgbClr val="404040"/>
+                </a:solidFill>
+              </a:rPr>
+              <a:t>Example: Survey + Trans.</a:t>
+            </a:r>
+          </a:p>
+        </p:txBody>
+      </p:sp>
+      <p:pic>
+        <p:nvPicPr>
+          <p:cNvPr id="6" name="Picture 5">
+            <a:extLst>
+              <a:ext uri="{FF2B5EF4-FFF2-40B4-BE49-F238E27FC236}">
+                <a16:creationId xmlns:a16="http://schemas.microsoft.com/office/drawing/2014/main" id="{133ADD3A-9A67-4C9E-8AAA-4C9B80F3AFDD}"/>
+              </a:ext>
+            </a:extLst>
+          </p:cNvPr>
+          <p:cNvPicPr>
+            <a:picLocks noChangeAspect="1"/>
+          </p:cNvPicPr>
+          <p:nvPr/>
+        </p:nvPicPr>
+        <p:blipFill>
+          <a:blip r:embed="rId4"/>
+          <a:stretch>
+            <a:fillRect/>
+          </a:stretch>
+        </p:blipFill>
+        <p:spPr>
+          <a:xfrm>
+            <a:off x="3581400" y="2694511"/>
+            <a:ext cx="5486400" cy="3396343"/>
+          </a:xfrm>
+          <a:prstGeom prst="rect">
+            <a:avLst/>
+          </a:prstGeom>
+          <a:ln>
+            <a:solidFill>
+              <a:srgbClr val="404040"/>
+            </a:solidFill>
+          </a:ln>
+        </p:spPr>
+        <p:style>
+          <a:lnRef idx="2">
+            <a:schemeClr val="dk1"/>
+          </a:lnRef>
+          <a:fillRef idx="1">
+            <a:schemeClr val="lt1"/>
+          </a:fillRef>
+          <a:effectRef idx="0">
+            <a:schemeClr val="dk1"/>
+          </a:effectRef>
+          <a:fontRef idx="minor">
+            <a:schemeClr val="dk1"/>
+          </a:fontRef>
+        </p:style>
+      </p:pic>
+    </p:spTree>
+    <p:custDataLst>
+      <p:tags r:id="rId1"/>
+    </p:custDataLst>
+    <p:extLst>
+      <p:ext uri="{BB962C8B-B14F-4D97-AF65-F5344CB8AC3E}">
+        <p14:creationId xmlns:p14="http://schemas.microsoft.com/office/powerpoint/2010/main" val="1031320238"/>
+      </p:ext>
+    </p:extLst>
+  </p:cSld>
+  <p:clrMapOvr>
+    <a:masterClrMapping/>
+  </p:clrMapOvr>
+</p:sld>
+</file>
+
+<file path=ppt/slides/slide17.xml><?xml version="1.0" encoding="utf-8"?>
+<p:sld xmlns:a="http://schemas.openxmlformats.org/drawingml/2006/main" xmlns:r="http://schemas.openxmlformats.org/officeDocument/2006/relationships" xmlns:p="http://schemas.openxmlformats.org/presentationml/2006/main">
+  <p:cSld>
+    <p:bg>
+      <p:bgPr>
+        <a:solidFill>
+          <a:schemeClr val="bg1">
+            <a:lumMod val="85000"/>
+          </a:schemeClr>
+        </a:solidFill>
+        <a:effectLst/>
+      </p:bgPr>
+    </p:bg>
+    <p:spTree>
+      <p:nvGrpSpPr>
+        <p:cNvPr id="1" name=""/>
+        <p:cNvGrpSpPr/>
+        <p:nvPr/>
+      </p:nvGrpSpPr>
+      <p:grpSpPr>
+        <a:xfrm>
+          <a:off x="0" y="0"/>
+          <a:ext cx="0" cy="0"/>
+          <a:chOff x="0" y="0"/>
+          <a:chExt cx="0" cy="0"/>
+        </a:xfrm>
+      </p:grpSpPr>
+      <p:sp>
+        <p:nvSpPr>
+          <p:cNvPr id="15" name="Rectangle 12">
+            <a:extLst>
+              <a:ext uri="{FF2B5EF4-FFF2-40B4-BE49-F238E27FC236}">
+                <a16:creationId xmlns:a16="http://schemas.microsoft.com/office/drawing/2014/main" id="{867D4867-5BA7-4462-B2F6-A23F4A622AA7}"/>
+              </a:ext>
+              <a:ext uri="{C183D7F6-B498-43B3-948B-1728B52AA6E4}">
+                <adec:decorative xmlns:adec="http://schemas.microsoft.com/office/drawing/2017/decorative" val="1"/>
+              </a:ext>
+            </a:extLst>
+          </p:cNvPr>
+          <p:cNvSpPr>
+            <a:spLocks noGrp="1" noRot="1" noChangeAspect="1" noMove="1" noResize="1" noEditPoints="1" noAdjustHandles="1" noChangeArrowheads="1" noChangeShapeType="1" noTextEdit="1"/>
+          </p:cNvSpPr>
+          <p:nvPr>
+            <p:extLst>
+              <p:ext uri="{386F3935-93C4-4BCD-93E2-E3B085C9AB24}">
+                <p16:designElem xmlns:p16="http://schemas.microsoft.com/office/powerpoint/2015/main" val="1"/>
+              </p:ext>
+            </p:extLst>
+          </p:nvPr>
+        </p:nvSpPr>
+        <p:spPr>
+          <a:xfrm>
+            <a:off x="0" y="0"/>
+            <a:ext cx="3490722" cy="6858000"/>
+          </a:xfrm>
+          <a:prstGeom prst="rect">
+            <a:avLst/>
+          </a:prstGeom>
+          <a:solidFill>
+            <a:schemeClr val="tx1">
+              <a:lumMod val="75000"/>
+              <a:lumOff val="25000"/>
+            </a:schemeClr>
+          </a:solidFill>
+          <a:ln>
+            <a:noFill/>
+          </a:ln>
+        </p:spPr>
+        <p:style>
+          <a:lnRef idx="0">
+            <a:scrgbClr r="0" g="0" b="0"/>
+          </a:lnRef>
+          <a:fillRef idx="0">
+            <a:scrgbClr r="0" g="0" b="0"/>
+          </a:fillRef>
+          <a:effectRef idx="0">
+            <a:scrgbClr r="0" g="0" b="0"/>
+          </a:effectRef>
+          <a:fontRef idx="minor">
+            <a:schemeClr val="lt1"/>
+          </a:fontRef>
+        </p:style>
+        <p:txBody>
+          <a:bodyPr rtlCol="0" anchor="ctr"/>
+          <a:lstStyle/>
+          <a:p>
+            <a:pPr marL="0" marR="0" lvl="0" indent="0" algn="ctr" defTabSz="457200" rtl="0" eaLnBrk="1" fontAlgn="base" latinLnBrk="0" hangingPunct="1">
+              <a:lnSpc>
+                <a:spcPct val="100000"/>
+              </a:lnSpc>
+              <a:spcBef>
+                <a:spcPct val="0"/>
+              </a:spcBef>
+              <a:spcAft>
+                <a:spcPct val="0"/>
+              </a:spcAft>
+              <a:buClrTx/>
+              <a:buSzTx/>
+              <a:buFontTx/>
+              <a:buNone/>
+              <a:tabLst/>
+              <a:defRPr/>
+            </a:pPr>
+            <a:endParaRPr kumimoji="0" lang="en-US" sz="2400" b="0" i="0" u="none" strike="noStrike" kern="1200" cap="none" spc="0" normalizeH="0" baseline="0" noProof="0">
+              <a:ln>
+                <a:noFill/>
+              </a:ln>
+              <a:solidFill>
+                <a:prstClr val="white"/>
+              </a:solidFill>
+              <a:effectLst/>
+              <a:uLnTx/>
+              <a:uFillTx/>
+              <a:latin typeface="Calibri"/>
+              <a:ea typeface="+mn-ea"/>
+              <a:cs typeface="+mn-cs"/>
+            </a:endParaRPr>
+          </a:p>
+        </p:txBody>
+      </p:sp>
+      <p:sp>
+        <p:nvSpPr>
+          <p:cNvPr id="2" name="Title 1"/>
+          <p:cNvSpPr>
+            <a:spLocks noGrp="1"/>
+          </p:cNvSpPr>
+          <p:nvPr>
+            <p:ph type="title"/>
+          </p:nvPr>
+        </p:nvSpPr>
+        <p:spPr>
+          <a:xfrm>
+            <a:off x="482600" y="643467"/>
+            <a:ext cx="2522980" cy="1597315"/>
+          </a:xfrm>
+          <a:noFill/>
+          <a:ln w="19050">
+            <a:solidFill>
+              <a:schemeClr val="bg1"/>
+            </a:solidFill>
+          </a:ln>
+        </p:spPr>
+        <p:txBody>
+          <a:bodyPr vert="horz" wrap="square" lIns="91440" tIns="45720" rIns="91440" bIns="45720" rtlCol="0" anchor="ctr">
+            <a:normAutofit/>
+          </a:bodyPr>
+          <a:lstStyle/>
+          <a:p>
+            <a:pPr defTabSz="914400" eaLnBrk="1" hangingPunct="1">
+              <a:lnSpc>
+                <a:spcPct val="90000"/>
+              </a:lnSpc>
+            </a:pPr>
+            <a:r>
+              <a:rPr lang="en-US" sz="2400" kern="1200" dirty="0">
+                <a:solidFill>
+                  <a:schemeClr val="bg1"/>
+                </a:solidFill>
+                <a:latin typeface="+mj-lt"/>
+                <a:ea typeface="+mj-ea"/>
+                <a:cs typeface="+mj-cs"/>
+              </a:rPr>
+              <a:t>Mutating Joins</a:t>
+            </a:r>
+          </a:p>
+        </p:txBody>
+      </p:sp>
+      <p:pic>
+        <p:nvPicPr>
+          <p:cNvPr id="8" name="Picture 7">
+            <a:extLst>
+              <a:ext uri="{FF2B5EF4-FFF2-40B4-BE49-F238E27FC236}">
+                <a16:creationId xmlns:a16="http://schemas.microsoft.com/office/drawing/2014/main" id="{521D4292-9ECC-4DA5-8CC0-C561A0DA118E}"/>
+              </a:ext>
+            </a:extLst>
+          </p:cNvPr>
+          <p:cNvPicPr>
+            <a:picLocks noChangeAspect="1"/>
+          </p:cNvPicPr>
+          <p:nvPr/>
+        </p:nvPicPr>
+        <p:blipFill rotWithShape="1">
+          <a:blip r:embed="rId3"/>
+          <a:srcRect l="8000" r="9400"/>
+          <a:stretch/>
+        </p:blipFill>
+        <p:spPr>
+          <a:xfrm>
+            <a:off x="660103" y="3048000"/>
+            <a:ext cx="2167974" cy="2624666"/>
+          </a:xfrm>
+          <a:prstGeom prst="rect">
+            <a:avLst/>
+          </a:prstGeom>
+          <a:noFill/>
+        </p:spPr>
+      </p:pic>
+      <p:sp>
+        <p:nvSpPr>
+          <p:cNvPr id="7" name="TextBox 6">
+            <a:extLst>
+              <a:ext uri="{FF2B5EF4-FFF2-40B4-BE49-F238E27FC236}">
+                <a16:creationId xmlns:a16="http://schemas.microsoft.com/office/drawing/2014/main" id="{5F596D90-2468-41D4-8D7F-433E8FCCF737}"/>
+              </a:ext>
+            </a:extLst>
+          </p:cNvPr>
+          <p:cNvSpPr txBox="1"/>
+          <p:nvPr/>
+        </p:nvSpPr>
+        <p:spPr>
+          <a:xfrm>
+            <a:off x="3810000" y="621916"/>
+            <a:ext cx="5257800" cy="3785652"/>
+          </a:xfrm>
+          <a:prstGeom prst="rect">
+            <a:avLst/>
+          </a:prstGeom>
+          <a:noFill/>
+        </p:spPr>
+        <p:txBody>
+          <a:bodyPr wrap="square" rtlCol="0">
+            <a:spAutoFit/>
+          </a:bodyPr>
+          <a:lstStyle/>
+          <a:p>
+            <a:pPr marL="342900" indent="-342900">
+              <a:buFont typeface="Arial" panose="020B0604020202020204" pitchFamily="34" charset="0"/>
+              <a:buChar char="•"/>
+            </a:pPr>
+            <a:r>
+              <a:rPr lang="en-US" dirty="0">
+                <a:solidFill>
+                  <a:srgbClr val="404040"/>
+                </a:solidFill>
+              </a:rPr>
+              <a:t>Outer Joins</a:t>
+            </a:r>
+          </a:p>
+          <a:p>
+            <a:pPr marL="800100" lvl="1" indent="-342900">
+              <a:buFont typeface="Arial" panose="020B0604020202020204" pitchFamily="34" charset="0"/>
+              <a:buChar char="•"/>
+            </a:pPr>
+            <a:endParaRPr lang="en-US" dirty="0">
+              <a:solidFill>
+                <a:srgbClr val="404040"/>
+              </a:solidFill>
+            </a:endParaRPr>
+          </a:p>
+          <a:p>
+            <a:pPr marL="800100" lvl="1" indent="-342900">
+              <a:buFont typeface="Arial" panose="020B0604020202020204" pitchFamily="34" charset="0"/>
+              <a:buChar char="•"/>
+            </a:pPr>
+            <a:r>
+              <a:rPr lang="en-US" dirty="0">
+                <a:solidFill>
+                  <a:srgbClr val="404040"/>
+                </a:solidFill>
+              </a:rPr>
+              <a:t>Full-Join</a:t>
+            </a:r>
+          </a:p>
+          <a:p>
+            <a:pPr lvl="1"/>
+            <a:endParaRPr lang="en-US" dirty="0">
+              <a:solidFill>
+                <a:srgbClr val="404040"/>
+              </a:solidFill>
+            </a:endParaRPr>
+          </a:p>
+          <a:p>
+            <a:pPr marL="1257300" lvl="2" indent="-342900">
+              <a:buFont typeface="Arial" panose="020B0604020202020204" pitchFamily="34" charset="0"/>
+              <a:buChar char="•"/>
+            </a:pPr>
+            <a:r>
+              <a:rPr lang="en-US" dirty="0">
+                <a:solidFill>
+                  <a:srgbClr val="404040"/>
+                </a:solidFill>
+              </a:rPr>
+              <a:t>Keeps All Observations in Both Datasets</a:t>
+            </a:r>
+          </a:p>
+          <a:p>
+            <a:pPr marL="800100" lvl="1" indent="-342900">
+              <a:buFont typeface="Arial" panose="020B0604020202020204" pitchFamily="34" charset="0"/>
+              <a:buChar char="•"/>
+            </a:pPr>
+            <a:endParaRPr lang="en-US" dirty="0">
+              <a:solidFill>
+                <a:srgbClr val="404040"/>
+              </a:solidFill>
+            </a:endParaRPr>
+          </a:p>
+          <a:p>
+            <a:pPr marL="1257300" lvl="2" indent="-342900">
+              <a:buFont typeface="Arial" panose="020B0604020202020204" pitchFamily="34" charset="0"/>
+              <a:buChar char="•"/>
+            </a:pPr>
+            <a:r>
+              <a:rPr lang="en-US" dirty="0">
+                <a:solidFill>
+                  <a:srgbClr val="404040"/>
+                </a:solidFill>
+              </a:rPr>
+              <a:t>Equivalent to</a:t>
+            </a:r>
+          </a:p>
+          <a:p>
+            <a:pPr marL="800100" lvl="1" indent="-342900">
+              <a:buFont typeface="Arial" panose="020B0604020202020204" pitchFamily="34" charset="0"/>
+              <a:buChar char="•"/>
+            </a:pPr>
+            <a:endParaRPr lang="en-US" dirty="0">
+              <a:solidFill>
+                <a:srgbClr val="404040"/>
+              </a:solidFill>
+            </a:endParaRPr>
+          </a:p>
+          <a:p>
+            <a:pPr lvl="1"/>
+            <a:endParaRPr lang="en-US" dirty="0">
+              <a:solidFill>
+                <a:srgbClr val="404040"/>
+              </a:solidFill>
+            </a:endParaRPr>
+          </a:p>
+        </p:txBody>
+      </p:sp>
+      <p:sp>
+        <p:nvSpPr>
+          <p:cNvPr id="10" name="TextBox 9">
+            <a:extLst>
+              <a:ext uri="{FF2B5EF4-FFF2-40B4-BE49-F238E27FC236}">
+                <a16:creationId xmlns:a16="http://schemas.microsoft.com/office/drawing/2014/main" id="{331524A6-1A4A-4889-BACF-DE4855BA5F43}"/>
+              </a:ext>
+            </a:extLst>
+          </p:cNvPr>
+          <p:cNvSpPr txBox="1"/>
+          <p:nvPr/>
+        </p:nvSpPr>
+        <p:spPr>
+          <a:xfrm>
+            <a:off x="3647133" y="3733800"/>
+            <a:ext cx="5257800" cy="461665"/>
+          </a:xfrm>
+          <a:prstGeom prst="rect">
+            <a:avLst/>
+          </a:prstGeom>
+          <a:solidFill>
+            <a:srgbClr val="404040"/>
+          </a:solidFill>
+        </p:spPr>
+        <p:txBody>
+          <a:bodyPr wrap="square" rtlCol="0">
+            <a:spAutoFit/>
+          </a:bodyPr>
+          <a:lstStyle/>
+          <a:p>
+            <a:r>
+              <a:rPr lang="en-US" dirty="0">
+                <a:solidFill>
+                  <a:schemeClr val="bg1"/>
+                </a:solidFill>
+              </a:rPr>
+              <a:t>&gt; merge(</a:t>
+            </a:r>
+            <a:r>
+              <a:rPr lang="en-US" dirty="0" err="1">
+                <a:solidFill>
+                  <a:schemeClr val="bg1"/>
+                </a:solidFill>
+              </a:rPr>
+              <a:t>x,y,all.x</a:t>
+            </a:r>
+            <a:r>
+              <a:rPr lang="en-US" dirty="0">
+                <a:solidFill>
+                  <a:schemeClr val="bg1"/>
+                </a:solidFill>
+              </a:rPr>
+              <a:t>=</a:t>
+            </a:r>
+            <a:r>
+              <a:rPr lang="en-US" dirty="0" err="1">
+                <a:solidFill>
+                  <a:schemeClr val="bg1"/>
+                </a:solidFill>
+              </a:rPr>
+              <a:t>TRUE,all.y</a:t>
+            </a:r>
+            <a:r>
+              <a:rPr lang="en-US" dirty="0">
+                <a:solidFill>
+                  <a:schemeClr val="bg1"/>
+                </a:solidFill>
+              </a:rPr>
+              <a:t>=TRUE)</a:t>
+            </a:r>
+          </a:p>
+        </p:txBody>
+      </p:sp>
+    </p:spTree>
+    <p:custDataLst>
+      <p:tags r:id="rId1"/>
+    </p:custDataLst>
+    <p:extLst>
+      <p:ext uri="{BB962C8B-B14F-4D97-AF65-F5344CB8AC3E}">
+        <p14:creationId xmlns:p14="http://schemas.microsoft.com/office/powerpoint/2010/main" val="3587687955"/>
+      </p:ext>
+    </p:extLst>
+  </p:cSld>
+  <p:clrMapOvr>
+    <a:masterClrMapping/>
+  </p:clrMapOvr>
+</p:sld>
+</file>
+
+<file path=ppt/slides/slide18.xml><?xml version="1.0" encoding="utf-8"?>
+<p:sld xmlns:a="http://schemas.openxmlformats.org/drawingml/2006/main" xmlns:r="http://schemas.openxmlformats.org/officeDocument/2006/relationships" xmlns:p="http://schemas.openxmlformats.org/presentationml/2006/main">
+  <p:cSld>
+    <p:bg>
+      <p:bgPr>
+        <a:solidFill>
+          <a:schemeClr val="bg1">
+            <a:lumMod val="85000"/>
+          </a:schemeClr>
+        </a:solidFill>
+        <a:effectLst/>
+      </p:bgPr>
+    </p:bg>
+    <p:spTree>
+      <p:nvGrpSpPr>
+        <p:cNvPr id="1" name=""/>
+        <p:cNvGrpSpPr/>
+        <p:nvPr/>
+      </p:nvGrpSpPr>
+      <p:grpSpPr>
+        <a:xfrm>
+          <a:off x="0" y="0"/>
+          <a:ext cx="0" cy="0"/>
+          <a:chOff x="0" y="0"/>
+          <a:chExt cx="0" cy="0"/>
+        </a:xfrm>
+      </p:grpSpPr>
+      <p:sp>
+        <p:nvSpPr>
+          <p:cNvPr id="15" name="Rectangle 12">
+            <a:extLst>
+              <a:ext uri="{FF2B5EF4-FFF2-40B4-BE49-F238E27FC236}">
+                <a16:creationId xmlns:a16="http://schemas.microsoft.com/office/drawing/2014/main" id="{867D4867-5BA7-4462-B2F6-A23F4A622AA7}"/>
+              </a:ext>
+              <a:ext uri="{C183D7F6-B498-43B3-948B-1728B52AA6E4}">
+                <adec:decorative xmlns:adec="http://schemas.microsoft.com/office/drawing/2017/decorative" val="1"/>
+              </a:ext>
+            </a:extLst>
+          </p:cNvPr>
+          <p:cNvSpPr>
+            <a:spLocks noGrp="1" noRot="1" noChangeAspect="1" noMove="1" noResize="1" noEditPoints="1" noAdjustHandles="1" noChangeArrowheads="1" noChangeShapeType="1" noTextEdit="1"/>
+          </p:cNvSpPr>
+          <p:nvPr>
+            <p:extLst>
+              <p:ext uri="{386F3935-93C4-4BCD-93E2-E3B085C9AB24}">
+                <p16:designElem xmlns:p16="http://schemas.microsoft.com/office/powerpoint/2015/main" val="1"/>
+              </p:ext>
+            </p:extLst>
+          </p:nvPr>
+        </p:nvSpPr>
+        <p:spPr>
+          <a:xfrm>
+            <a:off x="0" y="0"/>
+            <a:ext cx="3490722" cy="6858000"/>
+          </a:xfrm>
+          <a:prstGeom prst="rect">
+            <a:avLst/>
+          </a:prstGeom>
+          <a:solidFill>
+            <a:schemeClr val="tx1">
+              <a:lumMod val="75000"/>
+              <a:lumOff val="25000"/>
+            </a:schemeClr>
+          </a:solidFill>
+          <a:ln>
+            <a:noFill/>
+          </a:ln>
+        </p:spPr>
+        <p:style>
+          <a:lnRef idx="0">
+            <a:scrgbClr r="0" g="0" b="0"/>
+          </a:lnRef>
+          <a:fillRef idx="0">
+            <a:scrgbClr r="0" g="0" b="0"/>
+          </a:fillRef>
+          <a:effectRef idx="0">
+            <a:scrgbClr r="0" g="0" b="0"/>
+          </a:effectRef>
+          <a:fontRef idx="minor">
+            <a:schemeClr val="lt1"/>
+          </a:fontRef>
+        </p:style>
+        <p:txBody>
+          <a:bodyPr rtlCol="0" anchor="ctr"/>
+          <a:lstStyle/>
+          <a:p>
+            <a:pPr marL="0" marR="0" lvl="0" indent="0" algn="ctr" defTabSz="457200" rtl="0" eaLnBrk="1" fontAlgn="base" latinLnBrk="0" hangingPunct="1">
+              <a:lnSpc>
+                <a:spcPct val="100000"/>
+              </a:lnSpc>
+              <a:spcBef>
+                <a:spcPct val="0"/>
+              </a:spcBef>
+              <a:spcAft>
+                <a:spcPct val="0"/>
+              </a:spcAft>
+              <a:buClrTx/>
+              <a:buSzTx/>
+              <a:buFontTx/>
+              <a:buNone/>
+              <a:tabLst/>
+              <a:defRPr/>
+            </a:pPr>
+            <a:endParaRPr kumimoji="0" lang="en-US" sz="2400" b="0" i="0" u="none" strike="noStrike" kern="1200" cap="none" spc="0" normalizeH="0" baseline="0" noProof="0">
+              <a:ln>
+                <a:noFill/>
+              </a:ln>
+              <a:solidFill>
+                <a:prstClr val="white"/>
+              </a:solidFill>
+              <a:effectLst/>
+              <a:uLnTx/>
+              <a:uFillTx/>
+              <a:latin typeface="Calibri"/>
+              <a:ea typeface="+mn-ea"/>
+              <a:cs typeface="+mn-cs"/>
+            </a:endParaRPr>
+          </a:p>
+        </p:txBody>
+      </p:sp>
+      <p:sp>
+        <p:nvSpPr>
+          <p:cNvPr id="2" name="Title 1"/>
+          <p:cNvSpPr>
+            <a:spLocks noGrp="1"/>
+          </p:cNvSpPr>
+          <p:nvPr>
+            <p:ph type="title"/>
+          </p:nvPr>
+        </p:nvSpPr>
+        <p:spPr>
+          <a:xfrm>
+            <a:off x="482600" y="643467"/>
+            <a:ext cx="2522980" cy="1597315"/>
+          </a:xfrm>
+          <a:noFill/>
+          <a:ln w="19050">
+            <a:solidFill>
+              <a:schemeClr val="bg1"/>
+            </a:solidFill>
+          </a:ln>
+        </p:spPr>
+        <p:txBody>
+          <a:bodyPr vert="horz" wrap="square" lIns="91440" tIns="45720" rIns="91440" bIns="45720" rtlCol="0" anchor="ctr">
+            <a:normAutofit/>
+          </a:bodyPr>
+          <a:lstStyle/>
+          <a:p>
+            <a:pPr defTabSz="914400" eaLnBrk="1" hangingPunct="1">
+              <a:lnSpc>
+                <a:spcPct val="90000"/>
+              </a:lnSpc>
+            </a:pPr>
+            <a:r>
+              <a:rPr lang="en-US" sz="2400" kern="1200" dirty="0">
+                <a:solidFill>
+                  <a:schemeClr val="bg1"/>
+                </a:solidFill>
+                <a:latin typeface="+mj-lt"/>
+                <a:ea typeface="+mj-ea"/>
+                <a:cs typeface="+mj-cs"/>
+              </a:rPr>
+              <a:t>Mutating Joins</a:t>
+            </a:r>
+          </a:p>
+        </p:txBody>
+      </p:sp>
+      <p:pic>
+        <p:nvPicPr>
+          <p:cNvPr id="8" name="Picture 7">
+            <a:extLst>
+              <a:ext uri="{FF2B5EF4-FFF2-40B4-BE49-F238E27FC236}">
+                <a16:creationId xmlns:a16="http://schemas.microsoft.com/office/drawing/2014/main" id="{521D4292-9ECC-4DA5-8CC0-C561A0DA118E}"/>
+              </a:ext>
+            </a:extLst>
+          </p:cNvPr>
+          <p:cNvPicPr>
+            <a:picLocks noChangeAspect="1"/>
+          </p:cNvPicPr>
+          <p:nvPr/>
+        </p:nvPicPr>
+        <p:blipFill rotWithShape="1">
+          <a:blip r:embed="rId3"/>
+          <a:srcRect l="8000" r="9400"/>
+          <a:stretch/>
+        </p:blipFill>
+        <p:spPr>
+          <a:xfrm>
+            <a:off x="660103" y="3048000"/>
+            <a:ext cx="2167974" cy="2624666"/>
+          </a:xfrm>
+          <a:prstGeom prst="rect">
+            <a:avLst/>
+          </a:prstGeom>
+          <a:noFill/>
+        </p:spPr>
+      </p:pic>
+      <p:sp>
+        <p:nvSpPr>
+          <p:cNvPr id="7" name="TextBox 6">
+            <a:extLst>
+              <a:ext uri="{FF2B5EF4-FFF2-40B4-BE49-F238E27FC236}">
+                <a16:creationId xmlns:a16="http://schemas.microsoft.com/office/drawing/2014/main" id="{5F596D90-2468-41D4-8D7F-433E8FCCF737}"/>
+              </a:ext>
+            </a:extLst>
+          </p:cNvPr>
+          <p:cNvSpPr txBox="1"/>
+          <p:nvPr/>
+        </p:nvSpPr>
+        <p:spPr>
+          <a:xfrm>
+            <a:off x="3810000" y="621916"/>
+            <a:ext cx="5257800" cy="1938992"/>
+          </a:xfrm>
+          <a:prstGeom prst="rect">
+            <a:avLst/>
+          </a:prstGeom>
+          <a:noFill/>
+        </p:spPr>
+        <p:txBody>
+          <a:bodyPr wrap="square" rtlCol="0">
+            <a:spAutoFit/>
+          </a:bodyPr>
+          <a:lstStyle/>
+          <a:p>
+            <a:pPr marL="342900" indent="-342900">
+              <a:buFont typeface="Arial" panose="020B0604020202020204" pitchFamily="34" charset="0"/>
+              <a:buChar char="•"/>
+            </a:pPr>
+            <a:r>
+              <a:rPr lang="en-US" dirty="0">
+                <a:solidFill>
+                  <a:srgbClr val="404040"/>
+                </a:solidFill>
+              </a:rPr>
+              <a:t>Outer Joins</a:t>
+            </a:r>
+          </a:p>
+          <a:p>
+            <a:pPr marL="800100" lvl="1" indent="-342900">
+              <a:buFont typeface="Arial" panose="020B0604020202020204" pitchFamily="34" charset="0"/>
+              <a:buChar char="•"/>
+            </a:pPr>
+            <a:endParaRPr lang="en-US" dirty="0">
+              <a:solidFill>
+                <a:srgbClr val="404040"/>
+              </a:solidFill>
+            </a:endParaRPr>
+          </a:p>
+          <a:p>
+            <a:pPr marL="800100" lvl="1" indent="-342900">
+              <a:buFont typeface="Arial" panose="020B0604020202020204" pitchFamily="34" charset="0"/>
+              <a:buChar char="•"/>
+            </a:pPr>
+            <a:r>
+              <a:rPr lang="en-US" dirty="0">
+                <a:solidFill>
+                  <a:srgbClr val="404040"/>
+                </a:solidFill>
+              </a:rPr>
+              <a:t>Full-Join</a:t>
+            </a:r>
+          </a:p>
+          <a:p>
+            <a:pPr lvl="1"/>
+            <a:endParaRPr lang="en-US" dirty="0">
+              <a:solidFill>
+                <a:srgbClr val="404040"/>
+              </a:solidFill>
+            </a:endParaRPr>
+          </a:p>
+          <a:p>
+            <a:pPr marL="1257300" lvl="2" indent="-342900">
+              <a:buFont typeface="Arial" panose="020B0604020202020204" pitchFamily="34" charset="0"/>
+              <a:buChar char="•"/>
+            </a:pPr>
+            <a:r>
+              <a:rPr lang="en-US" dirty="0">
+                <a:solidFill>
+                  <a:srgbClr val="404040"/>
+                </a:solidFill>
+              </a:rPr>
+              <a:t>Example: Survey + Trans.</a:t>
+            </a:r>
+          </a:p>
+        </p:txBody>
+      </p:sp>
+      <p:pic>
+        <p:nvPicPr>
+          <p:cNvPr id="5" name="Picture 4">
+            <a:extLst>
+              <a:ext uri="{FF2B5EF4-FFF2-40B4-BE49-F238E27FC236}">
+                <a16:creationId xmlns:a16="http://schemas.microsoft.com/office/drawing/2014/main" id="{E6686633-71E4-480B-8714-84DBF887BC7C}"/>
+              </a:ext>
+            </a:extLst>
+          </p:cNvPr>
+          <p:cNvPicPr>
+            <a:picLocks noChangeAspect="1"/>
+          </p:cNvPicPr>
+          <p:nvPr/>
+        </p:nvPicPr>
+        <p:blipFill>
+          <a:blip r:embed="rId4"/>
+          <a:stretch>
+            <a:fillRect/>
+          </a:stretch>
+        </p:blipFill>
+        <p:spPr>
+          <a:xfrm>
+            <a:off x="3564195" y="2667001"/>
+            <a:ext cx="5503605" cy="3579466"/>
+          </a:xfrm>
+          <a:prstGeom prst="rect">
+            <a:avLst/>
+          </a:prstGeom>
+          <a:ln>
+            <a:solidFill>
+              <a:srgbClr val="404040"/>
+            </a:solidFill>
+          </a:ln>
+        </p:spPr>
+        <p:style>
+          <a:lnRef idx="2">
+            <a:schemeClr val="dk1"/>
+          </a:lnRef>
+          <a:fillRef idx="1">
+            <a:schemeClr val="lt1"/>
+          </a:fillRef>
+          <a:effectRef idx="0">
+            <a:schemeClr val="dk1"/>
+          </a:effectRef>
+          <a:fontRef idx="minor">
+            <a:schemeClr val="dk1"/>
+          </a:fontRef>
+        </p:style>
+      </p:pic>
+    </p:spTree>
+    <p:custDataLst>
+      <p:tags r:id="rId1"/>
+    </p:custDataLst>
+    <p:extLst>
+      <p:ext uri="{BB962C8B-B14F-4D97-AF65-F5344CB8AC3E}">
+        <p14:creationId xmlns:p14="http://schemas.microsoft.com/office/powerpoint/2010/main" val="2745808989"/>
+      </p:ext>
+    </p:extLst>
+  </p:cSld>
+  <p:clrMapOvr>
+    <a:masterClrMapping/>
+  </p:clrMapOvr>
+</p:sld>
+</file>
+
+<file path=ppt/slides/slide19.xml><?xml version="1.0" encoding="utf-8"?>
+<p:sld xmlns:a="http://schemas.openxmlformats.org/drawingml/2006/main" xmlns:r="http://schemas.openxmlformats.org/officeDocument/2006/relationships" xmlns:p="http://schemas.openxmlformats.org/presentationml/2006/main">
+  <p:cSld>
+    <p:bg>
+      <p:bgPr>
+        <a:solidFill>
+          <a:schemeClr val="bg1">
+            <a:lumMod val="85000"/>
+          </a:schemeClr>
+        </a:solidFill>
+        <a:effectLst/>
+      </p:bgPr>
+    </p:bg>
+    <p:spTree>
+      <p:nvGrpSpPr>
+        <p:cNvPr id="1" name=""/>
+        <p:cNvGrpSpPr/>
+        <p:nvPr/>
+      </p:nvGrpSpPr>
+      <p:grpSpPr>
+        <a:xfrm>
+          <a:off x="0" y="0"/>
+          <a:ext cx="0" cy="0"/>
+          <a:chOff x="0" y="0"/>
+          <a:chExt cx="0" cy="0"/>
+        </a:xfrm>
+      </p:grpSpPr>
+      <p:sp>
+        <p:nvSpPr>
+          <p:cNvPr id="15" name="Rectangle 12">
+            <a:extLst>
+              <a:ext uri="{FF2B5EF4-FFF2-40B4-BE49-F238E27FC236}">
+                <a16:creationId xmlns:a16="http://schemas.microsoft.com/office/drawing/2014/main" id="{867D4867-5BA7-4462-B2F6-A23F4A622AA7}"/>
+              </a:ext>
+              <a:ext uri="{C183D7F6-B498-43B3-948B-1728B52AA6E4}">
+                <adec:decorative xmlns:adec="http://schemas.microsoft.com/office/drawing/2017/decorative" val="1"/>
+              </a:ext>
+            </a:extLst>
+          </p:cNvPr>
+          <p:cNvSpPr>
+            <a:spLocks noGrp="1" noRot="1" noChangeAspect="1" noMove="1" noResize="1" noEditPoints="1" noAdjustHandles="1" noChangeArrowheads="1" noChangeShapeType="1" noTextEdit="1"/>
+          </p:cNvSpPr>
+          <p:nvPr>
+            <p:extLst>
+              <p:ext uri="{386F3935-93C4-4BCD-93E2-E3B085C9AB24}">
+                <p16:designElem xmlns:p16="http://schemas.microsoft.com/office/powerpoint/2015/main" val="1"/>
+              </p:ext>
+            </p:extLst>
+          </p:nvPr>
+        </p:nvSpPr>
+        <p:spPr>
+          <a:xfrm>
+            <a:off x="0" y="0"/>
+            <a:ext cx="3490722" cy="6858000"/>
+          </a:xfrm>
+          <a:prstGeom prst="rect">
+            <a:avLst/>
+          </a:prstGeom>
+          <a:solidFill>
+            <a:schemeClr val="tx1">
+              <a:lumMod val="75000"/>
+              <a:lumOff val="25000"/>
+            </a:schemeClr>
+          </a:solidFill>
+          <a:ln>
+            <a:noFill/>
+          </a:ln>
+        </p:spPr>
+        <p:style>
+          <a:lnRef idx="0">
+            <a:scrgbClr r="0" g="0" b="0"/>
+          </a:lnRef>
+          <a:fillRef idx="0">
+            <a:scrgbClr r="0" g="0" b="0"/>
+          </a:fillRef>
+          <a:effectRef idx="0">
+            <a:scrgbClr r="0" g="0" b="0"/>
+          </a:effectRef>
+          <a:fontRef idx="minor">
+            <a:schemeClr val="lt1"/>
+          </a:fontRef>
+        </p:style>
+        <p:txBody>
+          <a:bodyPr rtlCol="0" anchor="ctr"/>
+          <a:lstStyle/>
+          <a:p>
+            <a:pPr marL="0" marR="0" lvl="0" indent="0" algn="ctr" defTabSz="457200" rtl="0" eaLnBrk="1" fontAlgn="base" latinLnBrk="0" hangingPunct="1">
+              <a:lnSpc>
+                <a:spcPct val="100000"/>
+              </a:lnSpc>
+              <a:spcBef>
+                <a:spcPct val="0"/>
+              </a:spcBef>
+              <a:spcAft>
+                <a:spcPct val="0"/>
+              </a:spcAft>
+              <a:buClrTx/>
+              <a:buSzTx/>
+              <a:buFontTx/>
+              <a:buNone/>
+              <a:tabLst/>
+              <a:defRPr/>
+            </a:pPr>
+            <a:endParaRPr kumimoji="0" lang="en-US" sz="2400" b="0" i="0" u="none" strike="noStrike" kern="1200" cap="none" spc="0" normalizeH="0" baseline="0" noProof="0">
+              <a:ln>
+                <a:noFill/>
+              </a:ln>
+              <a:solidFill>
+                <a:prstClr val="white"/>
+              </a:solidFill>
+              <a:effectLst/>
+              <a:uLnTx/>
+              <a:uFillTx/>
+              <a:latin typeface="Calibri"/>
+              <a:ea typeface="+mn-ea"/>
+              <a:cs typeface="+mn-cs"/>
+            </a:endParaRPr>
+          </a:p>
+        </p:txBody>
+      </p:sp>
+      <p:sp>
+        <p:nvSpPr>
+          <p:cNvPr id="2" name="Title 1"/>
+          <p:cNvSpPr>
+            <a:spLocks noGrp="1"/>
+          </p:cNvSpPr>
+          <p:nvPr>
+            <p:ph type="title"/>
+          </p:nvPr>
+        </p:nvSpPr>
+        <p:spPr>
+          <a:xfrm>
+            <a:off x="482600" y="643467"/>
+            <a:ext cx="2522980" cy="1597315"/>
+          </a:xfrm>
+          <a:noFill/>
+          <a:ln w="19050">
+            <a:solidFill>
+              <a:schemeClr val="bg1"/>
+            </a:solidFill>
+          </a:ln>
+        </p:spPr>
+        <p:txBody>
+          <a:bodyPr vert="horz" wrap="square" lIns="91440" tIns="45720" rIns="91440" bIns="45720" rtlCol="0" anchor="ctr">
+            <a:normAutofit/>
+          </a:bodyPr>
+          <a:lstStyle/>
+          <a:p>
+            <a:pPr defTabSz="914400" eaLnBrk="1" hangingPunct="1">
+              <a:lnSpc>
+                <a:spcPct val="90000"/>
+              </a:lnSpc>
+            </a:pPr>
+            <a:r>
+              <a:rPr lang="en-US" sz="2400" kern="1200" dirty="0">
+                <a:solidFill>
+                  <a:schemeClr val="bg1"/>
+                </a:solidFill>
+                <a:latin typeface="+mj-lt"/>
+                <a:ea typeface="+mj-ea"/>
+                <a:cs typeface="+mj-cs"/>
+              </a:rPr>
+              <a:t>Mutating Joins</a:t>
+            </a:r>
+          </a:p>
+        </p:txBody>
+      </p:sp>
+      <p:pic>
+        <p:nvPicPr>
+          <p:cNvPr id="8" name="Picture 7">
+            <a:extLst>
+              <a:ext uri="{FF2B5EF4-FFF2-40B4-BE49-F238E27FC236}">
+                <a16:creationId xmlns:a16="http://schemas.microsoft.com/office/drawing/2014/main" id="{521D4292-9ECC-4DA5-8CC0-C561A0DA118E}"/>
+              </a:ext>
+            </a:extLst>
+          </p:cNvPr>
+          <p:cNvPicPr>
+            <a:picLocks noChangeAspect="1"/>
+          </p:cNvPicPr>
+          <p:nvPr/>
+        </p:nvPicPr>
+        <p:blipFill rotWithShape="1">
+          <a:blip r:embed="rId3"/>
+          <a:srcRect l="8000" r="9400"/>
+          <a:stretch/>
+        </p:blipFill>
+        <p:spPr>
+          <a:xfrm>
+            <a:off x="660103" y="3048000"/>
+            <a:ext cx="2167974" cy="2624666"/>
+          </a:xfrm>
+          <a:prstGeom prst="rect">
+            <a:avLst/>
+          </a:prstGeom>
+          <a:noFill/>
+        </p:spPr>
+      </p:pic>
+      <p:sp>
+        <p:nvSpPr>
+          <p:cNvPr id="7" name="TextBox 6">
+            <a:extLst>
+              <a:ext uri="{FF2B5EF4-FFF2-40B4-BE49-F238E27FC236}">
+                <a16:creationId xmlns:a16="http://schemas.microsoft.com/office/drawing/2014/main" id="{5F596D90-2468-41D4-8D7F-433E8FCCF737}"/>
+              </a:ext>
+            </a:extLst>
+          </p:cNvPr>
+          <p:cNvSpPr txBox="1"/>
+          <p:nvPr/>
+        </p:nvSpPr>
+        <p:spPr>
+          <a:xfrm>
+            <a:off x="3810000" y="621916"/>
+            <a:ext cx="5410200" cy="5262979"/>
+          </a:xfrm>
+          <a:prstGeom prst="rect">
+            <a:avLst/>
+          </a:prstGeom>
+          <a:noFill/>
+        </p:spPr>
+        <p:txBody>
+          <a:bodyPr wrap="square" rtlCol="0">
+            <a:spAutoFit/>
+          </a:bodyPr>
+          <a:lstStyle/>
+          <a:p>
+            <a:pPr marL="342900" indent="-342900">
+              <a:buFont typeface="Arial" panose="020B0604020202020204" pitchFamily="34" charset="0"/>
+              <a:buChar char="•"/>
+            </a:pPr>
+            <a:r>
+              <a:rPr lang="en-US" dirty="0">
+                <a:solidFill>
+                  <a:srgbClr val="404040"/>
+                </a:solidFill>
+              </a:rPr>
+              <a:t>Duplicate Keys</a:t>
+            </a:r>
+          </a:p>
+          <a:p>
+            <a:pPr marL="800100" lvl="1" indent="-342900">
+              <a:buFont typeface="Arial" panose="020B0604020202020204" pitchFamily="34" charset="0"/>
+              <a:buChar char="•"/>
+            </a:pPr>
+            <a:endParaRPr lang="en-US" dirty="0">
+              <a:solidFill>
+                <a:srgbClr val="404040"/>
+              </a:solidFill>
+            </a:endParaRPr>
+          </a:p>
+          <a:p>
+            <a:pPr marL="800100" lvl="1" indent="-342900">
+              <a:buFont typeface="Arial" panose="020B0604020202020204" pitchFamily="34" charset="0"/>
+              <a:buChar char="•"/>
+            </a:pPr>
+            <a:r>
+              <a:rPr lang="en-US" dirty="0">
+                <a:solidFill>
+                  <a:srgbClr val="404040"/>
+                </a:solidFill>
+              </a:rPr>
+              <a:t>All Examples Illustrate the Scenario When Keys Repeat</a:t>
+            </a:r>
+          </a:p>
+          <a:p>
+            <a:pPr marL="800100" lvl="1" indent="-342900">
+              <a:buFont typeface="Arial" panose="020B0604020202020204" pitchFamily="34" charset="0"/>
+              <a:buChar char="•"/>
+            </a:pPr>
+            <a:endParaRPr lang="en-US" dirty="0">
+              <a:solidFill>
+                <a:srgbClr val="404040"/>
+              </a:solidFill>
+            </a:endParaRPr>
+          </a:p>
+          <a:p>
+            <a:pPr marL="800100" lvl="1" indent="-342900">
+              <a:buFont typeface="Arial" panose="020B0604020202020204" pitchFamily="34" charset="0"/>
+              <a:buChar char="•"/>
+            </a:pPr>
+            <a:r>
+              <a:rPr lang="en-US" dirty="0">
+                <a:solidFill>
+                  <a:srgbClr val="404040"/>
+                </a:solidFill>
+              </a:rPr>
+              <a:t>One to Many Relationship</a:t>
+            </a:r>
+          </a:p>
+          <a:p>
+            <a:pPr marL="800100" lvl="1" indent="-342900">
+              <a:buFont typeface="Arial" panose="020B0604020202020204" pitchFamily="34" charset="0"/>
+              <a:buChar char="•"/>
+            </a:pPr>
+            <a:endParaRPr lang="en-US" dirty="0">
+              <a:solidFill>
+                <a:srgbClr val="404040"/>
+              </a:solidFill>
+            </a:endParaRPr>
+          </a:p>
+          <a:p>
+            <a:pPr marL="800100" lvl="1" indent="-342900">
+              <a:buFont typeface="Arial" panose="020B0604020202020204" pitchFamily="34" charset="0"/>
+              <a:buChar char="•"/>
+            </a:pPr>
+            <a:r>
+              <a:rPr lang="en-US" dirty="0">
+                <a:solidFill>
+                  <a:srgbClr val="404040"/>
+                </a:solidFill>
+              </a:rPr>
+              <a:t>“Usually” Indicates Error</a:t>
+            </a:r>
+          </a:p>
+          <a:p>
+            <a:pPr marL="800100" lvl="1" indent="-342900">
+              <a:buFont typeface="Arial" panose="020B0604020202020204" pitchFamily="34" charset="0"/>
+              <a:buChar char="•"/>
+            </a:pPr>
+            <a:endParaRPr lang="en-US" dirty="0">
+              <a:solidFill>
+                <a:srgbClr val="404040"/>
+              </a:solidFill>
+            </a:endParaRPr>
+          </a:p>
+          <a:p>
+            <a:pPr marL="800100" lvl="1" indent="-342900">
+              <a:buFont typeface="Arial" panose="020B0604020202020204" pitchFamily="34" charset="0"/>
+              <a:buChar char="•"/>
+            </a:pPr>
+            <a:r>
+              <a:rPr lang="en-US" dirty="0">
+                <a:solidFill>
+                  <a:srgbClr val="404040"/>
+                </a:solidFill>
+              </a:rPr>
+              <a:t>Identify Your Most Important Dataset</a:t>
+            </a:r>
+          </a:p>
+          <a:p>
+            <a:pPr marL="800100" lvl="1" indent="-342900">
+              <a:buFont typeface="Arial" panose="020B0604020202020204" pitchFamily="34" charset="0"/>
+              <a:buChar char="•"/>
+            </a:pPr>
+            <a:endParaRPr lang="en-US" dirty="0">
+              <a:solidFill>
+                <a:srgbClr val="404040"/>
+              </a:solidFill>
+            </a:endParaRPr>
+          </a:p>
+          <a:p>
+            <a:pPr marL="800100" lvl="1" indent="-342900">
+              <a:buFont typeface="Arial" panose="020B0604020202020204" pitchFamily="34" charset="0"/>
+              <a:buChar char="•"/>
+            </a:pPr>
+            <a:r>
+              <a:rPr lang="en-US" dirty="0">
+                <a:solidFill>
+                  <a:srgbClr val="404040"/>
+                </a:solidFill>
+              </a:rPr>
+              <a:t>Summarize then Merge</a:t>
+            </a:r>
+          </a:p>
+          <a:p>
+            <a:pPr marL="800100" lvl="1" indent="-342900">
+              <a:buFont typeface="Arial" panose="020B0604020202020204" pitchFamily="34" charset="0"/>
+              <a:buChar char="•"/>
+            </a:pPr>
+            <a:endParaRPr lang="en-US" dirty="0">
+              <a:solidFill>
+                <a:srgbClr val="404040"/>
+              </a:solidFill>
+            </a:endParaRPr>
+          </a:p>
+        </p:txBody>
+      </p:sp>
+    </p:spTree>
+    <p:custDataLst>
+      <p:tags r:id="rId1"/>
+    </p:custDataLst>
+    <p:extLst>
+      <p:ext uri="{BB962C8B-B14F-4D97-AF65-F5344CB8AC3E}">
+        <p14:creationId xmlns:p14="http://schemas.microsoft.com/office/powerpoint/2010/main" val="3769089349"/>
+      </p:ext>
+    </p:extLst>
+  </p:cSld>
+  <p:clrMapOvr>
+    <a:masterClrMapping/>
+  </p:clrMapOvr>
+</p:sld>
+</file>
+
+<file path=ppt/slides/slide2.xml><?xml version="1.0" encoding="utf-8"?>
+<p:sld xmlns:a="http://schemas.openxmlformats.org/drawingml/2006/main" xmlns:r="http://schemas.openxmlformats.org/officeDocument/2006/relationships" xmlns:p="http://schemas.openxmlformats.org/presentationml/2006/main">
+  <p:cSld>
+    <p:bg>
+      <p:bgPr>
+        <a:solidFill>
+          <a:schemeClr val="bg1">
+            <a:lumMod val="85000"/>
+          </a:schemeClr>
+        </a:solidFill>
+        <a:effectLst/>
+      </p:bgPr>
+    </p:bg>
+    <p:spTree>
+      <p:nvGrpSpPr>
+        <p:cNvPr id="1" name=""/>
+        <p:cNvGrpSpPr/>
+        <p:nvPr/>
+      </p:nvGrpSpPr>
+      <p:grpSpPr>
+        <a:xfrm>
+          <a:off x="0" y="0"/>
+          <a:ext cx="0" cy="0"/>
+          <a:chOff x="0" y="0"/>
+          <a:chExt cx="0" cy="0"/>
+        </a:xfrm>
+      </p:grpSpPr>
+      <p:sp>
+        <p:nvSpPr>
+          <p:cNvPr id="15" name="Rectangle 12">
+            <a:extLst>
+              <a:ext uri="{FF2B5EF4-FFF2-40B4-BE49-F238E27FC236}">
+                <a16:creationId xmlns:a16="http://schemas.microsoft.com/office/drawing/2014/main" id="{867D4867-5BA7-4462-B2F6-A23F4A622AA7}"/>
+              </a:ext>
+              <a:ext uri="{C183D7F6-B498-43B3-948B-1728B52AA6E4}">
+                <adec:decorative xmlns:adec="http://schemas.microsoft.com/office/drawing/2017/decorative" val="1"/>
+              </a:ext>
+            </a:extLst>
+          </p:cNvPr>
+          <p:cNvSpPr>
+            <a:spLocks noGrp="1" noRot="1" noChangeAspect="1" noMove="1" noResize="1" noEditPoints="1" noAdjustHandles="1" noChangeArrowheads="1" noChangeShapeType="1" noTextEdit="1"/>
+          </p:cNvSpPr>
+          <p:nvPr>
+            <p:extLst>
+              <p:ext uri="{386F3935-93C4-4BCD-93E2-E3B085C9AB24}">
+                <p16:designElem xmlns:p16="http://schemas.microsoft.com/office/powerpoint/2015/main" val="1"/>
+              </p:ext>
+            </p:extLst>
+          </p:nvPr>
+        </p:nvSpPr>
+        <p:spPr>
+          <a:xfrm>
+            <a:off x="0" y="0"/>
+            <a:ext cx="3490722" cy="6858000"/>
+          </a:xfrm>
+          <a:prstGeom prst="rect">
+            <a:avLst/>
+          </a:prstGeom>
+          <a:solidFill>
+            <a:schemeClr val="tx1">
+              <a:lumMod val="75000"/>
+              <a:lumOff val="25000"/>
+            </a:schemeClr>
+          </a:solidFill>
+          <a:ln>
+            <a:noFill/>
+          </a:ln>
+        </p:spPr>
+        <p:style>
+          <a:lnRef idx="0">
+            <a:scrgbClr r="0" g="0" b="0"/>
+          </a:lnRef>
+          <a:fillRef idx="0">
+            <a:scrgbClr r="0" g="0" b="0"/>
+          </a:fillRef>
+          <a:effectRef idx="0">
+            <a:scrgbClr r="0" g="0" b="0"/>
+          </a:effectRef>
+          <a:fontRef idx="minor">
+            <a:schemeClr val="lt1"/>
+          </a:fontRef>
+        </p:style>
+        <p:txBody>
+          <a:bodyPr rtlCol="0" anchor="ctr"/>
+          <a:lstStyle/>
+          <a:p>
+            <a:pPr marL="0" marR="0" lvl="0" indent="0" algn="ctr" defTabSz="457200" rtl="0" eaLnBrk="1" fontAlgn="base" latinLnBrk="0" hangingPunct="1">
+              <a:lnSpc>
+                <a:spcPct val="100000"/>
+              </a:lnSpc>
+              <a:spcBef>
+                <a:spcPct val="0"/>
+              </a:spcBef>
+              <a:spcAft>
+                <a:spcPct val="0"/>
+              </a:spcAft>
+              <a:buClrTx/>
+              <a:buSzTx/>
+              <a:buFontTx/>
+              <a:buNone/>
+              <a:tabLst/>
+              <a:defRPr/>
+            </a:pPr>
+            <a:endParaRPr kumimoji="0" lang="en-US" sz="2400" b="0" i="0" u="none" strike="noStrike" kern="1200" cap="none" spc="0" normalizeH="0" baseline="0" noProof="0">
+              <a:ln>
+                <a:noFill/>
+              </a:ln>
+              <a:solidFill>
+                <a:prstClr val="white"/>
+              </a:solidFill>
+              <a:effectLst/>
+              <a:uLnTx/>
+              <a:uFillTx/>
+              <a:latin typeface="Calibri"/>
+              <a:ea typeface="+mn-ea"/>
+              <a:cs typeface="+mn-cs"/>
+            </a:endParaRPr>
+          </a:p>
+        </p:txBody>
+      </p:sp>
+      <p:sp>
+        <p:nvSpPr>
+          <p:cNvPr id="2" name="Title 1"/>
+          <p:cNvSpPr>
+            <a:spLocks noGrp="1"/>
+          </p:cNvSpPr>
+          <p:nvPr>
+            <p:ph type="title"/>
+          </p:nvPr>
+        </p:nvSpPr>
+        <p:spPr>
+          <a:xfrm>
+            <a:off x="482600" y="643467"/>
+            <a:ext cx="2522980" cy="1597315"/>
+          </a:xfrm>
+          <a:noFill/>
+          <a:ln w="19050">
+            <a:solidFill>
+              <a:schemeClr val="bg1"/>
+            </a:solidFill>
+          </a:ln>
+        </p:spPr>
+        <p:txBody>
+          <a:bodyPr vert="horz" wrap="square" lIns="91440" tIns="45720" rIns="91440" bIns="45720" rtlCol="0" anchor="ctr">
+            <a:normAutofit/>
+          </a:bodyPr>
+          <a:lstStyle/>
+          <a:p>
+            <a:pPr defTabSz="914400" eaLnBrk="1" hangingPunct="1">
+              <a:lnSpc>
+                <a:spcPct val="90000"/>
+              </a:lnSpc>
+            </a:pPr>
+            <a:r>
+              <a:rPr lang="en-US" sz="2400" dirty="0">
+                <a:solidFill>
+                  <a:schemeClr val="bg1"/>
+                </a:solidFill>
+                <a:ea typeface="+mj-ea"/>
+                <a:cs typeface="+mj-cs"/>
+              </a:rPr>
+              <a:t>Intro to Joins</a:t>
+            </a:r>
+            <a:endParaRPr lang="en-US" sz="2400" kern="1200" dirty="0">
+              <a:solidFill>
+                <a:schemeClr val="bg1"/>
+              </a:solidFill>
+              <a:latin typeface="+mj-lt"/>
+              <a:ea typeface="+mj-ea"/>
+              <a:cs typeface="+mj-cs"/>
+            </a:endParaRPr>
+          </a:p>
+        </p:txBody>
+      </p:sp>
+      <p:pic>
+        <p:nvPicPr>
+          <p:cNvPr id="8" name="Picture 7">
+            <a:extLst>
+              <a:ext uri="{FF2B5EF4-FFF2-40B4-BE49-F238E27FC236}">
+                <a16:creationId xmlns:a16="http://schemas.microsoft.com/office/drawing/2014/main" id="{521D4292-9ECC-4DA5-8CC0-C561A0DA118E}"/>
+              </a:ext>
+            </a:extLst>
+          </p:cNvPr>
+          <p:cNvPicPr>
+            <a:picLocks noChangeAspect="1"/>
+          </p:cNvPicPr>
+          <p:nvPr/>
+        </p:nvPicPr>
+        <p:blipFill rotWithShape="1">
+          <a:blip r:embed="rId3"/>
+          <a:srcRect l="8000" r="9400"/>
+          <a:stretch/>
+        </p:blipFill>
+        <p:spPr>
+          <a:xfrm>
+            <a:off x="660103" y="3048000"/>
+            <a:ext cx="2167974" cy="2624666"/>
+          </a:xfrm>
+          <a:prstGeom prst="rect">
+            <a:avLst/>
+          </a:prstGeom>
+          <a:noFill/>
+        </p:spPr>
+      </p:pic>
+      <p:sp>
+        <p:nvSpPr>
           <p:cNvPr id="6" name="TextBox 5">
             <a:extLst>
               <a:ext uri="{FF2B5EF4-FFF2-40B4-BE49-F238E27FC236}">
@@ -8667,7 +12461,7 @@
         <p:spPr>
           <a:xfrm>
             <a:off x="3810000" y="621916"/>
-            <a:ext cx="5029200" cy="5262979"/>
+            <a:ext cx="5029200" cy="4524315"/>
           </a:xfrm>
           <a:prstGeom prst="rect">
             <a:avLst/>
@@ -8690,7 +12484,7 @@
                   <a:srgbClr val="404040"/>
                 </a:solidFill>
               </a:rPr>
-              <a:t>Two Ways</a:t>
+              <a:t>Read Chapter 10</a:t>
             </a:r>
           </a:p>
           <a:p>
@@ -8705,7 +12499,7 @@
             </a:endParaRPr>
           </a:p>
           <a:p>
-            <a:pPr marL="800100" lvl="1" indent="-342900">
+            <a:pPr marL="342900" indent="-342900">
               <a:buFont typeface="Arial" panose="020B0604020202020204" pitchFamily="34" charset="0"/>
               <a:buChar char="•"/>
             </a:pPr>
@@ -8715,11 +12509,14 @@
                   <a:srgbClr val="404040"/>
                 </a:solidFill>
               </a:rPr>
-              <a:t>Explicitly: Defined to Be Missing Using NA </a:t>
-            </a:r>
-          </a:p>
-          <a:p>
-            <a:pPr lvl="1"/>
+              <a:t>Usually, Multiple Tables of Data are Used in Analysis</a:t>
+            </a:r>
+          </a:p>
+          <a:p>
+            <a:pPr marL="342900" indent="-342900">
+              <a:buFont typeface="Arial" panose="020B0604020202020204" pitchFamily="34" charset="0"/>
+              <a:buChar char="•"/>
+            </a:pPr>
             <a:endParaRPr lang="en-US" dirty="0">
               <a:solidFill>
                 <a:srgbClr val="404040"/>
@@ -8727,7 +12524,7 @@
             </a:endParaRPr>
           </a:p>
           <a:p>
-            <a:pPr marL="800100" lvl="1" indent="-342900">
+            <a:pPr marL="342900" indent="-342900">
               <a:buFont typeface="Arial" panose="020B0604020202020204" pitchFamily="34" charset="0"/>
               <a:buChar char="•"/>
             </a:pPr>
@@ -8737,11 +12534,11 @@
                   <a:srgbClr val="404040"/>
                 </a:solidFill>
               </a:rPr>
-              <a:t>Implicitly: Absent From Data</a:t>
-            </a:r>
-          </a:p>
-          <a:p>
-            <a:pPr marL="800100" lvl="1" indent="-342900">
+              <a:t>Data Must Be Merged Prior to Analysis</a:t>
+            </a:r>
+          </a:p>
+          <a:p>
+            <a:pPr marL="342900" indent="-342900">
               <a:buFont typeface="Arial" panose="020B0604020202020204" pitchFamily="34" charset="0"/>
               <a:buChar char="•"/>
             </a:pPr>
@@ -8762,7 +12559,7 @@
                   <a:srgbClr val="404040"/>
                 </a:solidFill>
               </a:rPr>
-              <a:t>There is not a Uniform Way to Handle Either of These Problems</a:t>
+              <a:t>Requires Attention to Detail</a:t>
             </a:r>
           </a:p>
           <a:p>
@@ -8787,7 +12584,7 @@
                   <a:srgbClr val="404040"/>
                 </a:solidFill>
               </a:rPr>
-              <a:t>Rule: Either Convert All Explicitly Missing to Implicitly Missing or Convert All Implicitly Missing to Explicitly Missing </a:t>
+              <a:t>Fundamental Concept in Data Science</a:t>
             </a:r>
           </a:p>
         </p:txBody>
@@ -8799,6 +12596,3579 @@
     <p:extLst>
       <p:ext uri="{BB962C8B-B14F-4D97-AF65-F5344CB8AC3E}">
         <p14:creationId xmlns:p14="http://schemas.microsoft.com/office/powerpoint/2010/main" val="2811406856"/>
+      </p:ext>
+    </p:extLst>
+  </p:cSld>
+  <p:clrMapOvr>
+    <a:masterClrMapping/>
+  </p:clrMapOvr>
+</p:sld>
+</file>
+
+<file path=ppt/slides/slide20.xml><?xml version="1.0" encoding="utf-8"?>
+<p:sld xmlns:a="http://schemas.openxmlformats.org/drawingml/2006/main" xmlns:r="http://schemas.openxmlformats.org/officeDocument/2006/relationships" xmlns:p="http://schemas.openxmlformats.org/presentationml/2006/main">
+  <p:cSld>
+    <p:bg>
+      <p:bgPr>
+        <a:solidFill>
+          <a:schemeClr val="bg1">
+            <a:lumMod val="85000"/>
+          </a:schemeClr>
+        </a:solidFill>
+        <a:effectLst/>
+      </p:bgPr>
+    </p:bg>
+    <p:spTree>
+      <p:nvGrpSpPr>
+        <p:cNvPr id="1" name=""/>
+        <p:cNvGrpSpPr/>
+        <p:nvPr/>
+      </p:nvGrpSpPr>
+      <p:grpSpPr>
+        <a:xfrm>
+          <a:off x="0" y="0"/>
+          <a:ext cx="0" cy="0"/>
+          <a:chOff x="0" y="0"/>
+          <a:chExt cx="0" cy="0"/>
+        </a:xfrm>
+      </p:grpSpPr>
+      <p:sp>
+        <p:nvSpPr>
+          <p:cNvPr id="15" name="Rectangle 12">
+            <a:extLst>
+              <a:ext uri="{FF2B5EF4-FFF2-40B4-BE49-F238E27FC236}">
+                <a16:creationId xmlns:a16="http://schemas.microsoft.com/office/drawing/2014/main" id="{867D4867-5BA7-4462-B2F6-A23F4A622AA7}"/>
+              </a:ext>
+              <a:ext uri="{C183D7F6-B498-43B3-948B-1728B52AA6E4}">
+                <adec:decorative xmlns:adec="http://schemas.microsoft.com/office/drawing/2017/decorative" val="1"/>
+              </a:ext>
+            </a:extLst>
+          </p:cNvPr>
+          <p:cNvSpPr>
+            <a:spLocks noGrp="1" noRot="1" noChangeAspect="1" noMove="1" noResize="1" noEditPoints="1" noAdjustHandles="1" noChangeArrowheads="1" noChangeShapeType="1" noTextEdit="1"/>
+          </p:cNvSpPr>
+          <p:nvPr>
+            <p:extLst>
+              <p:ext uri="{386F3935-93C4-4BCD-93E2-E3B085C9AB24}">
+                <p16:designElem xmlns:p16="http://schemas.microsoft.com/office/powerpoint/2015/main" val="1"/>
+              </p:ext>
+            </p:extLst>
+          </p:nvPr>
+        </p:nvSpPr>
+        <p:spPr>
+          <a:xfrm>
+            <a:off x="0" y="0"/>
+            <a:ext cx="3490722" cy="6858000"/>
+          </a:xfrm>
+          <a:prstGeom prst="rect">
+            <a:avLst/>
+          </a:prstGeom>
+          <a:solidFill>
+            <a:schemeClr val="tx1">
+              <a:lumMod val="75000"/>
+              <a:lumOff val="25000"/>
+            </a:schemeClr>
+          </a:solidFill>
+          <a:ln>
+            <a:noFill/>
+          </a:ln>
+        </p:spPr>
+        <p:style>
+          <a:lnRef idx="0">
+            <a:scrgbClr r="0" g="0" b="0"/>
+          </a:lnRef>
+          <a:fillRef idx="0">
+            <a:scrgbClr r="0" g="0" b="0"/>
+          </a:fillRef>
+          <a:effectRef idx="0">
+            <a:scrgbClr r="0" g="0" b="0"/>
+          </a:effectRef>
+          <a:fontRef idx="minor">
+            <a:schemeClr val="lt1"/>
+          </a:fontRef>
+        </p:style>
+        <p:txBody>
+          <a:bodyPr rtlCol="0" anchor="ctr"/>
+          <a:lstStyle/>
+          <a:p>
+            <a:pPr marL="0" marR="0" lvl="0" indent="0" algn="ctr" defTabSz="457200" rtl="0" eaLnBrk="1" fontAlgn="base" latinLnBrk="0" hangingPunct="1">
+              <a:lnSpc>
+                <a:spcPct val="100000"/>
+              </a:lnSpc>
+              <a:spcBef>
+                <a:spcPct val="0"/>
+              </a:spcBef>
+              <a:spcAft>
+                <a:spcPct val="0"/>
+              </a:spcAft>
+              <a:buClrTx/>
+              <a:buSzTx/>
+              <a:buFontTx/>
+              <a:buNone/>
+              <a:tabLst/>
+              <a:defRPr/>
+            </a:pPr>
+            <a:endParaRPr kumimoji="0" lang="en-US" sz="2400" b="0" i="0" u="none" strike="noStrike" kern="1200" cap="none" spc="0" normalizeH="0" baseline="0" noProof="0">
+              <a:ln>
+                <a:noFill/>
+              </a:ln>
+              <a:solidFill>
+                <a:prstClr val="white"/>
+              </a:solidFill>
+              <a:effectLst/>
+              <a:uLnTx/>
+              <a:uFillTx/>
+              <a:latin typeface="Calibri"/>
+              <a:ea typeface="+mn-ea"/>
+              <a:cs typeface="+mn-cs"/>
+            </a:endParaRPr>
+          </a:p>
+        </p:txBody>
+      </p:sp>
+      <p:sp>
+        <p:nvSpPr>
+          <p:cNvPr id="2" name="Title 1"/>
+          <p:cNvSpPr>
+            <a:spLocks noGrp="1"/>
+          </p:cNvSpPr>
+          <p:nvPr>
+            <p:ph type="title"/>
+          </p:nvPr>
+        </p:nvSpPr>
+        <p:spPr>
+          <a:xfrm>
+            <a:off x="482600" y="643467"/>
+            <a:ext cx="2522980" cy="1597315"/>
+          </a:xfrm>
+          <a:noFill/>
+          <a:ln w="19050">
+            <a:solidFill>
+              <a:schemeClr val="bg1"/>
+            </a:solidFill>
+          </a:ln>
+        </p:spPr>
+        <p:txBody>
+          <a:bodyPr vert="horz" wrap="square" lIns="91440" tIns="45720" rIns="91440" bIns="45720" rtlCol="0" anchor="ctr">
+            <a:normAutofit/>
+          </a:bodyPr>
+          <a:lstStyle/>
+          <a:p>
+            <a:pPr defTabSz="914400" eaLnBrk="1" hangingPunct="1">
+              <a:lnSpc>
+                <a:spcPct val="90000"/>
+              </a:lnSpc>
+            </a:pPr>
+            <a:r>
+              <a:rPr lang="en-US" sz="2400" kern="1200" dirty="0">
+                <a:solidFill>
+                  <a:schemeClr val="bg1"/>
+                </a:solidFill>
+                <a:latin typeface="+mj-lt"/>
+                <a:ea typeface="+mj-ea"/>
+                <a:cs typeface="+mj-cs"/>
+              </a:rPr>
+              <a:t>Mutating Joins</a:t>
+            </a:r>
+          </a:p>
+        </p:txBody>
+      </p:sp>
+      <p:pic>
+        <p:nvPicPr>
+          <p:cNvPr id="8" name="Picture 7">
+            <a:extLst>
+              <a:ext uri="{FF2B5EF4-FFF2-40B4-BE49-F238E27FC236}">
+                <a16:creationId xmlns:a16="http://schemas.microsoft.com/office/drawing/2014/main" id="{521D4292-9ECC-4DA5-8CC0-C561A0DA118E}"/>
+              </a:ext>
+            </a:extLst>
+          </p:cNvPr>
+          <p:cNvPicPr>
+            <a:picLocks noChangeAspect="1"/>
+          </p:cNvPicPr>
+          <p:nvPr/>
+        </p:nvPicPr>
+        <p:blipFill rotWithShape="1">
+          <a:blip r:embed="rId3"/>
+          <a:srcRect l="8000" r="9400"/>
+          <a:stretch/>
+        </p:blipFill>
+        <p:spPr>
+          <a:xfrm>
+            <a:off x="660103" y="3048000"/>
+            <a:ext cx="2167974" cy="2624666"/>
+          </a:xfrm>
+          <a:prstGeom prst="rect">
+            <a:avLst/>
+          </a:prstGeom>
+          <a:noFill/>
+        </p:spPr>
+      </p:pic>
+      <p:sp>
+        <p:nvSpPr>
+          <p:cNvPr id="7" name="TextBox 6">
+            <a:extLst>
+              <a:ext uri="{FF2B5EF4-FFF2-40B4-BE49-F238E27FC236}">
+                <a16:creationId xmlns:a16="http://schemas.microsoft.com/office/drawing/2014/main" id="{5F596D90-2468-41D4-8D7F-433E8FCCF737}"/>
+              </a:ext>
+            </a:extLst>
+          </p:cNvPr>
+          <p:cNvSpPr txBox="1"/>
+          <p:nvPr/>
+        </p:nvSpPr>
+        <p:spPr>
+          <a:xfrm>
+            <a:off x="3810000" y="621916"/>
+            <a:ext cx="5410200" cy="1200329"/>
+          </a:xfrm>
+          <a:prstGeom prst="rect">
+            <a:avLst/>
+          </a:prstGeom>
+          <a:noFill/>
+        </p:spPr>
+        <p:txBody>
+          <a:bodyPr wrap="square" rtlCol="0">
+            <a:spAutoFit/>
+          </a:bodyPr>
+          <a:lstStyle/>
+          <a:p>
+            <a:pPr marL="342900" indent="-342900">
+              <a:buFont typeface="Arial" panose="020B0604020202020204" pitchFamily="34" charset="0"/>
+              <a:buChar char="•"/>
+            </a:pPr>
+            <a:r>
+              <a:rPr lang="en-US" dirty="0">
+                <a:solidFill>
+                  <a:srgbClr val="404040"/>
+                </a:solidFill>
+              </a:rPr>
+              <a:t>Duplicate Keys</a:t>
+            </a:r>
+          </a:p>
+          <a:p>
+            <a:pPr marL="800100" lvl="1" indent="-342900">
+              <a:buFont typeface="Arial" panose="020B0604020202020204" pitchFamily="34" charset="0"/>
+              <a:buChar char="•"/>
+            </a:pPr>
+            <a:endParaRPr lang="en-US" dirty="0">
+              <a:solidFill>
+                <a:srgbClr val="404040"/>
+              </a:solidFill>
+            </a:endParaRPr>
+          </a:p>
+          <a:p>
+            <a:pPr marL="800100" lvl="1" indent="-342900">
+              <a:buFont typeface="Arial" panose="020B0604020202020204" pitchFamily="34" charset="0"/>
+              <a:buChar char="•"/>
+            </a:pPr>
+            <a:r>
+              <a:rPr lang="en-US" dirty="0">
+                <a:solidFill>
+                  <a:srgbClr val="404040"/>
+                </a:solidFill>
+              </a:rPr>
+              <a:t>Example</a:t>
+            </a:r>
+          </a:p>
+        </p:txBody>
+      </p:sp>
+      <p:pic>
+        <p:nvPicPr>
+          <p:cNvPr id="4" name="Picture 3">
+            <a:extLst>
+              <a:ext uri="{FF2B5EF4-FFF2-40B4-BE49-F238E27FC236}">
+                <a16:creationId xmlns:a16="http://schemas.microsoft.com/office/drawing/2014/main" id="{869832D5-8A65-4D53-A1A8-FB9ED650B6A2}"/>
+              </a:ext>
+            </a:extLst>
+          </p:cNvPr>
+          <p:cNvPicPr>
+            <a:picLocks noChangeAspect="1"/>
+          </p:cNvPicPr>
+          <p:nvPr/>
+        </p:nvPicPr>
+        <p:blipFill>
+          <a:blip r:embed="rId4"/>
+          <a:stretch>
+            <a:fillRect/>
+          </a:stretch>
+        </p:blipFill>
+        <p:spPr>
+          <a:xfrm>
+            <a:off x="3561330" y="1905000"/>
+            <a:ext cx="5524517" cy="2641231"/>
+          </a:xfrm>
+          <a:prstGeom prst="rect">
+            <a:avLst/>
+          </a:prstGeom>
+          <a:ln>
+            <a:solidFill>
+              <a:srgbClr val="404040"/>
+            </a:solidFill>
+          </a:ln>
+        </p:spPr>
+        <p:style>
+          <a:lnRef idx="2">
+            <a:schemeClr val="dk1"/>
+          </a:lnRef>
+          <a:fillRef idx="1">
+            <a:schemeClr val="lt1"/>
+          </a:fillRef>
+          <a:effectRef idx="0">
+            <a:schemeClr val="dk1"/>
+          </a:effectRef>
+          <a:fontRef idx="minor">
+            <a:schemeClr val="dk1"/>
+          </a:fontRef>
+        </p:style>
+      </p:pic>
+    </p:spTree>
+    <p:custDataLst>
+      <p:tags r:id="rId1"/>
+    </p:custDataLst>
+    <p:extLst>
+      <p:ext uri="{BB962C8B-B14F-4D97-AF65-F5344CB8AC3E}">
+        <p14:creationId xmlns:p14="http://schemas.microsoft.com/office/powerpoint/2010/main" val="578451668"/>
+      </p:ext>
+    </p:extLst>
+  </p:cSld>
+  <p:clrMapOvr>
+    <a:masterClrMapping/>
+  </p:clrMapOvr>
+</p:sld>
+</file>
+
+<file path=ppt/slides/slide21.xml><?xml version="1.0" encoding="utf-8"?>
+<p:sld xmlns:a="http://schemas.openxmlformats.org/drawingml/2006/main" xmlns:r="http://schemas.openxmlformats.org/officeDocument/2006/relationships" xmlns:p="http://schemas.openxmlformats.org/presentationml/2006/main">
+  <p:cSld>
+    <p:bg>
+      <p:bgPr>
+        <a:solidFill>
+          <a:schemeClr val="bg1">
+            <a:lumMod val="85000"/>
+          </a:schemeClr>
+        </a:solidFill>
+        <a:effectLst/>
+      </p:bgPr>
+    </p:bg>
+    <p:spTree>
+      <p:nvGrpSpPr>
+        <p:cNvPr id="1" name=""/>
+        <p:cNvGrpSpPr/>
+        <p:nvPr/>
+      </p:nvGrpSpPr>
+      <p:grpSpPr>
+        <a:xfrm>
+          <a:off x="0" y="0"/>
+          <a:ext cx="0" cy="0"/>
+          <a:chOff x="0" y="0"/>
+          <a:chExt cx="0" cy="0"/>
+        </a:xfrm>
+      </p:grpSpPr>
+      <p:sp>
+        <p:nvSpPr>
+          <p:cNvPr id="15" name="Rectangle 12">
+            <a:extLst>
+              <a:ext uri="{FF2B5EF4-FFF2-40B4-BE49-F238E27FC236}">
+                <a16:creationId xmlns:a16="http://schemas.microsoft.com/office/drawing/2014/main" id="{867D4867-5BA7-4462-B2F6-A23F4A622AA7}"/>
+              </a:ext>
+              <a:ext uri="{C183D7F6-B498-43B3-948B-1728B52AA6E4}">
+                <adec:decorative xmlns:adec="http://schemas.microsoft.com/office/drawing/2017/decorative" val="1"/>
+              </a:ext>
+            </a:extLst>
+          </p:cNvPr>
+          <p:cNvSpPr>
+            <a:spLocks noGrp="1" noRot="1" noChangeAspect="1" noMove="1" noResize="1" noEditPoints="1" noAdjustHandles="1" noChangeArrowheads="1" noChangeShapeType="1" noTextEdit="1"/>
+          </p:cNvSpPr>
+          <p:nvPr>
+            <p:extLst>
+              <p:ext uri="{386F3935-93C4-4BCD-93E2-E3B085C9AB24}">
+                <p16:designElem xmlns:p16="http://schemas.microsoft.com/office/powerpoint/2015/main" val="1"/>
+              </p:ext>
+            </p:extLst>
+          </p:nvPr>
+        </p:nvSpPr>
+        <p:spPr>
+          <a:xfrm>
+            <a:off x="0" y="0"/>
+            <a:ext cx="3490722" cy="6858000"/>
+          </a:xfrm>
+          <a:prstGeom prst="rect">
+            <a:avLst/>
+          </a:prstGeom>
+          <a:solidFill>
+            <a:schemeClr val="tx1">
+              <a:lumMod val="75000"/>
+              <a:lumOff val="25000"/>
+            </a:schemeClr>
+          </a:solidFill>
+          <a:ln>
+            <a:noFill/>
+          </a:ln>
+        </p:spPr>
+        <p:style>
+          <a:lnRef idx="0">
+            <a:scrgbClr r="0" g="0" b="0"/>
+          </a:lnRef>
+          <a:fillRef idx="0">
+            <a:scrgbClr r="0" g="0" b="0"/>
+          </a:fillRef>
+          <a:effectRef idx="0">
+            <a:scrgbClr r="0" g="0" b="0"/>
+          </a:effectRef>
+          <a:fontRef idx="minor">
+            <a:schemeClr val="lt1"/>
+          </a:fontRef>
+        </p:style>
+        <p:txBody>
+          <a:bodyPr rtlCol="0" anchor="ctr"/>
+          <a:lstStyle/>
+          <a:p>
+            <a:pPr marL="0" marR="0" lvl="0" indent="0" algn="ctr" defTabSz="457200" rtl="0" eaLnBrk="1" fontAlgn="base" latinLnBrk="0" hangingPunct="1">
+              <a:lnSpc>
+                <a:spcPct val="100000"/>
+              </a:lnSpc>
+              <a:spcBef>
+                <a:spcPct val="0"/>
+              </a:spcBef>
+              <a:spcAft>
+                <a:spcPct val="0"/>
+              </a:spcAft>
+              <a:buClrTx/>
+              <a:buSzTx/>
+              <a:buFontTx/>
+              <a:buNone/>
+              <a:tabLst/>
+              <a:defRPr/>
+            </a:pPr>
+            <a:endParaRPr kumimoji="0" lang="en-US" sz="2400" b="0" i="0" u="none" strike="noStrike" kern="1200" cap="none" spc="0" normalizeH="0" baseline="0" noProof="0">
+              <a:ln>
+                <a:noFill/>
+              </a:ln>
+              <a:solidFill>
+                <a:prstClr val="white"/>
+              </a:solidFill>
+              <a:effectLst/>
+              <a:uLnTx/>
+              <a:uFillTx/>
+              <a:latin typeface="Calibri"/>
+              <a:ea typeface="+mn-ea"/>
+              <a:cs typeface="+mn-cs"/>
+            </a:endParaRPr>
+          </a:p>
+        </p:txBody>
+      </p:sp>
+      <p:sp>
+        <p:nvSpPr>
+          <p:cNvPr id="2" name="Title 1"/>
+          <p:cNvSpPr>
+            <a:spLocks noGrp="1"/>
+          </p:cNvSpPr>
+          <p:nvPr>
+            <p:ph type="title"/>
+          </p:nvPr>
+        </p:nvSpPr>
+        <p:spPr>
+          <a:xfrm>
+            <a:off x="482600" y="643467"/>
+            <a:ext cx="2522980" cy="1597315"/>
+          </a:xfrm>
+          <a:noFill/>
+          <a:ln w="19050">
+            <a:solidFill>
+              <a:schemeClr val="bg1"/>
+            </a:solidFill>
+          </a:ln>
+        </p:spPr>
+        <p:txBody>
+          <a:bodyPr vert="horz" wrap="square" lIns="91440" tIns="45720" rIns="91440" bIns="45720" rtlCol="0" anchor="ctr">
+            <a:normAutofit/>
+          </a:bodyPr>
+          <a:lstStyle/>
+          <a:p>
+            <a:pPr defTabSz="914400" eaLnBrk="1" hangingPunct="1">
+              <a:lnSpc>
+                <a:spcPct val="90000"/>
+              </a:lnSpc>
+            </a:pPr>
+            <a:r>
+              <a:rPr lang="en-US" sz="2400" kern="1200" dirty="0">
+                <a:solidFill>
+                  <a:schemeClr val="bg1"/>
+                </a:solidFill>
+                <a:latin typeface="+mj-lt"/>
+                <a:ea typeface="+mj-ea"/>
+                <a:cs typeface="+mj-cs"/>
+              </a:rPr>
+              <a:t>Mutating Joins</a:t>
+            </a:r>
+          </a:p>
+        </p:txBody>
+      </p:sp>
+      <p:pic>
+        <p:nvPicPr>
+          <p:cNvPr id="8" name="Picture 7">
+            <a:extLst>
+              <a:ext uri="{FF2B5EF4-FFF2-40B4-BE49-F238E27FC236}">
+                <a16:creationId xmlns:a16="http://schemas.microsoft.com/office/drawing/2014/main" id="{521D4292-9ECC-4DA5-8CC0-C561A0DA118E}"/>
+              </a:ext>
+            </a:extLst>
+          </p:cNvPr>
+          <p:cNvPicPr>
+            <a:picLocks noChangeAspect="1"/>
+          </p:cNvPicPr>
+          <p:nvPr/>
+        </p:nvPicPr>
+        <p:blipFill rotWithShape="1">
+          <a:blip r:embed="rId3"/>
+          <a:srcRect l="8000" r="9400"/>
+          <a:stretch/>
+        </p:blipFill>
+        <p:spPr>
+          <a:xfrm>
+            <a:off x="660103" y="3048000"/>
+            <a:ext cx="2167974" cy="2624666"/>
+          </a:xfrm>
+          <a:prstGeom prst="rect">
+            <a:avLst/>
+          </a:prstGeom>
+          <a:noFill/>
+        </p:spPr>
+      </p:pic>
+      <p:sp>
+        <p:nvSpPr>
+          <p:cNvPr id="7" name="TextBox 6">
+            <a:extLst>
+              <a:ext uri="{FF2B5EF4-FFF2-40B4-BE49-F238E27FC236}">
+                <a16:creationId xmlns:a16="http://schemas.microsoft.com/office/drawing/2014/main" id="{5F596D90-2468-41D4-8D7F-433E8FCCF737}"/>
+              </a:ext>
+            </a:extLst>
+          </p:cNvPr>
+          <p:cNvSpPr txBox="1"/>
+          <p:nvPr/>
+        </p:nvSpPr>
+        <p:spPr>
+          <a:xfrm>
+            <a:off x="3810000" y="621916"/>
+            <a:ext cx="5410200" cy="1569660"/>
+          </a:xfrm>
+          <a:prstGeom prst="rect">
+            <a:avLst/>
+          </a:prstGeom>
+          <a:noFill/>
+        </p:spPr>
+        <p:txBody>
+          <a:bodyPr wrap="square" rtlCol="0">
+            <a:spAutoFit/>
+          </a:bodyPr>
+          <a:lstStyle/>
+          <a:p>
+            <a:pPr marL="342900" indent="-342900">
+              <a:buFont typeface="Arial" panose="020B0604020202020204" pitchFamily="34" charset="0"/>
+              <a:buChar char="•"/>
+            </a:pPr>
+            <a:r>
+              <a:rPr lang="en-US" dirty="0">
+                <a:solidFill>
+                  <a:srgbClr val="404040"/>
+                </a:solidFill>
+              </a:rPr>
+              <a:t>Defining the Key Columns</a:t>
+            </a:r>
+          </a:p>
+          <a:p>
+            <a:pPr marL="800100" lvl="1" indent="-342900">
+              <a:buFont typeface="Arial" panose="020B0604020202020204" pitchFamily="34" charset="0"/>
+              <a:buChar char="•"/>
+            </a:pPr>
+            <a:endParaRPr lang="en-US" dirty="0">
+              <a:solidFill>
+                <a:srgbClr val="404040"/>
+              </a:solidFill>
+            </a:endParaRPr>
+          </a:p>
+          <a:p>
+            <a:pPr marL="800100" lvl="1" indent="-342900">
+              <a:buFont typeface="Arial" panose="020B0604020202020204" pitchFamily="34" charset="0"/>
+              <a:buChar char="•"/>
+            </a:pPr>
+            <a:r>
+              <a:rPr lang="en-US" dirty="0">
+                <a:solidFill>
+                  <a:srgbClr val="404040"/>
+                </a:solidFill>
+              </a:rPr>
+              <a:t>Default: Uses All Variables that Appear in Both Tables</a:t>
+            </a:r>
+          </a:p>
+        </p:txBody>
+      </p:sp>
+      <p:pic>
+        <p:nvPicPr>
+          <p:cNvPr id="4" name="Picture 3">
+            <a:extLst>
+              <a:ext uri="{FF2B5EF4-FFF2-40B4-BE49-F238E27FC236}">
+                <a16:creationId xmlns:a16="http://schemas.microsoft.com/office/drawing/2014/main" id="{C8BF27F1-8C3E-4777-87BC-3DCB2CC817D3}"/>
+              </a:ext>
+            </a:extLst>
+          </p:cNvPr>
+          <p:cNvPicPr>
+            <a:picLocks noChangeAspect="1"/>
+          </p:cNvPicPr>
+          <p:nvPr/>
+        </p:nvPicPr>
+        <p:blipFill>
+          <a:blip r:embed="rId4"/>
+          <a:stretch>
+            <a:fillRect/>
+          </a:stretch>
+        </p:blipFill>
+        <p:spPr>
+          <a:xfrm>
+            <a:off x="4038600" y="2201586"/>
+            <a:ext cx="4671399" cy="4570689"/>
+          </a:xfrm>
+          <a:prstGeom prst="rect">
+            <a:avLst/>
+          </a:prstGeom>
+          <a:ln>
+            <a:solidFill>
+              <a:srgbClr val="404040"/>
+            </a:solidFill>
+          </a:ln>
+        </p:spPr>
+        <p:style>
+          <a:lnRef idx="2">
+            <a:schemeClr val="dk1"/>
+          </a:lnRef>
+          <a:fillRef idx="1">
+            <a:schemeClr val="lt1"/>
+          </a:fillRef>
+          <a:effectRef idx="0">
+            <a:schemeClr val="dk1"/>
+          </a:effectRef>
+          <a:fontRef idx="minor">
+            <a:schemeClr val="dk1"/>
+          </a:fontRef>
+        </p:style>
+      </p:pic>
+      <p:sp>
+        <p:nvSpPr>
+          <p:cNvPr id="5" name="Rectangle 4">
+            <a:extLst>
+              <a:ext uri="{FF2B5EF4-FFF2-40B4-BE49-F238E27FC236}">
+                <a16:creationId xmlns:a16="http://schemas.microsoft.com/office/drawing/2014/main" id="{4D38AF26-BBC6-495B-9ED4-5001F405C883}"/>
+              </a:ext>
+            </a:extLst>
+          </p:cNvPr>
+          <p:cNvSpPr/>
+          <p:nvPr/>
+        </p:nvSpPr>
+        <p:spPr>
+          <a:xfrm>
+            <a:off x="4343400" y="2819400"/>
+            <a:ext cx="2819400" cy="304800"/>
+          </a:xfrm>
+          <a:prstGeom prst="rect">
+            <a:avLst/>
+          </a:prstGeom>
+          <a:noFill/>
+          <a:ln>
+            <a:solidFill>
+              <a:srgbClr val="404040"/>
+            </a:solidFill>
+          </a:ln>
+        </p:spPr>
+        <p:style>
+          <a:lnRef idx="2">
+            <a:schemeClr val="dk1"/>
+          </a:lnRef>
+          <a:fillRef idx="1">
+            <a:schemeClr val="lt1"/>
+          </a:fillRef>
+          <a:effectRef idx="0">
+            <a:schemeClr val="dk1"/>
+          </a:effectRef>
+          <a:fontRef idx="minor">
+            <a:schemeClr val="dk1"/>
+          </a:fontRef>
+        </p:style>
+        <p:txBody>
+          <a:bodyPr rtlCol="0" anchor="ctr"/>
+          <a:lstStyle/>
+          <a:p>
+            <a:pPr algn="ctr"/>
+            <a:endParaRPr lang="en-US"/>
+          </a:p>
+        </p:txBody>
+      </p:sp>
+      <p:sp>
+        <p:nvSpPr>
+          <p:cNvPr id="6" name="Arrow: Bent-Up 5">
+            <a:extLst>
+              <a:ext uri="{FF2B5EF4-FFF2-40B4-BE49-F238E27FC236}">
+                <a16:creationId xmlns:a16="http://schemas.microsoft.com/office/drawing/2014/main" id="{5FB7EF99-6965-4C3C-85AE-2F6FBF2B11E0}"/>
+              </a:ext>
+            </a:extLst>
+          </p:cNvPr>
+          <p:cNvSpPr/>
+          <p:nvPr/>
+        </p:nvSpPr>
+        <p:spPr>
+          <a:xfrm>
+            <a:off x="7239000" y="1905000"/>
+            <a:ext cx="1066800" cy="1154855"/>
+          </a:xfrm>
+          <a:prstGeom prst="bentUpArrow">
+            <a:avLst>
+              <a:gd name="adj1" fmla="val 13722"/>
+              <a:gd name="adj2" fmla="val 24342"/>
+              <a:gd name="adj3" fmla="val 36184"/>
+            </a:avLst>
+          </a:prstGeom>
+          <a:solidFill>
+            <a:srgbClr val="404040"/>
+          </a:solidFill>
+          <a:ln>
+            <a:solidFill>
+              <a:srgbClr val="404040"/>
+            </a:solidFill>
+          </a:ln>
+        </p:spPr>
+        <p:style>
+          <a:lnRef idx="2">
+            <a:schemeClr val="dk1"/>
+          </a:lnRef>
+          <a:fillRef idx="1">
+            <a:schemeClr val="lt1"/>
+          </a:fillRef>
+          <a:effectRef idx="0">
+            <a:schemeClr val="dk1"/>
+          </a:effectRef>
+          <a:fontRef idx="minor">
+            <a:schemeClr val="dk1"/>
+          </a:fontRef>
+        </p:style>
+        <p:txBody>
+          <a:bodyPr rtlCol="0" anchor="ctr"/>
+          <a:lstStyle/>
+          <a:p>
+            <a:pPr algn="ctr"/>
+            <a:endParaRPr lang="en-US"/>
+          </a:p>
+        </p:txBody>
+      </p:sp>
+    </p:spTree>
+    <p:custDataLst>
+      <p:tags r:id="rId1"/>
+    </p:custDataLst>
+    <p:extLst>
+      <p:ext uri="{BB962C8B-B14F-4D97-AF65-F5344CB8AC3E}">
+        <p14:creationId xmlns:p14="http://schemas.microsoft.com/office/powerpoint/2010/main" val="395150803"/>
+      </p:ext>
+    </p:extLst>
+  </p:cSld>
+  <p:clrMapOvr>
+    <a:masterClrMapping/>
+  </p:clrMapOvr>
+</p:sld>
+</file>
+
+<file path=ppt/slides/slide22.xml><?xml version="1.0" encoding="utf-8"?>
+<p:sld xmlns:a="http://schemas.openxmlformats.org/drawingml/2006/main" xmlns:r="http://schemas.openxmlformats.org/officeDocument/2006/relationships" xmlns:p="http://schemas.openxmlformats.org/presentationml/2006/main">
+  <p:cSld>
+    <p:bg>
+      <p:bgPr>
+        <a:solidFill>
+          <a:schemeClr val="bg1">
+            <a:lumMod val="85000"/>
+          </a:schemeClr>
+        </a:solidFill>
+        <a:effectLst/>
+      </p:bgPr>
+    </p:bg>
+    <p:spTree>
+      <p:nvGrpSpPr>
+        <p:cNvPr id="1" name=""/>
+        <p:cNvGrpSpPr/>
+        <p:nvPr/>
+      </p:nvGrpSpPr>
+      <p:grpSpPr>
+        <a:xfrm>
+          <a:off x="0" y="0"/>
+          <a:ext cx="0" cy="0"/>
+          <a:chOff x="0" y="0"/>
+          <a:chExt cx="0" cy="0"/>
+        </a:xfrm>
+      </p:grpSpPr>
+      <p:sp>
+        <p:nvSpPr>
+          <p:cNvPr id="15" name="Rectangle 12">
+            <a:extLst>
+              <a:ext uri="{FF2B5EF4-FFF2-40B4-BE49-F238E27FC236}">
+                <a16:creationId xmlns:a16="http://schemas.microsoft.com/office/drawing/2014/main" id="{867D4867-5BA7-4462-B2F6-A23F4A622AA7}"/>
+              </a:ext>
+              <a:ext uri="{C183D7F6-B498-43B3-948B-1728B52AA6E4}">
+                <adec:decorative xmlns:adec="http://schemas.microsoft.com/office/drawing/2017/decorative" val="1"/>
+              </a:ext>
+            </a:extLst>
+          </p:cNvPr>
+          <p:cNvSpPr>
+            <a:spLocks noGrp="1" noRot="1" noChangeAspect="1" noMove="1" noResize="1" noEditPoints="1" noAdjustHandles="1" noChangeArrowheads="1" noChangeShapeType="1" noTextEdit="1"/>
+          </p:cNvSpPr>
+          <p:nvPr>
+            <p:extLst>
+              <p:ext uri="{386F3935-93C4-4BCD-93E2-E3B085C9AB24}">
+                <p16:designElem xmlns:p16="http://schemas.microsoft.com/office/powerpoint/2015/main" val="1"/>
+              </p:ext>
+            </p:extLst>
+          </p:nvPr>
+        </p:nvSpPr>
+        <p:spPr>
+          <a:xfrm>
+            <a:off x="0" y="0"/>
+            <a:ext cx="3490722" cy="6858000"/>
+          </a:xfrm>
+          <a:prstGeom prst="rect">
+            <a:avLst/>
+          </a:prstGeom>
+          <a:solidFill>
+            <a:schemeClr val="tx1">
+              <a:lumMod val="75000"/>
+              <a:lumOff val="25000"/>
+            </a:schemeClr>
+          </a:solidFill>
+          <a:ln>
+            <a:noFill/>
+          </a:ln>
+        </p:spPr>
+        <p:style>
+          <a:lnRef idx="0">
+            <a:scrgbClr r="0" g="0" b="0"/>
+          </a:lnRef>
+          <a:fillRef idx="0">
+            <a:scrgbClr r="0" g="0" b="0"/>
+          </a:fillRef>
+          <a:effectRef idx="0">
+            <a:scrgbClr r="0" g="0" b="0"/>
+          </a:effectRef>
+          <a:fontRef idx="minor">
+            <a:schemeClr val="lt1"/>
+          </a:fontRef>
+        </p:style>
+        <p:txBody>
+          <a:bodyPr rtlCol="0" anchor="ctr"/>
+          <a:lstStyle/>
+          <a:p>
+            <a:pPr marL="0" marR="0" lvl="0" indent="0" algn="ctr" defTabSz="457200" rtl="0" eaLnBrk="1" fontAlgn="base" latinLnBrk="0" hangingPunct="1">
+              <a:lnSpc>
+                <a:spcPct val="100000"/>
+              </a:lnSpc>
+              <a:spcBef>
+                <a:spcPct val="0"/>
+              </a:spcBef>
+              <a:spcAft>
+                <a:spcPct val="0"/>
+              </a:spcAft>
+              <a:buClrTx/>
+              <a:buSzTx/>
+              <a:buFontTx/>
+              <a:buNone/>
+              <a:tabLst/>
+              <a:defRPr/>
+            </a:pPr>
+            <a:endParaRPr kumimoji="0" lang="en-US" sz="2400" b="0" i="0" u="none" strike="noStrike" kern="1200" cap="none" spc="0" normalizeH="0" baseline="0" noProof="0">
+              <a:ln>
+                <a:noFill/>
+              </a:ln>
+              <a:solidFill>
+                <a:prstClr val="white"/>
+              </a:solidFill>
+              <a:effectLst/>
+              <a:uLnTx/>
+              <a:uFillTx/>
+              <a:latin typeface="Calibri"/>
+              <a:ea typeface="+mn-ea"/>
+              <a:cs typeface="+mn-cs"/>
+            </a:endParaRPr>
+          </a:p>
+        </p:txBody>
+      </p:sp>
+      <p:sp>
+        <p:nvSpPr>
+          <p:cNvPr id="2" name="Title 1"/>
+          <p:cNvSpPr>
+            <a:spLocks noGrp="1"/>
+          </p:cNvSpPr>
+          <p:nvPr>
+            <p:ph type="title"/>
+          </p:nvPr>
+        </p:nvSpPr>
+        <p:spPr>
+          <a:xfrm>
+            <a:off x="482600" y="643467"/>
+            <a:ext cx="2522980" cy="1597315"/>
+          </a:xfrm>
+          <a:noFill/>
+          <a:ln w="19050">
+            <a:solidFill>
+              <a:schemeClr val="bg1"/>
+            </a:solidFill>
+          </a:ln>
+        </p:spPr>
+        <p:txBody>
+          <a:bodyPr vert="horz" wrap="square" lIns="91440" tIns="45720" rIns="91440" bIns="45720" rtlCol="0" anchor="ctr">
+            <a:normAutofit/>
+          </a:bodyPr>
+          <a:lstStyle/>
+          <a:p>
+            <a:pPr defTabSz="914400" eaLnBrk="1" hangingPunct="1">
+              <a:lnSpc>
+                <a:spcPct val="90000"/>
+              </a:lnSpc>
+            </a:pPr>
+            <a:r>
+              <a:rPr lang="en-US" sz="2400" kern="1200" dirty="0">
+                <a:solidFill>
+                  <a:schemeClr val="bg1"/>
+                </a:solidFill>
+                <a:latin typeface="+mj-lt"/>
+                <a:ea typeface="+mj-ea"/>
+                <a:cs typeface="+mj-cs"/>
+              </a:rPr>
+              <a:t>Mutating Joins</a:t>
+            </a:r>
+          </a:p>
+        </p:txBody>
+      </p:sp>
+      <p:pic>
+        <p:nvPicPr>
+          <p:cNvPr id="8" name="Picture 7">
+            <a:extLst>
+              <a:ext uri="{FF2B5EF4-FFF2-40B4-BE49-F238E27FC236}">
+                <a16:creationId xmlns:a16="http://schemas.microsoft.com/office/drawing/2014/main" id="{521D4292-9ECC-4DA5-8CC0-C561A0DA118E}"/>
+              </a:ext>
+            </a:extLst>
+          </p:cNvPr>
+          <p:cNvPicPr>
+            <a:picLocks noChangeAspect="1"/>
+          </p:cNvPicPr>
+          <p:nvPr/>
+        </p:nvPicPr>
+        <p:blipFill rotWithShape="1">
+          <a:blip r:embed="rId3"/>
+          <a:srcRect l="8000" r="9400"/>
+          <a:stretch/>
+        </p:blipFill>
+        <p:spPr>
+          <a:xfrm>
+            <a:off x="660103" y="3048000"/>
+            <a:ext cx="2167974" cy="2624666"/>
+          </a:xfrm>
+          <a:prstGeom prst="rect">
+            <a:avLst/>
+          </a:prstGeom>
+          <a:noFill/>
+        </p:spPr>
+      </p:pic>
+      <p:sp>
+        <p:nvSpPr>
+          <p:cNvPr id="7" name="TextBox 6">
+            <a:extLst>
+              <a:ext uri="{FF2B5EF4-FFF2-40B4-BE49-F238E27FC236}">
+                <a16:creationId xmlns:a16="http://schemas.microsoft.com/office/drawing/2014/main" id="{5F596D90-2468-41D4-8D7F-433E8FCCF737}"/>
+              </a:ext>
+            </a:extLst>
+          </p:cNvPr>
+          <p:cNvSpPr txBox="1"/>
+          <p:nvPr/>
+        </p:nvSpPr>
+        <p:spPr>
+          <a:xfrm>
+            <a:off x="3810000" y="621916"/>
+            <a:ext cx="5410200" cy="2308324"/>
+          </a:xfrm>
+          <a:prstGeom prst="rect">
+            <a:avLst/>
+          </a:prstGeom>
+          <a:noFill/>
+        </p:spPr>
+        <p:txBody>
+          <a:bodyPr wrap="square" rtlCol="0">
+            <a:spAutoFit/>
+          </a:bodyPr>
+          <a:lstStyle/>
+          <a:p>
+            <a:pPr marL="342900" indent="-342900">
+              <a:buFont typeface="Arial" panose="020B0604020202020204" pitchFamily="34" charset="0"/>
+              <a:buChar char="•"/>
+            </a:pPr>
+            <a:r>
+              <a:rPr lang="en-US" dirty="0">
+                <a:solidFill>
+                  <a:srgbClr val="404040"/>
+                </a:solidFill>
+              </a:rPr>
+              <a:t>Defining the Key Columns</a:t>
+            </a:r>
+          </a:p>
+          <a:p>
+            <a:pPr marL="800100" lvl="1" indent="-342900">
+              <a:buFont typeface="Arial" panose="020B0604020202020204" pitchFamily="34" charset="0"/>
+              <a:buChar char="•"/>
+            </a:pPr>
+            <a:endParaRPr lang="en-US" dirty="0">
+              <a:solidFill>
+                <a:srgbClr val="404040"/>
+              </a:solidFill>
+            </a:endParaRPr>
+          </a:p>
+          <a:p>
+            <a:pPr marL="800100" lvl="1" indent="-342900">
+              <a:buFont typeface="Arial" panose="020B0604020202020204" pitchFamily="34" charset="0"/>
+              <a:buChar char="•"/>
+            </a:pPr>
+            <a:r>
+              <a:rPr lang="en-US" dirty="0">
+                <a:solidFill>
+                  <a:srgbClr val="404040"/>
+                </a:solidFill>
+              </a:rPr>
+              <a:t>Keys Based on Multiple Variables</a:t>
+            </a:r>
+          </a:p>
+          <a:p>
+            <a:pPr lvl="1"/>
+            <a:endParaRPr lang="en-US" dirty="0">
+              <a:solidFill>
+                <a:srgbClr val="404040"/>
+              </a:solidFill>
+            </a:endParaRPr>
+          </a:p>
+          <a:p>
+            <a:pPr marL="800100" lvl="1" indent="-342900">
+              <a:buFont typeface="Arial" panose="020B0604020202020204" pitchFamily="34" charset="0"/>
+              <a:buChar char="•"/>
+            </a:pPr>
+            <a:r>
+              <a:rPr lang="en-US" dirty="0">
+                <a:solidFill>
+                  <a:srgbClr val="404040"/>
+                </a:solidFill>
+              </a:rPr>
+              <a:t>Key Names Can Be Different</a:t>
+            </a:r>
+          </a:p>
+        </p:txBody>
+      </p:sp>
+      <p:pic>
+        <p:nvPicPr>
+          <p:cNvPr id="10" name="Picture 9">
+            <a:extLst>
+              <a:ext uri="{FF2B5EF4-FFF2-40B4-BE49-F238E27FC236}">
+                <a16:creationId xmlns:a16="http://schemas.microsoft.com/office/drawing/2014/main" id="{35607ACB-673E-4B86-AEA9-D95495E805DE}"/>
+              </a:ext>
+            </a:extLst>
+          </p:cNvPr>
+          <p:cNvPicPr>
+            <a:picLocks noChangeAspect="1"/>
+          </p:cNvPicPr>
+          <p:nvPr/>
+        </p:nvPicPr>
+        <p:blipFill>
+          <a:blip r:embed="rId4"/>
+          <a:stretch>
+            <a:fillRect/>
+          </a:stretch>
+        </p:blipFill>
+        <p:spPr>
+          <a:xfrm>
+            <a:off x="3561347" y="3169256"/>
+            <a:ext cx="5486400" cy="2600077"/>
+          </a:xfrm>
+          <a:prstGeom prst="rect">
+            <a:avLst/>
+          </a:prstGeom>
+          <a:ln>
+            <a:solidFill>
+              <a:srgbClr val="404040"/>
+            </a:solidFill>
+          </a:ln>
+        </p:spPr>
+        <p:style>
+          <a:lnRef idx="2">
+            <a:schemeClr val="dk1"/>
+          </a:lnRef>
+          <a:fillRef idx="1">
+            <a:schemeClr val="lt1"/>
+          </a:fillRef>
+          <a:effectRef idx="0">
+            <a:schemeClr val="dk1"/>
+          </a:effectRef>
+          <a:fontRef idx="minor">
+            <a:schemeClr val="dk1"/>
+          </a:fontRef>
+        </p:style>
+      </p:pic>
+    </p:spTree>
+    <p:custDataLst>
+      <p:tags r:id="rId1"/>
+    </p:custDataLst>
+    <p:extLst>
+      <p:ext uri="{BB962C8B-B14F-4D97-AF65-F5344CB8AC3E}">
+        <p14:creationId xmlns:p14="http://schemas.microsoft.com/office/powerpoint/2010/main" val="3483366948"/>
+      </p:ext>
+    </p:extLst>
+  </p:cSld>
+  <p:clrMapOvr>
+    <a:masterClrMapping/>
+  </p:clrMapOvr>
+</p:sld>
+</file>
+
+<file path=ppt/slides/slide23.xml><?xml version="1.0" encoding="utf-8"?>
+<p:sld xmlns:a="http://schemas.openxmlformats.org/drawingml/2006/main" xmlns:r="http://schemas.openxmlformats.org/officeDocument/2006/relationships" xmlns:p="http://schemas.openxmlformats.org/presentationml/2006/main">
+  <p:cSld>
+    <p:bg>
+      <p:bgPr>
+        <a:solidFill>
+          <a:schemeClr val="bg1">
+            <a:lumMod val="85000"/>
+          </a:schemeClr>
+        </a:solidFill>
+        <a:effectLst/>
+      </p:bgPr>
+    </p:bg>
+    <p:spTree>
+      <p:nvGrpSpPr>
+        <p:cNvPr id="1" name=""/>
+        <p:cNvGrpSpPr/>
+        <p:nvPr/>
+      </p:nvGrpSpPr>
+      <p:grpSpPr>
+        <a:xfrm>
+          <a:off x="0" y="0"/>
+          <a:ext cx="0" cy="0"/>
+          <a:chOff x="0" y="0"/>
+          <a:chExt cx="0" cy="0"/>
+        </a:xfrm>
+      </p:grpSpPr>
+      <p:sp>
+        <p:nvSpPr>
+          <p:cNvPr id="15" name="Rectangle 12">
+            <a:extLst>
+              <a:ext uri="{FF2B5EF4-FFF2-40B4-BE49-F238E27FC236}">
+                <a16:creationId xmlns:a16="http://schemas.microsoft.com/office/drawing/2014/main" id="{867D4867-5BA7-4462-B2F6-A23F4A622AA7}"/>
+              </a:ext>
+              <a:ext uri="{C183D7F6-B498-43B3-948B-1728B52AA6E4}">
+                <adec:decorative xmlns:adec="http://schemas.microsoft.com/office/drawing/2017/decorative" val="1"/>
+              </a:ext>
+            </a:extLst>
+          </p:cNvPr>
+          <p:cNvSpPr>
+            <a:spLocks noGrp="1" noRot="1" noChangeAspect="1" noMove="1" noResize="1" noEditPoints="1" noAdjustHandles="1" noChangeArrowheads="1" noChangeShapeType="1" noTextEdit="1"/>
+          </p:cNvSpPr>
+          <p:nvPr>
+            <p:extLst>
+              <p:ext uri="{386F3935-93C4-4BCD-93E2-E3B085C9AB24}">
+                <p16:designElem xmlns:p16="http://schemas.microsoft.com/office/powerpoint/2015/main" val="1"/>
+              </p:ext>
+            </p:extLst>
+          </p:nvPr>
+        </p:nvSpPr>
+        <p:spPr>
+          <a:xfrm>
+            <a:off x="0" y="0"/>
+            <a:ext cx="3490722" cy="6858000"/>
+          </a:xfrm>
+          <a:prstGeom prst="rect">
+            <a:avLst/>
+          </a:prstGeom>
+          <a:solidFill>
+            <a:schemeClr val="tx1">
+              <a:lumMod val="75000"/>
+              <a:lumOff val="25000"/>
+            </a:schemeClr>
+          </a:solidFill>
+          <a:ln>
+            <a:noFill/>
+          </a:ln>
+        </p:spPr>
+        <p:style>
+          <a:lnRef idx="0">
+            <a:scrgbClr r="0" g="0" b="0"/>
+          </a:lnRef>
+          <a:fillRef idx="0">
+            <a:scrgbClr r="0" g="0" b="0"/>
+          </a:fillRef>
+          <a:effectRef idx="0">
+            <a:scrgbClr r="0" g="0" b="0"/>
+          </a:effectRef>
+          <a:fontRef idx="minor">
+            <a:schemeClr val="lt1"/>
+          </a:fontRef>
+        </p:style>
+        <p:txBody>
+          <a:bodyPr rtlCol="0" anchor="ctr"/>
+          <a:lstStyle/>
+          <a:p>
+            <a:pPr marL="0" marR="0" lvl="0" indent="0" algn="ctr" defTabSz="457200" rtl="0" eaLnBrk="1" fontAlgn="base" latinLnBrk="0" hangingPunct="1">
+              <a:lnSpc>
+                <a:spcPct val="100000"/>
+              </a:lnSpc>
+              <a:spcBef>
+                <a:spcPct val="0"/>
+              </a:spcBef>
+              <a:spcAft>
+                <a:spcPct val="0"/>
+              </a:spcAft>
+              <a:buClrTx/>
+              <a:buSzTx/>
+              <a:buFontTx/>
+              <a:buNone/>
+              <a:tabLst/>
+              <a:defRPr/>
+            </a:pPr>
+            <a:endParaRPr kumimoji="0" lang="en-US" sz="2400" b="0" i="0" u="none" strike="noStrike" kern="1200" cap="none" spc="0" normalizeH="0" baseline="0" noProof="0">
+              <a:ln>
+                <a:noFill/>
+              </a:ln>
+              <a:solidFill>
+                <a:prstClr val="white"/>
+              </a:solidFill>
+              <a:effectLst/>
+              <a:uLnTx/>
+              <a:uFillTx/>
+              <a:latin typeface="Calibri"/>
+              <a:ea typeface="+mn-ea"/>
+              <a:cs typeface="+mn-cs"/>
+            </a:endParaRPr>
+          </a:p>
+        </p:txBody>
+      </p:sp>
+      <p:sp>
+        <p:nvSpPr>
+          <p:cNvPr id="2" name="Title 1"/>
+          <p:cNvSpPr>
+            <a:spLocks noGrp="1"/>
+          </p:cNvSpPr>
+          <p:nvPr>
+            <p:ph type="title"/>
+          </p:nvPr>
+        </p:nvSpPr>
+        <p:spPr>
+          <a:xfrm>
+            <a:off x="482600" y="643467"/>
+            <a:ext cx="2522980" cy="1597315"/>
+          </a:xfrm>
+          <a:noFill/>
+          <a:ln w="19050">
+            <a:solidFill>
+              <a:schemeClr val="bg1"/>
+            </a:solidFill>
+          </a:ln>
+        </p:spPr>
+        <p:txBody>
+          <a:bodyPr vert="horz" wrap="square" lIns="91440" tIns="45720" rIns="91440" bIns="45720" rtlCol="0" anchor="ctr">
+            <a:normAutofit/>
+          </a:bodyPr>
+          <a:lstStyle/>
+          <a:p>
+            <a:pPr defTabSz="914400" eaLnBrk="1" hangingPunct="1">
+              <a:lnSpc>
+                <a:spcPct val="90000"/>
+              </a:lnSpc>
+            </a:pPr>
+            <a:r>
+              <a:rPr lang="en-US" sz="2400" kern="1200" dirty="0">
+                <a:solidFill>
+                  <a:schemeClr val="bg1"/>
+                </a:solidFill>
+                <a:latin typeface="+mj-lt"/>
+                <a:ea typeface="+mj-ea"/>
+                <a:cs typeface="+mj-cs"/>
+              </a:rPr>
+              <a:t>Mutating Joins</a:t>
+            </a:r>
+          </a:p>
+        </p:txBody>
+      </p:sp>
+      <p:pic>
+        <p:nvPicPr>
+          <p:cNvPr id="8" name="Picture 7">
+            <a:extLst>
+              <a:ext uri="{FF2B5EF4-FFF2-40B4-BE49-F238E27FC236}">
+                <a16:creationId xmlns:a16="http://schemas.microsoft.com/office/drawing/2014/main" id="{521D4292-9ECC-4DA5-8CC0-C561A0DA118E}"/>
+              </a:ext>
+            </a:extLst>
+          </p:cNvPr>
+          <p:cNvPicPr>
+            <a:picLocks noChangeAspect="1"/>
+          </p:cNvPicPr>
+          <p:nvPr/>
+        </p:nvPicPr>
+        <p:blipFill rotWithShape="1">
+          <a:blip r:embed="rId3"/>
+          <a:srcRect l="8000" r="9400"/>
+          <a:stretch/>
+        </p:blipFill>
+        <p:spPr>
+          <a:xfrm>
+            <a:off x="660103" y="3048000"/>
+            <a:ext cx="2167974" cy="2624666"/>
+          </a:xfrm>
+          <a:prstGeom prst="rect">
+            <a:avLst/>
+          </a:prstGeom>
+          <a:noFill/>
+        </p:spPr>
+      </p:pic>
+      <p:sp>
+        <p:nvSpPr>
+          <p:cNvPr id="7" name="TextBox 6">
+            <a:extLst>
+              <a:ext uri="{FF2B5EF4-FFF2-40B4-BE49-F238E27FC236}">
+                <a16:creationId xmlns:a16="http://schemas.microsoft.com/office/drawing/2014/main" id="{5F596D90-2468-41D4-8D7F-433E8FCCF737}"/>
+              </a:ext>
+            </a:extLst>
+          </p:cNvPr>
+          <p:cNvSpPr txBox="1"/>
+          <p:nvPr/>
+        </p:nvSpPr>
+        <p:spPr>
+          <a:xfrm>
+            <a:off x="3810000" y="621916"/>
+            <a:ext cx="5410200" cy="461665"/>
+          </a:xfrm>
+          <a:prstGeom prst="rect">
+            <a:avLst/>
+          </a:prstGeom>
+          <a:noFill/>
+        </p:spPr>
+        <p:txBody>
+          <a:bodyPr wrap="square" rtlCol="0">
+            <a:spAutoFit/>
+          </a:bodyPr>
+          <a:lstStyle/>
+          <a:p>
+            <a:pPr marL="342900" indent="-342900">
+              <a:buFont typeface="Arial" panose="020B0604020202020204" pitchFamily="34" charset="0"/>
+              <a:buChar char="•"/>
+            </a:pPr>
+            <a:r>
+              <a:rPr lang="en-US" dirty="0">
+                <a:solidFill>
+                  <a:srgbClr val="404040"/>
+                </a:solidFill>
+              </a:rPr>
+              <a:t>Defining the Key Columns</a:t>
+            </a:r>
+          </a:p>
+        </p:txBody>
+      </p:sp>
+      <p:pic>
+        <p:nvPicPr>
+          <p:cNvPr id="3" name="Picture 2">
+            <a:extLst>
+              <a:ext uri="{FF2B5EF4-FFF2-40B4-BE49-F238E27FC236}">
+                <a16:creationId xmlns:a16="http://schemas.microsoft.com/office/drawing/2014/main" id="{1065306A-98AA-4894-AF7A-2244134D1C4A}"/>
+              </a:ext>
+            </a:extLst>
+          </p:cNvPr>
+          <p:cNvPicPr>
+            <a:picLocks noChangeAspect="1"/>
+          </p:cNvPicPr>
+          <p:nvPr/>
+        </p:nvPicPr>
+        <p:blipFill>
+          <a:blip r:embed="rId4"/>
+          <a:stretch>
+            <a:fillRect/>
+          </a:stretch>
+        </p:blipFill>
+        <p:spPr>
+          <a:xfrm>
+            <a:off x="3665683" y="1219200"/>
+            <a:ext cx="5253182" cy="4267200"/>
+          </a:xfrm>
+          <a:prstGeom prst="rect">
+            <a:avLst/>
+          </a:prstGeom>
+          <a:ln>
+            <a:solidFill>
+              <a:srgbClr val="404040"/>
+            </a:solidFill>
+          </a:ln>
+        </p:spPr>
+        <p:style>
+          <a:lnRef idx="2">
+            <a:schemeClr val="dk1"/>
+          </a:lnRef>
+          <a:fillRef idx="1">
+            <a:schemeClr val="lt1"/>
+          </a:fillRef>
+          <a:effectRef idx="0">
+            <a:schemeClr val="dk1"/>
+          </a:effectRef>
+          <a:fontRef idx="minor">
+            <a:schemeClr val="dk1"/>
+          </a:fontRef>
+        </p:style>
+      </p:pic>
+    </p:spTree>
+    <p:custDataLst>
+      <p:tags r:id="rId1"/>
+    </p:custDataLst>
+    <p:extLst>
+      <p:ext uri="{BB962C8B-B14F-4D97-AF65-F5344CB8AC3E}">
+        <p14:creationId xmlns:p14="http://schemas.microsoft.com/office/powerpoint/2010/main" val="3885243572"/>
+      </p:ext>
+    </p:extLst>
+  </p:cSld>
+  <p:clrMapOvr>
+    <a:masterClrMapping/>
+  </p:clrMapOvr>
+</p:sld>
+</file>
+
+<file path=ppt/slides/slide24.xml><?xml version="1.0" encoding="utf-8"?>
+<p:sld xmlns:a="http://schemas.openxmlformats.org/drawingml/2006/main" xmlns:r="http://schemas.openxmlformats.org/officeDocument/2006/relationships" xmlns:p="http://schemas.openxmlformats.org/presentationml/2006/main">
+  <p:cSld>
+    <p:bg>
+      <p:bgPr>
+        <a:solidFill>
+          <a:schemeClr val="bg1">
+            <a:lumMod val="85000"/>
+          </a:schemeClr>
+        </a:solidFill>
+        <a:effectLst/>
+      </p:bgPr>
+    </p:bg>
+    <p:spTree>
+      <p:nvGrpSpPr>
+        <p:cNvPr id="1" name=""/>
+        <p:cNvGrpSpPr/>
+        <p:nvPr/>
+      </p:nvGrpSpPr>
+      <p:grpSpPr>
+        <a:xfrm>
+          <a:off x="0" y="0"/>
+          <a:ext cx="0" cy="0"/>
+          <a:chOff x="0" y="0"/>
+          <a:chExt cx="0" cy="0"/>
+        </a:xfrm>
+      </p:grpSpPr>
+      <p:sp>
+        <p:nvSpPr>
+          <p:cNvPr id="15" name="Rectangle 12">
+            <a:extLst>
+              <a:ext uri="{FF2B5EF4-FFF2-40B4-BE49-F238E27FC236}">
+                <a16:creationId xmlns:a16="http://schemas.microsoft.com/office/drawing/2014/main" id="{867D4867-5BA7-4462-B2F6-A23F4A622AA7}"/>
+              </a:ext>
+              <a:ext uri="{C183D7F6-B498-43B3-948B-1728B52AA6E4}">
+                <adec:decorative xmlns:adec="http://schemas.microsoft.com/office/drawing/2017/decorative" val="1"/>
+              </a:ext>
+            </a:extLst>
+          </p:cNvPr>
+          <p:cNvSpPr>
+            <a:spLocks noGrp="1" noRot="1" noChangeAspect="1" noMove="1" noResize="1" noEditPoints="1" noAdjustHandles="1" noChangeArrowheads="1" noChangeShapeType="1" noTextEdit="1"/>
+          </p:cNvSpPr>
+          <p:nvPr>
+            <p:extLst>
+              <p:ext uri="{386F3935-93C4-4BCD-93E2-E3B085C9AB24}">
+                <p16:designElem xmlns:p16="http://schemas.microsoft.com/office/powerpoint/2015/main" val="1"/>
+              </p:ext>
+            </p:extLst>
+          </p:nvPr>
+        </p:nvSpPr>
+        <p:spPr>
+          <a:xfrm>
+            <a:off x="0" y="0"/>
+            <a:ext cx="3490722" cy="6858000"/>
+          </a:xfrm>
+          <a:prstGeom prst="rect">
+            <a:avLst/>
+          </a:prstGeom>
+          <a:solidFill>
+            <a:schemeClr val="tx1">
+              <a:lumMod val="75000"/>
+              <a:lumOff val="25000"/>
+            </a:schemeClr>
+          </a:solidFill>
+          <a:ln>
+            <a:noFill/>
+          </a:ln>
+        </p:spPr>
+        <p:style>
+          <a:lnRef idx="0">
+            <a:scrgbClr r="0" g="0" b="0"/>
+          </a:lnRef>
+          <a:fillRef idx="0">
+            <a:scrgbClr r="0" g="0" b="0"/>
+          </a:fillRef>
+          <a:effectRef idx="0">
+            <a:scrgbClr r="0" g="0" b="0"/>
+          </a:effectRef>
+          <a:fontRef idx="minor">
+            <a:schemeClr val="lt1"/>
+          </a:fontRef>
+        </p:style>
+        <p:txBody>
+          <a:bodyPr rtlCol="0" anchor="ctr"/>
+          <a:lstStyle/>
+          <a:p>
+            <a:pPr marL="0" marR="0" lvl="0" indent="0" algn="ctr" defTabSz="457200" rtl="0" eaLnBrk="1" fontAlgn="base" latinLnBrk="0" hangingPunct="1">
+              <a:lnSpc>
+                <a:spcPct val="100000"/>
+              </a:lnSpc>
+              <a:spcBef>
+                <a:spcPct val="0"/>
+              </a:spcBef>
+              <a:spcAft>
+                <a:spcPct val="0"/>
+              </a:spcAft>
+              <a:buClrTx/>
+              <a:buSzTx/>
+              <a:buFontTx/>
+              <a:buNone/>
+              <a:tabLst/>
+              <a:defRPr/>
+            </a:pPr>
+            <a:endParaRPr kumimoji="0" lang="en-US" sz="2400" b="0" i="0" u="none" strike="noStrike" kern="1200" cap="none" spc="0" normalizeH="0" baseline="0" noProof="0">
+              <a:ln>
+                <a:noFill/>
+              </a:ln>
+              <a:solidFill>
+                <a:prstClr val="white"/>
+              </a:solidFill>
+              <a:effectLst/>
+              <a:uLnTx/>
+              <a:uFillTx/>
+              <a:latin typeface="Calibri"/>
+              <a:ea typeface="+mn-ea"/>
+              <a:cs typeface="+mn-cs"/>
+            </a:endParaRPr>
+          </a:p>
+        </p:txBody>
+      </p:sp>
+      <p:sp>
+        <p:nvSpPr>
+          <p:cNvPr id="2" name="Title 1"/>
+          <p:cNvSpPr>
+            <a:spLocks noGrp="1"/>
+          </p:cNvSpPr>
+          <p:nvPr>
+            <p:ph type="title"/>
+          </p:nvPr>
+        </p:nvSpPr>
+        <p:spPr>
+          <a:xfrm>
+            <a:off x="482600" y="643467"/>
+            <a:ext cx="2522980" cy="1597315"/>
+          </a:xfrm>
+          <a:noFill/>
+          <a:ln w="19050">
+            <a:solidFill>
+              <a:schemeClr val="bg1"/>
+            </a:solidFill>
+          </a:ln>
+        </p:spPr>
+        <p:txBody>
+          <a:bodyPr vert="horz" wrap="square" lIns="91440" tIns="45720" rIns="91440" bIns="45720" rtlCol="0" anchor="ctr">
+            <a:normAutofit/>
+          </a:bodyPr>
+          <a:lstStyle/>
+          <a:p>
+            <a:pPr defTabSz="914400" eaLnBrk="1" hangingPunct="1">
+              <a:lnSpc>
+                <a:spcPct val="90000"/>
+              </a:lnSpc>
+            </a:pPr>
+            <a:r>
+              <a:rPr lang="en-US" sz="2400" kern="1200" dirty="0">
+                <a:solidFill>
+                  <a:schemeClr val="bg1"/>
+                </a:solidFill>
+                <a:latin typeface="+mj-lt"/>
+                <a:ea typeface="+mj-ea"/>
+                <a:cs typeface="+mj-cs"/>
+              </a:rPr>
+              <a:t>Filtering Joins</a:t>
+            </a:r>
+          </a:p>
+        </p:txBody>
+      </p:sp>
+      <p:pic>
+        <p:nvPicPr>
+          <p:cNvPr id="8" name="Picture 7">
+            <a:extLst>
+              <a:ext uri="{FF2B5EF4-FFF2-40B4-BE49-F238E27FC236}">
+                <a16:creationId xmlns:a16="http://schemas.microsoft.com/office/drawing/2014/main" id="{521D4292-9ECC-4DA5-8CC0-C561A0DA118E}"/>
+              </a:ext>
+            </a:extLst>
+          </p:cNvPr>
+          <p:cNvPicPr>
+            <a:picLocks noChangeAspect="1"/>
+          </p:cNvPicPr>
+          <p:nvPr/>
+        </p:nvPicPr>
+        <p:blipFill rotWithShape="1">
+          <a:blip r:embed="rId3"/>
+          <a:srcRect l="8000" r="9400"/>
+          <a:stretch/>
+        </p:blipFill>
+        <p:spPr>
+          <a:xfrm>
+            <a:off x="660103" y="3048000"/>
+            <a:ext cx="2167974" cy="2624666"/>
+          </a:xfrm>
+          <a:prstGeom prst="rect">
+            <a:avLst/>
+          </a:prstGeom>
+          <a:noFill/>
+        </p:spPr>
+      </p:pic>
+      <p:sp>
+        <p:nvSpPr>
+          <p:cNvPr id="7" name="TextBox 6">
+            <a:extLst>
+              <a:ext uri="{FF2B5EF4-FFF2-40B4-BE49-F238E27FC236}">
+                <a16:creationId xmlns:a16="http://schemas.microsoft.com/office/drawing/2014/main" id="{5F596D90-2468-41D4-8D7F-433E8FCCF737}"/>
+              </a:ext>
+            </a:extLst>
+          </p:cNvPr>
+          <p:cNvSpPr txBox="1"/>
+          <p:nvPr/>
+        </p:nvSpPr>
+        <p:spPr>
+          <a:xfrm>
+            <a:off x="3810000" y="621916"/>
+            <a:ext cx="5410200" cy="4893647"/>
+          </a:xfrm>
+          <a:prstGeom prst="rect">
+            <a:avLst/>
+          </a:prstGeom>
+          <a:noFill/>
+        </p:spPr>
+        <p:txBody>
+          <a:bodyPr wrap="square" rtlCol="0">
+            <a:spAutoFit/>
+          </a:bodyPr>
+          <a:lstStyle/>
+          <a:p>
+            <a:pPr marL="342900" indent="-342900">
+              <a:buFont typeface="Arial" panose="020B0604020202020204" pitchFamily="34" charset="0"/>
+              <a:buChar char="•"/>
+            </a:pPr>
+            <a:r>
+              <a:rPr lang="en-US" dirty="0">
+                <a:solidFill>
+                  <a:srgbClr val="404040"/>
+                </a:solidFill>
+              </a:rPr>
+              <a:t>Semi-Join</a:t>
+            </a:r>
+          </a:p>
+          <a:p>
+            <a:pPr marL="342900" indent="-342900">
+              <a:buFont typeface="Arial" panose="020B0604020202020204" pitchFamily="34" charset="0"/>
+              <a:buChar char="•"/>
+            </a:pPr>
+            <a:endParaRPr lang="en-US" dirty="0">
+              <a:solidFill>
+                <a:srgbClr val="404040"/>
+              </a:solidFill>
+            </a:endParaRPr>
+          </a:p>
+          <a:p>
+            <a:pPr marL="800100" lvl="1" indent="-342900">
+              <a:buFont typeface="Arial" panose="020B0604020202020204" pitchFamily="34" charset="0"/>
+              <a:buChar char="•"/>
+            </a:pPr>
+            <a:r>
+              <a:rPr lang="en-US" dirty="0">
+                <a:solidFill>
+                  <a:srgbClr val="404040"/>
+                </a:solidFill>
+              </a:rPr>
+              <a:t> </a:t>
+            </a:r>
+          </a:p>
+          <a:p>
+            <a:pPr marL="800100" lvl="1" indent="-342900">
+              <a:buFont typeface="Arial" panose="020B0604020202020204" pitchFamily="34" charset="0"/>
+              <a:buChar char="•"/>
+            </a:pPr>
+            <a:endParaRPr lang="en-US" dirty="0">
+              <a:solidFill>
+                <a:srgbClr val="404040"/>
+              </a:solidFill>
+            </a:endParaRPr>
+          </a:p>
+          <a:p>
+            <a:pPr marL="800100" lvl="1" indent="-342900">
+              <a:buFont typeface="Arial" panose="020B0604020202020204" pitchFamily="34" charset="0"/>
+              <a:buChar char="•"/>
+            </a:pPr>
+            <a:r>
+              <a:rPr lang="en-US" dirty="0">
+                <a:solidFill>
+                  <a:srgbClr val="404040"/>
+                </a:solidFill>
+              </a:rPr>
+              <a:t>Keeps All Observations in Left Dataset That Have a Match in Right Dataset</a:t>
+            </a:r>
+          </a:p>
+          <a:p>
+            <a:pPr marL="800100" lvl="1" indent="-342900">
+              <a:buFont typeface="Arial" panose="020B0604020202020204" pitchFamily="34" charset="0"/>
+              <a:buChar char="•"/>
+            </a:pPr>
+            <a:endParaRPr lang="en-US" dirty="0">
+              <a:solidFill>
+                <a:srgbClr val="404040"/>
+              </a:solidFill>
+            </a:endParaRPr>
+          </a:p>
+          <a:p>
+            <a:pPr marL="800100" lvl="1" indent="-342900">
+              <a:buFont typeface="Arial" panose="020B0604020202020204" pitchFamily="34" charset="0"/>
+              <a:buChar char="•"/>
+            </a:pPr>
+            <a:r>
+              <a:rPr lang="en-US" dirty="0">
+                <a:solidFill>
+                  <a:srgbClr val="404040"/>
+                </a:solidFill>
+              </a:rPr>
+              <a:t>Primary Data = Left</a:t>
+            </a:r>
+          </a:p>
+          <a:p>
+            <a:pPr marL="800100" lvl="1" indent="-342900">
+              <a:buFont typeface="Arial" panose="020B0604020202020204" pitchFamily="34" charset="0"/>
+              <a:buChar char="•"/>
+            </a:pPr>
+            <a:endParaRPr lang="en-US" dirty="0">
+              <a:solidFill>
+                <a:srgbClr val="404040"/>
+              </a:solidFill>
+            </a:endParaRPr>
+          </a:p>
+          <a:p>
+            <a:pPr marL="800100" lvl="1" indent="-342900">
+              <a:buFont typeface="Arial" panose="020B0604020202020204" pitchFamily="34" charset="0"/>
+              <a:buChar char="•"/>
+            </a:pPr>
+            <a:r>
+              <a:rPr lang="en-US" dirty="0">
+                <a:solidFill>
+                  <a:srgbClr val="404040"/>
+                </a:solidFill>
+              </a:rPr>
+              <a:t>Scenario: Want All Order Data Only For Select Customers</a:t>
+            </a:r>
+          </a:p>
+          <a:p>
+            <a:pPr lvl="1"/>
+            <a:endParaRPr lang="en-US" dirty="0">
+              <a:solidFill>
+                <a:srgbClr val="404040"/>
+              </a:solidFill>
+            </a:endParaRPr>
+          </a:p>
+        </p:txBody>
+      </p:sp>
+      <p:sp>
+        <p:nvSpPr>
+          <p:cNvPr id="9" name="TextBox 8">
+            <a:extLst>
+              <a:ext uri="{FF2B5EF4-FFF2-40B4-BE49-F238E27FC236}">
+                <a16:creationId xmlns:a16="http://schemas.microsoft.com/office/drawing/2014/main" id="{A430FFBA-D390-448D-B0C0-9D7ACF6ABECA}"/>
+              </a:ext>
+            </a:extLst>
+          </p:cNvPr>
+          <p:cNvSpPr txBox="1"/>
+          <p:nvPr/>
+        </p:nvSpPr>
+        <p:spPr>
+          <a:xfrm>
+            <a:off x="4661748" y="1295400"/>
+            <a:ext cx="2411304" cy="461665"/>
+          </a:xfrm>
+          <a:prstGeom prst="rect">
+            <a:avLst/>
+          </a:prstGeom>
+          <a:solidFill>
+            <a:srgbClr val="404040"/>
+          </a:solidFill>
+        </p:spPr>
+        <p:txBody>
+          <a:bodyPr wrap="square" rtlCol="0">
+            <a:spAutoFit/>
+          </a:bodyPr>
+          <a:lstStyle/>
+          <a:p>
+            <a:r>
+              <a:rPr lang="en-US" dirty="0">
+                <a:solidFill>
+                  <a:schemeClr val="bg1"/>
+                </a:solidFill>
+              </a:rPr>
+              <a:t>&gt; </a:t>
+            </a:r>
+            <a:r>
+              <a:rPr lang="en-US" dirty="0" err="1">
+                <a:solidFill>
+                  <a:schemeClr val="bg1"/>
+                </a:solidFill>
+              </a:rPr>
+              <a:t>semi_join</a:t>
+            </a:r>
+            <a:r>
+              <a:rPr lang="en-US" dirty="0">
+                <a:solidFill>
+                  <a:schemeClr val="bg1"/>
+                </a:solidFill>
+              </a:rPr>
+              <a:t>(</a:t>
+            </a:r>
+            <a:r>
+              <a:rPr lang="en-US" dirty="0" err="1">
+                <a:solidFill>
+                  <a:schemeClr val="bg1"/>
+                </a:solidFill>
+              </a:rPr>
+              <a:t>x,y</a:t>
+            </a:r>
+            <a:r>
+              <a:rPr lang="en-US" dirty="0">
+                <a:solidFill>
+                  <a:schemeClr val="bg1"/>
+                </a:solidFill>
+              </a:rPr>
+              <a:t>)</a:t>
+            </a:r>
+          </a:p>
+        </p:txBody>
+      </p:sp>
+    </p:spTree>
+    <p:custDataLst>
+      <p:tags r:id="rId1"/>
+    </p:custDataLst>
+    <p:extLst>
+      <p:ext uri="{BB962C8B-B14F-4D97-AF65-F5344CB8AC3E}">
+        <p14:creationId xmlns:p14="http://schemas.microsoft.com/office/powerpoint/2010/main" val="259138907"/>
+      </p:ext>
+    </p:extLst>
+  </p:cSld>
+  <p:clrMapOvr>
+    <a:masterClrMapping/>
+  </p:clrMapOvr>
+</p:sld>
+</file>
+
+<file path=ppt/slides/slide25.xml><?xml version="1.0" encoding="utf-8"?>
+<p:sld xmlns:a="http://schemas.openxmlformats.org/drawingml/2006/main" xmlns:r="http://schemas.openxmlformats.org/officeDocument/2006/relationships" xmlns:p="http://schemas.openxmlformats.org/presentationml/2006/main">
+  <p:cSld>
+    <p:bg>
+      <p:bgPr>
+        <a:solidFill>
+          <a:schemeClr val="bg1">
+            <a:lumMod val="85000"/>
+          </a:schemeClr>
+        </a:solidFill>
+        <a:effectLst/>
+      </p:bgPr>
+    </p:bg>
+    <p:spTree>
+      <p:nvGrpSpPr>
+        <p:cNvPr id="1" name=""/>
+        <p:cNvGrpSpPr/>
+        <p:nvPr/>
+      </p:nvGrpSpPr>
+      <p:grpSpPr>
+        <a:xfrm>
+          <a:off x="0" y="0"/>
+          <a:ext cx="0" cy="0"/>
+          <a:chOff x="0" y="0"/>
+          <a:chExt cx="0" cy="0"/>
+        </a:xfrm>
+      </p:grpSpPr>
+      <p:sp>
+        <p:nvSpPr>
+          <p:cNvPr id="15" name="Rectangle 12">
+            <a:extLst>
+              <a:ext uri="{FF2B5EF4-FFF2-40B4-BE49-F238E27FC236}">
+                <a16:creationId xmlns:a16="http://schemas.microsoft.com/office/drawing/2014/main" id="{867D4867-5BA7-4462-B2F6-A23F4A622AA7}"/>
+              </a:ext>
+              <a:ext uri="{C183D7F6-B498-43B3-948B-1728B52AA6E4}">
+                <adec:decorative xmlns:adec="http://schemas.microsoft.com/office/drawing/2017/decorative" val="1"/>
+              </a:ext>
+            </a:extLst>
+          </p:cNvPr>
+          <p:cNvSpPr>
+            <a:spLocks noGrp="1" noRot="1" noChangeAspect="1" noMove="1" noResize="1" noEditPoints="1" noAdjustHandles="1" noChangeArrowheads="1" noChangeShapeType="1" noTextEdit="1"/>
+          </p:cNvSpPr>
+          <p:nvPr>
+            <p:extLst>
+              <p:ext uri="{386F3935-93C4-4BCD-93E2-E3B085C9AB24}">
+                <p16:designElem xmlns:p16="http://schemas.microsoft.com/office/powerpoint/2015/main" val="1"/>
+              </p:ext>
+            </p:extLst>
+          </p:nvPr>
+        </p:nvSpPr>
+        <p:spPr>
+          <a:xfrm>
+            <a:off x="0" y="0"/>
+            <a:ext cx="3490722" cy="6858000"/>
+          </a:xfrm>
+          <a:prstGeom prst="rect">
+            <a:avLst/>
+          </a:prstGeom>
+          <a:solidFill>
+            <a:schemeClr val="tx1">
+              <a:lumMod val="75000"/>
+              <a:lumOff val="25000"/>
+            </a:schemeClr>
+          </a:solidFill>
+          <a:ln>
+            <a:noFill/>
+          </a:ln>
+        </p:spPr>
+        <p:style>
+          <a:lnRef idx="0">
+            <a:scrgbClr r="0" g="0" b="0"/>
+          </a:lnRef>
+          <a:fillRef idx="0">
+            <a:scrgbClr r="0" g="0" b="0"/>
+          </a:fillRef>
+          <a:effectRef idx="0">
+            <a:scrgbClr r="0" g="0" b="0"/>
+          </a:effectRef>
+          <a:fontRef idx="minor">
+            <a:schemeClr val="lt1"/>
+          </a:fontRef>
+        </p:style>
+        <p:txBody>
+          <a:bodyPr rtlCol="0" anchor="ctr"/>
+          <a:lstStyle/>
+          <a:p>
+            <a:pPr marL="0" marR="0" lvl="0" indent="0" algn="ctr" defTabSz="457200" rtl="0" eaLnBrk="1" fontAlgn="base" latinLnBrk="0" hangingPunct="1">
+              <a:lnSpc>
+                <a:spcPct val="100000"/>
+              </a:lnSpc>
+              <a:spcBef>
+                <a:spcPct val="0"/>
+              </a:spcBef>
+              <a:spcAft>
+                <a:spcPct val="0"/>
+              </a:spcAft>
+              <a:buClrTx/>
+              <a:buSzTx/>
+              <a:buFontTx/>
+              <a:buNone/>
+              <a:tabLst/>
+              <a:defRPr/>
+            </a:pPr>
+            <a:endParaRPr kumimoji="0" lang="en-US" sz="2400" b="0" i="0" u="none" strike="noStrike" kern="1200" cap="none" spc="0" normalizeH="0" baseline="0" noProof="0">
+              <a:ln>
+                <a:noFill/>
+              </a:ln>
+              <a:solidFill>
+                <a:prstClr val="white"/>
+              </a:solidFill>
+              <a:effectLst/>
+              <a:uLnTx/>
+              <a:uFillTx/>
+              <a:latin typeface="Calibri"/>
+              <a:ea typeface="+mn-ea"/>
+              <a:cs typeface="+mn-cs"/>
+            </a:endParaRPr>
+          </a:p>
+        </p:txBody>
+      </p:sp>
+      <p:sp>
+        <p:nvSpPr>
+          <p:cNvPr id="2" name="Title 1"/>
+          <p:cNvSpPr>
+            <a:spLocks noGrp="1"/>
+          </p:cNvSpPr>
+          <p:nvPr>
+            <p:ph type="title"/>
+          </p:nvPr>
+        </p:nvSpPr>
+        <p:spPr>
+          <a:xfrm>
+            <a:off x="482600" y="643467"/>
+            <a:ext cx="2522980" cy="1597315"/>
+          </a:xfrm>
+          <a:noFill/>
+          <a:ln w="19050">
+            <a:solidFill>
+              <a:schemeClr val="bg1"/>
+            </a:solidFill>
+          </a:ln>
+        </p:spPr>
+        <p:txBody>
+          <a:bodyPr vert="horz" wrap="square" lIns="91440" tIns="45720" rIns="91440" bIns="45720" rtlCol="0" anchor="ctr">
+            <a:normAutofit/>
+          </a:bodyPr>
+          <a:lstStyle/>
+          <a:p>
+            <a:pPr defTabSz="914400" eaLnBrk="1" hangingPunct="1">
+              <a:lnSpc>
+                <a:spcPct val="90000"/>
+              </a:lnSpc>
+            </a:pPr>
+            <a:r>
+              <a:rPr lang="en-US" sz="2400" kern="1200" dirty="0">
+                <a:solidFill>
+                  <a:schemeClr val="bg1"/>
+                </a:solidFill>
+                <a:latin typeface="+mj-lt"/>
+                <a:ea typeface="+mj-ea"/>
+                <a:cs typeface="+mj-cs"/>
+              </a:rPr>
+              <a:t>Filtering Joins</a:t>
+            </a:r>
+          </a:p>
+        </p:txBody>
+      </p:sp>
+      <p:pic>
+        <p:nvPicPr>
+          <p:cNvPr id="8" name="Picture 7">
+            <a:extLst>
+              <a:ext uri="{FF2B5EF4-FFF2-40B4-BE49-F238E27FC236}">
+                <a16:creationId xmlns:a16="http://schemas.microsoft.com/office/drawing/2014/main" id="{521D4292-9ECC-4DA5-8CC0-C561A0DA118E}"/>
+              </a:ext>
+            </a:extLst>
+          </p:cNvPr>
+          <p:cNvPicPr>
+            <a:picLocks noChangeAspect="1"/>
+          </p:cNvPicPr>
+          <p:nvPr/>
+        </p:nvPicPr>
+        <p:blipFill rotWithShape="1">
+          <a:blip r:embed="rId3"/>
+          <a:srcRect l="8000" r="9400"/>
+          <a:stretch/>
+        </p:blipFill>
+        <p:spPr>
+          <a:xfrm>
+            <a:off x="660103" y="3048000"/>
+            <a:ext cx="2167974" cy="2624666"/>
+          </a:xfrm>
+          <a:prstGeom prst="rect">
+            <a:avLst/>
+          </a:prstGeom>
+          <a:noFill/>
+        </p:spPr>
+      </p:pic>
+      <p:sp>
+        <p:nvSpPr>
+          <p:cNvPr id="7" name="TextBox 6">
+            <a:extLst>
+              <a:ext uri="{FF2B5EF4-FFF2-40B4-BE49-F238E27FC236}">
+                <a16:creationId xmlns:a16="http://schemas.microsoft.com/office/drawing/2014/main" id="{5F596D90-2468-41D4-8D7F-433E8FCCF737}"/>
+              </a:ext>
+            </a:extLst>
+          </p:cNvPr>
+          <p:cNvSpPr txBox="1"/>
+          <p:nvPr/>
+        </p:nvSpPr>
+        <p:spPr>
+          <a:xfrm>
+            <a:off x="3810000" y="621916"/>
+            <a:ext cx="5410200" cy="461665"/>
+          </a:xfrm>
+          <a:prstGeom prst="rect">
+            <a:avLst/>
+          </a:prstGeom>
+          <a:noFill/>
+        </p:spPr>
+        <p:txBody>
+          <a:bodyPr wrap="square" rtlCol="0">
+            <a:spAutoFit/>
+          </a:bodyPr>
+          <a:lstStyle/>
+          <a:p>
+            <a:pPr marL="342900" indent="-342900">
+              <a:buFont typeface="Arial" panose="020B0604020202020204" pitchFamily="34" charset="0"/>
+              <a:buChar char="•"/>
+            </a:pPr>
+            <a:r>
+              <a:rPr lang="en-US" dirty="0">
+                <a:solidFill>
+                  <a:srgbClr val="404040"/>
+                </a:solidFill>
+              </a:rPr>
+              <a:t>Semi-Join</a:t>
+            </a:r>
+          </a:p>
+        </p:txBody>
+      </p:sp>
+      <p:pic>
+        <p:nvPicPr>
+          <p:cNvPr id="3" name="Picture 2">
+            <a:extLst>
+              <a:ext uri="{FF2B5EF4-FFF2-40B4-BE49-F238E27FC236}">
+                <a16:creationId xmlns:a16="http://schemas.microsoft.com/office/drawing/2014/main" id="{DB8C9045-6C52-4E2C-AD9B-D4884AEDBC53}"/>
+              </a:ext>
+            </a:extLst>
+          </p:cNvPr>
+          <p:cNvPicPr>
+            <a:picLocks noChangeAspect="1"/>
+          </p:cNvPicPr>
+          <p:nvPr/>
+        </p:nvPicPr>
+        <p:blipFill>
+          <a:blip r:embed="rId4"/>
+          <a:stretch>
+            <a:fillRect/>
+          </a:stretch>
+        </p:blipFill>
+        <p:spPr>
+          <a:xfrm>
+            <a:off x="3575385" y="1083581"/>
+            <a:ext cx="5485684" cy="5020966"/>
+          </a:xfrm>
+          <a:prstGeom prst="rect">
+            <a:avLst/>
+          </a:prstGeom>
+          <a:ln>
+            <a:solidFill>
+              <a:srgbClr val="404040"/>
+            </a:solidFill>
+          </a:ln>
+        </p:spPr>
+        <p:style>
+          <a:lnRef idx="2">
+            <a:schemeClr val="dk1"/>
+          </a:lnRef>
+          <a:fillRef idx="1">
+            <a:schemeClr val="lt1"/>
+          </a:fillRef>
+          <a:effectRef idx="0">
+            <a:schemeClr val="dk1"/>
+          </a:effectRef>
+          <a:fontRef idx="minor">
+            <a:schemeClr val="dk1"/>
+          </a:fontRef>
+        </p:style>
+      </p:pic>
+    </p:spTree>
+    <p:custDataLst>
+      <p:tags r:id="rId1"/>
+    </p:custDataLst>
+    <p:extLst>
+      <p:ext uri="{BB962C8B-B14F-4D97-AF65-F5344CB8AC3E}">
+        <p14:creationId xmlns:p14="http://schemas.microsoft.com/office/powerpoint/2010/main" val="1360257157"/>
+      </p:ext>
+    </p:extLst>
+  </p:cSld>
+  <p:clrMapOvr>
+    <a:masterClrMapping/>
+  </p:clrMapOvr>
+</p:sld>
+</file>
+
+<file path=ppt/slides/slide26.xml><?xml version="1.0" encoding="utf-8"?>
+<p:sld xmlns:a="http://schemas.openxmlformats.org/drawingml/2006/main" xmlns:r="http://schemas.openxmlformats.org/officeDocument/2006/relationships" xmlns:p="http://schemas.openxmlformats.org/presentationml/2006/main">
+  <p:cSld>
+    <p:bg>
+      <p:bgPr>
+        <a:solidFill>
+          <a:schemeClr val="bg1">
+            <a:lumMod val="85000"/>
+          </a:schemeClr>
+        </a:solidFill>
+        <a:effectLst/>
+      </p:bgPr>
+    </p:bg>
+    <p:spTree>
+      <p:nvGrpSpPr>
+        <p:cNvPr id="1" name=""/>
+        <p:cNvGrpSpPr/>
+        <p:nvPr/>
+      </p:nvGrpSpPr>
+      <p:grpSpPr>
+        <a:xfrm>
+          <a:off x="0" y="0"/>
+          <a:ext cx="0" cy="0"/>
+          <a:chOff x="0" y="0"/>
+          <a:chExt cx="0" cy="0"/>
+        </a:xfrm>
+      </p:grpSpPr>
+      <p:sp>
+        <p:nvSpPr>
+          <p:cNvPr id="15" name="Rectangle 12">
+            <a:extLst>
+              <a:ext uri="{FF2B5EF4-FFF2-40B4-BE49-F238E27FC236}">
+                <a16:creationId xmlns:a16="http://schemas.microsoft.com/office/drawing/2014/main" id="{867D4867-5BA7-4462-B2F6-A23F4A622AA7}"/>
+              </a:ext>
+              <a:ext uri="{C183D7F6-B498-43B3-948B-1728B52AA6E4}">
+                <adec:decorative xmlns:adec="http://schemas.microsoft.com/office/drawing/2017/decorative" val="1"/>
+              </a:ext>
+            </a:extLst>
+          </p:cNvPr>
+          <p:cNvSpPr>
+            <a:spLocks noGrp="1" noRot="1" noChangeAspect="1" noMove="1" noResize="1" noEditPoints="1" noAdjustHandles="1" noChangeArrowheads="1" noChangeShapeType="1" noTextEdit="1"/>
+          </p:cNvSpPr>
+          <p:nvPr>
+            <p:extLst>
+              <p:ext uri="{386F3935-93C4-4BCD-93E2-E3B085C9AB24}">
+                <p16:designElem xmlns:p16="http://schemas.microsoft.com/office/powerpoint/2015/main" val="1"/>
+              </p:ext>
+            </p:extLst>
+          </p:nvPr>
+        </p:nvSpPr>
+        <p:spPr>
+          <a:xfrm>
+            <a:off x="0" y="0"/>
+            <a:ext cx="3490722" cy="6858000"/>
+          </a:xfrm>
+          <a:prstGeom prst="rect">
+            <a:avLst/>
+          </a:prstGeom>
+          <a:solidFill>
+            <a:schemeClr val="tx1">
+              <a:lumMod val="75000"/>
+              <a:lumOff val="25000"/>
+            </a:schemeClr>
+          </a:solidFill>
+          <a:ln>
+            <a:noFill/>
+          </a:ln>
+        </p:spPr>
+        <p:style>
+          <a:lnRef idx="0">
+            <a:scrgbClr r="0" g="0" b="0"/>
+          </a:lnRef>
+          <a:fillRef idx="0">
+            <a:scrgbClr r="0" g="0" b="0"/>
+          </a:fillRef>
+          <a:effectRef idx="0">
+            <a:scrgbClr r="0" g="0" b="0"/>
+          </a:effectRef>
+          <a:fontRef idx="minor">
+            <a:schemeClr val="lt1"/>
+          </a:fontRef>
+        </p:style>
+        <p:txBody>
+          <a:bodyPr rtlCol="0" anchor="ctr"/>
+          <a:lstStyle/>
+          <a:p>
+            <a:pPr marL="0" marR="0" lvl="0" indent="0" algn="ctr" defTabSz="457200" rtl="0" eaLnBrk="1" fontAlgn="base" latinLnBrk="0" hangingPunct="1">
+              <a:lnSpc>
+                <a:spcPct val="100000"/>
+              </a:lnSpc>
+              <a:spcBef>
+                <a:spcPct val="0"/>
+              </a:spcBef>
+              <a:spcAft>
+                <a:spcPct val="0"/>
+              </a:spcAft>
+              <a:buClrTx/>
+              <a:buSzTx/>
+              <a:buFontTx/>
+              <a:buNone/>
+              <a:tabLst/>
+              <a:defRPr/>
+            </a:pPr>
+            <a:endParaRPr kumimoji="0" lang="en-US" sz="2400" b="0" i="0" u="none" strike="noStrike" kern="1200" cap="none" spc="0" normalizeH="0" baseline="0" noProof="0">
+              <a:ln>
+                <a:noFill/>
+              </a:ln>
+              <a:solidFill>
+                <a:prstClr val="white"/>
+              </a:solidFill>
+              <a:effectLst/>
+              <a:uLnTx/>
+              <a:uFillTx/>
+              <a:latin typeface="Calibri"/>
+              <a:ea typeface="+mn-ea"/>
+              <a:cs typeface="+mn-cs"/>
+            </a:endParaRPr>
+          </a:p>
+        </p:txBody>
+      </p:sp>
+      <p:sp>
+        <p:nvSpPr>
+          <p:cNvPr id="2" name="Title 1"/>
+          <p:cNvSpPr>
+            <a:spLocks noGrp="1"/>
+          </p:cNvSpPr>
+          <p:nvPr>
+            <p:ph type="title"/>
+          </p:nvPr>
+        </p:nvSpPr>
+        <p:spPr>
+          <a:xfrm>
+            <a:off x="482600" y="643467"/>
+            <a:ext cx="2522980" cy="1597315"/>
+          </a:xfrm>
+          <a:noFill/>
+          <a:ln w="19050">
+            <a:solidFill>
+              <a:schemeClr val="bg1"/>
+            </a:solidFill>
+          </a:ln>
+        </p:spPr>
+        <p:txBody>
+          <a:bodyPr vert="horz" wrap="square" lIns="91440" tIns="45720" rIns="91440" bIns="45720" rtlCol="0" anchor="ctr">
+            <a:normAutofit/>
+          </a:bodyPr>
+          <a:lstStyle/>
+          <a:p>
+            <a:pPr defTabSz="914400" eaLnBrk="1" hangingPunct="1">
+              <a:lnSpc>
+                <a:spcPct val="90000"/>
+              </a:lnSpc>
+            </a:pPr>
+            <a:r>
+              <a:rPr lang="en-US" sz="2400" kern="1200" dirty="0">
+                <a:solidFill>
+                  <a:schemeClr val="bg1"/>
+                </a:solidFill>
+                <a:latin typeface="+mj-lt"/>
+                <a:ea typeface="+mj-ea"/>
+                <a:cs typeface="+mj-cs"/>
+              </a:rPr>
+              <a:t>Filtering Joins</a:t>
+            </a:r>
+          </a:p>
+        </p:txBody>
+      </p:sp>
+      <p:pic>
+        <p:nvPicPr>
+          <p:cNvPr id="8" name="Picture 7">
+            <a:extLst>
+              <a:ext uri="{FF2B5EF4-FFF2-40B4-BE49-F238E27FC236}">
+                <a16:creationId xmlns:a16="http://schemas.microsoft.com/office/drawing/2014/main" id="{521D4292-9ECC-4DA5-8CC0-C561A0DA118E}"/>
+              </a:ext>
+            </a:extLst>
+          </p:cNvPr>
+          <p:cNvPicPr>
+            <a:picLocks noChangeAspect="1"/>
+          </p:cNvPicPr>
+          <p:nvPr/>
+        </p:nvPicPr>
+        <p:blipFill rotWithShape="1">
+          <a:blip r:embed="rId3"/>
+          <a:srcRect l="8000" r="9400"/>
+          <a:stretch/>
+        </p:blipFill>
+        <p:spPr>
+          <a:xfrm>
+            <a:off x="660103" y="3048000"/>
+            <a:ext cx="2167974" cy="2624666"/>
+          </a:xfrm>
+          <a:prstGeom prst="rect">
+            <a:avLst/>
+          </a:prstGeom>
+          <a:noFill/>
+        </p:spPr>
+      </p:pic>
+      <p:sp>
+        <p:nvSpPr>
+          <p:cNvPr id="7" name="TextBox 6">
+            <a:extLst>
+              <a:ext uri="{FF2B5EF4-FFF2-40B4-BE49-F238E27FC236}">
+                <a16:creationId xmlns:a16="http://schemas.microsoft.com/office/drawing/2014/main" id="{5F596D90-2468-41D4-8D7F-433E8FCCF737}"/>
+              </a:ext>
+            </a:extLst>
+          </p:cNvPr>
+          <p:cNvSpPr txBox="1"/>
+          <p:nvPr/>
+        </p:nvSpPr>
+        <p:spPr>
+          <a:xfrm>
+            <a:off x="3810000" y="621916"/>
+            <a:ext cx="5410200" cy="4524315"/>
+          </a:xfrm>
+          <a:prstGeom prst="rect">
+            <a:avLst/>
+          </a:prstGeom>
+          <a:noFill/>
+        </p:spPr>
+        <p:txBody>
+          <a:bodyPr wrap="square" rtlCol="0">
+            <a:spAutoFit/>
+          </a:bodyPr>
+          <a:lstStyle/>
+          <a:p>
+            <a:pPr marL="342900" indent="-342900">
+              <a:buFont typeface="Arial" panose="020B0604020202020204" pitchFamily="34" charset="0"/>
+              <a:buChar char="•"/>
+            </a:pPr>
+            <a:r>
+              <a:rPr lang="en-US" dirty="0">
+                <a:solidFill>
+                  <a:srgbClr val="404040"/>
+                </a:solidFill>
+              </a:rPr>
+              <a:t>Anti-Join</a:t>
+            </a:r>
+          </a:p>
+          <a:p>
+            <a:pPr marL="342900" indent="-342900">
+              <a:buFont typeface="Arial" panose="020B0604020202020204" pitchFamily="34" charset="0"/>
+              <a:buChar char="•"/>
+            </a:pPr>
+            <a:endParaRPr lang="en-US" dirty="0">
+              <a:solidFill>
+                <a:srgbClr val="404040"/>
+              </a:solidFill>
+            </a:endParaRPr>
+          </a:p>
+          <a:p>
+            <a:pPr marL="800100" lvl="1" indent="-342900">
+              <a:buFont typeface="Arial" panose="020B0604020202020204" pitchFamily="34" charset="0"/>
+              <a:buChar char="•"/>
+            </a:pPr>
+            <a:r>
+              <a:rPr lang="en-US" dirty="0">
+                <a:solidFill>
+                  <a:srgbClr val="404040"/>
+                </a:solidFill>
+              </a:rPr>
+              <a:t> </a:t>
+            </a:r>
+          </a:p>
+          <a:p>
+            <a:pPr marL="800100" lvl="1" indent="-342900">
+              <a:buFont typeface="Arial" panose="020B0604020202020204" pitchFamily="34" charset="0"/>
+              <a:buChar char="•"/>
+            </a:pPr>
+            <a:endParaRPr lang="en-US" dirty="0">
+              <a:solidFill>
+                <a:srgbClr val="404040"/>
+              </a:solidFill>
+            </a:endParaRPr>
+          </a:p>
+          <a:p>
+            <a:pPr marL="800100" lvl="1" indent="-342900">
+              <a:buFont typeface="Arial" panose="020B0604020202020204" pitchFamily="34" charset="0"/>
+              <a:buChar char="•"/>
+            </a:pPr>
+            <a:r>
+              <a:rPr lang="en-US" dirty="0">
+                <a:solidFill>
+                  <a:srgbClr val="404040"/>
+                </a:solidFill>
+              </a:rPr>
+              <a:t>Drops All Observations in Left Dataset That Have a Match in Right Dataset</a:t>
+            </a:r>
+          </a:p>
+          <a:p>
+            <a:pPr marL="800100" lvl="1" indent="-342900">
+              <a:buFont typeface="Arial" panose="020B0604020202020204" pitchFamily="34" charset="0"/>
+              <a:buChar char="•"/>
+            </a:pPr>
+            <a:endParaRPr lang="en-US" dirty="0">
+              <a:solidFill>
+                <a:srgbClr val="404040"/>
+              </a:solidFill>
+            </a:endParaRPr>
+          </a:p>
+          <a:p>
+            <a:pPr marL="800100" lvl="1" indent="-342900">
+              <a:buFont typeface="Arial" panose="020B0604020202020204" pitchFamily="34" charset="0"/>
+              <a:buChar char="•"/>
+            </a:pPr>
+            <a:r>
+              <a:rPr lang="en-US" dirty="0">
+                <a:solidFill>
+                  <a:srgbClr val="404040"/>
+                </a:solidFill>
+              </a:rPr>
+              <a:t>Primary Data = Left</a:t>
+            </a:r>
+          </a:p>
+          <a:p>
+            <a:pPr marL="800100" lvl="1" indent="-342900">
+              <a:buFont typeface="Arial" panose="020B0604020202020204" pitchFamily="34" charset="0"/>
+              <a:buChar char="•"/>
+            </a:pPr>
+            <a:endParaRPr lang="en-US" dirty="0">
+              <a:solidFill>
+                <a:srgbClr val="404040"/>
+              </a:solidFill>
+            </a:endParaRPr>
+          </a:p>
+          <a:p>
+            <a:pPr marL="800100" lvl="1" indent="-342900">
+              <a:buFont typeface="Arial" panose="020B0604020202020204" pitchFamily="34" charset="0"/>
+              <a:buChar char="•"/>
+            </a:pPr>
+            <a:r>
+              <a:rPr lang="en-US" dirty="0">
+                <a:solidFill>
+                  <a:srgbClr val="404040"/>
+                </a:solidFill>
+              </a:rPr>
+              <a:t>Scenario: Want All Order Data Except For Select Customers</a:t>
+            </a:r>
+          </a:p>
+        </p:txBody>
+      </p:sp>
+      <p:sp>
+        <p:nvSpPr>
+          <p:cNvPr id="9" name="TextBox 8">
+            <a:extLst>
+              <a:ext uri="{FF2B5EF4-FFF2-40B4-BE49-F238E27FC236}">
+                <a16:creationId xmlns:a16="http://schemas.microsoft.com/office/drawing/2014/main" id="{A430FFBA-D390-448D-B0C0-9D7ACF6ABECA}"/>
+              </a:ext>
+            </a:extLst>
+          </p:cNvPr>
+          <p:cNvSpPr txBox="1"/>
+          <p:nvPr/>
+        </p:nvSpPr>
+        <p:spPr>
+          <a:xfrm>
+            <a:off x="4661748" y="1295400"/>
+            <a:ext cx="2411304" cy="461665"/>
+          </a:xfrm>
+          <a:prstGeom prst="rect">
+            <a:avLst/>
+          </a:prstGeom>
+          <a:solidFill>
+            <a:srgbClr val="404040"/>
+          </a:solidFill>
+        </p:spPr>
+        <p:txBody>
+          <a:bodyPr wrap="square" rtlCol="0">
+            <a:spAutoFit/>
+          </a:bodyPr>
+          <a:lstStyle/>
+          <a:p>
+            <a:r>
+              <a:rPr lang="en-US" dirty="0">
+                <a:solidFill>
+                  <a:schemeClr val="bg1"/>
+                </a:solidFill>
+              </a:rPr>
+              <a:t>&gt; </a:t>
+            </a:r>
+            <a:r>
+              <a:rPr lang="en-US" dirty="0" err="1">
+                <a:solidFill>
+                  <a:schemeClr val="bg1"/>
+                </a:solidFill>
+              </a:rPr>
+              <a:t>anti_join</a:t>
+            </a:r>
+            <a:r>
+              <a:rPr lang="en-US" dirty="0">
+                <a:solidFill>
+                  <a:schemeClr val="bg1"/>
+                </a:solidFill>
+              </a:rPr>
+              <a:t>(</a:t>
+            </a:r>
+            <a:r>
+              <a:rPr lang="en-US" dirty="0" err="1">
+                <a:solidFill>
+                  <a:schemeClr val="bg1"/>
+                </a:solidFill>
+              </a:rPr>
+              <a:t>x,y</a:t>
+            </a:r>
+            <a:r>
+              <a:rPr lang="en-US" dirty="0">
+                <a:solidFill>
+                  <a:schemeClr val="bg1"/>
+                </a:solidFill>
+              </a:rPr>
+              <a:t>)</a:t>
+            </a:r>
+          </a:p>
+        </p:txBody>
+      </p:sp>
+    </p:spTree>
+    <p:custDataLst>
+      <p:tags r:id="rId1"/>
+    </p:custDataLst>
+    <p:extLst>
+      <p:ext uri="{BB962C8B-B14F-4D97-AF65-F5344CB8AC3E}">
+        <p14:creationId xmlns:p14="http://schemas.microsoft.com/office/powerpoint/2010/main" val="1758530076"/>
+      </p:ext>
+    </p:extLst>
+  </p:cSld>
+  <p:clrMapOvr>
+    <a:masterClrMapping/>
+  </p:clrMapOvr>
+</p:sld>
+</file>
+
+<file path=ppt/slides/slide27.xml><?xml version="1.0" encoding="utf-8"?>
+<p:sld xmlns:a="http://schemas.openxmlformats.org/drawingml/2006/main" xmlns:r="http://schemas.openxmlformats.org/officeDocument/2006/relationships" xmlns:p="http://schemas.openxmlformats.org/presentationml/2006/main">
+  <p:cSld>
+    <p:bg>
+      <p:bgPr>
+        <a:solidFill>
+          <a:schemeClr val="bg1">
+            <a:lumMod val="85000"/>
+          </a:schemeClr>
+        </a:solidFill>
+        <a:effectLst/>
+      </p:bgPr>
+    </p:bg>
+    <p:spTree>
+      <p:nvGrpSpPr>
+        <p:cNvPr id="1" name=""/>
+        <p:cNvGrpSpPr/>
+        <p:nvPr/>
+      </p:nvGrpSpPr>
+      <p:grpSpPr>
+        <a:xfrm>
+          <a:off x="0" y="0"/>
+          <a:ext cx="0" cy="0"/>
+          <a:chOff x="0" y="0"/>
+          <a:chExt cx="0" cy="0"/>
+        </a:xfrm>
+      </p:grpSpPr>
+      <p:sp>
+        <p:nvSpPr>
+          <p:cNvPr id="15" name="Rectangle 12">
+            <a:extLst>
+              <a:ext uri="{FF2B5EF4-FFF2-40B4-BE49-F238E27FC236}">
+                <a16:creationId xmlns:a16="http://schemas.microsoft.com/office/drawing/2014/main" id="{867D4867-5BA7-4462-B2F6-A23F4A622AA7}"/>
+              </a:ext>
+              <a:ext uri="{C183D7F6-B498-43B3-948B-1728B52AA6E4}">
+                <adec:decorative xmlns:adec="http://schemas.microsoft.com/office/drawing/2017/decorative" val="1"/>
+              </a:ext>
+            </a:extLst>
+          </p:cNvPr>
+          <p:cNvSpPr>
+            <a:spLocks noGrp="1" noRot="1" noChangeAspect="1" noMove="1" noResize="1" noEditPoints="1" noAdjustHandles="1" noChangeArrowheads="1" noChangeShapeType="1" noTextEdit="1"/>
+          </p:cNvSpPr>
+          <p:nvPr>
+            <p:extLst>
+              <p:ext uri="{386F3935-93C4-4BCD-93E2-E3B085C9AB24}">
+                <p16:designElem xmlns:p16="http://schemas.microsoft.com/office/powerpoint/2015/main" val="1"/>
+              </p:ext>
+            </p:extLst>
+          </p:nvPr>
+        </p:nvSpPr>
+        <p:spPr>
+          <a:xfrm>
+            <a:off x="0" y="0"/>
+            <a:ext cx="3490722" cy="6858000"/>
+          </a:xfrm>
+          <a:prstGeom prst="rect">
+            <a:avLst/>
+          </a:prstGeom>
+          <a:solidFill>
+            <a:schemeClr val="tx1">
+              <a:lumMod val="75000"/>
+              <a:lumOff val="25000"/>
+            </a:schemeClr>
+          </a:solidFill>
+          <a:ln>
+            <a:noFill/>
+          </a:ln>
+        </p:spPr>
+        <p:style>
+          <a:lnRef idx="0">
+            <a:scrgbClr r="0" g="0" b="0"/>
+          </a:lnRef>
+          <a:fillRef idx="0">
+            <a:scrgbClr r="0" g="0" b="0"/>
+          </a:fillRef>
+          <a:effectRef idx="0">
+            <a:scrgbClr r="0" g="0" b="0"/>
+          </a:effectRef>
+          <a:fontRef idx="minor">
+            <a:schemeClr val="lt1"/>
+          </a:fontRef>
+        </p:style>
+        <p:txBody>
+          <a:bodyPr rtlCol="0" anchor="ctr"/>
+          <a:lstStyle/>
+          <a:p>
+            <a:pPr marL="0" marR="0" lvl="0" indent="0" algn="ctr" defTabSz="457200" rtl="0" eaLnBrk="1" fontAlgn="base" latinLnBrk="0" hangingPunct="1">
+              <a:lnSpc>
+                <a:spcPct val="100000"/>
+              </a:lnSpc>
+              <a:spcBef>
+                <a:spcPct val="0"/>
+              </a:spcBef>
+              <a:spcAft>
+                <a:spcPct val="0"/>
+              </a:spcAft>
+              <a:buClrTx/>
+              <a:buSzTx/>
+              <a:buFontTx/>
+              <a:buNone/>
+              <a:tabLst/>
+              <a:defRPr/>
+            </a:pPr>
+            <a:endParaRPr kumimoji="0" lang="en-US" sz="2400" b="0" i="0" u="none" strike="noStrike" kern="1200" cap="none" spc="0" normalizeH="0" baseline="0" noProof="0">
+              <a:ln>
+                <a:noFill/>
+              </a:ln>
+              <a:solidFill>
+                <a:prstClr val="white"/>
+              </a:solidFill>
+              <a:effectLst/>
+              <a:uLnTx/>
+              <a:uFillTx/>
+              <a:latin typeface="Calibri"/>
+              <a:ea typeface="+mn-ea"/>
+              <a:cs typeface="+mn-cs"/>
+            </a:endParaRPr>
+          </a:p>
+        </p:txBody>
+      </p:sp>
+      <p:sp>
+        <p:nvSpPr>
+          <p:cNvPr id="2" name="Title 1"/>
+          <p:cNvSpPr>
+            <a:spLocks noGrp="1"/>
+          </p:cNvSpPr>
+          <p:nvPr>
+            <p:ph type="title"/>
+          </p:nvPr>
+        </p:nvSpPr>
+        <p:spPr>
+          <a:xfrm>
+            <a:off x="482600" y="643467"/>
+            <a:ext cx="2522980" cy="1597315"/>
+          </a:xfrm>
+          <a:noFill/>
+          <a:ln w="19050">
+            <a:solidFill>
+              <a:schemeClr val="bg1"/>
+            </a:solidFill>
+          </a:ln>
+        </p:spPr>
+        <p:txBody>
+          <a:bodyPr vert="horz" wrap="square" lIns="91440" tIns="45720" rIns="91440" bIns="45720" rtlCol="0" anchor="ctr">
+            <a:normAutofit/>
+          </a:bodyPr>
+          <a:lstStyle/>
+          <a:p>
+            <a:pPr defTabSz="914400" eaLnBrk="1" hangingPunct="1">
+              <a:lnSpc>
+                <a:spcPct val="90000"/>
+              </a:lnSpc>
+            </a:pPr>
+            <a:r>
+              <a:rPr lang="en-US" sz="2400" kern="1200" dirty="0">
+                <a:solidFill>
+                  <a:schemeClr val="bg1"/>
+                </a:solidFill>
+                <a:latin typeface="+mj-lt"/>
+                <a:ea typeface="+mj-ea"/>
+                <a:cs typeface="+mj-cs"/>
+              </a:rPr>
+              <a:t>Filtering Joins</a:t>
+            </a:r>
+          </a:p>
+        </p:txBody>
+      </p:sp>
+      <p:pic>
+        <p:nvPicPr>
+          <p:cNvPr id="8" name="Picture 7">
+            <a:extLst>
+              <a:ext uri="{FF2B5EF4-FFF2-40B4-BE49-F238E27FC236}">
+                <a16:creationId xmlns:a16="http://schemas.microsoft.com/office/drawing/2014/main" id="{521D4292-9ECC-4DA5-8CC0-C561A0DA118E}"/>
+              </a:ext>
+            </a:extLst>
+          </p:cNvPr>
+          <p:cNvPicPr>
+            <a:picLocks noChangeAspect="1"/>
+          </p:cNvPicPr>
+          <p:nvPr/>
+        </p:nvPicPr>
+        <p:blipFill rotWithShape="1">
+          <a:blip r:embed="rId3"/>
+          <a:srcRect l="8000" r="9400"/>
+          <a:stretch/>
+        </p:blipFill>
+        <p:spPr>
+          <a:xfrm>
+            <a:off x="660103" y="3048000"/>
+            <a:ext cx="2167974" cy="2624666"/>
+          </a:xfrm>
+          <a:prstGeom prst="rect">
+            <a:avLst/>
+          </a:prstGeom>
+          <a:noFill/>
+        </p:spPr>
+      </p:pic>
+      <p:sp>
+        <p:nvSpPr>
+          <p:cNvPr id="7" name="TextBox 6">
+            <a:extLst>
+              <a:ext uri="{FF2B5EF4-FFF2-40B4-BE49-F238E27FC236}">
+                <a16:creationId xmlns:a16="http://schemas.microsoft.com/office/drawing/2014/main" id="{5F596D90-2468-41D4-8D7F-433E8FCCF737}"/>
+              </a:ext>
+            </a:extLst>
+          </p:cNvPr>
+          <p:cNvSpPr txBox="1"/>
+          <p:nvPr/>
+        </p:nvSpPr>
+        <p:spPr>
+          <a:xfrm>
+            <a:off x="3810000" y="621916"/>
+            <a:ext cx="5410200" cy="461665"/>
+          </a:xfrm>
+          <a:prstGeom prst="rect">
+            <a:avLst/>
+          </a:prstGeom>
+          <a:noFill/>
+        </p:spPr>
+        <p:txBody>
+          <a:bodyPr wrap="square" rtlCol="0">
+            <a:spAutoFit/>
+          </a:bodyPr>
+          <a:lstStyle/>
+          <a:p>
+            <a:pPr marL="342900" indent="-342900">
+              <a:buFont typeface="Arial" panose="020B0604020202020204" pitchFamily="34" charset="0"/>
+              <a:buChar char="•"/>
+            </a:pPr>
+            <a:r>
+              <a:rPr lang="en-US" dirty="0">
+                <a:solidFill>
+                  <a:srgbClr val="404040"/>
+                </a:solidFill>
+              </a:rPr>
+              <a:t>Anti-Join</a:t>
+            </a:r>
+          </a:p>
+        </p:txBody>
+      </p:sp>
+      <p:pic>
+        <p:nvPicPr>
+          <p:cNvPr id="4" name="Picture 3">
+            <a:extLst>
+              <a:ext uri="{FF2B5EF4-FFF2-40B4-BE49-F238E27FC236}">
+                <a16:creationId xmlns:a16="http://schemas.microsoft.com/office/drawing/2014/main" id="{D69A2D4B-BBBA-4AFD-9E5D-237CBFD13A34}"/>
+              </a:ext>
+            </a:extLst>
+          </p:cNvPr>
+          <p:cNvPicPr>
+            <a:picLocks noChangeAspect="1"/>
+          </p:cNvPicPr>
+          <p:nvPr/>
+        </p:nvPicPr>
+        <p:blipFill>
+          <a:blip r:embed="rId4"/>
+          <a:stretch>
+            <a:fillRect/>
+          </a:stretch>
+        </p:blipFill>
+        <p:spPr>
+          <a:xfrm>
+            <a:off x="3581400" y="1119676"/>
+            <a:ext cx="5486400" cy="5567680"/>
+          </a:xfrm>
+          <a:prstGeom prst="rect">
+            <a:avLst/>
+          </a:prstGeom>
+          <a:ln>
+            <a:solidFill>
+              <a:srgbClr val="404040"/>
+            </a:solidFill>
+          </a:ln>
+        </p:spPr>
+        <p:style>
+          <a:lnRef idx="2">
+            <a:schemeClr val="dk1"/>
+          </a:lnRef>
+          <a:fillRef idx="1">
+            <a:schemeClr val="lt1"/>
+          </a:fillRef>
+          <a:effectRef idx="0">
+            <a:schemeClr val="dk1"/>
+          </a:effectRef>
+          <a:fontRef idx="minor">
+            <a:schemeClr val="dk1"/>
+          </a:fontRef>
+        </p:style>
+      </p:pic>
+    </p:spTree>
+    <p:custDataLst>
+      <p:tags r:id="rId1"/>
+    </p:custDataLst>
+    <p:extLst>
+      <p:ext uri="{BB962C8B-B14F-4D97-AF65-F5344CB8AC3E}">
+        <p14:creationId xmlns:p14="http://schemas.microsoft.com/office/powerpoint/2010/main" val="7965761"/>
+      </p:ext>
+    </p:extLst>
+  </p:cSld>
+  <p:clrMapOvr>
+    <a:masterClrMapping/>
+  </p:clrMapOvr>
+</p:sld>
+</file>
+
+<file path=ppt/slides/slide28.xml><?xml version="1.0" encoding="utf-8"?>
+<p:sld xmlns:a="http://schemas.openxmlformats.org/drawingml/2006/main" xmlns:r="http://schemas.openxmlformats.org/officeDocument/2006/relationships" xmlns:p="http://schemas.openxmlformats.org/presentationml/2006/main">
+  <p:cSld>
+    <p:bg>
+      <p:bgPr>
+        <a:solidFill>
+          <a:schemeClr val="bg1">
+            <a:lumMod val="85000"/>
+          </a:schemeClr>
+        </a:solidFill>
+        <a:effectLst/>
+      </p:bgPr>
+    </p:bg>
+    <p:spTree>
+      <p:nvGrpSpPr>
+        <p:cNvPr id="1" name=""/>
+        <p:cNvGrpSpPr/>
+        <p:nvPr/>
+      </p:nvGrpSpPr>
+      <p:grpSpPr>
+        <a:xfrm>
+          <a:off x="0" y="0"/>
+          <a:ext cx="0" cy="0"/>
+          <a:chOff x="0" y="0"/>
+          <a:chExt cx="0" cy="0"/>
+        </a:xfrm>
+      </p:grpSpPr>
+      <p:sp>
+        <p:nvSpPr>
+          <p:cNvPr id="15" name="Rectangle 12">
+            <a:extLst>
+              <a:ext uri="{FF2B5EF4-FFF2-40B4-BE49-F238E27FC236}">
+                <a16:creationId xmlns:a16="http://schemas.microsoft.com/office/drawing/2014/main" id="{867D4867-5BA7-4462-B2F6-A23F4A622AA7}"/>
+              </a:ext>
+              <a:ext uri="{C183D7F6-B498-43B3-948B-1728B52AA6E4}">
+                <adec:decorative xmlns:adec="http://schemas.microsoft.com/office/drawing/2017/decorative" val="1"/>
+              </a:ext>
+            </a:extLst>
+          </p:cNvPr>
+          <p:cNvSpPr>
+            <a:spLocks noGrp="1" noRot="1" noChangeAspect="1" noMove="1" noResize="1" noEditPoints="1" noAdjustHandles="1" noChangeArrowheads="1" noChangeShapeType="1" noTextEdit="1"/>
+          </p:cNvSpPr>
+          <p:nvPr>
+            <p:extLst>
+              <p:ext uri="{386F3935-93C4-4BCD-93E2-E3B085C9AB24}">
+                <p16:designElem xmlns:p16="http://schemas.microsoft.com/office/powerpoint/2015/main" val="1"/>
+              </p:ext>
+            </p:extLst>
+          </p:nvPr>
+        </p:nvSpPr>
+        <p:spPr>
+          <a:xfrm>
+            <a:off x="0" y="0"/>
+            <a:ext cx="3490722" cy="6858000"/>
+          </a:xfrm>
+          <a:prstGeom prst="rect">
+            <a:avLst/>
+          </a:prstGeom>
+          <a:solidFill>
+            <a:schemeClr val="tx1">
+              <a:lumMod val="75000"/>
+              <a:lumOff val="25000"/>
+            </a:schemeClr>
+          </a:solidFill>
+          <a:ln>
+            <a:noFill/>
+          </a:ln>
+        </p:spPr>
+        <p:style>
+          <a:lnRef idx="0">
+            <a:scrgbClr r="0" g="0" b="0"/>
+          </a:lnRef>
+          <a:fillRef idx="0">
+            <a:scrgbClr r="0" g="0" b="0"/>
+          </a:fillRef>
+          <a:effectRef idx="0">
+            <a:scrgbClr r="0" g="0" b="0"/>
+          </a:effectRef>
+          <a:fontRef idx="minor">
+            <a:schemeClr val="lt1"/>
+          </a:fontRef>
+        </p:style>
+        <p:txBody>
+          <a:bodyPr rtlCol="0" anchor="ctr"/>
+          <a:lstStyle/>
+          <a:p>
+            <a:pPr algn="ctr"/>
+            <a:endParaRPr lang="en-US"/>
+          </a:p>
+        </p:txBody>
+      </p:sp>
+      <p:sp>
+        <p:nvSpPr>
+          <p:cNvPr id="2" name="Title 1"/>
+          <p:cNvSpPr>
+            <a:spLocks noGrp="1"/>
+          </p:cNvSpPr>
+          <p:nvPr>
+            <p:ph type="title"/>
+          </p:nvPr>
+        </p:nvSpPr>
+        <p:spPr>
+          <a:xfrm>
+            <a:off x="482600" y="643467"/>
+            <a:ext cx="2522980" cy="1597315"/>
+          </a:xfrm>
+          <a:noFill/>
+          <a:ln w="19050">
+            <a:solidFill>
+              <a:schemeClr val="bg1"/>
+            </a:solidFill>
+          </a:ln>
+        </p:spPr>
+        <p:txBody>
+          <a:bodyPr vert="horz" wrap="square" lIns="91440" tIns="45720" rIns="91440" bIns="45720" rtlCol="0" anchor="ctr">
+            <a:normAutofit/>
+          </a:bodyPr>
+          <a:lstStyle/>
+          <a:p>
+            <a:pPr defTabSz="914400" eaLnBrk="1" hangingPunct="1">
+              <a:lnSpc>
+                <a:spcPct val="90000"/>
+              </a:lnSpc>
+            </a:pPr>
+            <a:r>
+              <a:rPr lang="en-US" sz="2400" kern="1200">
+                <a:solidFill>
+                  <a:schemeClr val="bg1"/>
+                </a:solidFill>
+                <a:latin typeface="+mj-lt"/>
+                <a:ea typeface="+mj-ea"/>
+                <a:cs typeface="+mj-cs"/>
+              </a:rPr>
+              <a:t>Closing</a:t>
+            </a:r>
+            <a:endParaRPr lang="en-US" sz="2400" kern="1200" dirty="0">
+              <a:solidFill>
+                <a:schemeClr val="bg1"/>
+              </a:solidFill>
+              <a:latin typeface="+mj-lt"/>
+              <a:ea typeface="+mj-ea"/>
+              <a:cs typeface="+mj-cs"/>
+            </a:endParaRPr>
+          </a:p>
+        </p:txBody>
+      </p:sp>
+      <p:pic>
+        <p:nvPicPr>
+          <p:cNvPr id="8" name="Picture 7">
+            <a:extLst>
+              <a:ext uri="{FF2B5EF4-FFF2-40B4-BE49-F238E27FC236}">
+                <a16:creationId xmlns:a16="http://schemas.microsoft.com/office/drawing/2014/main" id="{521D4292-9ECC-4DA5-8CC0-C561A0DA118E}"/>
+              </a:ext>
+            </a:extLst>
+          </p:cNvPr>
+          <p:cNvPicPr>
+            <a:picLocks noChangeAspect="1"/>
+          </p:cNvPicPr>
+          <p:nvPr/>
+        </p:nvPicPr>
+        <p:blipFill rotWithShape="1">
+          <a:blip r:embed="rId3"/>
+          <a:srcRect l="8000" r="9400"/>
+          <a:stretch/>
+        </p:blipFill>
+        <p:spPr>
+          <a:xfrm>
+            <a:off x="660103" y="3048000"/>
+            <a:ext cx="2167974" cy="2624666"/>
+          </a:xfrm>
+          <a:prstGeom prst="rect">
+            <a:avLst/>
+          </a:prstGeom>
+          <a:noFill/>
+        </p:spPr>
+      </p:pic>
+      <p:sp>
+        <p:nvSpPr>
+          <p:cNvPr id="7" name="Content Placeholder 2">
+            <a:extLst>
+              <a:ext uri="{FF2B5EF4-FFF2-40B4-BE49-F238E27FC236}">
+                <a16:creationId xmlns:a16="http://schemas.microsoft.com/office/drawing/2014/main" id="{8FE51533-15BE-453E-90FE-08298901BC34}"/>
+              </a:ext>
+            </a:extLst>
+          </p:cNvPr>
+          <p:cNvSpPr txBox="1">
+            <a:spLocks/>
+          </p:cNvSpPr>
+          <p:nvPr/>
+        </p:nvSpPr>
+        <p:spPr bwMode="auto">
+          <a:xfrm>
+            <a:off x="3810000" y="643466"/>
+            <a:ext cx="4851400" cy="5833533"/>
+          </a:xfrm>
+          <a:prstGeom prst="rect">
+            <a:avLst/>
+          </a:prstGeom>
+        </p:spPr>
+        <p:txBody>
+          <a:bodyPr vert="horz" lIns="91440" tIns="45720" rIns="91440" bIns="45720" numCol="1" rtlCol="0" anchorCtr="0" compatLnSpc="1">
+            <a:prstTxWarp prst="textNoShape">
+              <a:avLst/>
+            </a:prstTxWarp>
+            <a:noAutofit/>
+          </a:bodyPr>
+          <a:lstStyle>
+            <a:lvl1pPr marL="342900" indent="-342900" algn="l" defTabSz="457200" rtl="0" eaLnBrk="0" fontAlgn="base" hangingPunct="0">
+              <a:spcBef>
+                <a:spcPct val="20000"/>
+              </a:spcBef>
+              <a:spcAft>
+                <a:spcPct val="0"/>
+              </a:spcAft>
+              <a:buFont typeface="Arial" charset="0"/>
+              <a:buChar char="•"/>
+              <a:defRPr sz="3200" kern="1200">
+                <a:solidFill>
+                  <a:schemeClr val="tx1"/>
+                </a:solidFill>
+                <a:latin typeface="+mn-lt"/>
+                <a:ea typeface="ＭＳ Ｐゴシック" pitchFamily="-109" charset="-128"/>
+                <a:cs typeface="ＭＳ Ｐゴシック" pitchFamily="-109" charset="-128"/>
+              </a:defRPr>
+            </a:lvl1pPr>
+            <a:lvl2pPr marL="742950" indent="-285750" algn="l" defTabSz="457200" rtl="0" eaLnBrk="0" fontAlgn="base" hangingPunct="0">
+              <a:spcBef>
+                <a:spcPct val="20000"/>
+              </a:spcBef>
+              <a:spcAft>
+                <a:spcPct val="0"/>
+              </a:spcAft>
+              <a:buFont typeface="Arial" charset="0"/>
+              <a:buChar char="–"/>
+              <a:defRPr sz="2800" kern="1200">
+                <a:solidFill>
+                  <a:schemeClr val="tx1"/>
+                </a:solidFill>
+                <a:latin typeface="+mn-lt"/>
+                <a:ea typeface="ＭＳ Ｐゴシック" pitchFamily="-109" charset="-128"/>
+                <a:cs typeface="+mn-cs"/>
+              </a:defRPr>
+            </a:lvl2pPr>
+            <a:lvl3pPr marL="1143000" indent="-228600" algn="l" defTabSz="457200" rtl="0" eaLnBrk="0" fontAlgn="base" hangingPunct="0">
+              <a:spcBef>
+                <a:spcPct val="20000"/>
+              </a:spcBef>
+              <a:spcAft>
+                <a:spcPct val="0"/>
+              </a:spcAft>
+              <a:buFont typeface="Arial" charset="0"/>
+              <a:buChar char="•"/>
+              <a:defRPr sz="2400" kern="1200">
+                <a:solidFill>
+                  <a:schemeClr val="tx1"/>
+                </a:solidFill>
+                <a:latin typeface="+mn-lt"/>
+                <a:ea typeface="ＭＳ Ｐゴシック" pitchFamily="-109" charset="-128"/>
+                <a:cs typeface="+mn-cs"/>
+              </a:defRPr>
+            </a:lvl3pPr>
+            <a:lvl4pPr marL="1600200" indent="-228600" algn="l" defTabSz="457200" rtl="0" eaLnBrk="0" fontAlgn="base" hangingPunct="0">
+              <a:spcBef>
+                <a:spcPct val="20000"/>
+              </a:spcBef>
+              <a:spcAft>
+                <a:spcPct val="0"/>
+              </a:spcAft>
+              <a:buFont typeface="Arial" charset="0"/>
+              <a:buChar char="–"/>
+              <a:defRPr sz="2000" kern="1200">
+                <a:solidFill>
+                  <a:schemeClr val="tx1"/>
+                </a:solidFill>
+                <a:latin typeface="+mn-lt"/>
+                <a:ea typeface="ＭＳ Ｐゴシック" pitchFamily="-109" charset="-128"/>
+                <a:cs typeface="+mn-cs"/>
+              </a:defRPr>
+            </a:lvl4pPr>
+            <a:lvl5pPr marL="2057400" indent="-228600" algn="l" defTabSz="457200" rtl="0" eaLnBrk="0" fontAlgn="base" hangingPunct="0">
+              <a:spcBef>
+                <a:spcPct val="20000"/>
+              </a:spcBef>
+              <a:spcAft>
+                <a:spcPct val="0"/>
+              </a:spcAft>
+              <a:buFont typeface="Arial" charset="0"/>
+              <a:buChar char="»"/>
+              <a:defRPr sz="2000" kern="1200">
+                <a:solidFill>
+                  <a:schemeClr val="tx1"/>
+                </a:solidFill>
+                <a:latin typeface="+mn-lt"/>
+                <a:ea typeface="ＭＳ Ｐゴシック" pitchFamily="-109" charset="-128"/>
+                <a:cs typeface="+mn-cs"/>
+              </a:defRPr>
+            </a:lvl5pPr>
+            <a:lvl6pPr marL="2514600" indent="-228600" algn="l" defTabSz="457200" rtl="0" eaLnBrk="1" latinLnBrk="0" hangingPunct="1">
+              <a:spcBef>
+                <a:spcPct val="20000"/>
+              </a:spcBef>
+              <a:buFont typeface="Arial"/>
+              <a:buChar char="•"/>
+              <a:defRPr sz="2000" kern="1200">
+                <a:solidFill>
+                  <a:schemeClr val="tx1"/>
+                </a:solidFill>
+                <a:latin typeface="+mn-lt"/>
+                <a:ea typeface="+mn-ea"/>
+                <a:cs typeface="+mn-cs"/>
+              </a:defRPr>
+            </a:lvl6pPr>
+            <a:lvl7pPr marL="2971800" indent="-228600" algn="l" defTabSz="457200" rtl="0" eaLnBrk="1" latinLnBrk="0" hangingPunct="1">
+              <a:spcBef>
+                <a:spcPct val="20000"/>
+              </a:spcBef>
+              <a:buFont typeface="Arial"/>
+              <a:buChar char="•"/>
+              <a:defRPr sz="2000" kern="1200">
+                <a:solidFill>
+                  <a:schemeClr val="tx1"/>
+                </a:solidFill>
+                <a:latin typeface="+mn-lt"/>
+                <a:ea typeface="+mn-ea"/>
+                <a:cs typeface="+mn-cs"/>
+              </a:defRPr>
+            </a:lvl7pPr>
+            <a:lvl8pPr marL="3429000" indent="-228600" algn="l" defTabSz="457200" rtl="0" eaLnBrk="1" latinLnBrk="0" hangingPunct="1">
+              <a:spcBef>
+                <a:spcPct val="20000"/>
+              </a:spcBef>
+              <a:buFont typeface="Arial"/>
+              <a:buChar char="•"/>
+              <a:defRPr sz="2000" kern="1200">
+                <a:solidFill>
+                  <a:schemeClr val="tx1"/>
+                </a:solidFill>
+                <a:latin typeface="+mn-lt"/>
+                <a:ea typeface="+mn-ea"/>
+                <a:cs typeface="+mn-cs"/>
+              </a:defRPr>
+            </a:lvl8pPr>
+            <a:lvl9pPr marL="3886200" indent="-228600" algn="l" defTabSz="457200" rtl="0" eaLnBrk="1" latinLnBrk="0" hangingPunct="1">
+              <a:spcBef>
+                <a:spcPct val="20000"/>
+              </a:spcBef>
+              <a:buFont typeface="Arial"/>
+              <a:buChar char="•"/>
+              <a:defRPr sz="2000" kern="1200">
+                <a:solidFill>
+                  <a:schemeClr val="tx1"/>
+                </a:solidFill>
+                <a:latin typeface="+mn-lt"/>
+                <a:ea typeface="+mn-ea"/>
+                <a:cs typeface="+mn-cs"/>
+              </a:defRPr>
+            </a:lvl9pPr>
+          </a:lstStyle>
+          <a:p>
+            <a:pPr indent="-228600" defTabSz="914400" eaLnBrk="1" hangingPunct="1">
+              <a:lnSpc>
+                <a:spcPct val="90000"/>
+              </a:lnSpc>
+              <a:buFont typeface="Arial" panose="020B0604020202020204" pitchFamily="34" charset="0"/>
+              <a:buChar char="•"/>
+            </a:pPr>
+            <a:endParaRPr lang="en-US" sz="2000" dirty="0">
+              <a:solidFill>
+                <a:srgbClr val="404040"/>
+              </a:solidFill>
+              <a:ea typeface="+mn-ea"/>
+              <a:cs typeface="+mn-cs"/>
+            </a:endParaRPr>
+          </a:p>
+          <a:p>
+            <a:pPr indent="-228600" defTabSz="914400" eaLnBrk="1" hangingPunct="1">
+              <a:lnSpc>
+                <a:spcPct val="90000"/>
+              </a:lnSpc>
+              <a:buFont typeface="Arial" panose="020B0604020202020204" pitchFamily="34" charset="0"/>
+              <a:buChar char="•"/>
+            </a:pPr>
+            <a:endParaRPr lang="en-US" sz="2000" dirty="0">
+              <a:solidFill>
+                <a:srgbClr val="404040"/>
+              </a:solidFill>
+              <a:ea typeface="+mn-ea"/>
+              <a:cs typeface="+mn-cs"/>
+            </a:endParaRPr>
+          </a:p>
+        </p:txBody>
+      </p:sp>
+      <p:sp>
+        <p:nvSpPr>
+          <p:cNvPr id="10" name="Content Placeholder 2">
+            <a:extLst>
+              <a:ext uri="{FF2B5EF4-FFF2-40B4-BE49-F238E27FC236}">
+                <a16:creationId xmlns:a16="http://schemas.microsoft.com/office/drawing/2014/main" id="{10754C74-871F-42E2-A79F-10B9CCA16CD5}"/>
+              </a:ext>
+            </a:extLst>
+          </p:cNvPr>
+          <p:cNvSpPr txBox="1">
+            <a:spLocks/>
+          </p:cNvSpPr>
+          <p:nvPr/>
+        </p:nvSpPr>
+        <p:spPr bwMode="auto">
+          <a:xfrm>
+            <a:off x="3973322" y="643466"/>
+            <a:ext cx="4851400" cy="5953916"/>
+          </a:xfrm>
+          <a:prstGeom prst="rect">
+            <a:avLst/>
+          </a:prstGeom>
+        </p:spPr>
+        <p:txBody>
+          <a:bodyPr vert="horz" lIns="91440" tIns="45720" rIns="91440" bIns="45720" numCol="1" rtlCol="0" anchorCtr="0" compatLnSpc="1">
+            <a:prstTxWarp prst="textNoShape">
+              <a:avLst/>
+            </a:prstTxWarp>
+            <a:noAutofit/>
+          </a:bodyPr>
+          <a:lstStyle>
+            <a:lvl1pPr marL="342900" indent="-342900" algn="l" defTabSz="457200" rtl="0" eaLnBrk="0" fontAlgn="base" hangingPunct="0">
+              <a:spcBef>
+                <a:spcPct val="20000"/>
+              </a:spcBef>
+              <a:spcAft>
+                <a:spcPct val="0"/>
+              </a:spcAft>
+              <a:buFont typeface="Arial" charset="0"/>
+              <a:buChar char="•"/>
+              <a:defRPr sz="3200" kern="1200">
+                <a:solidFill>
+                  <a:schemeClr val="tx1"/>
+                </a:solidFill>
+                <a:latin typeface="+mn-lt"/>
+                <a:ea typeface="ＭＳ Ｐゴシック" pitchFamily="-109" charset="-128"/>
+                <a:cs typeface="ＭＳ Ｐゴシック" pitchFamily="-109" charset="-128"/>
+              </a:defRPr>
+            </a:lvl1pPr>
+            <a:lvl2pPr marL="742950" indent="-285750" algn="l" defTabSz="457200" rtl="0" eaLnBrk="0" fontAlgn="base" hangingPunct="0">
+              <a:spcBef>
+                <a:spcPct val="20000"/>
+              </a:spcBef>
+              <a:spcAft>
+                <a:spcPct val="0"/>
+              </a:spcAft>
+              <a:buFont typeface="Arial" charset="0"/>
+              <a:buChar char="–"/>
+              <a:defRPr sz="2800" kern="1200">
+                <a:solidFill>
+                  <a:schemeClr val="tx1"/>
+                </a:solidFill>
+                <a:latin typeface="+mn-lt"/>
+                <a:ea typeface="ＭＳ Ｐゴシック" pitchFamily="-109" charset="-128"/>
+                <a:cs typeface="+mn-cs"/>
+              </a:defRPr>
+            </a:lvl2pPr>
+            <a:lvl3pPr marL="1143000" indent="-228600" algn="l" defTabSz="457200" rtl="0" eaLnBrk="0" fontAlgn="base" hangingPunct="0">
+              <a:spcBef>
+                <a:spcPct val="20000"/>
+              </a:spcBef>
+              <a:spcAft>
+                <a:spcPct val="0"/>
+              </a:spcAft>
+              <a:buFont typeface="Arial" charset="0"/>
+              <a:buChar char="•"/>
+              <a:defRPr sz="2400" kern="1200">
+                <a:solidFill>
+                  <a:schemeClr val="tx1"/>
+                </a:solidFill>
+                <a:latin typeface="+mn-lt"/>
+                <a:ea typeface="ＭＳ Ｐゴシック" pitchFamily="-109" charset="-128"/>
+                <a:cs typeface="+mn-cs"/>
+              </a:defRPr>
+            </a:lvl3pPr>
+            <a:lvl4pPr marL="1600200" indent="-228600" algn="l" defTabSz="457200" rtl="0" eaLnBrk="0" fontAlgn="base" hangingPunct="0">
+              <a:spcBef>
+                <a:spcPct val="20000"/>
+              </a:spcBef>
+              <a:spcAft>
+                <a:spcPct val="0"/>
+              </a:spcAft>
+              <a:buFont typeface="Arial" charset="0"/>
+              <a:buChar char="–"/>
+              <a:defRPr sz="2000" kern="1200">
+                <a:solidFill>
+                  <a:schemeClr val="tx1"/>
+                </a:solidFill>
+                <a:latin typeface="+mn-lt"/>
+                <a:ea typeface="ＭＳ Ｐゴシック" pitchFamily="-109" charset="-128"/>
+                <a:cs typeface="+mn-cs"/>
+              </a:defRPr>
+            </a:lvl4pPr>
+            <a:lvl5pPr marL="2057400" indent="-228600" algn="l" defTabSz="457200" rtl="0" eaLnBrk="0" fontAlgn="base" hangingPunct="0">
+              <a:spcBef>
+                <a:spcPct val="20000"/>
+              </a:spcBef>
+              <a:spcAft>
+                <a:spcPct val="0"/>
+              </a:spcAft>
+              <a:buFont typeface="Arial" charset="0"/>
+              <a:buChar char="»"/>
+              <a:defRPr sz="2000" kern="1200">
+                <a:solidFill>
+                  <a:schemeClr val="tx1"/>
+                </a:solidFill>
+                <a:latin typeface="+mn-lt"/>
+                <a:ea typeface="ＭＳ Ｐゴシック" pitchFamily="-109" charset="-128"/>
+                <a:cs typeface="+mn-cs"/>
+              </a:defRPr>
+            </a:lvl5pPr>
+            <a:lvl6pPr marL="2514600" indent="-228600" algn="l" defTabSz="457200" rtl="0" eaLnBrk="1" latinLnBrk="0" hangingPunct="1">
+              <a:spcBef>
+                <a:spcPct val="20000"/>
+              </a:spcBef>
+              <a:buFont typeface="Arial"/>
+              <a:buChar char="•"/>
+              <a:defRPr sz="2000" kern="1200">
+                <a:solidFill>
+                  <a:schemeClr val="tx1"/>
+                </a:solidFill>
+                <a:latin typeface="+mn-lt"/>
+                <a:ea typeface="+mn-ea"/>
+                <a:cs typeface="+mn-cs"/>
+              </a:defRPr>
+            </a:lvl6pPr>
+            <a:lvl7pPr marL="2971800" indent="-228600" algn="l" defTabSz="457200" rtl="0" eaLnBrk="1" latinLnBrk="0" hangingPunct="1">
+              <a:spcBef>
+                <a:spcPct val="20000"/>
+              </a:spcBef>
+              <a:buFont typeface="Arial"/>
+              <a:buChar char="•"/>
+              <a:defRPr sz="2000" kern="1200">
+                <a:solidFill>
+                  <a:schemeClr val="tx1"/>
+                </a:solidFill>
+                <a:latin typeface="+mn-lt"/>
+                <a:ea typeface="+mn-ea"/>
+                <a:cs typeface="+mn-cs"/>
+              </a:defRPr>
+            </a:lvl7pPr>
+            <a:lvl8pPr marL="3429000" indent="-228600" algn="l" defTabSz="457200" rtl="0" eaLnBrk="1" latinLnBrk="0" hangingPunct="1">
+              <a:spcBef>
+                <a:spcPct val="20000"/>
+              </a:spcBef>
+              <a:buFont typeface="Arial"/>
+              <a:buChar char="•"/>
+              <a:defRPr sz="2000" kern="1200">
+                <a:solidFill>
+                  <a:schemeClr val="tx1"/>
+                </a:solidFill>
+                <a:latin typeface="+mn-lt"/>
+                <a:ea typeface="+mn-ea"/>
+                <a:cs typeface="+mn-cs"/>
+              </a:defRPr>
+            </a:lvl8pPr>
+            <a:lvl9pPr marL="3886200" indent="-228600" algn="l" defTabSz="457200" rtl="0" eaLnBrk="1" latinLnBrk="0" hangingPunct="1">
+              <a:spcBef>
+                <a:spcPct val="20000"/>
+              </a:spcBef>
+              <a:buFont typeface="Arial"/>
+              <a:buChar char="•"/>
+              <a:defRPr sz="2000" kern="1200">
+                <a:solidFill>
+                  <a:schemeClr val="tx1"/>
+                </a:solidFill>
+                <a:latin typeface="+mn-lt"/>
+                <a:ea typeface="+mn-ea"/>
+                <a:cs typeface="+mn-cs"/>
+              </a:defRPr>
+            </a:lvl9pPr>
+          </a:lstStyle>
+          <a:p>
+            <a:pPr marL="114300" indent="0" defTabSz="914400" eaLnBrk="1" hangingPunct="1">
+              <a:lnSpc>
+                <a:spcPct val="90000"/>
+              </a:lnSpc>
+              <a:buNone/>
+            </a:pPr>
+            <a:r>
+              <a:rPr lang="en-US" sz="7200" dirty="0">
+                <a:solidFill>
+                  <a:srgbClr val="404040"/>
+                </a:solidFill>
+                <a:ea typeface="+mn-ea"/>
+                <a:cs typeface="+mn-cs"/>
+              </a:rPr>
+              <a:t>Disperse and Make Reasonable Decisions</a:t>
+            </a:r>
+          </a:p>
+          <a:p>
+            <a:pPr indent="-228600" defTabSz="914400" eaLnBrk="1" hangingPunct="1">
+              <a:lnSpc>
+                <a:spcPct val="90000"/>
+              </a:lnSpc>
+              <a:buFont typeface="Arial" panose="020B0604020202020204" pitchFamily="34" charset="0"/>
+              <a:buChar char="•"/>
+            </a:pPr>
+            <a:endParaRPr lang="en-US" sz="7200" dirty="0">
+              <a:solidFill>
+                <a:srgbClr val="404040"/>
+              </a:solidFill>
+              <a:ea typeface="+mn-ea"/>
+              <a:cs typeface="+mn-cs"/>
+            </a:endParaRPr>
+          </a:p>
+          <a:p>
+            <a:pPr indent="-228600" defTabSz="914400" eaLnBrk="1" hangingPunct="1">
+              <a:lnSpc>
+                <a:spcPct val="90000"/>
+              </a:lnSpc>
+              <a:buFont typeface="Arial" panose="020B0604020202020204" pitchFamily="34" charset="0"/>
+              <a:buChar char="•"/>
+            </a:pPr>
+            <a:endParaRPr lang="en-US" sz="7200" dirty="0">
+              <a:solidFill>
+                <a:srgbClr val="404040"/>
+              </a:solidFill>
+              <a:ea typeface="+mn-ea"/>
+              <a:cs typeface="+mn-cs"/>
+            </a:endParaRPr>
+          </a:p>
+          <a:p>
+            <a:pPr indent="-228600" defTabSz="914400" eaLnBrk="1" hangingPunct="1">
+              <a:lnSpc>
+                <a:spcPct val="90000"/>
+              </a:lnSpc>
+              <a:buFont typeface="Arial" panose="020B0604020202020204" pitchFamily="34" charset="0"/>
+              <a:buChar char="•"/>
+            </a:pPr>
+            <a:endParaRPr lang="en-US" sz="7200" dirty="0">
+              <a:solidFill>
+                <a:srgbClr val="404040"/>
+              </a:solidFill>
+              <a:ea typeface="+mn-ea"/>
+              <a:cs typeface="+mn-cs"/>
+            </a:endParaRPr>
+          </a:p>
+          <a:p>
+            <a:pPr indent="-228600" defTabSz="914400" eaLnBrk="1" hangingPunct="1">
+              <a:lnSpc>
+                <a:spcPct val="90000"/>
+              </a:lnSpc>
+              <a:buFont typeface="Arial" panose="020B0604020202020204" pitchFamily="34" charset="0"/>
+              <a:buChar char="•"/>
+            </a:pPr>
+            <a:endParaRPr lang="en-US" sz="7200" dirty="0">
+              <a:solidFill>
+                <a:srgbClr val="404040"/>
+              </a:solidFill>
+              <a:ea typeface="+mn-ea"/>
+              <a:cs typeface="+mn-cs"/>
+            </a:endParaRPr>
+          </a:p>
+        </p:txBody>
+      </p:sp>
+    </p:spTree>
+    <p:custDataLst>
+      <p:tags r:id="rId1"/>
+    </p:custDataLst>
+    <p:extLst>
+      <p:ext uri="{BB962C8B-B14F-4D97-AF65-F5344CB8AC3E}">
+        <p14:creationId xmlns:p14="http://schemas.microsoft.com/office/powerpoint/2010/main" val="3647066437"/>
       </p:ext>
     </p:extLst>
   </p:cSld>
@@ -8970,7 +16340,7 @@
                 <a:ea typeface="+mj-ea"/>
                 <a:cs typeface="+mj-cs"/>
               </a:rPr>
-              <a:t>Missing Example</a:t>
+              <a:t>Sample Data</a:t>
             </a:r>
           </a:p>
         </p:txBody>
@@ -9005,12 +16375,179 @@
           <a:noFill/>
         </p:spPr>
       </p:pic>
+      <p:sp>
+        <p:nvSpPr>
+          <p:cNvPr id="7" name="TextBox 6">
+            <a:extLst>
+              <a:ext uri="{FF2B5EF4-FFF2-40B4-BE49-F238E27FC236}">
+                <a16:creationId xmlns:a16="http://schemas.microsoft.com/office/drawing/2014/main" id="{313C0D66-7964-4225-8C79-22268E7FE93F}"/>
+              </a:ext>
+            </a:extLst>
+          </p:cNvPr>
+          <p:cNvSpPr txBox="1"/>
+          <p:nvPr/>
+        </p:nvSpPr>
+        <p:spPr>
+          <a:xfrm>
+            <a:off x="3810000" y="621916"/>
+            <a:ext cx="5029200" cy="4524315"/>
+          </a:xfrm>
+          <a:prstGeom prst="rect">
+            <a:avLst/>
+          </a:prstGeom>
+          <a:noFill/>
+        </p:spPr>
+        <p:txBody>
+          <a:bodyPr wrap="square" rtlCol="0">
+            <a:spAutoFit/>
+          </a:bodyPr>
+          <a:lstStyle/>
+          <a:p>
+            <a:pPr marL="342900" indent="-342900">
+              <a:buFont typeface="Arial" panose="020B0604020202020204" pitchFamily="34" charset="0"/>
+              <a:buChar char="•"/>
+            </a:pPr>
+            <a:r>
+              <a:rPr lang="en-US" dirty="0">
+                <a:solidFill>
+                  <a:srgbClr val="404040"/>
+                </a:solidFill>
+              </a:rPr>
+              <a:t>Transaction Data</a:t>
+            </a:r>
+          </a:p>
+          <a:p>
+            <a:pPr marL="342900" indent="-342900">
+              <a:buFont typeface="Arial" panose="020B0604020202020204" pitchFamily="34" charset="0"/>
+              <a:buChar char="•"/>
+            </a:pPr>
+            <a:endParaRPr lang="en-US" dirty="0">
+              <a:solidFill>
+                <a:srgbClr val="404040"/>
+              </a:solidFill>
+            </a:endParaRPr>
+          </a:p>
+          <a:p>
+            <a:pPr marL="342900" indent="-342900">
+              <a:buFont typeface="Arial" panose="020B0604020202020204" pitchFamily="34" charset="0"/>
+              <a:buChar char="•"/>
+            </a:pPr>
+            <a:endParaRPr lang="en-US" dirty="0">
+              <a:solidFill>
+                <a:srgbClr val="404040"/>
+              </a:solidFill>
+            </a:endParaRPr>
+          </a:p>
+          <a:p>
+            <a:pPr marL="342900" indent="-342900">
+              <a:buFont typeface="Arial" panose="020B0604020202020204" pitchFamily="34" charset="0"/>
+              <a:buChar char="•"/>
+            </a:pPr>
+            <a:endParaRPr lang="en-US" dirty="0">
+              <a:solidFill>
+                <a:srgbClr val="404040"/>
+              </a:solidFill>
+            </a:endParaRPr>
+          </a:p>
+          <a:p>
+            <a:pPr marL="342900" indent="-342900">
+              <a:buFont typeface="Arial" panose="020B0604020202020204" pitchFamily="34" charset="0"/>
+              <a:buChar char="•"/>
+            </a:pPr>
+            <a:endParaRPr lang="en-US" dirty="0">
+              <a:solidFill>
+                <a:srgbClr val="404040"/>
+              </a:solidFill>
+            </a:endParaRPr>
+          </a:p>
+          <a:p>
+            <a:pPr marL="342900" indent="-342900">
+              <a:buFont typeface="Arial" panose="020B0604020202020204" pitchFamily="34" charset="0"/>
+              <a:buChar char="•"/>
+            </a:pPr>
+            <a:endParaRPr lang="en-US" dirty="0">
+              <a:solidFill>
+                <a:srgbClr val="404040"/>
+              </a:solidFill>
+            </a:endParaRPr>
+          </a:p>
+          <a:p>
+            <a:pPr marL="342900" indent="-342900">
+              <a:buFont typeface="Arial" panose="020B0604020202020204" pitchFamily="34" charset="0"/>
+              <a:buChar char="•"/>
+            </a:pPr>
+            <a:endParaRPr lang="en-US" dirty="0">
+              <a:solidFill>
+                <a:srgbClr val="404040"/>
+              </a:solidFill>
+            </a:endParaRPr>
+          </a:p>
+          <a:p>
+            <a:pPr marL="342900" indent="-342900">
+              <a:buFont typeface="Arial" panose="020B0604020202020204" pitchFamily="34" charset="0"/>
+              <a:buChar char="•"/>
+            </a:pPr>
+            <a:endParaRPr lang="en-US" dirty="0">
+              <a:solidFill>
+                <a:srgbClr val="404040"/>
+              </a:solidFill>
+            </a:endParaRPr>
+          </a:p>
+          <a:p>
+            <a:pPr marL="342900" indent="-342900">
+              <a:buFont typeface="Arial" panose="020B0604020202020204" pitchFamily="34" charset="0"/>
+              <a:buChar char="•"/>
+            </a:pPr>
+            <a:endParaRPr lang="en-US" dirty="0">
+              <a:solidFill>
+                <a:srgbClr val="404040"/>
+              </a:solidFill>
+            </a:endParaRPr>
+          </a:p>
+          <a:p>
+            <a:pPr marL="342900" indent="-342900">
+              <a:buFont typeface="Arial" panose="020B0604020202020204" pitchFamily="34" charset="0"/>
+              <a:buChar char="•"/>
+            </a:pPr>
+            <a:endParaRPr lang="en-US" dirty="0">
+              <a:solidFill>
+                <a:srgbClr val="404040"/>
+              </a:solidFill>
+            </a:endParaRPr>
+          </a:p>
+          <a:p>
+            <a:pPr marL="342900" indent="-342900">
+              <a:buFont typeface="Arial" panose="020B0604020202020204" pitchFamily="34" charset="0"/>
+              <a:buChar char="•"/>
+            </a:pPr>
+            <a:endParaRPr lang="en-US" dirty="0">
+              <a:solidFill>
+                <a:srgbClr val="404040"/>
+              </a:solidFill>
+            </a:endParaRPr>
+          </a:p>
+          <a:p>
+            <a:pPr marL="342900" indent="-342900">
+              <a:buFont typeface="Arial" panose="020B0604020202020204" pitchFamily="34" charset="0"/>
+              <a:buChar char="•"/>
+            </a:pPr>
+            <a:r>
+              <a:rPr lang="en-US" dirty="0">
+                <a:solidFill>
+                  <a:srgbClr val="404040"/>
+                </a:solidFill>
+              </a:rPr>
+              <a:t>Sales Data</a:t>
+            </a:r>
+          </a:p>
+        </p:txBody>
+      </p:sp>
       <p:pic>
         <p:nvPicPr>
-          <p:cNvPr id="4" name="Picture 3">
+          <p:cNvPr id="9" name="Picture 8">
             <a:extLst>
               <a:ext uri="{FF2B5EF4-FFF2-40B4-BE49-F238E27FC236}">
-                <a16:creationId xmlns:a16="http://schemas.microsoft.com/office/drawing/2014/main" id="{AB7DD12B-B971-40AA-A621-6B04910601D6}"/>
+                <a16:creationId xmlns:a16="http://schemas.microsoft.com/office/drawing/2014/main" id="{151C5AB0-103B-4365-918F-34B42A0CA134}"/>
               </a:ext>
             </a:extLst>
           </p:cNvPr>
@@ -9027,8 +16564,57 @@
         </p:blipFill>
         <p:spPr>
           <a:xfrm>
-            <a:off x="4267200" y="152400"/>
-            <a:ext cx="4062220" cy="6617256"/>
+            <a:off x="3577390" y="5105400"/>
+            <a:ext cx="5425899" cy="1612516"/>
+          </a:xfrm>
+          <a:prstGeom prst="rect">
+            <a:avLst/>
+          </a:prstGeom>
+          <a:ln>
+            <a:solidFill>
+              <a:srgbClr val="404040"/>
+            </a:solidFill>
+          </a:ln>
+        </p:spPr>
+        <p:style>
+          <a:lnRef idx="2">
+            <a:schemeClr val="dk1"/>
+          </a:lnRef>
+          <a:fillRef idx="1">
+            <a:schemeClr val="lt1"/>
+          </a:fillRef>
+          <a:effectRef idx="0">
+            <a:schemeClr val="dk1"/>
+          </a:effectRef>
+          <a:fontRef idx="minor">
+            <a:schemeClr val="dk1"/>
+          </a:fontRef>
+        </p:style>
+      </p:pic>
+      <p:pic>
+        <p:nvPicPr>
+          <p:cNvPr id="10" name="Picture 9">
+            <a:extLst>
+              <a:ext uri="{FF2B5EF4-FFF2-40B4-BE49-F238E27FC236}">
+                <a16:creationId xmlns:a16="http://schemas.microsoft.com/office/drawing/2014/main" id="{967298B5-B632-4936-BB38-5EC4FF36C629}"/>
+              </a:ext>
+            </a:extLst>
+          </p:cNvPr>
+          <p:cNvPicPr>
+            <a:picLocks noChangeAspect="1"/>
+          </p:cNvPicPr>
+          <p:nvPr/>
+        </p:nvPicPr>
+        <p:blipFill>
+          <a:blip r:embed="rId5"/>
+          <a:stretch>
+            <a:fillRect/>
+          </a:stretch>
+        </p:blipFill>
+        <p:spPr>
+          <a:xfrm>
+            <a:off x="3577389" y="1084846"/>
+            <a:ext cx="5425899" cy="3519795"/>
           </a:xfrm>
           <a:prstGeom prst="rect">
             <a:avLst/>
@@ -9232,7 +16818,7 @@
                 <a:ea typeface="+mj-ea"/>
                 <a:cs typeface="+mj-cs"/>
               </a:rPr>
-              <a:t>Missing Values</a:t>
+              <a:t>Sample Data</a:t>
             </a:r>
           </a:p>
         </p:txBody>
@@ -9269,10 +16855,10 @@
       </p:pic>
       <p:sp>
         <p:nvSpPr>
-          <p:cNvPr id="6" name="TextBox 5">
+          <p:cNvPr id="7" name="TextBox 6">
             <a:extLst>
               <a:ext uri="{FF2B5EF4-FFF2-40B4-BE49-F238E27FC236}">
-                <a16:creationId xmlns:a16="http://schemas.microsoft.com/office/drawing/2014/main" id="{E58EF064-51FF-48A9-8810-E84BE6F6F09D}"/>
+                <a16:creationId xmlns:a16="http://schemas.microsoft.com/office/drawing/2014/main" id="{313C0D66-7964-4225-8C79-22268E7FE93F}"/>
               </a:ext>
             </a:extLst>
           </p:cNvPr>
@@ -9282,7 +16868,7 @@
         <p:spPr>
           <a:xfrm>
             <a:off x="3810000" y="621916"/>
-            <a:ext cx="5029200" cy="461665"/>
+            <a:ext cx="5029200" cy="2677656"/>
           </a:xfrm>
           <a:prstGeom prst="rect">
             <a:avLst/>
@@ -9305,17 +16891,86 @@
                   <a:srgbClr val="404040"/>
                 </a:solidFill>
               </a:rPr>
-              <a:t>Notice:</a:t>
+              <a:t>Survey Data</a:t>
+            </a:r>
+          </a:p>
+          <a:p>
+            <a:pPr marL="342900" indent="-342900">
+              <a:buFont typeface="Arial" panose="020B0604020202020204" pitchFamily="34" charset="0"/>
+              <a:buChar char="•"/>
+            </a:pPr>
+            <a:endParaRPr lang="en-US" dirty="0">
+              <a:solidFill>
+                <a:srgbClr val="404040"/>
+              </a:solidFill>
+            </a:endParaRPr>
+          </a:p>
+          <a:p>
+            <a:pPr marL="342900" indent="-342900">
+              <a:buFont typeface="Arial" panose="020B0604020202020204" pitchFamily="34" charset="0"/>
+              <a:buChar char="•"/>
+            </a:pPr>
+            <a:endParaRPr lang="en-US" dirty="0">
+              <a:solidFill>
+                <a:srgbClr val="404040"/>
+              </a:solidFill>
+            </a:endParaRPr>
+          </a:p>
+          <a:p>
+            <a:pPr marL="342900" indent="-342900">
+              <a:buFont typeface="Arial" panose="020B0604020202020204" pitchFamily="34" charset="0"/>
+              <a:buChar char="•"/>
+            </a:pPr>
+            <a:endParaRPr lang="en-US" dirty="0">
+              <a:solidFill>
+                <a:srgbClr val="404040"/>
+              </a:solidFill>
+            </a:endParaRPr>
+          </a:p>
+          <a:p>
+            <a:pPr marL="342900" indent="-342900">
+              <a:buFont typeface="Arial" panose="020B0604020202020204" pitchFamily="34" charset="0"/>
+              <a:buChar char="•"/>
+            </a:pPr>
+            <a:endParaRPr lang="en-US" dirty="0">
+              <a:solidFill>
+                <a:srgbClr val="404040"/>
+              </a:solidFill>
+            </a:endParaRPr>
+          </a:p>
+          <a:p>
+            <a:pPr marL="342900" indent="-342900">
+              <a:buFont typeface="Arial" panose="020B0604020202020204" pitchFamily="34" charset="0"/>
+              <a:buChar char="•"/>
+            </a:pPr>
+            <a:endParaRPr lang="en-US" dirty="0">
+              <a:solidFill>
+                <a:srgbClr val="404040"/>
+              </a:solidFill>
+            </a:endParaRPr>
+          </a:p>
+          <a:p>
+            <a:pPr marL="342900" indent="-342900">
+              <a:buFont typeface="Arial" panose="020B0604020202020204" pitchFamily="34" charset="0"/>
+              <a:buChar char="•"/>
+            </a:pPr>
+            <a:r>
+              <a:rPr lang="en-US" dirty="0">
+                <a:solidFill>
+                  <a:srgbClr val="404040"/>
+                </a:solidFill>
+              </a:rPr>
+              <a:t>Order Data (Preview)</a:t>
             </a:r>
           </a:p>
         </p:txBody>
       </p:sp>
       <p:pic>
         <p:nvPicPr>
-          <p:cNvPr id="3" name="Picture 2">
+          <p:cNvPr id="4" name="Picture 3">
             <a:extLst>
               <a:ext uri="{FF2B5EF4-FFF2-40B4-BE49-F238E27FC236}">
-                <a16:creationId xmlns:a16="http://schemas.microsoft.com/office/drawing/2014/main" id="{DF9B25BE-30C4-4A53-A088-CCFE8AC7224F}"/>
+                <a16:creationId xmlns:a16="http://schemas.microsoft.com/office/drawing/2014/main" id="{5365C26D-7058-4FEA-9B10-6D2997E2E8A6}"/>
               </a:ext>
             </a:extLst>
           </p:cNvPr>
@@ -9332,8 +16987,57 @@
         </p:blipFill>
         <p:spPr>
           <a:xfrm>
-            <a:off x="4273216" y="1066800"/>
-            <a:ext cx="4238776" cy="5536532"/>
+            <a:off x="3581400" y="3293333"/>
+            <a:ext cx="5410200" cy="3435913"/>
+          </a:xfrm>
+          <a:prstGeom prst="rect">
+            <a:avLst/>
+          </a:prstGeom>
+          <a:ln>
+            <a:solidFill>
+              <a:srgbClr val="404040"/>
+            </a:solidFill>
+          </a:ln>
+        </p:spPr>
+        <p:style>
+          <a:lnRef idx="2">
+            <a:schemeClr val="dk1"/>
+          </a:lnRef>
+          <a:fillRef idx="1">
+            <a:schemeClr val="lt1"/>
+          </a:fillRef>
+          <a:effectRef idx="0">
+            <a:schemeClr val="dk1"/>
+          </a:effectRef>
+          <a:fontRef idx="minor">
+            <a:schemeClr val="dk1"/>
+          </a:fontRef>
+        </p:style>
+      </p:pic>
+      <p:pic>
+        <p:nvPicPr>
+          <p:cNvPr id="5" name="Picture 4">
+            <a:extLst>
+              <a:ext uri="{FF2B5EF4-FFF2-40B4-BE49-F238E27FC236}">
+                <a16:creationId xmlns:a16="http://schemas.microsoft.com/office/drawing/2014/main" id="{A0BB0730-E1D6-4122-B757-F7DCD718DCD9}"/>
+              </a:ext>
+            </a:extLst>
+          </p:cNvPr>
+          <p:cNvPicPr>
+            <a:picLocks noChangeAspect="1"/>
+          </p:cNvPicPr>
+          <p:nvPr/>
+        </p:nvPicPr>
+        <p:blipFill>
+          <a:blip r:embed="rId5"/>
+          <a:stretch>
+            <a:fillRect/>
+          </a:stretch>
+        </p:blipFill>
+        <p:spPr>
+          <a:xfrm>
+            <a:off x="3581401" y="1143000"/>
+            <a:ext cx="4538824" cy="1676400"/>
           </a:xfrm>
           <a:prstGeom prst="rect">
             <a:avLst/>
@@ -9365,7 +17069,7 @@
     </p:custDataLst>
     <p:extLst>
       <p:ext uri="{BB962C8B-B14F-4D97-AF65-F5344CB8AC3E}">
-        <p14:creationId xmlns:p14="http://schemas.microsoft.com/office/powerpoint/2010/main" val="1743058089"/>
+        <p14:creationId xmlns:p14="http://schemas.microsoft.com/office/powerpoint/2010/main" val="365095696"/>
       </p:ext>
     </p:extLst>
   </p:cSld>
@@ -9537,7 +17241,7 @@
                 <a:ea typeface="+mj-ea"/>
                 <a:cs typeface="+mj-cs"/>
               </a:rPr>
-              <a:t>Missing Values</a:t>
+              <a:t>Sample Data</a:t>
             </a:r>
           </a:p>
         </p:txBody>
@@ -9574,10 +17278,10 @@
       </p:pic>
       <p:sp>
         <p:nvSpPr>
-          <p:cNvPr id="6" name="TextBox 5">
+          <p:cNvPr id="9" name="TextBox 8">
             <a:extLst>
               <a:ext uri="{FF2B5EF4-FFF2-40B4-BE49-F238E27FC236}">
-                <a16:creationId xmlns:a16="http://schemas.microsoft.com/office/drawing/2014/main" id="{E58EF064-51FF-48A9-8810-E84BE6F6F09D}"/>
+                <a16:creationId xmlns:a16="http://schemas.microsoft.com/office/drawing/2014/main" id="{DE41F36B-9E04-47A2-B821-C1CCDC8248E9}"/>
               </a:ext>
             </a:extLst>
           </p:cNvPr>
@@ -9587,7 +17291,7 @@
         <p:spPr>
           <a:xfrm>
             <a:off x="3810000" y="621916"/>
-            <a:ext cx="5029200" cy="461665"/>
+            <a:ext cx="5181600" cy="3785652"/>
           </a:xfrm>
           <a:prstGeom prst="rect">
             <a:avLst/>
@@ -9610,67 +17314,122 @@
                   <a:srgbClr val="404040"/>
                 </a:solidFill>
               </a:rPr>
-              <a:t>Explicit to Implicit</a:t>
-            </a:r>
-          </a:p>
-        </p:txBody>
-      </p:sp>
-      <p:pic>
-        <p:nvPicPr>
-          <p:cNvPr id="3" name="Picture 2">
-            <a:extLst>
-              <a:ext uri="{FF2B5EF4-FFF2-40B4-BE49-F238E27FC236}">
-                <a16:creationId xmlns:a16="http://schemas.microsoft.com/office/drawing/2014/main" id="{9C98C9B2-FCB0-452E-8C0D-55AD70EA00C6}"/>
-              </a:ext>
-            </a:extLst>
-          </p:cNvPr>
-          <p:cNvPicPr>
-            <a:picLocks noChangeAspect="1"/>
-          </p:cNvPicPr>
-          <p:nvPr/>
-        </p:nvPicPr>
-        <p:blipFill>
-          <a:blip r:embed="rId4"/>
-          <a:stretch>
-            <a:fillRect/>
-          </a:stretch>
-        </p:blipFill>
-        <p:spPr>
-          <a:xfrm>
-            <a:off x="3948112" y="1083581"/>
-            <a:ext cx="4752975" cy="5381625"/>
-          </a:xfrm>
-          <a:prstGeom prst="rect">
-            <a:avLst/>
-          </a:prstGeom>
-          <a:ln>
-            <a:solidFill>
-              <a:srgbClr val="404040"/>
-            </a:solidFill>
-          </a:ln>
-        </p:spPr>
-        <p:style>
-          <a:lnRef idx="2">
-            <a:schemeClr val="dk1"/>
-          </a:lnRef>
-          <a:fillRef idx="1">
-            <a:schemeClr val="lt1"/>
-          </a:fillRef>
-          <a:effectRef idx="0">
-            <a:schemeClr val="dk1"/>
-          </a:effectRef>
-          <a:fontRef idx="minor">
-            <a:schemeClr val="dk1"/>
-          </a:fontRef>
-        </p:style>
-      </p:pic>
+              <a:t>Scenario: Restaurant Owner</a:t>
+            </a:r>
+          </a:p>
+          <a:p>
+            <a:pPr marL="342900" indent="-342900">
+              <a:buFont typeface="Arial" panose="020B0604020202020204" pitchFamily="34" charset="0"/>
+              <a:buChar char="•"/>
+            </a:pPr>
+            <a:endParaRPr lang="en-US" dirty="0">
+              <a:solidFill>
+                <a:srgbClr val="404040"/>
+              </a:solidFill>
+            </a:endParaRPr>
+          </a:p>
+          <a:p>
+            <a:pPr marL="342900" indent="-342900">
+              <a:buFont typeface="Arial" panose="020B0604020202020204" pitchFamily="34" charset="0"/>
+              <a:buChar char="•"/>
+            </a:pPr>
+            <a:r>
+              <a:rPr lang="en-US" dirty="0">
+                <a:solidFill>
+                  <a:srgbClr val="404040"/>
+                </a:solidFill>
+              </a:rPr>
+              <a:t>Why Connect the Data?</a:t>
+            </a:r>
+          </a:p>
+          <a:p>
+            <a:pPr marL="342900" indent="-342900">
+              <a:buFont typeface="Arial" panose="020B0604020202020204" pitchFamily="34" charset="0"/>
+              <a:buChar char="•"/>
+            </a:pPr>
+            <a:endParaRPr lang="en-US" dirty="0">
+              <a:solidFill>
+                <a:srgbClr val="404040"/>
+              </a:solidFill>
+            </a:endParaRPr>
+          </a:p>
+          <a:p>
+            <a:pPr marL="342900" indent="-342900">
+              <a:buFont typeface="Arial" panose="020B0604020202020204" pitchFamily="34" charset="0"/>
+              <a:buChar char="•"/>
+            </a:pPr>
+            <a:r>
+              <a:rPr lang="en-US" dirty="0">
+                <a:solidFill>
+                  <a:srgbClr val="404040"/>
+                </a:solidFill>
+              </a:rPr>
+              <a:t>What Questions Can We Answer?</a:t>
+            </a:r>
+          </a:p>
+          <a:p>
+            <a:pPr marL="342900" indent="-342900">
+              <a:buFont typeface="Arial" panose="020B0604020202020204" pitchFamily="34" charset="0"/>
+              <a:buChar char="•"/>
+            </a:pPr>
+            <a:endParaRPr lang="en-US" dirty="0">
+              <a:solidFill>
+                <a:srgbClr val="404040"/>
+              </a:solidFill>
+            </a:endParaRPr>
+          </a:p>
+          <a:p>
+            <a:pPr marL="342900" indent="-342900">
+              <a:buFont typeface="Arial" panose="020B0604020202020204" pitchFamily="34" charset="0"/>
+              <a:buChar char="•"/>
+            </a:pPr>
+            <a:r>
+              <a:rPr lang="en-US" dirty="0">
+                <a:solidFill>
+                  <a:srgbClr val="404040"/>
+                </a:solidFill>
+              </a:rPr>
+              <a:t>What Insights Might We Learn?</a:t>
+            </a:r>
+          </a:p>
+          <a:p>
+            <a:endParaRPr lang="en-US" dirty="0">
+              <a:solidFill>
+                <a:srgbClr val="404040"/>
+              </a:solidFill>
+            </a:endParaRPr>
+          </a:p>
+          <a:p>
+            <a:pPr marL="342900" indent="-342900">
+              <a:buFont typeface="Arial" panose="020B0604020202020204" pitchFamily="34" charset="0"/>
+              <a:buChar char="•"/>
+            </a:pPr>
+            <a:endParaRPr lang="en-US" dirty="0">
+              <a:solidFill>
+                <a:srgbClr val="404040"/>
+              </a:solidFill>
+            </a:endParaRPr>
+          </a:p>
+          <a:p>
+            <a:pPr marL="342900" indent="-342900">
+              <a:buFont typeface="Arial" panose="020B0604020202020204" pitchFamily="34" charset="0"/>
+              <a:buChar char="•"/>
+            </a:pPr>
+            <a:endParaRPr lang="en-US" dirty="0">
+              <a:solidFill>
+                <a:srgbClr val="404040"/>
+              </a:solidFill>
+            </a:endParaRPr>
+          </a:p>
+        </p:txBody>
+      </p:sp>
     </p:spTree>
     <p:custDataLst>
       <p:tags r:id="rId1"/>
     </p:custDataLst>
     <p:extLst>
       <p:ext uri="{BB962C8B-B14F-4D97-AF65-F5344CB8AC3E}">
-        <p14:creationId xmlns:p14="http://schemas.microsoft.com/office/powerpoint/2010/main" val="2931179324"/>
+        <p14:creationId xmlns:p14="http://schemas.microsoft.com/office/powerpoint/2010/main" val="1323629558"/>
       </p:ext>
     </p:extLst>
   </p:cSld>
@@ -9842,7 +17601,7 @@
                 <a:ea typeface="+mj-ea"/>
                 <a:cs typeface="+mj-cs"/>
               </a:rPr>
-              <a:t>Missing Values</a:t>
+              <a:t>Keys</a:t>
             </a:r>
           </a:p>
         </p:txBody>
@@ -9879,10 +17638,10 @@
       </p:pic>
       <p:sp>
         <p:nvSpPr>
-          <p:cNvPr id="6" name="TextBox 5">
+          <p:cNvPr id="9" name="TextBox 8">
             <a:extLst>
               <a:ext uri="{FF2B5EF4-FFF2-40B4-BE49-F238E27FC236}">
-                <a16:creationId xmlns:a16="http://schemas.microsoft.com/office/drawing/2014/main" id="{E58EF064-51FF-48A9-8810-E84BE6F6F09D}"/>
+                <a16:creationId xmlns:a16="http://schemas.microsoft.com/office/drawing/2014/main" id="{DE41F36B-9E04-47A2-B821-C1CCDC8248E9}"/>
               </a:ext>
             </a:extLst>
           </p:cNvPr>
@@ -9892,7 +17651,7 @@
         <p:spPr>
           <a:xfrm>
             <a:off x="3810000" y="621916"/>
-            <a:ext cx="5029200" cy="461665"/>
+            <a:ext cx="5181600" cy="4154984"/>
           </a:xfrm>
           <a:prstGeom prst="rect">
             <a:avLst/>
@@ -9915,67 +17674,79 @@
                   <a:srgbClr val="404040"/>
                 </a:solidFill>
               </a:rPr>
-              <a:t>Implicit to Explicit</a:t>
-            </a:r>
-          </a:p>
-        </p:txBody>
-      </p:sp>
-      <p:pic>
-        <p:nvPicPr>
-          <p:cNvPr id="4" name="Picture 3">
-            <a:extLst>
-              <a:ext uri="{FF2B5EF4-FFF2-40B4-BE49-F238E27FC236}">
-                <a16:creationId xmlns:a16="http://schemas.microsoft.com/office/drawing/2014/main" id="{7CCB45DA-216F-4232-8186-9D7EA24F80BA}"/>
-              </a:ext>
-            </a:extLst>
-          </p:cNvPr>
-          <p:cNvPicPr>
-            <a:picLocks noChangeAspect="1"/>
-          </p:cNvPicPr>
-          <p:nvPr/>
-        </p:nvPicPr>
-        <p:blipFill>
-          <a:blip r:embed="rId4"/>
-          <a:stretch>
-            <a:fillRect/>
-          </a:stretch>
-        </p:blipFill>
-        <p:spPr>
-          <a:xfrm>
-            <a:off x="4207739" y="1083581"/>
-            <a:ext cx="4246450" cy="5701647"/>
-          </a:xfrm>
-          <a:prstGeom prst="rect">
-            <a:avLst/>
-          </a:prstGeom>
-          <a:ln>
-            <a:solidFill>
-              <a:srgbClr val="404040"/>
-            </a:solidFill>
-          </a:ln>
-        </p:spPr>
-        <p:style>
-          <a:lnRef idx="2">
-            <a:schemeClr val="dk1"/>
-          </a:lnRef>
-          <a:fillRef idx="1">
-            <a:schemeClr val="lt1"/>
-          </a:fillRef>
-          <a:effectRef idx="0">
-            <a:schemeClr val="dk1"/>
-          </a:effectRef>
-          <a:fontRef idx="minor">
-            <a:schemeClr val="dk1"/>
-          </a:fontRef>
-        </p:style>
-      </p:pic>
+              <a:t>The Variable(s) That Uniquely Identify an Observation</a:t>
+            </a:r>
+          </a:p>
+          <a:p>
+            <a:pPr marL="342900" indent="-342900">
+              <a:buFont typeface="Arial" panose="020B0604020202020204" pitchFamily="34" charset="0"/>
+              <a:buChar char="•"/>
+            </a:pPr>
+            <a:endParaRPr lang="en-US" dirty="0">
+              <a:solidFill>
+                <a:srgbClr val="404040"/>
+              </a:solidFill>
+            </a:endParaRPr>
+          </a:p>
+          <a:p>
+            <a:pPr marL="342900" indent="-342900">
+              <a:buFont typeface="Arial" panose="020B0604020202020204" pitchFamily="34" charset="0"/>
+              <a:buChar char="•"/>
+            </a:pPr>
+            <a:r>
+              <a:rPr lang="en-US" dirty="0">
+                <a:solidFill>
+                  <a:srgbClr val="404040"/>
+                </a:solidFill>
+              </a:rPr>
+              <a:t>Two Types:</a:t>
+            </a:r>
+          </a:p>
+          <a:p>
+            <a:pPr marL="800100" lvl="1" indent="-342900">
+              <a:buFont typeface="Arial" panose="020B0604020202020204" pitchFamily="34" charset="0"/>
+              <a:buChar char="•"/>
+            </a:pPr>
+            <a:r>
+              <a:rPr lang="en-US" dirty="0">
+                <a:solidFill>
+                  <a:srgbClr val="404040"/>
+                </a:solidFill>
+              </a:rPr>
+              <a:t>Primary = Uniquely Identifies an Observation in Its Own Table</a:t>
+            </a:r>
+          </a:p>
+          <a:p>
+            <a:pPr lvl="1"/>
+            <a:endParaRPr lang="en-US" dirty="0">
+              <a:solidFill>
+                <a:srgbClr val="404040"/>
+              </a:solidFill>
+            </a:endParaRPr>
+          </a:p>
+          <a:p>
+            <a:pPr marL="800100" lvl="1" indent="-342900">
+              <a:buFont typeface="Arial" panose="020B0604020202020204" pitchFamily="34" charset="0"/>
+              <a:buChar char="•"/>
+            </a:pPr>
+            <a:r>
+              <a:rPr lang="en-US" dirty="0">
+                <a:solidFill>
+                  <a:srgbClr val="404040"/>
+                </a:solidFill>
+              </a:rPr>
+              <a:t>Foreign = Uniquely Identifies an Observation in Another Table</a:t>
+            </a:r>
+          </a:p>
+        </p:txBody>
+      </p:sp>
     </p:spTree>
     <p:custDataLst>
       <p:tags r:id="rId1"/>
     </p:custDataLst>
     <p:extLst>
       <p:ext uri="{BB962C8B-B14F-4D97-AF65-F5344CB8AC3E}">
-        <p14:creationId xmlns:p14="http://schemas.microsoft.com/office/powerpoint/2010/main" val="904529735"/>
+        <p14:creationId xmlns:p14="http://schemas.microsoft.com/office/powerpoint/2010/main" val="1955447625"/>
       </p:ext>
     </p:extLst>
   </p:cSld>
@@ -10147,7 +17918,7 @@
                 <a:ea typeface="+mj-ea"/>
                 <a:cs typeface="+mj-cs"/>
               </a:rPr>
-              <a:t>Missing Values</a:t>
+              <a:t>Keys</a:t>
             </a:r>
           </a:p>
         </p:txBody>
@@ -10184,10 +17955,10 @@
       </p:pic>
       <p:sp>
         <p:nvSpPr>
-          <p:cNvPr id="6" name="TextBox 5">
+          <p:cNvPr id="9" name="TextBox 8">
             <a:extLst>
               <a:ext uri="{FF2B5EF4-FFF2-40B4-BE49-F238E27FC236}">
-                <a16:creationId xmlns:a16="http://schemas.microsoft.com/office/drawing/2014/main" id="{E58EF064-51FF-48A9-8810-E84BE6F6F09D}"/>
+                <a16:creationId xmlns:a16="http://schemas.microsoft.com/office/drawing/2014/main" id="{DE41F36B-9E04-47A2-B821-C1CCDC8248E9}"/>
               </a:ext>
             </a:extLst>
           </p:cNvPr>
@@ -10197,7 +17968,7 @@
         <p:spPr>
           <a:xfrm>
             <a:off x="3810000" y="621916"/>
-            <a:ext cx="5029200" cy="461665"/>
+            <a:ext cx="5181600" cy="4524315"/>
           </a:xfrm>
           <a:prstGeom prst="rect">
             <a:avLst/>
@@ -10220,67 +17991,115 @@
                   <a:srgbClr val="404040"/>
                 </a:solidFill>
               </a:rPr>
-              <a:t>Complete Function</a:t>
-            </a:r>
-          </a:p>
-        </p:txBody>
-      </p:sp>
-      <p:pic>
-        <p:nvPicPr>
-          <p:cNvPr id="3" name="Picture 2">
-            <a:extLst>
-              <a:ext uri="{FF2B5EF4-FFF2-40B4-BE49-F238E27FC236}">
-                <a16:creationId xmlns:a16="http://schemas.microsoft.com/office/drawing/2014/main" id="{A11B684E-270F-4912-865E-9965BDA65078}"/>
-              </a:ext>
-            </a:extLst>
-          </p:cNvPr>
-          <p:cNvPicPr>
-            <a:picLocks noChangeAspect="1"/>
-          </p:cNvPicPr>
-          <p:nvPr/>
-        </p:nvPicPr>
-        <p:blipFill>
-          <a:blip r:embed="rId4"/>
-          <a:stretch>
-            <a:fillRect/>
-          </a:stretch>
-        </p:blipFill>
-        <p:spPr>
-          <a:xfrm>
-            <a:off x="4267200" y="1128341"/>
-            <a:ext cx="4370137" cy="5671506"/>
-          </a:xfrm>
-          <a:prstGeom prst="rect">
-            <a:avLst/>
-          </a:prstGeom>
-          <a:ln>
-            <a:solidFill>
-              <a:srgbClr val="404040"/>
-            </a:solidFill>
-          </a:ln>
-        </p:spPr>
-        <p:style>
-          <a:lnRef idx="2">
-            <a:schemeClr val="dk1"/>
-          </a:lnRef>
-          <a:fillRef idx="1">
-            <a:schemeClr val="lt1"/>
-          </a:fillRef>
-          <a:effectRef idx="0">
-            <a:schemeClr val="dk1"/>
-          </a:effectRef>
-          <a:fontRef idx="minor">
-            <a:schemeClr val="dk1"/>
-          </a:fontRef>
-        </p:style>
-      </p:pic>
+              <a:t>Identifying the Primary Keys</a:t>
+            </a:r>
+          </a:p>
+          <a:p>
+            <a:pPr marL="342900" indent="-342900">
+              <a:buFont typeface="Arial" panose="020B0604020202020204" pitchFamily="34" charset="0"/>
+              <a:buChar char="•"/>
+            </a:pPr>
+            <a:endParaRPr lang="en-US" dirty="0">
+              <a:solidFill>
+                <a:srgbClr val="404040"/>
+              </a:solidFill>
+            </a:endParaRPr>
+          </a:p>
+          <a:p>
+            <a:pPr marL="800100" lvl="1" indent="-342900">
+              <a:buFont typeface="Arial" panose="020B0604020202020204" pitchFamily="34" charset="0"/>
+              <a:buChar char="•"/>
+            </a:pPr>
+            <a:r>
+              <a:rPr lang="en-US" dirty="0">
+                <a:solidFill>
+                  <a:srgbClr val="404040"/>
+                </a:solidFill>
+              </a:rPr>
+              <a:t>ID is a Primary Key for Both Transaction and Order Data</a:t>
+            </a:r>
+          </a:p>
+          <a:p>
+            <a:pPr marL="800100" lvl="1" indent="-342900">
+              <a:buFont typeface="Arial" panose="020B0604020202020204" pitchFamily="34" charset="0"/>
+              <a:buChar char="•"/>
+            </a:pPr>
+            <a:endParaRPr lang="en-US" dirty="0">
+              <a:solidFill>
+                <a:srgbClr val="404040"/>
+              </a:solidFill>
+            </a:endParaRPr>
+          </a:p>
+          <a:p>
+            <a:pPr marL="800100" lvl="1" indent="-342900">
+              <a:buFont typeface="Arial" panose="020B0604020202020204" pitchFamily="34" charset="0"/>
+              <a:buChar char="•"/>
+            </a:pPr>
+            <a:r>
+              <a:rPr lang="en-US" dirty="0">
+                <a:solidFill>
+                  <a:srgbClr val="404040"/>
+                </a:solidFill>
+              </a:rPr>
+              <a:t>Day + Month is a Primary Key for Sales Data</a:t>
+            </a:r>
+          </a:p>
+          <a:p>
+            <a:pPr marL="800100" lvl="1" indent="-342900">
+              <a:buFont typeface="Arial" panose="020B0604020202020204" pitchFamily="34" charset="0"/>
+              <a:buChar char="•"/>
+            </a:pPr>
+            <a:endParaRPr lang="en-US" dirty="0">
+              <a:solidFill>
+                <a:srgbClr val="404040"/>
+              </a:solidFill>
+            </a:endParaRPr>
+          </a:p>
+          <a:p>
+            <a:pPr marL="800100" lvl="1" indent="-342900">
+              <a:buFont typeface="Arial" panose="020B0604020202020204" pitchFamily="34" charset="0"/>
+              <a:buChar char="•"/>
+            </a:pPr>
+            <a:r>
+              <a:rPr lang="en-US" dirty="0">
+                <a:solidFill>
+                  <a:srgbClr val="404040"/>
+                </a:solidFill>
+              </a:rPr>
+              <a:t>Name is a Primary Key for Survey Data</a:t>
+            </a:r>
+          </a:p>
+          <a:p>
+            <a:pPr marL="800100" lvl="1" indent="-342900">
+              <a:buFont typeface="Arial" panose="020B0604020202020204" pitchFamily="34" charset="0"/>
+              <a:buChar char="•"/>
+            </a:pPr>
+            <a:endParaRPr lang="en-US" dirty="0">
+              <a:solidFill>
+                <a:srgbClr val="404040"/>
+              </a:solidFill>
+            </a:endParaRPr>
+          </a:p>
+          <a:p>
+            <a:pPr marL="800100" lvl="1" indent="-342900">
+              <a:buFont typeface="Arial" panose="020B0604020202020204" pitchFamily="34" charset="0"/>
+              <a:buChar char="•"/>
+            </a:pPr>
+            <a:endParaRPr lang="en-US" dirty="0">
+              <a:solidFill>
+                <a:srgbClr val="404040"/>
+              </a:solidFill>
+            </a:endParaRPr>
+          </a:p>
+        </p:txBody>
+      </p:sp>
     </p:spTree>
     <p:custDataLst>
       <p:tags r:id="rId1"/>
     </p:custDataLst>
     <p:extLst>
       <p:ext uri="{BB962C8B-B14F-4D97-AF65-F5344CB8AC3E}">
-        <p14:creationId xmlns:p14="http://schemas.microsoft.com/office/powerpoint/2010/main" val="904255967"/>
+        <p14:creationId xmlns:p14="http://schemas.microsoft.com/office/powerpoint/2010/main" val="2448059504"/>
       </p:ext>
     </p:extLst>
   </p:cSld>
@@ -10376,8 +18195,37 @@
           <a:bodyPr rtlCol="0" anchor="ctr"/>
           <a:lstStyle/>
           <a:p>
-            <a:pPr algn="ctr"/>
-            <a:endParaRPr lang="en-US"/>
+            <a:pPr marL="0" marR="0" lvl="0" indent="0" algn="ctr" defTabSz="457200" rtl="0" eaLnBrk="1" fontAlgn="base" latinLnBrk="0" hangingPunct="1">
+              <a:lnSpc>
+                <a:spcPct val="100000"/>
+              </a:lnSpc>
+              <a:spcBef>
+                <a:spcPct val="0"/>
+              </a:spcBef>
+              <a:spcAft>
+                <a:spcPct val="0"/>
+              </a:spcAft>
+              <a:buClrTx/>
+              <a:buSzTx/>
+              <a:buFontTx/>
+              <a:buNone/>
+              <a:tabLst/>
+              <a:defRPr/>
+            </a:pPr>
+            <a:endParaRPr kumimoji="0" lang="en-US" sz="2400" b="0" i="0" u="none" strike="noStrike" kern="1200" cap="none" spc="0" normalizeH="0" baseline="0" noProof="0">
+              <a:ln>
+                <a:noFill/>
+              </a:ln>
+              <a:solidFill>
+                <a:prstClr val="white"/>
+              </a:solidFill>
+              <a:effectLst/>
+              <a:uLnTx/>
+              <a:uFillTx/>
+              <a:latin typeface="Calibri"/>
+              <a:ea typeface="+mn-ea"/>
+              <a:cs typeface="+mn-cs"/>
+            </a:endParaRPr>
           </a:p>
         </p:txBody>
       </p:sp>
@@ -10415,7 +18263,7 @@
               </a:lnSpc>
             </a:pPr>
             <a:r>
-              <a:rPr lang="en-US" sz="2400" kern="1200">
+              <a:rPr lang="en-US" sz="2400" kern="1200" dirty="0">
                 <a:solidFill>
                   <a:schemeClr val="bg1"/>
                 </a:solidFill>
@@ -10423,16 +18271,8 @@
                 <a:ea typeface="+mj-ea"/>
                 <a:cs typeface="+mj-cs"/>
               </a:rPr>
-              <a:t>Closing</a:t>
-            </a:r>
-            <a:endParaRPr lang="en-US" sz="2400" kern="1200" dirty="0">
-              <a:solidFill>
-                <a:schemeClr val="bg1"/>
-              </a:solidFill>
-              <a:latin typeface="+mj-lt"/>
-              <a:ea typeface="+mj-ea"/>
-              <a:cs typeface="+mj-cs"/>
-            </a:endParaRPr>
+              <a:t>Keys</a:t>
+            </a:r>
           </a:p>
         </p:txBody>
       </p:sp>
@@ -10468,493 +18308,544 @@
       </p:pic>
       <p:sp>
         <p:nvSpPr>
-          <p:cNvPr id="7" name="Content Placeholder 2">
+          <p:cNvPr id="9" name="TextBox 8">
             <a:extLst>
               <a:ext uri="{FF2B5EF4-FFF2-40B4-BE49-F238E27FC236}">
-                <a16:creationId xmlns:a16="http://schemas.microsoft.com/office/drawing/2014/main" id="{8FE51533-15BE-453E-90FE-08298901BC34}"/>
+                <a16:creationId xmlns:a16="http://schemas.microsoft.com/office/drawing/2014/main" id="{DE41F36B-9E04-47A2-B821-C1CCDC8248E9}"/>
               </a:ext>
             </a:extLst>
           </p:cNvPr>
-          <p:cNvSpPr txBox="1">
-            <a:spLocks/>
-          </p:cNvSpPr>
+          <p:cNvSpPr txBox="1"/>
           <p:nvPr/>
         </p:nvSpPr>
-        <p:spPr bwMode="auto">
+        <p:spPr>
           <a:xfrm>
-            <a:off x="3810000" y="643466"/>
-            <a:ext cx="4851400" cy="5833533"/>
+            <a:off x="3810000" y="621916"/>
+            <a:ext cx="5181600" cy="1200329"/>
           </a:xfrm>
           <a:prstGeom prst="rect">
             <a:avLst/>
           </a:prstGeom>
+          <a:noFill/>
         </p:spPr>
         <p:txBody>
-          <a:bodyPr vert="horz" lIns="91440" tIns="45720" rIns="91440" bIns="45720" numCol="1" rtlCol="0" anchorCtr="0" compatLnSpc="1">
-            <a:prstTxWarp prst="textNoShape">
-              <a:avLst/>
-            </a:prstTxWarp>
-            <a:noAutofit/>
+          <a:bodyPr wrap="square" rtlCol="0">
+            <a:spAutoFit/>
           </a:bodyPr>
-          <a:lstStyle>
-            <a:lvl1pPr marL="342900" indent="-342900" algn="l" defTabSz="457200" rtl="0" eaLnBrk="0" fontAlgn="base" hangingPunct="0">
-              <a:spcBef>
-                <a:spcPct val="20000"/>
-              </a:spcBef>
-              <a:spcAft>
-                <a:spcPct val="0"/>
-              </a:spcAft>
-              <a:buFont typeface="Arial" charset="0"/>
-              <a:buChar char="•"/>
-              <a:defRPr sz="3200" kern="1200">
-                <a:solidFill>
-                  <a:schemeClr val="tx1"/>
-                </a:solidFill>
-                <a:latin typeface="+mn-lt"/>
-                <a:ea typeface="ＭＳ Ｐゴシック" pitchFamily="-109" charset="-128"/>
-                <a:cs typeface="ＭＳ Ｐゴシック" pitchFamily="-109" charset="-128"/>
-              </a:defRPr>
-            </a:lvl1pPr>
-            <a:lvl2pPr marL="742950" indent="-285750" algn="l" defTabSz="457200" rtl="0" eaLnBrk="0" fontAlgn="base" hangingPunct="0">
-              <a:spcBef>
-                <a:spcPct val="20000"/>
-              </a:spcBef>
-              <a:spcAft>
-                <a:spcPct val="0"/>
-              </a:spcAft>
-              <a:buFont typeface="Arial" charset="0"/>
-              <a:buChar char="–"/>
-              <a:defRPr sz="2800" kern="1200">
-                <a:solidFill>
-                  <a:schemeClr val="tx1"/>
-                </a:solidFill>
-                <a:latin typeface="+mn-lt"/>
-                <a:ea typeface="ＭＳ Ｐゴシック" pitchFamily="-109" charset="-128"/>
-                <a:cs typeface="+mn-cs"/>
-              </a:defRPr>
-            </a:lvl2pPr>
-            <a:lvl3pPr marL="1143000" indent="-228600" algn="l" defTabSz="457200" rtl="0" eaLnBrk="0" fontAlgn="base" hangingPunct="0">
-              <a:spcBef>
-                <a:spcPct val="20000"/>
-              </a:spcBef>
-              <a:spcAft>
-                <a:spcPct val="0"/>
-              </a:spcAft>
-              <a:buFont typeface="Arial" charset="0"/>
-              <a:buChar char="•"/>
-              <a:defRPr sz="2400" kern="1200">
-                <a:solidFill>
-                  <a:schemeClr val="tx1"/>
-                </a:solidFill>
-                <a:latin typeface="+mn-lt"/>
-                <a:ea typeface="ＭＳ Ｐゴシック" pitchFamily="-109" charset="-128"/>
-                <a:cs typeface="+mn-cs"/>
-              </a:defRPr>
-            </a:lvl3pPr>
-            <a:lvl4pPr marL="1600200" indent="-228600" algn="l" defTabSz="457200" rtl="0" eaLnBrk="0" fontAlgn="base" hangingPunct="0">
-              <a:spcBef>
-                <a:spcPct val="20000"/>
-              </a:spcBef>
-              <a:spcAft>
-                <a:spcPct val="0"/>
-              </a:spcAft>
-              <a:buFont typeface="Arial" charset="0"/>
-              <a:buChar char="–"/>
-              <a:defRPr sz="2000" kern="1200">
-                <a:solidFill>
-                  <a:schemeClr val="tx1"/>
-                </a:solidFill>
-                <a:latin typeface="+mn-lt"/>
-                <a:ea typeface="ＭＳ Ｐゴシック" pitchFamily="-109" charset="-128"/>
-                <a:cs typeface="+mn-cs"/>
-              </a:defRPr>
-            </a:lvl4pPr>
-            <a:lvl5pPr marL="2057400" indent="-228600" algn="l" defTabSz="457200" rtl="0" eaLnBrk="0" fontAlgn="base" hangingPunct="0">
-              <a:spcBef>
-                <a:spcPct val="20000"/>
-              </a:spcBef>
-              <a:spcAft>
-                <a:spcPct val="0"/>
-              </a:spcAft>
-              <a:buFont typeface="Arial" charset="0"/>
-              <a:buChar char="»"/>
-              <a:defRPr sz="2000" kern="1200">
-                <a:solidFill>
-                  <a:schemeClr val="tx1"/>
-                </a:solidFill>
-                <a:latin typeface="+mn-lt"/>
-                <a:ea typeface="ＭＳ Ｐゴシック" pitchFamily="-109" charset="-128"/>
-                <a:cs typeface="+mn-cs"/>
-              </a:defRPr>
-            </a:lvl5pPr>
-            <a:lvl6pPr marL="2514600" indent="-228600" algn="l" defTabSz="457200" rtl="0" eaLnBrk="1" latinLnBrk="0" hangingPunct="1">
-              <a:spcBef>
-                <a:spcPct val="20000"/>
-              </a:spcBef>
-              <a:buFont typeface="Arial"/>
-              <a:buChar char="•"/>
-              <a:defRPr sz="2000" kern="1200">
-                <a:solidFill>
-                  <a:schemeClr val="tx1"/>
-                </a:solidFill>
-                <a:latin typeface="+mn-lt"/>
-                <a:ea typeface="+mn-ea"/>
-                <a:cs typeface="+mn-cs"/>
-              </a:defRPr>
-            </a:lvl6pPr>
-            <a:lvl7pPr marL="2971800" indent="-228600" algn="l" defTabSz="457200" rtl="0" eaLnBrk="1" latinLnBrk="0" hangingPunct="1">
-              <a:spcBef>
-                <a:spcPct val="20000"/>
-              </a:spcBef>
-              <a:buFont typeface="Arial"/>
-              <a:buChar char="•"/>
-              <a:defRPr sz="2000" kern="1200">
-                <a:solidFill>
-                  <a:schemeClr val="tx1"/>
-                </a:solidFill>
-                <a:latin typeface="+mn-lt"/>
-                <a:ea typeface="+mn-ea"/>
-                <a:cs typeface="+mn-cs"/>
-              </a:defRPr>
-            </a:lvl7pPr>
-            <a:lvl8pPr marL="3429000" indent="-228600" algn="l" defTabSz="457200" rtl="0" eaLnBrk="1" latinLnBrk="0" hangingPunct="1">
-              <a:spcBef>
-                <a:spcPct val="20000"/>
-              </a:spcBef>
-              <a:buFont typeface="Arial"/>
-              <a:buChar char="•"/>
-              <a:defRPr sz="2000" kern="1200">
-                <a:solidFill>
-                  <a:schemeClr val="tx1"/>
-                </a:solidFill>
-                <a:latin typeface="+mn-lt"/>
-                <a:ea typeface="+mn-ea"/>
-                <a:cs typeface="+mn-cs"/>
-              </a:defRPr>
-            </a:lvl8pPr>
-            <a:lvl9pPr marL="3886200" indent="-228600" algn="l" defTabSz="457200" rtl="0" eaLnBrk="1" latinLnBrk="0" hangingPunct="1">
-              <a:spcBef>
-                <a:spcPct val="20000"/>
-              </a:spcBef>
-              <a:buFont typeface="Arial"/>
-              <a:buChar char="•"/>
-              <a:defRPr sz="2000" kern="1200">
-                <a:solidFill>
-                  <a:schemeClr val="tx1"/>
-                </a:solidFill>
-                <a:latin typeface="+mn-lt"/>
-                <a:ea typeface="+mn-ea"/>
-                <a:cs typeface="+mn-cs"/>
-              </a:defRPr>
-            </a:lvl9pPr>
-          </a:lstStyle>
-          <a:p>
-            <a:pPr indent="-228600" defTabSz="914400" eaLnBrk="1" hangingPunct="1">
-              <a:lnSpc>
-                <a:spcPct val="90000"/>
-              </a:lnSpc>
+          <a:lstStyle/>
+          <a:p>
+            <a:pPr marL="342900" indent="-342900">
               <a:buFont typeface="Arial" panose="020B0604020202020204" pitchFamily="34" charset="0"/>
               <a:buChar char="•"/>
             </a:pPr>
-            <a:endParaRPr lang="en-US" sz="2000" dirty="0">
+            <a:r>
+              <a:rPr lang="en-US" dirty="0">
+                <a:solidFill>
+                  <a:srgbClr val="404040"/>
+                </a:solidFill>
+              </a:rPr>
+              <a:t>Verifying the Primary Keys</a:t>
+            </a:r>
+          </a:p>
+          <a:p>
+            <a:pPr lvl="1"/>
+            <a:endParaRPr lang="en-US" dirty="0">
               <a:solidFill>
                 <a:srgbClr val="404040"/>
               </a:solidFill>
-              <a:ea typeface="+mn-ea"/>
-              <a:cs typeface="+mn-cs"/>
             </a:endParaRPr>
           </a:p>
           <a:p>
-            <a:pPr indent="-228600" defTabSz="914400" eaLnBrk="1" hangingPunct="1">
-              <a:lnSpc>
-                <a:spcPct val="90000"/>
-              </a:lnSpc>
+            <a:pPr marL="800100" lvl="1" indent="-342900">
               <a:buFont typeface="Arial" panose="020B0604020202020204" pitchFamily="34" charset="0"/>
               <a:buChar char="•"/>
             </a:pPr>
-            <a:endParaRPr lang="en-US" sz="2000" dirty="0">
+            <a:endParaRPr lang="en-US" dirty="0">
               <a:solidFill>
                 <a:srgbClr val="404040"/>
               </a:solidFill>
-              <a:ea typeface="+mn-ea"/>
-              <a:cs typeface="+mn-cs"/>
             </a:endParaRPr>
           </a:p>
         </p:txBody>
       </p:sp>
-      <p:sp>
-        <p:nvSpPr>
-          <p:cNvPr id="10" name="Content Placeholder 2">
+      <p:pic>
+        <p:nvPicPr>
+          <p:cNvPr id="3" name="Picture 2">
             <a:extLst>
               <a:ext uri="{FF2B5EF4-FFF2-40B4-BE49-F238E27FC236}">
-                <a16:creationId xmlns:a16="http://schemas.microsoft.com/office/drawing/2014/main" id="{10754C74-871F-42E2-A79F-10B9CCA16CD5}"/>
+                <a16:creationId xmlns:a16="http://schemas.microsoft.com/office/drawing/2014/main" id="{0737417A-82DC-4BA0-A823-71F9564F3F64}"/>
               </a:ext>
             </a:extLst>
           </p:cNvPr>
-          <p:cNvSpPr txBox="1">
-            <a:spLocks/>
-          </p:cNvSpPr>
+          <p:cNvPicPr>
+            <a:picLocks noChangeAspect="1"/>
+          </p:cNvPicPr>
           <p:nvPr/>
-        </p:nvSpPr>
-        <p:spPr bwMode="auto">
+        </p:nvPicPr>
+        <p:blipFill>
+          <a:blip r:embed="rId4"/>
+          <a:stretch>
+            <a:fillRect/>
+          </a:stretch>
+        </p:blipFill>
+        <p:spPr>
           <a:xfrm>
-            <a:off x="3973322" y="643466"/>
-            <a:ext cx="4851400" cy="5953916"/>
+            <a:off x="3581401" y="1066801"/>
+            <a:ext cx="4191000" cy="1564141"/>
           </a:xfrm>
           <a:prstGeom prst="rect">
             <a:avLst/>
           </a:prstGeom>
+          <a:ln>
+            <a:solidFill>
+              <a:srgbClr val="404040"/>
+            </a:solidFill>
+          </a:ln>
         </p:spPr>
-        <p:txBody>
-          <a:bodyPr vert="horz" lIns="91440" tIns="45720" rIns="91440" bIns="45720" numCol="1" rtlCol="0" anchorCtr="0" compatLnSpc="1">
-            <a:prstTxWarp prst="textNoShape">
-              <a:avLst/>
-            </a:prstTxWarp>
-            <a:noAutofit/>
-          </a:bodyPr>
-          <a:lstStyle>
-            <a:lvl1pPr marL="342900" indent="-342900" algn="l" defTabSz="457200" rtl="0" eaLnBrk="0" fontAlgn="base" hangingPunct="0">
-              <a:spcBef>
-                <a:spcPct val="20000"/>
-              </a:spcBef>
-              <a:spcAft>
-                <a:spcPct val="0"/>
-              </a:spcAft>
-              <a:buFont typeface="Arial" charset="0"/>
-              <a:buChar char="•"/>
-              <a:defRPr sz="3200" kern="1200">
-                <a:solidFill>
-                  <a:schemeClr val="tx1"/>
-                </a:solidFill>
-                <a:latin typeface="+mn-lt"/>
-                <a:ea typeface="ＭＳ Ｐゴシック" pitchFamily="-109" charset="-128"/>
-                <a:cs typeface="ＭＳ Ｐゴシック" pitchFamily="-109" charset="-128"/>
-              </a:defRPr>
-            </a:lvl1pPr>
-            <a:lvl2pPr marL="742950" indent="-285750" algn="l" defTabSz="457200" rtl="0" eaLnBrk="0" fontAlgn="base" hangingPunct="0">
-              <a:spcBef>
-                <a:spcPct val="20000"/>
-              </a:spcBef>
-              <a:spcAft>
-                <a:spcPct val="0"/>
-              </a:spcAft>
-              <a:buFont typeface="Arial" charset="0"/>
-              <a:buChar char="–"/>
-              <a:defRPr sz="2800" kern="1200">
-                <a:solidFill>
-                  <a:schemeClr val="tx1"/>
-                </a:solidFill>
-                <a:latin typeface="+mn-lt"/>
-                <a:ea typeface="ＭＳ Ｐゴシック" pitchFamily="-109" charset="-128"/>
-                <a:cs typeface="+mn-cs"/>
-              </a:defRPr>
-            </a:lvl2pPr>
-            <a:lvl3pPr marL="1143000" indent="-228600" algn="l" defTabSz="457200" rtl="0" eaLnBrk="0" fontAlgn="base" hangingPunct="0">
-              <a:spcBef>
-                <a:spcPct val="20000"/>
-              </a:spcBef>
-              <a:spcAft>
-                <a:spcPct val="0"/>
-              </a:spcAft>
-              <a:buFont typeface="Arial" charset="0"/>
-              <a:buChar char="•"/>
-              <a:defRPr sz="2400" kern="1200">
-                <a:solidFill>
-                  <a:schemeClr val="tx1"/>
-                </a:solidFill>
-                <a:latin typeface="+mn-lt"/>
-                <a:ea typeface="ＭＳ Ｐゴシック" pitchFamily="-109" charset="-128"/>
-                <a:cs typeface="+mn-cs"/>
-              </a:defRPr>
-            </a:lvl3pPr>
-            <a:lvl4pPr marL="1600200" indent="-228600" algn="l" defTabSz="457200" rtl="0" eaLnBrk="0" fontAlgn="base" hangingPunct="0">
-              <a:spcBef>
-                <a:spcPct val="20000"/>
-              </a:spcBef>
-              <a:spcAft>
-                <a:spcPct val="0"/>
-              </a:spcAft>
-              <a:buFont typeface="Arial" charset="0"/>
-              <a:buChar char="–"/>
-              <a:defRPr sz="2000" kern="1200">
-                <a:solidFill>
-                  <a:schemeClr val="tx1"/>
-                </a:solidFill>
-                <a:latin typeface="+mn-lt"/>
-                <a:ea typeface="ＭＳ Ｐゴシック" pitchFamily="-109" charset="-128"/>
-                <a:cs typeface="+mn-cs"/>
-              </a:defRPr>
-            </a:lvl4pPr>
-            <a:lvl5pPr marL="2057400" indent="-228600" algn="l" defTabSz="457200" rtl="0" eaLnBrk="0" fontAlgn="base" hangingPunct="0">
-              <a:spcBef>
-                <a:spcPct val="20000"/>
-              </a:spcBef>
-              <a:spcAft>
-                <a:spcPct val="0"/>
-              </a:spcAft>
-              <a:buFont typeface="Arial" charset="0"/>
-              <a:buChar char="»"/>
-              <a:defRPr sz="2000" kern="1200">
-                <a:solidFill>
-                  <a:schemeClr val="tx1"/>
-                </a:solidFill>
-                <a:latin typeface="+mn-lt"/>
-                <a:ea typeface="ＭＳ Ｐゴシック" pitchFamily="-109" charset="-128"/>
-                <a:cs typeface="+mn-cs"/>
-              </a:defRPr>
-            </a:lvl5pPr>
-            <a:lvl6pPr marL="2514600" indent="-228600" algn="l" defTabSz="457200" rtl="0" eaLnBrk="1" latinLnBrk="0" hangingPunct="1">
-              <a:spcBef>
-                <a:spcPct val="20000"/>
-              </a:spcBef>
-              <a:buFont typeface="Arial"/>
-              <a:buChar char="•"/>
-              <a:defRPr sz="2000" kern="1200">
-                <a:solidFill>
-                  <a:schemeClr val="tx1"/>
-                </a:solidFill>
-                <a:latin typeface="+mn-lt"/>
-                <a:ea typeface="+mn-ea"/>
-                <a:cs typeface="+mn-cs"/>
-              </a:defRPr>
-            </a:lvl6pPr>
-            <a:lvl7pPr marL="2971800" indent="-228600" algn="l" defTabSz="457200" rtl="0" eaLnBrk="1" latinLnBrk="0" hangingPunct="1">
-              <a:spcBef>
-                <a:spcPct val="20000"/>
-              </a:spcBef>
-              <a:buFont typeface="Arial"/>
-              <a:buChar char="•"/>
-              <a:defRPr sz="2000" kern="1200">
-                <a:solidFill>
-                  <a:schemeClr val="tx1"/>
-                </a:solidFill>
-                <a:latin typeface="+mn-lt"/>
-                <a:ea typeface="+mn-ea"/>
-                <a:cs typeface="+mn-cs"/>
-              </a:defRPr>
-            </a:lvl7pPr>
-            <a:lvl8pPr marL="3429000" indent="-228600" algn="l" defTabSz="457200" rtl="0" eaLnBrk="1" latinLnBrk="0" hangingPunct="1">
-              <a:spcBef>
-                <a:spcPct val="20000"/>
-              </a:spcBef>
-              <a:buFont typeface="Arial"/>
-              <a:buChar char="•"/>
-              <a:defRPr sz="2000" kern="1200">
-                <a:solidFill>
-                  <a:schemeClr val="tx1"/>
-                </a:solidFill>
-                <a:latin typeface="+mn-lt"/>
-                <a:ea typeface="+mn-ea"/>
-                <a:cs typeface="+mn-cs"/>
-              </a:defRPr>
-            </a:lvl8pPr>
-            <a:lvl9pPr marL="3886200" indent="-228600" algn="l" defTabSz="457200" rtl="0" eaLnBrk="1" latinLnBrk="0" hangingPunct="1">
-              <a:spcBef>
-                <a:spcPct val="20000"/>
-              </a:spcBef>
-              <a:buFont typeface="Arial"/>
-              <a:buChar char="•"/>
-              <a:defRPr sz="2000" kern="1200">
-                <a:solidFill>
-                  <a:schemeClr val="tx1"/>
-                </a:solidFill>
-                <a:latin typeface="+mn-lt"/>
-                <a:ea typeface="+mn-ea"/>
-                <a:cs typeface="+mn-cs"/>
-              </a:defRPr>
-            </a:lvl9pPr>
-          </a:lstStyle>
-          <a:p>
-            <a:pPr marL="114300" indent="0" defTabSz="914400" eaLnBrk="1" hangingPunct="1">
-              <a:lnSpc>
-                <a:spcPct val="90000"/>
-              </a:lnSpc>
-              <a:buNone/>
-            </a:pPr>
-            <a:r>
-              <a:rPr lang="en-US" sz="7200" dirty="0">
-                <a:solidFill>
-                  <a:srgbClr val="404040"/>
-                </a:solidFill>
-                <a:ea typeface="+mn-ea"/>
-                <a:cs typeface="+mn-cs"/>
-              </a:rPr>
-              <a:t>Disperse and Make Reasonable Decisions</a:t>
-            </a:r>
-          </a:p>
-          <a:p>
-            <a:pPr indent="-228600" defTabSz="914400" eaLnBrk="1" hangingPunct="1">
-              <a:lnSpc>
-                <a:spcPct val="90000"/>
-              </a:lnSpc>
-              <a:buFont typeface="Arial" panose="020B0604020202020204" pitchFamily="34" charset="0"/>
-              <a:buChar char="•"/>
-            </a:pPr>
-            <a:endParaRPr lang="en-US" sz="7200" dirty="0">
-              <a:solidFill>
-                <a:srgbClr val="404040"/>
-              </a:solidFill>
-              <a:ea typeface="+mn-ea"/>
-              <a:cs typeface="+mn-cs"/>
-            </a:endParaRPr>
-          </a:p>
-          <a:p>
-            <a:pPr indent="-228600" defTabSz="914400" eaLnBrk="1" hangingPunct="1">
-              <a:lnSpc>
-                <a:spcPct val="90000"/>
-              </a:lnSpc>
-              <a:buFont typeface="Arial" panose="020B0604020202020204" pitchFamily="34" charset="0"/>
-              <a:buChar char="•"/>
-            </a:pPr>
-            <a:endParaRPr lang="en-US" sz="7200" dirty="0">
-              <a:solidFill>
-                <a:srgbClr val="404040"/>
-              </a:solidFill>
-              <a:ea typeface="+mn-ea"/>
-              <a:cs typeface="+mn-cs"/>
-            </a:endParaRPr>
-          </a:p>
-          <a:p>
-            <a:pPr indent="-228600" defTabSz="914400" eaLnBrk="1" hangingPunct="1">
-              <a:lnSpc>
-                <a:spcPct val="90000"/>
-              </a:lnSpc>
-              <a:buFont typeface="Arial" panose="020B0604020202020204" pitchFamily="34" charset="0"/>
-              <a:buChar char="•"/>
-            </a:pPr>
-            <a:endParaRPr lang="en-US" sz="7200" dirty="0">
-              <a:solidFill>
-                <a:srgbClr val="404040"/>
-              </a:solidFill>
-              <a:ea typeface="+mn-ea"/>
-              <a:cs typeface="+mn-cs"/>
-            </a:endParaRPr>
-          </a:p>
-          <a:p>
-            <a:pPr indent="-228600" defTabSz="914400" eaLnBrk="1" hangingPunct="1">
-              <a:lnSpc>
-                <a:spcPct val="90000"/>
-              </a:lnSpc>
-              <a:buFont typeface="Arial" panose="020B0604020202020204" pitchFamily="34" charset="0"/>
-              <a:buChar char="•"/>
-            </a:pPr>
-            <a:endParaRPr lang="en-US" sz="7200" dirty="0">
-              <a:solidFill>
-                <a:srgbClr val="404040"/>
-              </a:solidFill>
-              <a:ea typeface="+mn-ea"/>
-              <a:cs typeface="+mn-cs"/>
-            </a:endParaRPr>
-          </a:p>
-        </p:txBody>
-      </p:sp>
+        <p:style>
+          <a:lnRef idx="2">
+            <a:schemeClr val="dk1"/>
+          </a:lnRef>
+          <a:fillRef idx="1">
+            <a:schemeClr val="lt1"/>
+          </a:fillRef>
+          <a:effectRef idx="0">
+            <a:schemeClr val="dk1"/>
+          </a:effectRef>
+          <a:fontRef idx="minor">
+            <a:schemeClr val="dk1"/>
+          </a:fontRef>
+        </p:style>
+      </p:pic>
+      <p:pic>
+        <p:nvPicPr>
+          <p:cNvPr id="4" name="Picture 3">
+            <a:extLst>
+              <a:ext uri="{FF2B5EF4-FFF2-40B4-BE49-F238E27FC236}">
+                <a16:creationId xmlns:a16="http://schemas.microsoft.com/office/drawing/2014/main" id="{6D30698E-BB4D-42C6-8DB3-30CA671D7963}"/>
+              </a:ext>
+            </a:extLst>
+          </p:cNvPr>
+          <p:cNvPicPr>
+            <a:picLocks noChangeAspect="1"/>
+          </p:cNvPicPr>
+          <p:nvPr/>
+        </p:nvPicPr>
+        <p:blipFill>
+          <a:blip r:embed="rId5"/>
+          <a:stretch>
+            <a:fillRect/>
+          </a:stretch>
+        </p:blipFill>
+        <p:spPr>
+          <a:xfrm>
+            <a:off x="3575384" y="2743200"/>
+            <a:ext cx="4197017" cy="2380287"/>
+          </a:xfrm>
+          <a:prstGeom prst="rect">
+            <a:avLst/>
+          </a:prstGeom>
+          <a:ln>
+            <a:solidFill>
+              <a:srgbClr val="404040"/>
+            </a:solidFill>
+          </a:ln>
+        </p:spPr>
+        <p:style>
+          <a:lnRef idx="2">
+            <a:schemeClr val="dk1"/>
+          </a:lnRef>
+          <a:fillRef idx="1">
+            <a:schemeClr val="lt1"/>
+          </a:fillRef>
+          <a:effectRef idx="0">
+            <a:schemeClr val="dk1"/>
+          </a:effectRef>
+          <a:fontRef idx="minor">
+            <a:schemeClr val="dk1"/>
+          </a:fontRef>
+        </p:style>
+      </p:pic>
+      <p:pic>
+        <p:nvPicPr>
+          <p:cNvPr id="5" name="Picture 4">
+            <a:extLst>
+              <a:ext uri="{FF2B5EF4-FFF2-40B4-BE49-F238E27FC236}">
+                <a16:creationId xmlns:a16="http://schemas.microsoft.com/office/drawing/2014/main" id="{8B28A024-F9CD-4F73-8545-8A87BDEDB0DE}"/>
+              </a:ext>
+            </a:extLst>
+          </p:cNvPr>
+          <p:cNvPicPr>
+            <a:picLocks noChangeAspect="1"/>
+          </p:cNvPicPr>
+          <p:nvPr/>
+        </p:nvPicPr>
+        <p:blipFill>
+          <a:blip r:embed="rId6"/>
+          <a:stretch>
+            <a:fillRect/>
+          </a:stretch>
+        </p:blipFill>
+        <p:spPr>
+          <a:xfrm>
+            <a:off x="5183606" y="4820224"/>
+            <a:ext cx="3910457" cy="1704883"/>
+          </a:xfrm>
+          <a:prstGeom prst="rect">
+            <a:avLst/>
+          </a:prstGeom>
+          <a:ln>
+            <a:solidFill>
+              <a:srgbClr val="404040"/>
+            </a:solidFill>
+          </a:ln>
+        </p:spPr>
+        <p:style>
+          <a:lnRef idx="2">
+            <a:schemeClr val="dk1"/>
+          </a:lnRef>
+          <a:fillRef idx="1">
+            <a:schemeClr val="lt1"/>
+          </a:fillRef>
+          <a:effectRef idx="0">
+            <a:schemeClr val="dk1"/>
+          </a:effectRef>
+          <a:fontRef idx="minor">
+            <a:schemeClr val="dk1"/>
+          </a:fontRef>
+        </p:style>
+      </p:pic>
     </p:spTree>
     <p:custDataLst>
       <p:tags r:id="rId1"/>
     </p:custDataLst>
     <p:extLst>
       <p:ext uri="{BB962C8B-B14F-4D97-AF65-F5344CB8AC3E}">
-        <p14:creationId xmlns:p14="http://schemas.microsoft.com/office/powerpoint/2010/main" val="3647066437"/>
+        <p14:creationId xmlns:p14="http://schemas.microsoft.com/office/powerpoint/2010/main" val="3017662087"/>
+      </p:ext>
+    </p:extLst>
+  </p:cSld>
+  <p:clrMapOvr>
+    <a:masterClrMapping/>
+  </p:clrMapOvr>
+</p:sld>
+</file>
+
+<file path=ppt/slides/slide9.xml><?xml version="1.0" encoding="utf-8"?>
+<p:sld xmlns:a="http://schemas.openxmlformats.org/drawingml/2006/main" xmlns:r="http://schemas.openxmlformats.org/officeDocument/2006/relationships" xmlns:p="http://schemas.openxmlformats.org/presentationml/2006/main">
+  <p:cSld>
+    <p:bg>
+      <p:bgPr>
+        <a:solidFill>
+          <a:schemeClr val="bg1">
+            <a:lumMod val="85000"/>
+          </a:schemeClr>
+        </a:solidFill>
+        <a:effectLst/>
+      </p:bgPr>
+    </p:bg>
+    <p:spTree>
+      <p:nvGrpSpPr>
+        <p:cNvPr id="1" name=""/>
+        <p:cNvGrpSpPr/>
+        <p:nvPr/>
+      </p:nvGrpSpPr>
+      <p:grpSpPr>
+        <a:xfrm>
+          <a:off x="0" y="0"/>
+          <a:ext cx="0" cy="0"/>
+          <a:chOff x="0" y="0"/>
+          <a:chExt cx="0" cy="0"/>
+        </a:xfrm>
+      </p:grpSpPr>
+      <p:sp>
+        <p:nvSpPr>
+          <p:cNvPr id="15" name="Rectangle 12">
+            <a:extLst>
+              <a:ext uri="{FF2B5EF4-FFF2-40B4-BE49-F238E27FC236}">
+                <a16:creationId xmlns:a16="http://schemas.microsoft.com/office/drawing/2014/main" id="{867D4867-5BA7-4462-B2F6-A23F4A622AA7}"/>
+              </a:ext>
+              <a:ext uri="{C183D7F6-B498-43B3-948B-1728B52AA6E4}">
+                <adec:decorative xmlns:adec="http://schemas.microsoft.com/office/drawing/2017/decorative" val="1"/>
+              </a:ext>
+            </a:extLst>
+          </p:cNvPr>
+          <p:cNvSpPr>
+            <a:spLocks noGrp="1" noRot="1" noChangeAspect="1" noMove="1" noResize="1" noEditPoints="1" noAdjustHandles="1" noChangeArrowheads="1" noChangeShapeType="1" noTextEdit="1"/>
+          </p:cNvSpPr>
+          <p:nvPr>
+            <p:extLst>
+              <p:ext uri="{386F3935-93C4-4BCD-93E2-E3B085C9AB24}">
+                <p16:designElem xmlns:p16="http://schemas.microsoft.com/office/powerpoint/2015/main" val="1"/>
+              </p:ext>
+            </p:extLst>
+          </p:nvPr>
+        </p:nvSpPr>
+        <p:spPr>
+          <a:xfrm>
+            <a:off x="0" y="0"/>
+            <a:ext cx="3490722" cy="6858000"/>
+          </a:xfrm>
+          <a:prstGeom prst="rect">
+            <a:avLst/>
+          </a:prstGeom>
+          <a:solidFill>
+            <a:schemeClr val="tx1">
+              <a:lumMod val="75000"/>
+              <a:lumOff val="25000"/>
+            </a:schemeClr>
+          </a:solidFill>
+          <a:ln>
+            <a:noFill/>
+          </a:ln>
+        </p:spPr>
+        <p:style>
+          <a:lnRef idx="0">
+            <a:scrgbClr r="0" g="0" b="0"/>
+          </a:lnRef>
+          <a:fillRef idx="0">
+            <a:scrgbClr r="0" g="0" b="0"/>
+          </a:fillRef>
+          <a:effectRef idx="0">
+            <a:scrgbClr r="0" g="0" b="0"/>
+          </a:effectRef>
+          <a:fontRef idx="minor">
+            <a:schemeClr val="lt1"/>
+          </a:fontRef>
+        </p:style>
+        <p:txBody>
+          <a:bodyPr rtlCol="0" anchor="ctr"/>
+          <a:lstStyle/>
+          <a:p>
+            <a:pPr marL="0" marR="0" lvl="0" indent="0" algn="ctr" defTabSz="457200" rtl="0" eaLnBrk="1" fontAlgn="base" latinLnBrk="0" hangingPunct="1">
+              <a:lnSpc>
+                <a:spcPct val="100000"/>
+              </a:lnSpc>
+              <a:spcBef>
+                <a:spcPct val="0"/>
+              </a:spcBef>
+              <a:spcAft>
+                <a:spcPct val="0"/>
+              </a:spcAft>
+              <a:buClrTx/>
+              <a:buSzTx/>
+              <a:buFontTx/>
+              <a:buNone/>
+              <a:tabLst/>
+              <a:defRPr/>
+            </a:pPr>
+            <a:endParaRPr kumimoji="0" lang="en-US" sz="2400" b="0" i="0" u="none" strike="noStrike" kern="1200" cap="none" spc="0" normalizeH="0" baseline="0" noProof="0">
+              <a:ln>
+                <a:noFill/>
+              </a:ln>
+              <a:solidFill>
+                <a:prstClr val="white"/>
+              </a:solidFill>
+              <a:effectLst/>
+              <a:uLnTx/>
+              <a:uFillTx/>
+              <a:latin typeface="Calibri"/>
+              <a:ea typeface="+mn-ea"/>
+              <a:cs typeface="+mn-cs"/>
+            </a:endParaRPr>
+          </a:p>
+        </p:txBody>
+      </p:sp>
+      <p:sp>
+        <p:nvSpPr>
+          <p:cNvPr id="2" name="Title 1"/>
+          <p:cNvSpPr>
+            <a:spLocks noGrp="1"/>
+          </p:cNvSpPr>
+          <p:nvPr>
+            <p:ph type="title"/>
+          </p:nvPr>
+        </p:nvSpPr>
+        <p:spPr>
+          <a:xfrm>
+            <a:off x="482600" y="643467"/>
+            <a:ext cx="2522980" cy="1597315"/>
+          </a:xfrm>
+          <a:noFill/>
+          <a:ln w="19050">
+            <a:solidFill>
+              <a:schemeClr val="bg1"/>
+            </a:solidFill>
+          </a:ln>
+        </p:spPr>
+        <p:txBody>
+          <a:bodyPr vert="horz" wrap="square" lIns="91440" tIns="45720" rIns="91440" bIns="45720" rtlCol="0" anchor="ctr">
+            <a:normAutofit/>
+          </a:bodyPr>
+          <a:lstStyle/>
+          <a:p>
+            <a:pPr defTabSz="914400" eaLnBrk="1" hangingPunct="1">
+              <a:lnSpc>
+                <a:spcPct val="90000"/>
+              </a:lnSpc>
+            </a:pPr>
+            <a:r>
+              <a:rPr lang="en-US" sz="2400" kern="1200" dirty="0">
+                <a:solidFill>
+                  <a:schemeClr val="bg1"/>
+                </a:solidFill>
+                <a:latin typeface="+mj-lt"/>
+                <a:ea typeface="+mj-ea"/>
+                <a:cs typeface="+mj-cs"/>
+              </a:rPr>
+              <a:t>Keys</a:t>
+            </a:r>
+          </a:p>
+        </p:txBody>
+      </p:sp>
+      <p:pic>
+        <p:nvPicPr>
+          <p:cNvPr id="8" name="Picture 7">
+            <a:extLst>
+              <a:ext uri="{FF2B5EF4-FFF2-40B4-BE49-F238E27FC236}">
+                <a16:creationId xmlns:a16="http://schemas.microsoft.com/office/drawing/2014/main" id="{521D4292-9ECC-4DA5-8CC0-C561A0DA118E}"/>
+              </a:ext>
+            </a:extLst>
+          </p:cNvPr>
+          <p:cNvPicPr>
+            <a:picLocks noChangeAspect="1"/>
+          </p:cNvPicPr>
+          <p:nvPr/>
+        </p:nvPicPr>
+        <p:blipFill rotWithShape="1">
+          <a:blip r:embed="rId3"/>
+          <a:srcRect l="8000" r="9400"/>
+          <a:stretch/>
+        </p:blipFill>
+        <p:spPr>
+          <a:xfrm>
+            <a:off x="660103" y="3048000"/>
+            <a:ext cx="2167974" cy="2624666"/>
+          </a:xfrm>
+          <a:prstGeom prst="rect">
+            <a:avLst/>
+          </a:prstGeom>
+          <a:noFill/>
+        </p:spPr>
+      </p:pic>
+      <p:sp>
+        <p:nvSpPr>
+          <p:cNvPr id="9" name="TextBox 8">
+            <a:extLst>
+              <a:ext uri="{FF2B5EF4-FFF2-40B4-BE49-F238E27FC236}">
+                <a16:creationId xmlns:a16="http://schemas.microsoft.com/office/drawing/2014/main" id="{DE41F36B-9E04-47A2-B821-C1CCDC8248E9}"/>
+              </a:ext>
+            </a:extLst>
+          </p:cNvPr>
+          <p:cNvSpPr txBox="1"/>
+          <p:nvPr/>
+        </p:nvSpPr>
+        <p:spPr>
+          <a:xfrm>
+            <a:off x="3810000" y="621916"/>
+            <a:ext cx="5181600" cy="1200329"/>
+          </a:xfrm>
+          <a:prstGeom prst="rect">
+            <a:avLst/>
+          </a:prstGeom>
+          <a:noFill/>
+        </p:spPr>
+        <p:txBody>
+          <a:bodyPr wrap="square" rtlCol="0">
+            <a:spAutoFit/>
+          </a:bodyPr>
+          <a:lstStyle/>
+          <a:p>
+            <a:pPr marL="342900" indent="-342900">
+              <a:buFont typeface="Arial" panose="020B0604020202020204" pitchFamily="34" charset="0"/>
+              <a:buChar char="•"/>
+            </a:pPr>
+            <a:r>
+              <a:rPr lang="en-US" dirty="0">
+                <a:solidFill>
+                  <a:srgbClr val="404040"/>
+                </a:solidFill>
+              </a:rPr>
+              <a:t>Verifying the Primary Keys</a:t>
+            </a:r>
+          </a:p>
+          <a:p>
+            <a:pPr lvl="1"/>
+            <a:endParaRPr lang="en-US" dirty="0">
+              <a:solidFill>
+                <a:srgbClr val="404040"/>
+              </a:solidFill>
+            </a:endParaRPr>
+          </a:p>
+          <a:p>
+            <a:pPr marL="800100" lvl="1" indent="-342900">
+              <a:buFont typeface="Arial" panose="020B0604020202020204" pitchFamily="34" charset="0"/>
+              <a:buChar char="•"/>
+            </a:pPr>
+            <a:endParaRPr lang="en-US" dirty="0">
+              <a:solidFill>
+                <a:srgbClr val="404040"/>
+              </a:solidFill>
+            </a:endParaRPr>
+          </a:p>
+        </p:txBody>
+      </p:sp>
+      <p:pic>
+        <p:nvPicPr>
+          <p:cNvPr id="7" name="Picture 6">
+            <a:extLst>
+              <a:ext uri="{FF2B5EF4-FFF2-40B4-BE49-F238E27FC236}">
+                <a16:creationId xmlns:a16="http://schemas.microsoft.com/office/drawing/2014/main" id="{70BDE9EE-F755-44E6-81DE-42EAFBE8E4ED}"/>
+              </a:ext>
+            </a:extLst>
+          </p:cNvPr>
+          <p:cNvPicPr>
+            <a:picLocks noChangeAspect="1"/>
+          </p:cNvPicPr>
+          <p:nvPr/>
+        </p:nvPicPr>
+        <p:blipFill>
+          <a:blip r:embed="rId4"/>
+          <a:stretch>
+            <a:fillRect/>
+          </a:stretch>
+        </p:blipFill>
+        <p:spPr>
+          <a:xfrm>
+            <a:off x="3886200" y="1143000"/>
+            <a:ext cx="4572000" cy="5660096"/>
+          </a:xfrm>
+          <a:prstGeom prst="rect">
+            <a:avLst/>
+          </a:prstGeom>
+          <a:ln>
+            <a:solidFill>
+              <a:srgbClr val="404040"/>
+            </a:solidFill>
+          </a:ln>
+        </p:spPr>
+        <p:style>
+          <a:lnRef idx="2">
+            <a:schemeClr val="dk1"/>
+          </a:lnRef>
+          <a:fillRef idx="1">
+            <a:schemeClr val="lt1"/>
+          </a:fillRef>
+          <a:effectRef idx="0">
+            <a:schemeClr val="dk1"/>
+          </a:effectRef>
+          <a:fontRef idx="minor">
+            <a:schemeClr val="dk1"/>
+          </a:fontRef>
+        </p:style>
+      </p:pic>
+    </p:spTree>
+    <p:custDataLst>
+      <p:tags r:id="rId1"/>
+    </p:custDataLst>
+    <p:extLst>
+      <p:ext uri="{BB962C8B-B14F-4D97-AF65-F5344CB8AC3E}">
+        <p14:creationId xmlns:p14="http://schemas.microsoft.com/office/powerpoint/2010/main" val="2982531735"/>
       </p:ext>
     </p:extLst>
   </p:cSld>
@@ -11056,7 +18947,127 @@
 </p:tagLst>
 </file>
 
+<file path=ppt/tags/tag10.xml><?xml version="1.0" encoding="utf-8"?>
+<p:tagLst xmlns:a="http://schemas.openxmlformats.org/drawingml/2006/main" xmlns:r="http://schemas.openxmlformats.org/officeDocument/2006/relationships" xmlns:p="http://schemas.openxmlformats.org/presentationml/2006/main">
+  <p:tag name="DELIMITERS" val="3.1"/>
+</p:tagLst>
+</file>
+
+<file path=ppt/tags/tag11.xml><?xml version="1.0" encoding="utf-8"?>
+<p:tagLst xmlns:a="http://schemas.openxmlformats.org/drawingml/2006/main" xmlns:r="http://schemas.openxmlformats.org/officeDocument/2006/relationships" xmlns:p="http://schemas.openxmlformats.org/presentationml/2006/main">
+  <p:tag name="DELIMITERS" val="3.1"/>
+</p:tagLst>
+</file>
+
+<file path=ppt/tags/tag12.xml><?xml version="1.0" encoding="utf-8"?>
+<p:tagLst xmlns:a="http://schemas.openxmlformats.org/drawingml/2006/main" xmlns:r="http://schemas.openxmlformats.org/officeDocument/2006/relationships" xmlns:p="http://schemas.openxmlformats.org/presentationml/2006/main">
+  <p:tag name="DELIMITERS" val="3.1"/>
+</p:tagLst>
+</file>
+
+<file path=ppt/tags/tag13.xml><?xml version="1.0" encoding="utf-8"?>
+<p:tagLst xmlns:a="http://schemas.openxmlformats.org/drawingml/2006/main" xmlns:r="http://schemas.openxmlformats.org/officeDocument/2006/relationships" xmlns:p="http://schemas.openxmlformats.org/presentationml/2006/main">
+  <p:tag name="DELIMITERS" val="3.1"/>
+</p:tagLst>
+</file>
+
+<file path=ppt/tags/tag14.xml><?xml version="1.0" encoding="utf-8"?>
+<p:tagLst xmlns:a="http://schemas.openxmlformats.org/drawingml/2006/main" xmlns:r="http://schemas.openxmlformats.org/officeDocument/2006/relationships" xmlns:p="http://schemas.openxmlformats.org/presentationml/2006/main">
+  <p:tag name="DELIMITERS" val="3.1"/>
+</p:tagLst>
+</file>
+
+<file path=ppt/tags/tag15.xml><?xml version="1.0" encoding="utf-8"?>
+<p:tagLst xmlns:a="http://schemas.openxmlformats.org/drawingml/2006/main" xmlns:r="http://schemas.openxmlformats.org/officeDocument/2006/relationships" xmlns:p="http://schemas.openxmlformats.org/presentationml/2006/main">
+  <p:tag name="DELIMITERS" val="3.1"/>
+</p:tagLst>
+</file>
+
+<file path=ppt/tags/tag16.xml><?xml version="1.0" encoding="utf-8"?>
+<p:tagLst xmlns:a="http://schemas.openxmlformats.org/drawingml/2006/main" xmlns:r="http://schemas.openxmlformats.org/officeDocument/2006/relationships" xmlns:p="http://schemas.openxmlformats.org/presentationml/2006/main">
+  <p:tag name="DELIMITERS" val="3.1"/>
+</p:tagLst>
+</file>
+
+<file path=ppt/tags/tag17.xml><?xml version="1.0" encoding="utf-8"?>
+<p:tagLst xmlns:a="http://schemas.openxmlformats.org/drawingml/2006/main" xmlns:r="http://schemas.openxmlformats.org/officeDocument/2006/relationships" xmlns:p="http://schemas.openxmlformats.org/presentationml/2006/main">
+  <p:tag name="DELIMITERS" val="3.1"/>
+</p:tagLst>
+</file>
+
+<file path=ppt/tags/tag18.xml><?xml version="1.0" encoding="utf-8"?>
+<p:tagLst xmlns:a="http://schemas.openxmlformats.org/drawingml/2006/main" xmlns:r="http://schemas.openxmlformats.org/officeDocument/2006/relationships" xmlns:p="http://schemas.openxmlformats.org/presentationml/2006/main">
+  <p:tag name="DELIMITERS" val="3.1"/>
+</p:tagLst>
+</file>
+
+<file path=ppt/tags/tag19.xml><?xml version="1.0" encoding="utf-8"?>
+<p:tagLst xmlns:a="http://schemas.openxmlformats.org/drawingml/2006/main" xmlns:r="http://schemas.openxmlformats.org/officeDocument/2006/relationships" xmlns:p="http://schemas.openxmlformats.org/presentationml/2006/main">
+  <p:tag name="DELIMITERS" val="3.1"/>
+</p:tagLst>
+</file>
+
 <file path=ppt/tags/tag2.xml><?xml version="1.0" encoding="utf-8"?>
+<p:tagLst xmlns:a="http://schemas.openxmlformats.org/drawingml/2006/main" xmlns:r="http://schemas.openxmlformats.org/officeDocument/2006/relationships" xmlns:p="http://schemas.openxmlformats.org/presentationml/2006/main">
+  <p:tag name="DELIMITERS" val="3.1"/>
+</p:tagLst>
+</file>
+
+<file path=ppt/tags/tag20.xml><?xml version="1.0" encoding="utf-8"?>
+<p:tagLst xmlns:a="http://schemas.openxmlformats.org/drawingml/2006/main" xmlns:r="http://schemas.openxmlformats.org/officeDocument/2006/relationships" xmlns:p="http://schemas.openxmlformats.org/presentationml/2006/main">
+  <p:tag name="DELIMITERS" val="3.1"/>
+</p:tagLst>
+</file>
+
+<file path=ppt/tags/tag21.xml><?xml version="1.0" encoding="utf-8"?>
+<p:tagLst xmlns:a="http://schemas.openxmlformats.org/drawingml/2006/main" xmlns:r="http://schemas.openxmlformats.org/officeDocument/2006/relationships" xmlns:p="http://schemas.openxmlformats.org/presentationml/2006/main">
+  <p:tag name="DELIMITERS" val="3.1"/>
+</p:tagLst>
+</file>
+
+<file path=ppt/tags/tag22.xml><?xml version="1.0" encoding="utf-8"?>
+<p:tagLst xmlns:a="http://schemas.openxmlformats.org/drawingml/2006/main" xmlns:r="http://schemas.openxmlformats.org/officeDocument/2006/relationships" xmlns:p="http://schemas.openxmlformats.org/presentationml/2006/main">
+  <p:tag name="DELIMITERS" val="3.1"/>
+</p:tagLst>
+</file>
+
+<file path=ppt/tags/tag23.xml><?xml version="1.0" encoding="utf-8"?>
+<p:tagLst xmlns:a="http://schemas.openxmlformats.org/drawingml/2006/main" xmlns:r="http://schemas.openxmlformats.org/officeDocument/2006/relationships" xmlns:p="http://schemas.openxmlformats.org/presentationml/2006/main">
+  <p:tag name="DELIMITERS" val="3.1"/>
+</p:tagLst>
+</file>
+
+<file path=ppt/tags/tag24.xml><?xml version="1.0" encoding="utf-8"?>
+<p:tagLst xmlns:a="http://schemas.openxmlformats.org/drawingml/2006/main" xmlns:r="http://schemas.openxmlformats.org/officeDocument/2006/relationships" xmlns:p="http://schemas.openxmlformats.org/presentationml/2006/main">
+  <p:tag name="DELIMITERS" val="3.1"/>
+</p:tagLst>
+</file>
+
+<file path=ppt/tags/tag25.xml><?xml version="1.0" encoding="utf-8"?>
+<p:tagLst xmlns:a="http://schemas.openxmlformats.org/drawingml/2006/main" xmlns:r="http://schemas.openxmlformats.org/officeDocument/2006/relationships" xmlns:p="http://schemas.openxmlformats.org/presentationml/2006/main">
+  <p:tag name="DELIMITERS" val="3.1"/>
+</p:tagLst>
+</file>
+
+<file path=ppt/tags/tag26.xml><?xml version="1.0" encoding="utf-8"?>
+<p:tagLst xmlns:a="http://schemas.openxmlformats.org/drawingml/2006/main" xmlns:r="http://schemas.openxmlformats.org/officeDocument/2006/relationships" xmlns:p="http://schemas.openxmlformats.org/presentationml/2006/main">
+  <p:tag name="DELIMITERS" val="3.1"/>
+</p:tagLst>
+</file>
+
+<file path=ppt/tags/tag27.xml><?xml version="1.0" encoding="utf-8"?>
+<p:tagLst xmlns:a="http://schemas.openxmlformats.org/drawingml/2006/main" xmlns:r="http://schemas.openxmlformats.org/officeDocument/2006/relationships" xmlns:p="http://schemas.openxmlformats.org/presentationml/2006/main">
+  <p:tag name="DELIMITERS" val="3.1"/>
+</p:tagLst>
+</file>
+
+<file path=ppt/tags/tag28.xml><?xml version="1.0" encoding="utf-8"?>
+<p:tagLst xmlns:a="http://schemas.openxmlformats.org/drawingml/2006/main" xmlns:r="http://schemas.openxmlformats.org/officeDocument/2006/relationships" xmlns:p="http://schemas.openxmlformats.org/presentationml/2006/main">
+  <p:tag name="DELIMITERS" val="3.1"/>
+</p:tagLst>
+</file>
+
+<file path=ppt/tags/tag29.xml><?xml version="1.0" encoding="utf-8"?>
 <p:tagLst xmlns:a="http://schemas.openxmlformats.org/drawingml/2006/main" xmlns:r="http://schemas.openxmlformats.org/officeDocument/2006/relationships" xmlns:p="http://schemas.openxmlformats.org/presentationml/2006/main">
   <p:tag name="DELIMITERS" val="3.1"/>
 </p:tagLst>

--- a/Lecture/Lecture 14/Lecture 14.pptx
+++ b/Lecture/Lecture 14/Lecture 14.pptx
@@ -315,7 +315,7 @@
               <a:pPr>
                 <a:defRPr/>
               </a:pPr>
-              <a:t>9/29/2018</a:t>
+              <a:t>10/1/2018</a:t>
             </a:fld>
             <a:endParaRPr lang="en-US" dirty="0"/>
           </a:p>
@@ -527,7 +527,7 @@
               <a:pPr>
                 <a:defRPr/>
               </a:pPr>
-              <a:t>9/29/2018</a:t>
+              <a:t>10/1/2018</a:t>
             </a:fld>
             <a:endParaRPr lang="en-US" dirty="0"/>
           </a:p>
@@ -1046,7 +1046,7 @@
               <a:pPr>
                 <a:defRPr/>
               </a:pPr>
-              <a:t>9/29/2018</a:t>
+              <a:t>10/1/2018</a:t>
             </a:fld>
             <a:endParaRPr lang="en-US" dirty="0"/>
           </a:p>
@@ -1236,7 +1236,7 @@
               <a:pPr>
                 <a:defRPr/>
               </a:pPr>
-              <a:t>9/29/2018</a:t>
+              <a:t>10/1/2018</a:t>
             </a:fld>
             <a:endParaRPr lang="en-US" dirty="0"/>
           </a:p>
@@ -1436,7 +1436,7 @@
               <a:pPr>
                 <a:defRPr/>
               </a:pPr>
-              <a:t>9/29/2018</a:t>
+              <a:t>10/1/2018</a:t>
             </a:fld>
             <a:endParaRPr lang="en-US" dirty="0"/>
           </a:p>
@@ -1704,7 +1704,7 @@
               <a:pPr>
                 <a:defRPr/>
               </a:pPr>
-              <a:t>9/29/2018</a:t>
+              <a:t>10/1/2018</a:t>
             </a:fld>
             <a:endParaRPr lang="en-US" dirty="0">
               <a:solidFill>
@@ -1918,7 +1918,7 @@
               <a:pPr>
                 <a:defRPr/>
               </a:pPr>
-              <a:t>9/29/2018</a:t>
+              <a:t>10/1/2018</a:t>
             </a:fld>
             <a:endParaRPr lang="en-US" dirty="0">
               <a:solidFill>
@@ -2209,7 +2209,7 @@
               <a:pPr>
                 <a:defRPr/>
               </a:pPr>
-              <a:t>9/29/2018</a:t>
+              <a:t>10/1/2018</a:t>
             </a:fld>
             <a:endParaRPr lang="en-US" dirty="0">
               <a:solidFill>
@@ -2540,7 +2540,7 @@
               <a:pPr>
                 <a:defRPr/>
               </a:pPr>
-              <a:t>9/29/2018</a:t>
+              <a:t>10/1/2018</a:t>
             </a:fld>
             <a:endParaRPr lang="en-US" dirty="0">
               <a:solidFill>
@@ -3005,7 +3005,7 @@
               <a:pPr>
                 <a:defRPr/>
               </a:pPr>
-              <a:t>9/29/2018</a:t>
+              <a:t>10/1/2018</a:t>
             </a:fld>
             <a:endParaRPr lang="en-US" dirty="0">
               <a:solidFill>
@@ -3168,7 +3168,7 @@
               <a:pPr>
                 <a:defRPr/>
               </a:pPr>
-              <a:t>9/29/2018</a:t>
+              <a:t>10/1/2018</a:t>
             </a:fld>
             <a:endParaRPr lang="en-US" dirty="0">
               <a:solidFill>
@@ -3309,7 +3309,7 @@
               <a:pPr>
                 <a:defRPr/>
               </a:pPr>
-              <a:t>9/29/2018</a:t>
+              <a:t>10/1/2018</a:t>
             </a:fld>
             <a:endParaRPr lang="en-US" dirty="0">
               <a:solidFill>
@@ -3630,7 +3630,7 @@
               <a:pPr>
                 <a:defRPr/>
               </a:pPr>
-              <a:t>9/29/2018</a:t>
+              <a:t>10/1/2018</a:t>
             </a:fld>
             <a:endParaRPr lang="en-US" dirty="0">
               <a:solidFill>
@@ -3838,7 +3838,7 @@
               <a:pPr>
                 <a:defRPr/>
               </a:pPr>
-              <a:t>9/29/2018</a:t>
+              <a:t>10/1/2018</a:t>
             </a:fld>
             <a:endParaRPr lang="en-US" dirty="0"/>
           </a:p>
@@ -4121,7 +4121,7 @@
               <a:pPr>
                 <a:defRPr/>
               </a:pPr>
-              <a:t>9/29/2018</a:t>
+              <a:t>10/1/2018</a:t>
             </a:fld>
             <a:endParaRPr lang="en-US" dirty="0">
               <a:solidFill>
@@ -4335,7 +4335,7 @@
               <a:pPr>
                 <a:defRPr/>
               </a:pPr>
-              <a:t>9/29/2018</a:t>
+              <a:t>10/1/2018</a:t>
             </a:fld>
             <a:endParaRPr lang="en-US" dirty="0">
               <a:solidFill>
@@ -4559,7 +4559,7 @@
               <a:pPr>
                 <a:defRPr/>
               </a:pPr>
-              <a:t>9/29/2018</a:t>
+              <a:t>10/1/2018</a:t>
             </a:fld>
             <a:endParaRPr lang="en-US" dirty="0">
               <a:solidFill>
@@ -4769,7 +4769,7 @@
               <a:pPr>
                 <a:defRPr/>
               </a:pPr>
-              <a:t>9/29/2018</a:t>
+              <a:t>10/1/2018</a:t>
             </a:fld>
             <a:endParaRPr lang="en-US" dirty="0">
               <a:solidFill>
@@ -5046,7 +5046,7 @@
               <a:pPr>
                 <a:defRPr/>
               </a:pPr>
-              <a:t>9/29/2018</a:t>
+              <a:t>10/1/2018</a:t>
             </a:fld>
             <a:endParaRPr lang="en-US" dirty="0"/>
           </a:p>
@@ -5353,7 +5353,7 @@
               <a:pPr>
                 <a:defRPr/>
               </a:pPr>
-              <a:t>9/29/2018</a:t>
+              <a:t>10/1/2018</a:t>
             </a:fld>
             <a:endParaRPr lang="en-US" dirty="0"/>
           </a:p>
@@ -5794,7 +5794,7 @@
               <a:pPr>
                 <a:defRPr/>
               </a:pPr>
-              <a:t>9/29/2018</a:t>
+              <a:t>10/1/2018</a:t>
             </a:fld>
             <a:endParaRPr lang="en-US" dirty="0"/>
           </a:p>
@@ -5933,7 +5933,7 @@
               <a:pPr>
                 <a:defRPr/>
               </a:pPr>
-              <a:t>9/29/2018</a:t>
+              <a:t>10/1/2018</a:t>
             </a:fld>
             <a:endParaRPr lang="en-US" dirty="0"/>
           </a:p>
@@ -6050,7 +6050,7 @@
               <a:pPr>
                 <a:defRPr/>
               </a:pPr>
-              <a:t>9/29/2018</a:t>
+              <a:t>10/1/2018</a:t>
             </a:fld>
             <a:endParaRPr lang="en-US" dirty="0"/>
           </a:p>
@@ -6347,7 +6347,7 @@
               <a:pPr>
                 <a:defRPr/>
               </a:pPr>
-              <a:t>9/29/2018</a:t>
+              <a:t>10/1/2018</a:t>
             </a:fld>
             <a:endParaRPr lang="en-US" dirty="0"/>
           </a:p>
@@ -6624,7 +6624,7 @@
               <a:pPr>
                 <a:defRPr/>
               </a:pPr>
-              <a:t>9/29/2018</a:t>
+              <a:t>10/1/2018</a:t>
             </a:fld>
             <a:endParaRPr lang="en-US" dirty="0"/>
           </a:p>
@@ -6881,7 +6881,7 @@
               <a:pPr>
                 <a:defRPr/>
               </a:pPr>
-              <a:t>9/29/2018</a:t>
+              <a:t>10/1/2018</a:t>
             </a:fld>
             <a:endParaRPr lang="en-US" dirty="0"/>
           </a:p>
@@ -7591,7 +7591,7 @@
               <a:pPr>
                 <a:defRPr/>
               </a:pPr>
-              <a:t>9/29/2018</a:t>
+              <a:t>10/1/2018</a:t>
             </a:fld>
             <a:endParaRPr lang="en-US" dirty="0">
               <a:solidFill>
@@ -8192,7 +8192,7 @@
                 <a:ea typeface="+mj-ea"/>
                 <a:cs typeface="+mj-cs"/>
               </a:rPr>
-              <a:t>Joins I</a:t>
+              <a:t>Joins</a:t>
             </a:r>
           </a:p>
         </p:txBody>

--- a/Lecture/Lecture 14/Lecture 14.pptx
+++ b/Lecture/Lecture 14/Lecture 14.pptx
@@ -315,7 +315,7 @@
               <a:pPr>
                 <a:defRPr/>
               </a:pPr>
-              <a:t>10/1/2018</a:t>
+              <a:t>2/26/2019</a:t>
             </a:fld>
             <a:endParaRPr lang="en-US" dirty="0"/>
           </a:p>
@@ -527,7 +527,7 @@
               <a:pPr>
                 <a:defRPr/>
               </a:pPr>
-              <a:t>10/1/2018</a:t>
+              <a:t>2/26/2019</a:t>
             </a:fld>
             <a:endParaRPr lang="en-US" dirty="0"/>
           </a:p>
@@ -1046,7 +1046,7 @@
               <a:pPr>
                 <a:defRPr/>
               </a:pPr>
-              <a:t>10/1/2018</a:t>
+              <a:t>2/26/2019</a:t>
             </a:fld>
             <a:endParaRPr lang="en-US" dirty="0"/>
           </a:p>
@@ -1236,7 +1236,7 @@
               <a:pPr>
                 <a:defRPr/>
               </a:pPr>
-              <a:t>10/1/2018</a:t>
+              <a:t>2/26/2019</a:t>
             </a:fld>
             <a:endParaRPr lang="en-US" dirty="0"/>
           </a:p>
@@ -1436,7 +1436,7 @@
               <a:pPr>
                 <a:defRPr/>
               </a:pPr>
-              <a:t>10/1/2018</a:t>
+              <a:t>2/26/2019</a:t>
             </a:fld>
             <a:endParaRPr lang="en-US" dirty="0"/>
           </a:p>
@@ -1704,7 +1704,7 @@
               <a:pPr>
                 <a:defRPr/>
               </a:pPr>
-              <a:t>10/1/2018</a:t>
+              <a:t>2/26/2019</a:t>
             </a:fld>
             <a:endParaRPr lang="en-US" dirty="0">
               <a:solidFill>
@@ -1918,7 +1918,7 @@
               <a:pPr>
                 <a:defRPr/>
               </a:pPr>
-              <a:t>10/1/2018</a:t>
+              <a:t>2/26/2019</a:t>
             </a:fld>
             <a:endParaRPr lang="en-US" dirty="0">
               <a:solidFill>
@@ -2209,7 +2209,7 @@
               <a:pPr>
                 <a:defRPr/>
               </a:pPr>
-              <a:t>10/1/2018</a:t>
+              <a:t>2/26/2019</a:t>
             </a:fld>
             <a:endParaRPr lang="en-US" dirty="0">
               <a:solidFill>
@@ -2540,7 +2540,7 @@
               <a:pPr>
                 <a:defRPr/>
               </a:pPr>
-              <a:t>10/1/2018</a:t>
+              <a:t>2/26/2019</a:t>
             </a:fld>
             <a:endParaRPr lang="en-US" dirty="0">
               <a:solidFill>
@@ -3005,7 +3005,7 @@
               <a:pPr>
                 <a:defRPr/>
               </a:pPr>
-              <a:t>10/1/2018</a:t>
+              <a:t>2/26/2019</a:t>
             </a:fld>
             <a:endParaRPr lang="en-US" dirty="0">
               <a:solidFill>
@@ -3168,7 +3168,7 @@
               <a:pPr>
                 <a:defRPr/>
               </a:pPr>
-              <a:t>10/1/2018</a:t>
+              <a:t>2/26/2019</a:t>
             </a:fld>
             <a:endParaRPr lang="en-US" dirty="0">
               <a:solidFill>
@@ -3309,7 +3309,7 @@
               <a:pPr>
                 <a:defRPr/>
               </a:pPr>
-              <a:t>10/1/2018</a:t>
+              <a:t>2/26/2019</a:t>
             </a:fld>
             <a:endParaRPr lang="en-US" dirty="0">
               <a:solidFill>
@@ -3630,7 +3630,7 @@
               <a:pPr>
                 <a:defRPr/>
               </a:pPr>
-              <a:t>10/1/2018</a:t>
+              <a:t>2/26/2019</a:t>
             </a:fld>
             <a:endParaRPr lang="en-US" dirty="0">
               <a:solidFill>
@@ -3838,7 +3838,7 @@
               <a:pPr>
                 <a:defRPr/>
               </a:pPr>
-              <a:t>10/1/2018</a:t>
+              <a:t>2/26/2019</a:t>
             </a:fld>
             <a:endParaRPr lang="en-US" dirty="0"/>
           </a:p>
@@ -4121,7 +4121,7 @@
               <a:pPr>
                 <a:defRPr/>
               </a:pPr>
-              <a:t>10/1/2018</a:t>
+              <a:t>2/26/2019</a:t>
             </a:fld>
             <a:endParaRPr lang="en-US" dirty="0">
               <a:solidFill>
@@ -4335,7 +4335,7 @@
               <a:pPr>
                 <a:defRPr/>
               </a:pPr>
-              <a:t>10/1/2018</a:t>
+              <a:t>2/26/2019</a:t>
             </a:fld>
             <a:endParaRPr lang="en-US" dirty="0">
               <a:solidFill>
@@ -4559,7 +4559,7 @@
               <a:pPr>
                 <a:defRPr/>
               </a:pPr>
-              <a:t>10/1/2018</a:t>
+              <a:t>2/26/2019</a:t>
             </a:fld>
             <a:endParaRPr lang="en-US" dirty="0">
               <a:solidFill>
@@ -4769,7 +4769,7 @@
               <a:pPr>
                 <a:defRPr/>
               </a:pPr>
-              <a:t>10/1/2018</a:t>
+              <a:t>2/26/2019</a:t>
             </a:fld>
             <a:endParaRPr lang="en-US" dirty="0">
               <a:solidFill>
@@ -5046,7 +5046,7 @@
               <a:pPr>
                 <a:defRPr/>
               </a:pPr>
-              <a:t>10/1/2018</a:t>
+              <a:t>2/26/2019</a:t>
             </a:fld>
             <a:endParaRPr lang="en-US" dirty="0"/>
           </a:p>
@@ -5353,7 +5353,7 @@
               <a:pPr>
                 <a:defRPr/>
               </a:pPr>
-              <a:t>10/1/2018</a:t>
+              <a:t>2/26/2019</a:t>
             </a:fld>
             <a:endParaRPr lang="en-US" dirty="0"/>
           </a:p>
@@ -5794,7 +5794,7 @@
               <a:pPr>
                 <a:defRPr/>
               </a:pPr>
-              <a:t>10/1/2018</a:t>
+              <a:t>2/26/2019</a:t>
             </a:fld>
             <a:endParaRPr lang="en-US" dirty="0"/>
           </a:p>
@@ -5933,7 +5933,7 @@
               <a:pPr>
                 <a:defRPr/>
               </a:pPr>
-              <a:t>10/1/2018</a:t>
+              <a:t>2/26/2019</a:t>
             </a:fld>
             <a:endParaRPr lang="en-US" dirty="0"/>
           </a:p>
@@ -6050,7 +6050,7 @@
               <a:pPr>
                 <a:defRPr/>
               </a:pPr>
-              <a:t>10/1/2018</a:t>
+              <a:t>2/26/2019</a:t>
             </a:fld>
             <a:endParaRPr lang="en-US" dirty="0"/>
           </a:p>
@@ -6347,7 +6347,7 @@
               <a:pPr>
                 <a:defRPr/>
               </a:pPr>
-              <a:t>10/1/2018</a:t>
+              <a:t>2/26/2019</a:t>
             </a:fld>
             <a:endParaRPr lang="en-US" dirty="0"/>
           </a:p>
@@ -6624,7 +6624,7 @@
               <a:pPr>
                 <a:defRPr/>
               </a:pPr>
-              <a:t>10/1/2018</a:t>
+              <a:t>2/26/2019</a:t>
             </a:fld>
             <a:endParaRPr lang="en-US" dirty="0"/>
           </a:p>
@@ -6881,7 +6881,7 @@
               <a:pPr>
                 <a:defRPr/>
               </a:pPr>
-              <a:t>10/1/2018</a:t>
+              <a:t>2/26/2019</a:t>
             </a:fld>
             <a:endParaRPr lang="en-US" dirty="0"/>
           </a:p>
@@ -7591,7 +7591,7 @@
               <a:pPr>
                 <a:defRPr/>
               </a:pPr>
-              <a:t>10/1/2018</a:t>
+              <a:t>2/26/2019</a:t>
             </a:fld>
             <a:endParaRPr lang="en-US" dirty="0">
               <a:solidFill>
@@ -8188,12 +8188,16 @@
               </a:lnSpc>
             </a:pPr>
             <a:r>
-              <a:rPr lang="en-US" sz="6000" i="1" dirty="0">
+              <a:rPr lang="en-US" sz="6000" i="1">
                 <a:ea typeface="+mj-ea"/>
                 <a:cs typeface="+mj-cs"/>
               </a:rPr>
-              <a:t>Joins</a:t>
-            </a:r>
+              <a:t>Joins I</a:t>
+            </a:r>
+            <a:endParaRPr lang="en-US" sz="6000" i="1" dirty="0">
+              <a:ea typeface="+mj-ea"/>
+              <a:cs typeface="+mj-cs"/>
+            </a:endParaRPr>
           </a:p>
         </p:txBody>
       </p:sp>
